--- a/ppt/국비(정보처리기능사)_백수정.pptx
+++ b/ppt/국비(정보처리기능사)_백수정.pptx
@@ -5,7 +5,7 @@
     <p:sldMasterId id="2147483648" r:id="rId1"/>
   </p:sldMasterIdLst>
   <p:notesMasterIdLst>
-    <p:notesMasterId r:id="rId14"/>
+    <p:notesMasterId r:id="rId17"/>
   </p:notesMasterIdLst>
   <p:sldIdLst>
     <p:sldId id="256" r:id="rId2"/>
@@ -18,8 +18,11 @@
     <p:sldId id="267" r:id="rId9"/>
     <p:sldId id="266" r:id="rId10"/>
     <p:sldId id="268" r:id="rId11"/>
-    <p:sldId id="262" r:id="rId12"/>
-    <p:sldId id="263" r:id="rId13"/>
+    <p:sldId id="269" r:id="rId12"/>
+    <p:sldId id="270" r:id="rId13"/>
+    <p:sldId id="271" r:id="rId14"/>
+    <p:sldId id="262" r:id="rId15"/>
+    <p:sldId id="263" r:id="rId16"/>
   </p:sldIdLst>
   <p:sldSz cx="18288000" cy="10287000"/>
   <p:notesSz cx="10287000" cy="18288000"/>
@@ -948,6 +951,258 @@
     <p:extLst>
       <p:ext uri="{BB962C8B-B14F-4D97-AF65-F5344CB8AC3E}">
         <p14:creationId xmlns:p14="http://schemas.microsoft.com/office/powerpoint/2010/main" val="1645270200"/>
+      </p:ext>
+    </p:extLst>
+  </p:cSld>
+  <p:clrMapOvr>
+    <a:masterClrMapping/>
+  </p:clrMapOvr>
+</p:notes>
+</file>
+
+<file path=ppt/notesSlides/notesSlide6.xml><?xml version="1.0" encoding="utf-8"?>
+<p:notes xmlns:a="http://schemas.openxmlformats.org/drawingml/2006/main" xmlns:r="http://schemas.openxmlformats.org/officeDocument/2006/relationships" xmlns:p="http://schemas.openxmlformats.org/presentationml/2006/main">
+  <p:cSld>
+    <p:spTree>
+      <p:nvGrpSpPr>
+        <p:cNvPr id="1" name=""/>
+        <p:cNvGrpSpPr/>
+        <p:nvPr/>
+      </p:nvGrpSpPr>
+      <p:grpSpPr>
+        <a:xfrm>
+          <a:off x="0" y="0"/>
+          <a:ext cx="0" cy="0"/>
+          <a:chOff x="0" y="0"/>
+          <a:chExt cx="0" cy="0"/>
+        </a:xfrm>
+      </p:grpSpPr>
+      <p:sp>
+        <p:nvSpPr>
+          <p:cNvPr id="2" name="슬라이드 이미지 개체 틀 1"/>
+          <p:cNvSpPr>
+            <a:spLocks noGrp="1" noRot="1" noChangeAspect="1"/>
+          </p:cNvSpPr>
+          <p:nvPr>
+            <p:ph type="sldImg"/>
+          </p:nvPr>
+        </p:nvSpPr>
+        <p:spPr/>
+      </p:sp>
+      <p:sp>
+        <p:nvSpPr>
+          <p:cNvPr id="3" name="슬라이드 노트 개체 틀 2"/>
+          <p:cNvSpPr>
+            <a:spLocks noGrp="1"/>
+          </p:cNvSpPr>
+          <p:nvPr>
+            <p:ph type="body" idx="1"/>
+          </p:nvPr>
+        </p:nvSpPr>
+        <p:spPr/>
+        <p:txBody>
+          <a:bodyPr/>
+          <a:lstStyle/>
+          <a:p>
+            <a:endParaRPr lang="ko-KR" altLang="en-US" dirty="0"/>
+          </a:p>
+        </p:txBody>
+      </p:sp>
+      <p:sp>
+        <p:nvSpPr>
+          <p:cNvPr id="4" name="슬라이드 번호 개체 틀 3"/>
+          <p:cNvSpPr>
+            <a:spLocks noGrp="1"/>
+          </p:cNvSpPr>
+          <p:nvPr>
+            <p:ph type="sldNum" sz="quarter" idx="10"/>
+          </p:nvPr>
+        </p:nvSpPr>
+        <p:spPr/>
+        <p:txBody>
+          <a:bodyPr/>
+          <a:lstStyle/>
+          <a:p>
+            <a:fld id="{9730E20F-6A99-4DBC-B7B1-DCFA0C0D8288}" type="slidenum">
+              <a:rPr lang="ko-KR" altLang="en-US" smtClean="0"/>
+              <a:t>11</a:t>
+            </a:fld>
+            <a:endParaRPr lang="ko-KR" altLang="en-US"/>
+          </a:p>
+        </p:txBody>
+      </p:sp>
+    </p:spTree>
+    <p:extLst>
+      <p:ext uri="{BB962C8B-B14F-4D97-AF65-F5344CB8AC3E}">
+        <p14:creationId xmlns:p14="http://schemas.microsoft.com/office/powerpoint/2010/main" val="1628651153"/>
+      </p:ext>
+    </p:extLst>
+  </p:cSld>
+  <p:clrMapOvr>
+    <a:masterClrMapping/>
+  </p:clrMapOvr>
+</p:notes>
+</file>
+
+<file path=ppt/notesSlides/notesSlide7.xml><?xml version="1.0" encoding="utf-8"?>
+<p:notes xmlns:a="http://schemas.openxmlformats.org/drawingml/2006/main" xmlns:r="http://schemas.openxmlformats.org/officeDocument/2006/relationships" xmlns:p="http://schemas.openxmlformats.org/presentationml/2006/main">
+  <p:cSld>
+    <p:spTree>
+      <p:nvGrpSpPr>
+        <p:cNvPr id="1" name=""/>
+        <p:cNvGrpSpPr/>
+        <p:nvPr/>
+      </p:nvGrpSpPr>
+      <p:grpSpPr>
+        <a:xfrm>
+          <a:off x="0" y="0"/>
+          <a:ext cx="0" cy="0"/>
+          <a:chOff x="0" y="0"/>
+          <a:chExt cx="0" cy="0"/>
+        </a:xfrm>
+      </p:grpSpPr>
+      <p:sp>
+        <p:nvSpPr>
+          <p:cNvPr id="2" name="슬라이드 이미지 개체 틀 1"/>
+          <p:cNvSpPr>
+            <a:spLocks noGrp="1" noRot="1" noChangeAspect="1"/>
+          </p:cNvSpPr>
+          <p:nvPr>
+            <p:ph type="sldImg"/>
+          </p:nvPr>
+        </p:nvSpPr>
+        <p:spPr/>
+      </p:sp>
+      <p:sp>
+        <p:nvSpPr>
+          <p:cNvPr id="3" name="슬라이드 노트 개체 틀 2"/>
+          <p:cNvSpPr>
+            <a:spLocks noGrp="1"/>
+          </p:cNvSpPr>
+          <p:nvPr>
+            <p:ph type="body" idx="1"/>
+          </p:nvPr>
+        </p:nvSpPr>
+        <p:spPr/>
+        <p:txBody>
+          <a:bodyPr/>
+          <a:lstStyle/>
+          <a:p>
+            <a:endParaRPr lang="ko-KR" altLang="en-US" dirty="0"/>
+          </a:p>
+        </p:txBody>
+      </p:sp>
+      <p:sp>
+        <p:nvSpPr>
+          <p:cNvPr id="4" name="슬라이드 번호 개체 틀 3"/>
+          <p:cNvSpPr>
+            <a:spLocks noGrp="1"/>
+          </p:cNvSpPr>
+          <p:nvPr>
+            <p:ph type="sldNum" sz="quarter" idx="10"/>
+          </p:nvPr>
+        </p:nvSpPr>
+        <p:spPr/>
+        <p:txBody>
+          <a:bodyPr/>
+          <a:lstStyle/>
+          <a:p>
+            <a:fld id="{9730E20F-6A99-4DBC-B7B1-DCFA0C0D8288}" type="slidenum">
+              <a:rPr lang="ko-KR" altLang="en-US" smtClean="0"/>
+              <a:t>12</a:t>
+            </a:fld>
+            <a:endParaRPr lang="ko-KR" altLang="en-US"/>
+          </a:p>
+        </p:txBody>
+      </p:sp>
+    </p:spTree>
+    <p:extLst>
+      <p:ext uri="{BB962C8B-B14F-4D97-AF65-F5344CB8AC3E}">
+        <p14:creationId xmlns:p14="http://schemas.microsoft.com/office/powerpoint/2010/main" val="2477790113"/>
+      </p:ext>
+    </p:extLst>
+  </p:cSld>
+  <p:clrMapOvr>
+    <a:masterClrMapping/>
+  </p:clrMapOvr>
+</p:notes>
+</file>
+
+<file path=ppt/notesSlides/notesSlide8.xml><?xml version="1.0" encoding="utf-8"?>
+<p:notes xmlns:a="http://schemas.openxmlformats.org/drawingml/2006/main" xmlns:r="http://schemas.openxmlformats.org/officeDocument/2006/relationships" xmlns:p="http://schemas.openxmlformats.org/presentationml/2006/main">
+  <p:cSld>
+    <p:spTree>
+      <p:nvGrpSpPr>
+        <p:cNvPr id="1" name=""/>
+        <p:cNvGrpSpPr/>
+        <p:nvPr/>
+      </p:nvGrpSpPr>
+      <p:grpSpPr>
+        <a:xfrm>
+          <a:off x="0" y="0"/>
+          <a:ext cx="0" cy="0"/>
+          <a:chOff x="0" y="0"/>
+          <a:chExt cx="0" cy="0"/>
+        </a:xfrm>
+      </p:grpSpPr>
+      <p:sp>
+        <p:nvSpPr>
+          <p:cNvPr id="2" name="슬라이드 이미지 개체 틀 1"/>
+          <p:cNvSpPr>
+            <a:spLocks noGrp="1" noRot="1" noChangeAspect="1"/>
+          </p:cNvSpPr>
+          <p:nvPr>
+            <p:ph type="sldImg"/>
+          </p:nvPr>
+        </p:nvSpPr>
+        <p:spPr/>
+      </p:sp>
+      <p:sp>
+        <p:nvSpPr>
+          <p:cNvPr id="3" name="슬라이드 노트 개체 틀 2"/>
+          <p:cNvSpPr>
+            <a:spLocks noGrp="1"/>
+          </p:cNvSpPr>
+          <p:nvPr>
+            <p:ph type="body" idx="1"/>
+          </p:nvPr>
+        </p:nvSpPr>
+        <p:spPr/>
+        <p:txBody>
+          <a:bodyPr/>
+          <a:lstStyle/>
+          <a:p>
+            <a:endParaRPr lang="ko-KR" altLang="en-US" dirty="0"/>
+          </a:p>
+        </p:txBody>
+      </p:sp>
+      <p:sp>
+        <p:nvSpPr>
+          <p:cNvPr id="4" name="슬라이드 번호 개체 틀 3"/>
+          <p:cNvSpPr>
+            <a:spLocks noGrp="1"/>
+          </p:cNvSpPr>
+          <p:nvPr>
+            <p:ph type="sldNum" sz="quarter" idx="10"/>
+          </p:nvPr>
+        </p:nvSpPr>
+        <p:spPr/>
+        <p:txBody>
+          <a:bodyPr/>
+          <a:lstStyle/>
+          <a:p>
+            <a:fld id="{9730E20F-6A99-4DBC-B7B1-DCFA0C0D8288}" type="slidenum">
+              <a:rPr lang="ko-KR" altLang="en-US" smtClean="0"/>
+              <a:t>13</a:t>
+            </a:fld>
+            <a:endParaRPr lang="ko-KR" altLang="en-US"/>
+          </a:p>
+        </p:txBody>
+      </p:sp>
+    </p:spTree>
+    <p:extLst>
+      <p:ext uri="{BB962C8B-B14F-4D97-AF65-F5344CB8AC3E}">
+        <p14:creationId xmlns:p14="http://schemas.microsoft.com/office/powerpoint/2010/main" val="3784460609"/>
       </p:ext>
     </p:extLst>
   </p:cSld>
@@ -4462,17 +4717,7 @@
                 <a:latin typeface="Pretendard" pitchFamily="34" charset="0"/>
                 <a:cs typeface="Pretendard SemiBold" pitchFamily="34" charset="0"/>
               </a:rPr>
-              <a:t>(Create Movie</a:t>
-            </a:r>
-            <a:r>
-              <a:rPr lang="en-US" altLang="ko-KR" sz="4000" kern="0" spc="-100" dirty="0" smtClean="0">
-                <a:solidFill>
-                  <a:srgbClr val="595959"/>
-                </a:solidFill>
-                <a:latin typeface="Pretendard" pitchFamily="34" charset="0"/>
-                <a:cs typeface="Pretendard SemiBold" pitchFamily="34" charset="0"/>
-              </a:rPr>
-              <a:t>)</a:t>
+              <a:t>(Create Movie)</a:t>
             </a:r>
             <a:endParaRPr lang="en-US" dirty="0"/>
           </a:p>
@@ -4700,7 +4945,7 @@
                 <a:latin typeface="맑은 고딕" panose="020B0503020000020004" pitchFamily="50" charset="-127"/>
                 <a:ea typeface="맑은 고딕" panose="020B0503020000020004" pitchFamily="50" charset="-127"/>
               </a:rPr>
-              <a:t>파일에 데이터 입력 됨</a:t>
+              <a:t>파일에 데이터 입력</a:t>
             </a:r>
             <a:endParaRPr lang="en-US" altLang="ko-KR" dirty="0" smtClean="0">
               <a:solidFill>
@@ -4790,7 +5035,7 @@
                 <a:latin typeface="맑은 고딕" panose="020B0503020000020004" pitchFamily="50" charset="-127"/>
                 <a:ea typeface="맑은 고딕" panose="020B0503020000020004" pitchFamily="50" charset="-127"/>
               </a:rPr>
-              <a:t>생성시마다</a:t>
+              <a:t>등록시마다</a:t>
             </a:r>
             <a:r>
               <a:rPr lang="ko-KR" altLang="en-US" dirty="0" smtClean="0">
@@ -4805,6 +5050,54 @@
               <a:t> </a:t>
             </a:r>
             <a:r>
+              <a:rPr lang="en-US" altLang="ko-KR" dirty="0" err="1" smtClean="0">
+                <a:solidFill>
+                  <a:schemeClr val="bg1">
+                    <a:lumMod val="50000"/>
+                  </a:schemeClr>
+                </a:solidFill>
+                <a:latin typeface="맑은 고딕" panose="020B0503020000020004" pitchFamily="50" charset="-127"/>
+                <a:ea typeface="맑은 고딕" panose="020B0503020000020004" pitchFamily="50" charset="-127"/>
+              </a:rPr>
+              <a:t>NextNumber</a:t>
+            </a:r>
+            <a:r>
+              <a:rPr lang="ko-KR" altLang="en-US" dirty="0" smtClean="0">
+                <a:solidFill>
+                  <a:schemeClr val="bg1">
+                    <a:lumMod val="50000"/>
+                  </a:schemeClr>
+                </a:solidFill>
+                <a:latin typeface="맑은 고딕" panose="020B0503020000020004" pitchFamily="50" charset="-127"/>
+                <a:ea typeface="맑은 고딕" panose="020B0503020000020004" pitchFamily="50" charset="-127"/>
+              </a:rPr>
+              <a:t>를 통해 </a:t>
+            </a:r>
+            <a:r>
+              <a:rPr lang="en-US" altLang="ko-KR" dirty="0" err="1" smtClean="0">
+                <a:solidFill>
+                  <a:schemeClr val="bg1">
+                    <a:lumMod val="50000"/>
+                  </a:schemeClr>
+                </a:solidFill>
+                <a:latin typeface="맑은 고딕" panose="020B0503020000020004" pitchFamily="50" charset="-127"/>
+                <a:ea typeface="맑은 고딕" panose="020B0503020000020004" pitchFamily="50" charset="-127"/>
+              </a:rPr>
+              <a:t>movieNumber</a:t>
+            </a:r>
+            <a:r>
+              <a:rPr lang="ko-KR" altLang="en-US" dirty="0" smtClean="0">
+                <a:solidFill>
+                  <a:schemeClr val="bg1">
+                    <a:lumMod val="50000"/>
+                  </a:schemeClr>
+                </a:solidFill>
+                <a:latin typeface="맑은 고딕" panose="020B0503020000020004" pitchFamily="50" charset="-127"/>
+                <a:ea typeface="맑은 고딕" panose="020B0503020000020004" pitchFamily="50" charset="-127"/>
+              </a:rPr>
+              <a:t>가 </a:t>
+            </a:r>
+            <a:r>
               <a:rPr lang="en-US" altLang="ko-KR" dirty="0" smtClean="0">
                 <a:solidFill>
                   <a:schemeClr val="bg1">
@@ -4814,7 +5107,19 @@
                 <a:latin typeface="맑은 고딕" panose="020B0503020000020004" pitchFamily="50" charset="-127"/>
                 <a:ea typeface="맑은 고딕" panose="020B0503020000020004" pitchFamily="50" charset="-127"/>
               </a:rPr>
-              <a:t>NU</a:t>
+              <a:t>1</a:t>
+            </a:r>
+            <a:r>
+              <a:rPr lang="ko-KR" altLang="en-US" dirty="0" smtClean="0">
+                <a:solidFill>
+                  <a:schemeClr val="bg1">
+                    <a:lumMod val="50000"/>
+                  </a:schemeClr>
+                </a:solidFill>
+                <a:latin typeface="맑은 고딕" panose="020B0503020000020004" pitchFamily="50" charset="-127"/>
+                <a:ea typeface="맑은 고딕" panose="020B0503020000020004" pitchFamily="50" charset="-127"/>
+              </a:rPr>
+              <a:t>씩 증가되어 저장</a:t>
             </a:r>
             <a:endParaRPr lang="en-US" altLang="ko-KR" dirty="0">
               <a:solidFill>
@@ -5026,6 +5331,5157 @@
 </file>
 
 <file path=ppt/slides/slide11.xml><?xml version="1.0" encoding="utf-8"?>
+<p:sld xmlns:a="http://schemas.openxmlformats.org/drawingml/2006/main" xmlns:r="http://schemas.openxmlformats.org/officeDocument/2006/relationships" xmlns:p="http://schemas.openxmlformats.org/presentationml/2006/main">
+  <p:cSld>
+    <p:spTree>
+      <p:nvGrpSpPr>
+        <p:cNvPr id="1" name=""/>
+        <p:cNvGrpSpPr/>
+        <p:nvPr/>
+      </p:nvGrpSpPr>
+      <p:grpSpPr>
+        <a:xfrm>
+          <a:off x="0" y="0"/>
+          <a:ext cx="0" cy="0"/>
+          <a:chOff x="0" y="0"/>
+          <a:chExt cx="0" cy="0"/>
+        </a:xfrm>
+      </p:grpSpPr>
+      <p:sp>
+        <p:nvSpPr>
+          <p:cNvPr id="2" name="Object 2"/>
+          <p:cNvSpPr txBox="1"/>
+          <p:nvPr/>
+        </p:nvSpPr>
+        <p:spPr>
+          <a:xfrm>
+            <a:off x="10036837" y="689106"/>
+            <a:ext cx="7698578" cy="353943"/>
+          </a:xfrm>
+          <a:prstGeom prst="rect">
+            <a:avLst/>
+          </a:prstGeom>
+          <a:noFill/>
+        </p:spPr>
+        <p:txBody>
+          <a:bodyPr wrap="square" rtlCol="0" anchor="ctr">
+            <a:spAutoFit/>
+          </a:bodyPr>
+          <a:lstStyle/>
+          <a:p>
+            <a:pPr algn="r"/>
+            <a:r>
+              <a:rPr lang="en-US" altLang="ko-KR" sz="1700" dirty="0">
+                <a:solidFill>
+                  <a:srgbClr val="6EC67F"/>
+                </a:solidFill>
+                <a:latin typeface="Pretendard Thin" pitchFamily="34" charset="0"/>
+                <a:cs typeface="Pretendard Thin" pitchFamily="34" charset="0"/>
+              </a:rPr>
+              <a:t>Movie Review App</a:t>
+            </a:r>
+            <a:endParaRPr lang="en-US" altLang="ko-KR" sz="1600" dirty="0"/>
+          </a:p>
+        </p:txBody>
+      </p:sp>
+      <p:sp>
+        <p:nvSpPr>
+          <p:cNvPr id="3" name="Object 3"/>
+          <p:cNvSpPr txBox="1"/>
+          <p:nvPr/>
+        </p:nvSpPr>
+        <p:spPr>
+          <a:xfrm>
+            <a:off x="1159048" y="571500"/>
+            <a:ext cx="10418571" cy="830997"/>
+          </a:xfrm>
+          <a:prstGeom prst="rect">
+            <a:avLst/>
+          </a:prstGeom>
+          <a:noFill/>
+        </p:spPr>
+        <p:txBody>
+          <a:bodyPr wrap="square" rtlCol="0" anchor="ctr">
+            <a:spAutoFit/>
+          </a:bodyPr>
+          <a:lstStyle/>
+          <a:p>
+            <a:r>
+              <a:rPr lang="en-US" sz="4800" kern="0" spc="-100" dirty="0" smtClean="0">
+                <a:solidFill>
+                  <a:srgbClr val="595959"/>
+                </a:solidFill>
+                <a:latin typeface="Pretendard SemiBold" pitchFamily="34" charset="0"/>
+                <a:cs typeface="Pretendard SemiBold" pitchFamily="34" charset="0"/>
+              </a:rPr>
+              <a:t>03 </a:t>
+            </a:r>
+            <a:r>
+              <a:rPr lang="ko-KR" altLang="en-US" sz="4000" kern="0" spc="-100" dirty="0" smtClean="0">
+                <a:solidFill>
+                  <a:srgbClr val="595959"/>
+                </a:solidFill>
+                <a:latin typeface="Pretendard" pitchFamily="34" charset="0"/>
+                <a:cs typeface="Pretendard SemiBold" pitchFamily="34" charset="0"/>
+              </a:rPr>
+              <a:t>코드 및 </a:t>
+            </a:r>
+            <a:r>
+              <a:rPr lang="ko-KR" altLang="en-US" sz="4000" kern="0" spc="-100" dirty="0" err="1" smtClean="0">
+                <a:solidFill>
+                  <a:srgbClr val="595959"/>
+                </a:solidFill>
+                <a:latin typeface="Pretendard" pitchFamily="34" charset="0"/>
+                <a:cs typeface="Pretendard SemiBold" pitchFamily="34" charset="0"/>
+              </a:rPr>
+              <a:t>실행화면</a:t>
+            </a:r>
+            <a:r>
+              <a:rPr lang="en-US" altLang="ko-KR" sz="4000" kern="0" spc="-100" dirty="0" smtClean="0">
+                <a:solidFill>
+                  <a:srgbClr val="595959"/>
+                </a:solidFill>
+                <a:latin typeface="Pretendard" pitchFamily="34" charset="0"/>
+                <a:cs typeface="Pretendard SemiBold" pitchFamily="34" charset="0"/>
+              </a:rPr>
+              <a:t>(Get Movie List)</a:t>
+            </a:r>
+            <a:endParaRPr lang="en-US" dirty="0"/>
+          </a:p>
+        </p:txBody>
+      </p:sp>
+      <p:grpSp>
+        <p:nvGrpSpPr>
+          <p:cNvPr id="1001" name="그룹 1001"/>
+          <p:cNvGrpSpPr/>
+          <p:nvPr/>
+        </p:nvGrpSpPr>
+        <p:grpSpPr>
+          <a:xfrm>
+            <a:off x="516833" y="23814"/>
+            <a:ext cx="1298710" cy="14286"/>
+            <a:chOff x="516833" y="409580"/>
+            <a:chExt cx="1298710" cy="14286"/>
+          </a:xfrm>
+        </p:grpSpPr>
+        <p:pic>
+          <p:nvPicPr>
+            <p:cNvPr id="5" name="Object 4"/>
+            <p:cNvPicPr>
+              <a:picLocks noChangeAspect="1"/>
+            </p:cNvPicPr>
+            <p:nvPr/>
+          </p:nvPicPr>
+          <p:blipFill>
+            <a:blip r:embed="rId3" cstate="print"/>
+            <a:stretch>
+              <a:fillRect/>
+            </a:stretch>
+          </p:blipFill>
+          <p:spPr>
+            <a:xfrm rot="5400000">
+              <a:off x="516833" y="409580"/>
+              <a:ext cx="1298710" cy="14286"/>
+            </a:xfrm>
+            <a:prstGeom prst="rect">
+              <a:avLst/>
+            </a:prstGeom>
+          </p:spPr>
+        </p:pic>
+      </p:grpSp>
+      <p:sp>
+        <p:nvSpPr>
+          <p:cNvPr id="4" name="모서리가 둥근 직사각형 3"/>
+          <p:cNvSpPr/>
+          <p:nvPr/>
+        </p:nvSpPr>
+        <p:spPr>
+          <a:xfrm>
+            <a:off x="1173331" y="7475894"/>
+            <a:ext cx="16047869" cy="2338129"/>
+          </a:xfrm>
+          <a:prstGeom prst="roundRect">
+            <a:avLst>
+              <a:gd name="adj" fmla="val 7060"/>
+            </a:avLst>
+          </a:prstGeom>
+          <a:noFill/>
+          <a:ln w="6350">
+            <a:solidFill>
+              <a:srgbClr val="75D387"/>
+            </a:solidFill>
+          </a:ln>
+        </p:spPr>
+        <p:style>
+          <a:lnRef idx="2">
+            <a:schemeClr val="accent1">
+              <a:shade val="50000"/>
+            </a:schemeClr>
+          </a:lnRef>
+          <a:fillRef idx="1">
+            <a:schemeClr val="accent1"/>
+          </a:fillRef>
+          <a:effectRef idx="0">
+            <a:schemeClr val="accent1"/>
+          </a:effectRef>
+          <a:fontRef idx="minor">
+            <a:schemeClr val="lt1"/>
+          </a:fontRef>
+        </p:style>
+        <p:txBody>
+          <a:bodyPr rtlCol="0" anchor="ctr"/>
+          <a:lstStyle/>
+          <a:p>
+            <a:pPr algn="ctr"/>
+            <a:endParaRPr lang="ko-KR" altLang="en-US"/>
+          </a:p>
+        </p:txBody>
+      </p:sp>
+      <p:sp>
+        <p:nvSpPr>
+          <p:cNvPr id="9" name="Object 37"/>
+          <p:cNvSpPr txBox="1"/>
+          <p:nvPr/>
+        </p:nvSpPr>
+        <p:spPr>
+          <a:xfrm>
+            <a:off x="1320183" y="7505700"/>
+            <a:ext cx="15754163" cy="2308324"/>
+          </a:xfrm>
+          <a:prstGeom prst="rect">
+            <a:avLst/>
+          </a:prstGeom>
+          <a:noFill/>
+        </p:spPr>
+        <p:txBody>
+          <a:bodyPr wrap="square" rtlCol="0" anchor="ctr">
+            <a:spAutoFit/>
+          </a:bodyPr>
+          <a:lstStyle/>
+          <a:p>
+            <a:pPr marL="285750" indent="-285750" algn="just">
+              <a:buFont typeface="Wingdings" panose="05000000000000000000" pitchFamily="2" charset="2"/>
+              <a:buChar char="§"/>
+            </a:pPr>
+            <a:r>
+              <a:rPr lang="en-US" altLang="ko-KR" dirty="0" smtClean="0">
+                <a:solidFill>
+                  <a:schemeClr val="bg1">
+                    <a:lumMod val="50000"/>
+                  </a:schemeClr>
+                </a:solidFill>
+                <a:latin typeface="맑은 고딕" panose="020B0503020000020004" pitchFamily="50" charset="-127"/>
+                <a:ea typeface="맑은 고딕" panose="020B0503020000020004" pitchFamily="50" charset="-127"/>
+              </a:rPr>
+              <a:t>View</a:t>
+            </a:r>
+            <a:r>
+              <a:rPr lang="ko-KR" altLang="en-US" dirty="0" smtClean="0">
+                <a:solidFill>
+                  <a:schemeClr val="bg1">
+                    <a:lumMod val="50000"/>
+                  </a:schemeClr>
+                </a:solidFill>
+                <a:latin typeface="맑은 고딕" panose="020B0503020000020004" pitchFamily="50" charset="-127"/>
+                <a:ea typeface="맑은 고딕" panose="020B0503020000020004" pitchFamily="50" charset="-127"/>
+              </a:rPr>
+              <a:t>클래스에 </a:t>
+            </a:r>
+            <a:r>
+              <a:rPr lang="en-US" altLang="ko-KR" dirty="0" err="1" smtClean="0">
+                <a:solidFill>
+                  <a:schemeClr val="bg1">
+                    <a:lumMod val="50000"/>
+                  </a:schemeClr>
+                </a:solidFill>
+                <a:latin typeface="맑은 고딕" panose="020B0503020000020004" pitchFamily="50" charset="-127"/>
+                <a:ea typeface="맑은 고딕" panose="020B0503020000020004" pitchFamily="50" charset="-127"/>
+              </a:rPr>
+              <a:t>MovieView</a:t>
+            </a:r>
+            <a:r>
+              <a:rPr lang="en-US" altLang="ko-KR" dirty="0" smtClean="0">
+                <a:solidFill>
+                  <a:schemeClr val="bg1">
+                    <a:lumMod val="50000"/>
+                  </a:schemeClr>
+                </a:solidFill>
+                <a:latin typeface="맑은 고딕" panose="020B0503020000020004" pitchFamily="50" charset="-127"/>
+                <a:ea typeface="맑은 고딕" panose="020B0503020000020004" pitchFamily="50" charset="-127"/>
+              </a:rPr>
+              <a:t>() </a:t>
+            </a:r>
+            <a:r>
+              <a:rPr lang="ko-KR" altLang="en-US" dirty="0" smtClean="0">
+                <a:solidFill>
+                  <a:schemeClr val="bg1">
+                    <a:lumMod val="50000"/>
+                  </a:schemeClr>
+                </a:solidFill>
+                <a:latin typeface="맑은 고딕" panose="020B0503020000020004" pitchFamily="50" charset="-127"/>
+                <a:ea typeface="맑은 고딕" panose="020B0503020000020004" pitchFamily="50" charset="-127"/>
+              </a:rPr>
+              <a:t>함수 생성</a:t>
+            </a:r>
+            <a:endParaRPr lang="en-US" altLang="ko-KR" dirty="0" smtClean="0">
+              <a:solidFill>
+                <a:schemeClr val="bg1">
+                  <a:lumMod val="50000"/>
+                </a:schemeClr>
+              </a:solidFill>
+              <a:latin typeface="맑은 고딕" panose="020B0503020000020004" pitchFamily="50" charset="-127"/>
+              <a:ea typeface="맑은 고딕" panose="020B0503020000020004" pitchFamily="50" charset="-127"/>
+            </a:endParaRPr>
+          </a:p>
+          <a:p>
+            <a:pPr marL="342900" indent="-342900" algn="just">
+              <a:buFont typeface="맑은 고딕" panose="020B0503020000020004" pitchFamily="50" charset="-127"/>
+              <a:buChar char="-"/>
+            </a:pPr>
+            <a:r>
+              <a:rPr lang="en-US" altLang="ko-KR" dirty="0" err="1" smtClean="0">
+                <a:solidFill>
+                  <a:schemeClr val="bg1">
+                    <a:lumMod val="50000"/>
+                  </a:schemeClr>
+                </a:solidFill>
+                <a:latin typeface="맑은 고딕" panose="020B0503020000020004" pitchFamily="50" charset="-127"/>
+                <a:ea typeface="맑은 고딕" panose="020B0503020000020004" pitchFamily="50" charset="-127"/>
+              </a:rPr>
+              <a:t>MovieDto</a:t>
+            </a:r>
+            <a:r>
+              <a:rPr lang="ko-KR" altLang="en-US" dirty="0" smtClean="0">
+                <a:solidFill>
+                  <a:schemeClr val="bg1">
+                    <a:lumMod val="50000"/>
+                  </a:schemeClr>
+                </a:solidFill>
+                <a:latin typeface="맑은 고딕" panose="020B0503020000020004" pitchFamily="50" charset="-127"/>
+                <a:ea typeface="맑은 고딕" panose="020B0503020000020004" pitchFamily="50" charset="-127"/>
+              </a:rPr>
+              <a:t>리스트를 매개변수로 받아서 </a:t>
+            </a:r>
+            <a:r>
+              <a:rPr lang="en-US" altLang="ko-KR" dirty="0" err="1" smtClean="0">
+                <a:solidFill>
+                  <a:schemeClr val="bg1">
+                    <a:lumMod val="50000"/>
+                  </a:schemeClr>
+                </a:solidFill>
+                <a:latin typeface="맑은 고딕" panose="020B0503020000020004" pitchFamily="50" charset="-127"/>
+                <a:ea typeface="맑은 고딕" panose="020B0503020000020004" pitchFamily="50" charset="-127"/>
+              </a:rPr>
+              <a:t>toString</a:t>
+            </a:r>
+            <a:r>
+              <a:rPr lang="ko-KR" altLang="en-US" dirty="0" smtClean="0">
+                <a:solidFill>
+                  <a:schemeClr val="bg1">
+                    <a:lumMod val="50000"/>
+                  </a:schemeClr>
+                </a:solidFill>
+                <a:latin typeface="맑은 고딕" panose="020B0503020000020004" pitchFamily="50" charset="-127"/>
+                <a:ea typeface="맑은 고딕" panose="020B0503020000020004" pitchFamily="50" charset="-127"/>
+              </a:rPr>
+              <a:t>으로 리스트 출력</a:t>
+            </a:r>
+            <a:endParaRPr lang="en-US" altLang="ko-KR" dirty="0" smtClean="0">
+              <a:solidFill>
+                <a:schemeClr val="bg1">
+                  <a:lumMod val="50000"/>
+                </a:schemeClr>
+              </a:solidFill>
+              <a:latin typeface="맑은 고딕" panose="020B0503020000020004" pitchFamily="50" charset="-127"/>
+              <a:ea typeface="맑은 고딕" panose="020B0503020000020004" pitchFamily="50" charset="-127"/>
+            </a:endParaRPr>
+          </a:p>
+          <a:p>
+            <a:pPr marL="285750" indent="-285750" algn="just">
+              <a:buFont typeface="Wingdings" panose="05000000000000000000" pitchFamily="2" charset="2"/>
+              <a:buChar char="§"/>
+            </a:pPr>
+            <a:r>
+              <a:rPr lang="en-US" altLang="ko-KR" dirty="0" smtClean="0">
+                <a:solidFill>
+                  <a:schemeClr val="bg1">
+                    <a:lumMod val="50000"/>
+                  </a:schemeClr>
+                </a:solidFill>
+                <a:latin typeface="맑은 고딕" panose="020B0503020000020004" pitchFamily="50" charset="-127"/>
+                <a:ea typeface="맑은 고딕" panose="020B0503020000020004" pitchFamily="50" charset="-127"/>
+              </a:rPr>
+              <a:t>Repository</a:t>
+            </a:r>
+            <a:r>
+              <a:rPr lang="ko-KR" altLang="en-US" dirty="0" smtClean="0">
+                <a:solidFill>
+                  <a:schemeClr val="bg1">
+                    <a:lumMod val="50000"/>
+                  </a:schemeClr>
+                </a:solidFill>
+                <a:latin typeface="맑은 고딕" panose="020B0503020000020004" pitchFamily="50" charset="-127"/>
+                <a:ea typeface="맑은 고딕" panose="020B0503020000020004" pitchFamily="50" charset="-127"/>
+              </a:rPr>
+              <a:t>클래스에서 </a:t>
+            </a:r>
+            <a:r>
+              <a:rPr lang="en-US" altLang="ko-KR" dirty="0" err="1" smtClean="0">
+                <a:solidFill>
+                  <a:schemeClr val="bg1">
+                    <a:lumMod val="50000"/>
+                  </a:schemeClr>
+                </a:solidFill>
+                <a:latin typeface="맑은 고딕" panose="020B0503020000020004" pitchFamily="50" charset="-127"/>
+                <a:ea typeface="맑은 고딕" panose="020B0503020000020004" pitchFamily="50" charset="-127"/>
+              </a:rPr>
+              <a:t>getmoveList</a:t>
+            </a:r>
+            <a:r>
+              <a:rPr lang="en-US" altLang="ko-KR" dirty="0" smtClean="0">
+                <a:solidFill>
+                  <a:schemeClr val="bg1">
+                    <a:lumMod val="50000"/>
+                  </a:schemeClr>
+                </a:solidFill>
+                <a:latin typeface="맑은 고딕" panose="020B0503020000020004" pitchFamily="50" charset="-127"/>
+                <a:ea typeface="맑은 고딕" panose="020B0503020000020004" pitchFamily="50" charset="-127"/>
+              </a:rPr>
+              <a:t>() </a:t>
+            </a:r>
+            <a:r>
+              <a:rPr lang="ko-KR" altLang="en-US" dirty="0" smtClean="0">
+                <a:solidFill>
+                  <a:schemeClr val="bg1">
+                    <a:lumMod val="50000"/>
+                  </a:schemeClr>
+                </a:solidFill>
+                <a:latin typeface="맑은 고딕" panose="020B0503020000020004" pitchFamily="50" charset="-127"/>
+                <a:ea typeface="맑은 고딕" panose="020B0503020000020004" pitchFamily="50" charset="-127"/>
+              </a:rPr>
+              <a:t>함수 생성하여 </a:t>
+            </a:r>
+            <a:r>
+              <a:rPr lang="en-US" altLang="ko-KR" dirty="0" err="1" smtClean="0">
+                <a:solidFill>
+                  <a:schemeClr val="bg1">
+                    <a:lumMod val="50000"/>
+                  </a:schemeClr>
+                </a:solidFill>
+                <a:latin typeface="맑은 고딕" panose="020B0503020000020004" pitchFamily="50" charset="-127"/>
+                <a:ea typeface="맑은 고딕" panose="020B0503020000020004" pitchFamily="50" charset="-127"/>
+              </a:rPr>
+              <a:t>movieDtos</a:t>
+            </a:r>
+            <a:r>
+              <a:rPr lang="ko-KR" altLang="en-US" dirty="0" smtClean="0">
+                <a:solidFill>
+                  <a:schemeClr val="bg1">
+                    <a:lumMod val="50000"/>
+                  </a:schemeClr>
+                </a:solidFill>
+                <a:latin typeface="맑은 고딕" panose="020B0503020000020004" pitchFamily="50" charset="-127"/>
+                <a:ea typeface="맑은 고딕" panose="020B0503020000020004" pitchFamily="50" charset="-127"/>
+              </a:rPr>
+              <a:t>를 반환</a:t>
+            </a:r>
+            <a:endParaRPr lang="en-US" altLang="ko-KR" dirty="0" smtClean="0">
+              <a:solidFill>
+                <a:schemeClr val="bg1">
+                  <a:lumMod val="50000"/>
+                </a:schemeClr>
+              </a:solidFill>
+              <a:latin typeface="맑은 고딕" panose="020B0503020000020004" pitchFamily="50" charset="-127"/>
+              <a:ea typeface="맑은 고딕" panose="020B0503020000020004" pitchFamily="50" charset="-127"/>
+            </a:endParaRPr>
+          </a:p>
+          <a:p>
+            <a:pPr marL="285750" indent="-285750" algn="just">
+              <a:buFont typeface="Wingdings" panose="05000000000000000000" pitchFamily="2" charset="2"/>
+              <a:buChar char="§"/>
+            </a:pPr>
+            <a:r>
+              <a:rPr lang="en-US" altLang="ko-KR" dirty="0" smtClean="0">
+                <a:solidFill>
+                  <a:schemeClr val="bg1">
+                    <a:lumMod val="50000"/>
+                  </a:schemeClr>
+                </a:solidFill>
+                <a:latin typeface="맑은 고딕" panose="020B0503020000020004" pitchFamily="50" charset="-127"/>
+                <a:ea typeface="맑은 고딕" panose="020B0503020000020004" pitchFamily="50" charset="-127"/>
+              </a:rPr>
+              <a:t>Repository</a:t>
+            </a:r>
+            <a:r>
+              <a:rPr lang="ko-KR" altLang="en-US" dirty="0" smtClean="0">
+                <a:solidFill>
+                  <a:schemeClr val="bg1">
+                    <a:lumMod val="50000"/>
+                  </a:schemeClr>
+                </a:solidFill>
+                <a:latin typeface="맑은 고딕" panose="020B0503020000020004" pitchFamily="50" charset="-127"/>
+                <a:ea typeface="맑은 고딕" panose="020B0503020000020004" pitchFamily="50" charset="-127"/>
+              </a:rPr>
+              <a:t>클래스에서 </a:t>
+            </a:r>
+            <a:r>
+              <a:rPr lang="en-US" altLang="ko-KR" dirty="0" err="1" smtClean="0">
+                <a:solidFill>
+                  <a:schemeClr val="bg1">
+                    <a:lumMod val="50000"/>
+                  </a:schemeClr>
+                </a:solidFill>
+                <a:latin typeface="맑은 고딕" panose="020B0503020000020004" pitchFamily="50" charset="-127"/>
+                <a:ea typeface="맑은 고딕" panose="020B0503020000020004" pitchFamily="50" charset="-127"/>
+              </a:rPr>
+              <a:t>loadData</a:t>
+            </a:r>
+            <a:r>
+              <a:rPr lang="en-US" altLang="ko-KR" dirty="0" smtClean="0">
+                <a:solidFill>
+                  <a:schemeClr val="bg1">
+                    <a:lumMod val="50000"/>
+                  </a:schemeClr>
+                </a:solidFill>
+                <a:latin typeface="맑은 고딕" panose="020B0503020000020004" pitchFamily="50" charset="-127"/>
+                <a:ea typeface="맑은 고딕" panose="020B0503020000020004" pitchFamily="50" charset="-127"/>
+              </a:rPr>
+              <a:t>()</a:t>
+            </a:r>
+            <a:r>
+              <a:rPr lang="ko-KR" altLang="en-US" dirty="0">
+                <a:solidFill>
+                  <a:schemeClr val="bg1">
+                    <a:lumMod val="50000"/>
+                  </a:schemeClr>
+                </a:solidFill>
+                <a:latin typeface="맑은 고딕" panose="020B0503020000020004" pitchFamily="50" charset="-127"/>
+                <a:ea typeface="맑은 고딕" panose="020B0503020000020004" pitchFamily="50" charset="-127"/>
+              </a:rPr>
+              <a:t> </a:t>
+            </a:r>
+            <a:r>
+              <a:rPr lang="ko-KR" altLang="en-US" dirty="0" smtClean="0">
+                <a:solidFill>
+                  <a:schemeClr val="bg1">
+                    <a:lumMod val="50000"/>
+                  </a:schemeClr>
+                </a:solidFill>
+                <a:latin typeface="맑은 고딕" panose="020B0503020000020004" pitchFamily="50" charset="-127"/>
+                <a:ea typeface="맑은 고딕" panose="020B0503020000020004" pitchFamily="50" charset="-127"/>
+              </a:rPr>
+              <a:t>함수 생성</a:t>
+            </a:r>
+            <a:endParaRPr lang="en-US" altLang="ko-KR" dirty="0" smtClean="0">
+              <a:solidFill>
+                <a:schemeClr val="bg1">
+                  <a:lumMod val="50000"/>
+                </a:schemeClr>
+              </a:solidFill>
+              <a:latin typeface="맑은 고딕" panose="020B0503020000020004" pitchFamily="50" charset="-127"/>
+              <a:ea typeface="맑은 고딕" panose="020B0503020000020004" pitchFamily="50" charset="-127"/>
+            </a:endParaRPr>
+          </a:p>
+          <a:p>
+            <a:pPr marL="285750" indent="-285750" algn="just">
+              <a:buFont typeface="맑은 고딕" panose="020B0503020000020004" pitchFamily="50" charset="-127"/>
+              <a:buChar char="-"/>
+            </a:pPr>
+            <a:r>
+              <a:rPr lang="en-US" altLang="ko-KR" dirty="0" smtClean="0">
+                <a:solidFill>
+                  <a:schemeClr val="bg1">
+                    <a:lumMod val="50000"/>
+                  </a:schemeClr>
+                </a:solidFill>
+                <a:latin typeface="맑은 고딕" panose="020B0503020000020004" pitchFamily="50" charset="-127"/>
+                <a:ea typeface="맑은 고딕" panose="020B0503020000020004" pitchFamily="50" charset="-127"/>
+              </a:rPr>
+              <a:t>Scanner</a:t>
+            </a:r>
+            <a:r>
+              <a:rPr lang="ko-KR" altLang="en-US" dirty="0" smtClean="0">
+                <a:solidFill>
+                  <a:schemeClr val="bg1">
+                    <a:lumMod val="50000"/>
+                  </a:schemeClr>
+                </a:solidFill>
+                <a:latin typeface="맑은 고딕" panose="020B0503020000020004" pitchFamily="50" charset="-127"/>
+                <a:ea typeface="맑은 고딕" panose="020B0503020000020004" pitchFamily="50" charset="-127"/>
+              </a:rPr>
+              <a:t>클래스를 통해 파일을 열어서 읽기</a:t>
+            </a:r>
+            <a:endParaRPr lang="en-US" altLang="ko-KR" dirty="0" smtClean="0">
+              <a:solidFill>
+                <a:schemeClr val="bg1">
+                  <a:lumMod val="50000"/>
+                </a:schemeClr>
+              </a:solidFill>
+              <a:latin typeface="맑은 고딕" panose="020B0503020000020004" pitchFamily="50" charset="-127"/>
+              <a:ea typeface="맑은 고딕" panose="020B0503020000020004" pitchFamily="50" charset="-127"/>
+            </a:endParaRPr>
+          </a:p>
+          <a:p>
+            <a:pPr marL="285750" indent="-285750" algn="just">
+              <a:buFont typeface="맑은 고딕" panose="020B0503020000020004" pitchFamily="50" charset="-127"/>
+              <a:buChar char="-"/>
+            </a:pPr>
+            <a:r>
+              <a:rPr lang="en-US" altLang="ko-KR" dirty="0" smtClean="0">
+                <a:solidFill>
+                  <a:schemeClr val="bg1">
+                    <a:lumMod val="50000"/>
+                  </a:schemeClr>
+                </a:solidFill>
+                <a:latin typeface="맑은 고딕" panose="020B0503020000020004" pitchFamily="50" charset="-127"/>
+                <a:ea typeface="맑은 고딕" panose="020B0503020000020004" pitchFamily="50" charset="-127"/>
+              </a:rPr>
+              <a:t>Split(“,”)</a:t>
+            </a:r>
+            <a:r>
+              <a:rPr lang="ko-KR" altLang="en-US" dirty="0" smtClean="0">
+                <a:solidFill>
+                  <a:schemeClr val="bg1">
+                    <a:lumMod val="50000"/>
+                  </a:schemeClr>
+                </a:solidFill>
+                <a:latin typeface="맑은 고딕" panose="020B0503020000020004" pitchFamily="50" charset="-127"/>
+                <a:ea typeface="맑은 고딕" panose="020B0503020000020004" pitchFamily="50" charset="-127"/>
+              </a:rPr>
+              <a:t>을 사용하여 쉼표로 분할하여 배열에 저장</a:t>
+            </a:r>
+            <a:endParaRPr lang="en-US" altLang="ko-KR" dirty="0" smtClean="0">
+              <a:solidFill>
+                <a:schemeClr val="bg1">
+                  <a:lumMod val="50000"/>
+                </a:schemeClr>
+              </a:solidFill>
+              <a:latin typeface="맑은 고딕" panose="020B0503020000020004" pitchFamily="50" charset="-127"/>
+              <a:ea typeface="맑은 고딕" panose="020B0503020000020004" pitchFamily="50" charset="-127"/>
+            </a:endParaRPr>
+          </a:p>
+          <a:p>
+            <a:pPr marL="285750" indent="-285750" algn="just">
+              <a:buFont typeface="맑은 고딕" panose="020B0503020000020004" pitchFamily="50" charset="-127"/>
+              <a:buChar char="-"/>
+            </a:pPr>
+            <a:r>
+              <a:rPr lang="en-US" altLang="ko-KR" dirty="0" err="1" smtClean="0">
+                <a:solidFill>
+                  <a:schemeClr val="bg1">
+                    <a:lumMod val="50000"/>
+                  </a:schemeClr>
+                </a:solidFill>
+                <a:latin typeface="맑은 고딕" panose="020B0503020000020004" pitchFamily="50" charset="-127"/>
+                <a:ea typeface="맑은 고딕" panose="020B0503020000020004" pitchFamily="50" charset="-127"/>
+              </a:rPr>
+              <a:t>movieDto</a:t>
+            </a:r>
+            <a:r>
+              <a:rPr lang="ko-KR" altLang="en-US" dirty="0" smtClean="0">
+                <a:solidFill>
+                  <a:schemeClr val="bg1">
+                    <a:lumMod val="50000"/>
+                  </a:schemeClr>
+                </a:solidFill>
+                <a:latin typeface="맑은 고딕" panose="020B0503020000020004" pitchFamily="50" charset="-127"/>
+                <a:ea typeface="맑은 고딕" panose="020B0503020000020004" pitchFamily="50" charset="-127"/>
+              </a:rPr>
+              <a:t>객체를 생성하여 해당하는 요소를 배열에서 넣기 </a:t>
+            </a:r>
+            <a:endParaRPr lang="en-US" altLang="ko-KR" dirty="0">
+              <a:solidFill>
+                <a:schemeClr val="bg1">
+                  <a:lumMod val="50000"/>
+                </a:schemeClr>
+              </a:solidFill>
+              <a:latin typeface="맑은 고딕" panose="020B0503020000020004" pitchFamily="50" charset="-127"/>
+              <a:ea typeface="맑은 고딕" panose="020B0503020000020004" pitchFamily="50" charset="-127"/>
+            </a:endParaRPr>
+          </a:p>
+          <a:p>
+            <a:pPr marL="285750" indent="-285750" algn="just">
+              <a:buFont typeface="Wingdings" panose="05000000000000000000" pitchFamily="2" charset="2"/>
+              <a:buChar char="§"/>
+            </a:pPr>
+            <a:r>
+              <a:rPr lang="en-US" altLang="ko-KR" dirty="0" smtClean="0">
+                <a:solidFill>
+                  <a:schemeClr val="bg1">
+                    <a:lumMod val="50000"/>
+                  </a:schemeClr>
+                </a:solidFill>
+                <a:latin typeface="맑은 고딕" panose="020B0503020000020004" pitchFamily="50" charset="-127"/>
+                <a:ea typeface="맑은 고딕" panose="020B0503020000020004" pitchFamily="50" charset="-127"/>
+              </a:rPr>
+              <a:t>Repository </a:t>
+            </a:r>
+            <a:r>
+              <a:rPr lang="ko-KR" altLang="en-US" dirty="0" smtClean="0">
+                <a:solidFill>
+                  <a:schemeClr val="bg1">
+                    <a:lumMod val="50000"/>
+                  </a:schemeClr>
+                </a:solidFill>
+                <a:latin typeface="맑은 고딕" panose="020B0503020000020004" pitchFamily="50" charset="-127"/>
+                <a:ea typeface="맑은 고딕" panose="020B0503020000020004" pitchFamily="50" charset="-127"/>
+              </a:rPr>
+              <a:t>기본 </a:t>
+            </a:r>
+            <a:r>
+              <a:rPr lang="ko-KR" altLang="en-US" dirty="0" err="1" smtClean="0">
+                <a:solidFill>
+                  <a:schemeClr val="bg1">
+                    <a:lumMod val="50000"/>
+                  </a:schemeClr>
+                </a:solidFill>
+                <a:latin typeface="맑은 고딕" panose="020B0503020000020004" pitchFamily="50" charset="-127"/>
+                <a:ea typeface="맑은 고딕" panose="020B0503020000020004" pitchFamily="50" charset="-127"/>
+              </a:rPr>
+              <a:t>생성자에</a:t>
+            </a:r>
+            <a:r>
+              <a:rPr lang="ko-KR" altLang="en-US" dirty="0" smtClean="0">
+                <a:solidFill>
+                  <a:schemeClr val="bg1">
+                    <a:lumMod val="50000"/>
+                  </a:schemeClr>
+                </a:solidFill>
+                <a:latin typeface="맑은 고딕" panose="020B0503020000020004" pitchFamily="50" charset="-127"/>
+                <a:ea typeface="맑은 고딕" panose="020B0503020000020004" pitchFamily="50" charset="-127"/>
+              </a:rPr>
+              <a:t> </a:t>
+            </a:r>
+            <a:r>
+              <a:rPr lang="en-US" altLang="ko-KR" dirty="0" err="1" smtClean="0">
+                <a:solidFill>
+                  <a:schemeClr val="bg1">
+                    <a:lumMod val="50000"/>
+                  </a:schemeClr>
+                </a:solidFill>
+                <a:latin typeface="맑은 고딕" panose="020B0503020000020004" pitchFamily="50" charset="-127"/>
+                <a:ea typeface="맑은 고딕" panose="020B0503020000020004" pitchFamily="50" charset="-127"/>
+              </a:rPr>
+              <a:t>loadData</a:t>
+            </a:r>
+            <a:r>
+              <a:rPr lang="en-US" altLang="ko-KR" dirty="0" smtClean="0">
+                <a:solidFill>
+                  <a:schemeClr val="bg1">
+                    <a:lumMod val="50000"/>
+                  </a:schemeClr>
+                </a:solidFill>
+                <a:latin typeface="맑은 고딕" panose="020B0503020000020004" pitchFamily="50" charset="-127"/>
+                <a:ea typeface="맑은 고딕" panose="020B0503020000020004" pitchFamily="50" charset="-127"/>
+              </a:rPr>
+              <a:t>()</a:t>
+            </a:r>
+            <a:r>
+              <a:rPr lang="ko-KR" altLang="en-US" dirty="0" smtClean="0">
+                <a:solidFill>
+                  <a:schemeClr val="bg1">
+                    <a:lumMod val="50000"/>
+                  </a:schemeClr>
+                </a:solidFill>
+                <a:latin typeface="맑은 고딕" panose="020B0503020000020004" pitchFamily="50" charset="-127"/>
+                <a:ea typeface="맑은 고딕" panose="020B0503020000020004" pitchFamily="50" charset="-127"/>
+              </a:rPr>
+              <a:t>를 호출하여 파일에 있는 데이터를 가져오기</a:t>
+            </a:r>
+            <a:endParaRPr lang="en-US" altLang="ko-KR" dirty="0">
+              <a:solidFill>
+                <a:schemeClr val="bg1">
+                  <a:lumMod val="50000"/>
+                </a:schemeClr>
+              </a:solidFill>
+              <a:latin typeface="맑은 고딕" panose="020B0503020000020004" pitchFamily="50" charset="-127"/>
+              <a:ea typeface="맑은 고딕" panose="020B0503020000020004" pitchFamily="50" charset="-127"/>
+            </a:endParaRPr>
+          </a:p>
+        </p:txBody>
+      </p:sp>
+      <p:sp>
+        <p:nvSpPr>
+          <p:cNvPr id="7" name="직사각형 6"/>
+          <p:cNvSpPr/>
+          <p:nvPr/>
+        </p:nvSpPr>
+        <p:spPr>
+          <a:xfrm>
+            <a:off x="1098295" y="4059500"/>
+            <a:ext cx="6969183" cy="2585323"/>
+          </a:xfrm>
+          <a:prstGeom prst="rect">
+            <a:avLst/>
+          </a:prstGeom>
+        </p:spPr>
+        <p:txBody>
+          <a:bodyPr wrap="square">
+            <a:spAutoFit/>
+          </a:bodyPr>
+          <a:lstStyle/>
+          <a:p>
+            <a:r>
+              <a:rPr lang="en-US" altLang="ko-KR" b="1" dirty="0">
+                <a:solidFill>
+                  <a:srgbClr val="7F0055"/>
+                </a:solidFill>
+                <a:latin typeface="Consolas" panose="020B0609020204030204" pitchFamily="49" charset="0"/>
+              </a:rPr>
+              <a:t>public</a:t>
+            </a:r>
+            <a:r>
+              <a:rPr lang="en-US" altLang="ko-KR" dirty="0">
+                <a:solidFill>
+                  <a:srgbClr val="000000"/>
+                </a:solidFill>
+                <a:latin typeface="Consolas" panose="020B0609020204030204" pitchFamily="49" charset="0"/>
+              </a:rPr>
+              <a:t> </a:t>
+            </a:r>
+            <a:r>
+              <a:rPr lang="en-US" altLang="ko-KR" b="1" dirty="0">
+                <a:solidFill>
+                  <a:srgbClr val="7F0055"/>
+                </a:solidFill>
+                <a:latin typeface="Consolas" panose="020B0609020204030204" pitchFamily="49" charset="0"/>
+              </a:rPr>
+              <a:t>class</a:t>
+            </a:r>
+            <a:r>
+              <a:rPr lang="en-US" altLang="ko-KR" dirty="0">
+                <a:solidFill>
+                  <a:srgbClr val="000000"/>
+                </a:solidFill>
+                <a:latin typeface="Consolas" panose="020B0609020204030204" pitchFamily="49" charset="0"/>
+              </a:rPr>
+              <a:t> </a:t>
+            </a:r>
+            <a:r>
+              <a:rPr lang="en-US" altLang="ko-KR" dirty="0" err="1">
+                <a:solidFill>
+                  <a:srgbClr val="000000"/>
+                </a:solidFill>
+                <a:latin typeface="Consolas" panose="020B0609020204030204" pitchFamily="49" charset="0"/>
+              </a:rPr>
+              <a:t>MovieRepository</a:t>
+            </a:r>
+            <a:r>
+              <a:rPr lang="en-US" altLang="ko-KR" dirty="0">
+                <a:solidFill>
+                  <a:srgbClr val="000000"/>
+                </a:solidFill>
+                <a:latin typeface="Consolas" panose="020B0609020204030204" pitchFamily="49" charset="0"/>
+              </a:rPr>
+              <a:t> </a:t>
+            </a:r>
+            <a:r>
+              <a:rPr lang="en-US" altLang="ko-KR" b="1" dirty="0">
+                <a:solidFill>
+                  <a:srgbClr val="7F0055"/>
+                </a:solidFill>
+                <a:latin typeface="Consolas" panose="020B0609020204030204" pitchFamily="49" charset="0"/>
+              </a:rPr>
+              <a:t>implements</a:t>
+            </a:r>
+            <a:r>
+              <a:rPr lang="en-US" altLang="ko-KR" dirty="0">
+                <a:solidFill>
+                  <a:srgbClr val="000000"/>
+                </a:solidFill>
+                <a:latin typeface="Consolas" panose="020B0609020204030204" pitchFamily="49" charset="0"/>
+              </a:rPr>
+              <a:t> </a:t>
+            </a:r>
+            <a:r>
+              <a:rPr lang="en-US" altLang="ko-KR" dirty="0" err="1" smtClean="0">
+                <a:solidFill>
+                  <a:srgbClr val="000000"/>
+                </a:solidFill>
+                <a:latin typeface="Consolas" panose="020B0609020204030204" pitchFamily="49" charset="0"/>
+              </a:rPr>
+              <a:t>MovieService</a:t>
+            </a:r>
+            <a:r>
+              <a:rPr lang="en-US" altLang="ko-KR" dirty="0" smtClean="0"/>
+              <a:t>{</a:t>
+            </a:r>
+          </a:p>
+          <a:p>
+            <a:r>
+              <a:rPr lang="en-US" altLang="ko-KR" b="1" dirty="0">
+                <a:solidFill>
+                  <a:srgbClr val="7F0055"/>
+                </a:solidFill>
+                <a:latin typeface="Consolas" panose="020B0609020204030204" pitchFamily="49" charset="0"/>
+              </a:rPr>
+              <a:t>public</a:t>
+            </a:r>
+            <a:r>
+              <a:rPr lang="en-US" altLang="ko-KR" dirty="0">
+                <a:solidFill>
+                  <a:srgbClr val="000000"/>
+                </a:solidFill>
+                <a:latin typeface="Consolas" panose="020B0609020204030204" pitchFamily="49" charset="0"/>
+              </a:rPr>
+              <a:t> </a:t>
+            </a:r>
+            <a:r>
+              <a:rPr lang="en-US" altLang="ko-KR" dirty="0" err="1">
+                <a:solidFill>
+                  <a:srgbClr val="000000"/>
+                </a:solidFill>
+                <a:latin typeface="Consolas" panose="020B0609020204030204" pitchFamily="49" charset="0"/>
+              </a:rPr>
+              <a:t>MovieRepository</a:t>
+            </a:r>
+            <a:r>
+              <a:rPr lang="en-US" altLang="ko-KR" dirty="0">
+                <a:solidFill>
+                  <a:srgbClr val="000000"/>
+                </a:solidFill>
+                <a:latin typeface="Consolas" panose="020B0609020204030204" pitchFamily="49" charset="0"/>
+              </a:rPr>
+              <a:t>() {</a:t>
+            </a:r>
+          </a:p>
+          <a:p>
+            <a:r>
+              <a:rPr lang="en-US" altLang="ko-KR" dirty="0" err="1">
+                <a:solidFill>
+                  <a:srgbClr val="000000"/>
+                </a:solidFill>
+                <a:latin typeface="Consolas" panose="020B0609020204030204" pitchFamily="49" charset="0"/>
+              </a:rPr>
+              <a:t>loadData</a:t>
+            </a:r>
+            <a:r>
+              <a:rPr lang="en-US" altLang="ko-KR" dirty="0">
+                <a:solidFill>
+                  <a:srgbClr val="000000"/>
+                </a:solidFill>
+                <a:latin typeface="Consolas" panose="020B0609020204030204" pitchFamily="49" charset="0"/>
+              </a:rPr>
+              <a:t>();</a:t>
+            </a:r>
+          </a:p>
+          <a:p>
+            <a:r>
+              <a:rPr lang="en-US" altLang="ko-KR" dirty="0" smtClean="0">
+                <a:solidFill>
+                  <a:srgbClr val="000000"/>
+                </a:solidFill>
+                <a:latin typeface="Consolas" panose="020B0609020204030204" pitchFamily="49" charset="0"/>
+              </a:rPr>
+              <a:t>}</a:t>
+            </a:r>
+          </a:p>
+          <a:p>
+            <a:endParaRPr lang="en-US" altLang="ko-KR" dirty="0" smtClean="0">
+              <a:solidFill>
+                <a:srgbClr val="646464"/>
+              </a:solidFill>
+              <a:latin typeface="Consolas" panose="020B0609020204030204" pitchFamily="49" charset="0"/>
+            </a:endParaRPr>
+          </a:p>
+          <a:p>
+            <a:r>
+              <a:rPr lang="en-US" altLang="ko-KR" dirty="0" smtClean="0">
+                <a:solidFill>
+                  <a:srgbClr val="646464"/>
+                </a:solidFill>
+                <a:latin typeface="Consolas" panose="020B0609020204030204" pitchFamily="49" charset="0"/>
+              </a:rPr>
+              <a:t>@</a:t>
+            </a:r>
+            <a:r>
+              <a:rPr lang="en-US" altLang="ko-KR" dirty="0">
+                <a:solidFill>
+                  <a:srgbClr val="646464"/>
+                </a:solidFill>
+                <a:latin typeface="Consolas" panose="020B0609020204030204" pitchFamily="49" charset="0"/>
+              </a:rPr>
+              <a:t>Override</a:t>
+            </a:r>
+            <a:endParaRPr lang="en-US" altLang="ko-KR" dirty="0">
+              <a:solidFill>
+                <a:srgbClr val="000000"/>
+              </a:solidFill>
+              <a:latin typeface="Consolas" panose="020B0609020204030204" pitchFamily="49" charset="0"/>
+            </a:endParaRPr>
+          </a:p>
+          <a:p>
+            <a:r>
+              <a:rPr lang="en-US" altLang="ko-KR" b="1" dirty="0">
+                <a:solidFill>
+                  <a:srgbClr val="7F0055"/>
+                </a:solidFill>
+                <a:latin typeface="Consolas" panose="020B0609020204030204" pitchFamily="49" charset="0"/>
+              </a:rPr>
+              <a:t>public</a:t>
+            </a:r>
+            <a:r>
+              <a:rPr lang="en-US" altLang="ko-KR" dirty="0">
+                <a:solidFill>
+                  <a:srgbClr val="000000"/>
+                </a:solidFill>
+                <a:latin typeface="Consolas" panose="020B0609020204030204" pitchFamily="49" charset="0"/>
+              </a:rPr>
+              <a:t> List&lt;</a:t>
+            </a:r>
+            <a:r>
+              <a:rPr lang="en-US" altLang="ko-KR" dirty="0" err="1">
+                <a:solidFill>
+                  <a:srgbClr val="000000"/>
+                </a:solidFill>
+                <a:latin typeface="Consolas" panose="020B0609020204030204" pitchFamily="49" charset="0"/>
+              </a:rPr>
+              <a:t>MovieDto</a:t>
+            </a:r>
+            <a:r>
+              <a:rPr lang="en-US" altLang="ko-KR" dirty="0">
+                <a:solidFill>
+                  <a:srgbClr val="000000"/>
+                </a:solidFill>
+                <a:latin typeface="Consolas" panose="020B0609020204030204" pitchFamily="49" charset="0"/>
+              </a:rPr>
+              <a:t>&gt; </a:t>
+            </a:r>
+            <a:r>
+              <a:rPr lang="en-US" altLang="ko-KR" dirty="0" err="1">
+                <a:solidFill>
+                  <a:srgbClr val="000000"/>
+                </a:solidFill>
+                <a:latin typeface="Consolas" panose="020B0609020204030204" pitchFamily="49" charset="0"/>
+              </a:rPr>
+              <a:t>getMovieList</a:t>
+            </a:r>
+            <a:r>
+              <a:rPr lang="en-US" altLang="ko-KR" dirty="0">
+                <a:solidFill>
+                  <a:srgbClr val="000000"/>
+                </a:solidFill>
+                <a:latin typeface="Consolas" panose="020B0609020204030204" pitchFamily="49" charset="0"/>
+              </a:rPr>
+              <a:t>() {</a:t>
+            </a:r>
+          </a:p>
+          <a:p>
+            <a:r>
+              <a:rPr lang="en-US" altLang="ko-KR" b="1" dirty="0">
+                <a:solidFill>
+                  <a:srgbClr val="7F0055"/>
+                </a:solidFill>
+                <a:latin typeface="Consolas" panose="020B0609020204030204" pitchFamily="49" charset="0"/>
+              </a:rPr>
+              <a:t>return</a:t>
+            </a:r>
+            <a:r>
+              <a:rPr lang="en-US" altLang="ko-KR" dirty="0">
+                <a:solidFill>
+                  <a:srgbClr val="000000"/>
+                </a:solidFill>
+                <a:latin typeface="Consolas" panose="020B0609020204030204" pitchFamily="49" charset="0"/>
+              </a:rPr>
+              <a:t> </a:t>
+            </a:r>
+            <a:r>
+              <a:rPr lang="en-US" altLang="ko-KR" dirty="0" err="1">
+                <a:solidFill>
+                  <a:srgbClr val="0000C0"/>
+                </a:solidFill>
+                <a:latin typeface="Consolas" panose="020B0609020204030204" pitchFamily="49" charset="0"/>
+              </a:rPr>
+              <a:t>movieDtos</a:t>
+            </a:r>
+            <a:r>
+              <a:rPr lang="en-US" altLang="ko-KR" dirty="0">
+                <a:solidFill>
+                  <a:srgbClr val="000000"/>
+                </a:solidFill>
+                <a:latin typeface="Consolas" panose="020B0609020204030204" pitchFamily="49" charset="0"/>
+              </a:rPr>
+              <a:t>;</a:t>
+            </a:r>
+          </a:p>
+          <a:p>
+            <a:r>
+              <a:rPr lang="en-US" altLang="ko-KR" dirty="0" smtClean="0">
+                <a:solidFill>
+                  <a:srgbClr val="000000"/>
+                </a:solidFill>
+                <a:latin typeface="Consolas" panose="020B0609020204030204" pitchFamily="49" charset="0"/>
+              </a:rPr>
+              <a:t>}</a:t>
+            </a:r>
+            <a:endParaRPr lang="en-US" altLang="ko-KR" dirty="0">
+              <a:solidFill>
+                <a:srgbClr val="000000"/>
+              </a:solidFill>
+              <a:latin typeface="Consolas" panose="020B0609020204030204" pitchFamily="49" charset="0"/>
+            </a:endParaRPr>
+          </a:p>
+        </p:txBody>
+      </p:sp>
+      <p:sp>
+        <p:nvSpPr>
+          <p:cNvPr id="11" name="직사각형 10"/>
+          <p:cNvSpPr/>
+          <p:nvPr/>
+        </p:nvSpPr>
+        <p:spPr>
+          <a:xfrm>
+            <a:off x="8305800" y="1573943"/>
+            <a:ext cx="9144000" cy="5909310"/>
+          </a:xfrm>
+          <a:prstGeom prst="rect">
+            <a:avLst/>
+          </a:prstGeom>
+        </p:spPr>
+        <p:txBody>
+          <a:bodyPr>
+            <a:spAutoFit/>
+          </a:bodyPr>
+          <a:lstStyle/>
+          <a:p>
+            <a:r>
+              <a:rPr lang="en-US" altLang="ko-KR" b="1" dirty="0">
+                <a:solidFill>
+                  <a:srgbClr val="7F0055"/>
+                </a:solidFill>
+                <a:latin typeface="Consolas" panose="020B0609020204030204" pitchFamily="49" charset="0"/>
+              </a:rPr>
+              <a:t>private</a:t>
+            </a:r>
+            <a:r>
+              <a:rPr lang="en-US" altLang="ko-KR" dirty="0">
+                <a:solidFill>
+                  <a:srgbClr val="000000"/>
+                </a:solidFill>
+                <a:latin typeface="Consolas" panose="020B0609020204030204" pitchFamily="49" charset="0"/>
+              </a:rPr>
+              <a:t> </a:t>
+            </a:r>
+            <a:r>
+              <a:rPr lang="en-US" altLang="ko-KR" b="1" dirty="0">
+                <a:solidFill>
+                  <a:srgbClr val="7F0055"/>
+                </a:solidFill>
+                <a:latin typeface="Consolas" panose="020B0609020204030204" pitchFamily="49" charset="0"/>
+              </a:rPr>
+              <a:t>void</a:t>
+            </a:r>
+            <a:r>
+              <a:rPr lang="en-US" altLang="ko-KR" dirty="0">
+                <a:solidFill>
+                  <a:srgbClr val="000000"/>
+                </a:solidFill>
+                <a:latin typeface="Consolas" panose="020B0609020204030204" pitchFamily="49" charset="0"/>
+              </a:rPr>
+              <a:t> </a:t>
+            </a:r>
+            <a:r>
+              <a:rPr lang="en-US" altLang="ko-KR" dirty="0" err="1">
+                <a:solidFill>
+                  <a:srgbClr val="000000"/>
+                </a:solidFill>
+                <a:latin typeface="Consolas" panose="020B0609020204030204" pitchFamily="49" charset="0"/>
+              </a:rPr>
+              <a:t>loadData</a:t>
+            </a:r>
+            <a:r>
+              <a:rPr lang="en-US" altLang="ko-KR" dirty="0">
+                <a:solidFill>
+                  <a:srgbClr val="000000"/>
+                </a:solidFill>
+                <a:latin typeface="Consolas" panose="020B0609020204030204" pitchFamily="49" charset="0"/>
+              </a:rPr>
+              <a:t>() {</a:t>
+            </a:r>
+          </a:p>
+          <a:p>
+            <a:r>
+              <a:rPr lang="en-US" altLang="ko-KR" b="1" dirty="0">
+                <a:solidFill>
+                  <a:srgbClr val="7F0055"/>
+                </a:solidFill>
+                <a:latin typeface="Consolas" panose="020B0609020204030204" pitchFamily="49" charset="0"/>
+              </a:rPr>
+              <a:t>try</a:t>
+            </a:r>
+            <a:r>
+              <a:rPr lang="en-US" altLang="ko-KR" dirty="0">
+                <a:solidFill>
+                  <a:srgbClr val="000000"/>
+                </a:solidFill>
+                <a:latin typeface="Consolas" panose="020B0609020204030204" pitchFamily="49" charset="0"/>
+              </a:rPr>
+              <a:t> (Scanner </a:t>
+            </a:r>
+            <a:r>
+              <a:rPr lang="en-US" altLang="ko-KR" dirty="0" err="1">
+                <a:solidFill>
+                  <a:srgbClr val="6A3E3E"/>
+                </a:solidFill>
+                <a:latin typeface="Consolas" panose="020B0609020204030204" pitchFamily="49" charset="0"/>
+              </a:rPr>
+              <a:t>scanner</a:t>
+            </a:r>
+            <a:r>
+              <a:rPr lang="en-US" altLang="ko-KR" dirty="0">
+                <a:solidFill>
+                  <a:srgbClr val="000000"/>
+                </a:solidFill>
+                <a:latin typeface="Consolas" panose="020B0609020204030204" pitchFamily="49" charset="0"/>
+              </a:rPr>
+              <a:t> = </a:t>
+            </a:r>
+            <a:r>
+              <a:rPr lang="en-US" altLang="ko-KR" b="1" dirty="0">
+                <a:solidFill>
+                  <a:srgbClr val="7F0055"/>
+                </a:solidFill>
+                <a:latin typeface="Consolas" panose="020B0609020204030204" pitchFamily="49" charset="0"/>
+              </a:rPr>
+              <a:t>new</a:t>
+            </a:r>
+            <a:r>
+              <a:rPr lang="en-US" altLang="ko-KR" dirty="0">
+                <a:solidFill>
+                  <a:srgbClr val="000000"/>
+                </a:solidFill>
+                <a:latin typeface="Consolas" panose="020B0609020204030204" pitchFamily="49" charset="0"/>
+              </a:rPr>
+              <a:t> Scanner(</a:t>
+            </a:r>
+            <a:r>
+              <a:rPr lang="en-US" altLang="ko-KR" b="1" dirty="0">
+                <a:solidFill>
+                  <a:srgbClr val="7F0055"/>
+                </a:solidFill>
+                <a:latin typeface="Consolas" panose="020B0609020204030204" pitchFamily="49" charset="0"/>
+              </a:rPr>
+              <a:t>new</a:t>
+            </a:r>
+            <a:r>
+              <a:rPr lang="en-US" altLang="ko-KR" dirty="0">
+                <a:solidFill>
+                  <a:srgbClr val="000000"/>
+                </a:solidFill>
+                <a:latin typeface="Consolas" panose="020B0609020204030204" pitchFamily="49" charset="0"/>
+              </a:rPr>
+              <a:t> File(</a:t>
+            </a:r>
+            <a:r>
+              <a:rPr lang="en-US" altLang="ko-KR" dirty="0">
+                <a:solidFill>
+                  <a:srgbClr val="2A00FF"/>
+                </a:solidFill>
+                <a:latin typeface="Consolas" panose="020B0609020204030204" pitchFamily="49" charset="0"/>
+              </a:rPr>
+              <a:t>"movie_data.txt"</a:t>
+            </a:r>
+            <a:r>
+              <a:rPr lang="en-US" altLang="ko-KR" dirty="0">
+                <a:solidFill>
+                  <a:srgbClr val="000000"/>
+                </a:solidFill>
+                <a:latin typeface="Consolas" panose="020B0609020204030204" pitchFamily="49" charset="0"/>
+              </a:rPr>
+              <a:t>))){</a:t>
+            </a:r>
+          </a:p>
+          <a:p>
+            <a:r>
+              <a:rPr lang="en-US" altLang="ko-KR" b="1" dirty="0" err="1">
+                <a:solidFill>
+                  <a:srgbClr val="7F0055"/>
+                </a:solidFill>
+                <a:latin typeface="Consolas" panose="020B0609020204030204" pitchFamily="49" charset="0"/>
+              </a:rPr>
+              <a:t>int</a:t>
+            </a:r>
+            <a:r>
+              <a:rPr lang="en-US" altLang="ko-KR" dirty="0">
+                <a:solidFill>
+                  <a:srgbClr val="000000"/>
+                </a:solidFill>
+                <a:latin typeface="Consolas" panose="020B0609020204030204" pitchFamily="49" charset="0"/>
+              </a:rPr>
+              <a:t> </a:t>
+            </a:r>
+            <a:r>
+              <a:rPr lang="en-US" altLang="ko-KR" dirty="0" err="1">
+                <a:solidFill>
+                  <a:srgbClr val="6A3E3E"/>
+                </a:solidFill>
+                <a:latin typeface="Consolas" panose="020B0609020204030204" pitchFamily="49" charset="0"/>
+              </a:rPr>
+              <a:t>maxNumber</a:t>
+            </a:r>
+            <a:r>
+              <a:rPr lang="en-US" altLang="ko-KR" dirty="0">
+                <a:solidFill>
+                  <a:srgbClr val="000000"/>
+                </a:solidFill>
+                <a:latin typeface="Consolas" panose="020B0609020204030204" pitchFamily="49" charset="0"/>
+              </a:rPr>
+              <a:t> = 0;</a:t>
+            </a:r>
+          </a:p>
+          <a:p>
+            <a:r>
+              <a:rPr lang="en-US" altLang="ko-KR" b="1" dirty="0">
+                <a:solidFill>
+                  <a:srgbClr val="7F0055"/>
+                </a:solidFill>
+                <a:latin typeface="Consolas" panose="020B0609020204030204" pitchFamily="49" charset="0"/>
+              </a:rPr>
+              <a:t>while</a:t>
+            </a:r>
+            <a:r>
+              <a:rPr lang="en-US" altLang="ko-KR" dirty="0">
+                <a:solidFill>
+                  <a:srgbClr val="000000"/>
+                </a:solidFill>
+                <a:latin typeface="Consolas" panose="020B0609020204030204" pitchFamily="49" charset="0"/>
+              </a:rPr>
+              <a:t> (</a:t>
+            </a:r>
+            <a:r>
+              <a:rPr lang="en-US" altLang="ko-KR" dirty="0" err="1">
+                <a:solidFill>
+                  <a:srgbClr val="6A3E3E"/>
+                </a:solidFill>
+                <a:latin typeface="Consolas" panose="020B0609020204030204" pitchFamily="49" charset="0"/>
+              </a:rPr>
+              <a:t>scanner</a:t>
+            </a:r>
+            <a:r>
+              <a:rPr lang="en-US" altLang="ko-KR" dirty="0" err="1">
+                <a:solidFill>
+                  <a:srgbClr val="000000"/>
+                </a:solidFill>
+                <a:latin typeface="Consolas" panose="020B0609020204030204" pitchFamily="49" charset="0"/>
+              </a:rPr>
+              <a:t>.hasNextLine</a:t>
+            </a:r>
+            <a:r>
+              <a:rPr lang="en-US" altLang="ko-KR" dirty="0">
+                <a:solidFill>
+                  <a:srgbClr val="000000"/>
+                </a:solidFill>
+                <a:latin typeface="Consolas" panose="020B0609020204030204" pitchFamily="49" charset="0"/>
+              </a:rPr>
+              <a:t>()) {</a:t>
+            </a:r>
+          </a:p>
+          <a:p>
+            <a:r>
+              <a:rPr lang="en-US" altLang="ko-KR" dirty="0">
+                <a:solidFill>
+                  <a:srgbClr val="000000"/>
+                </a:solidFill>
+                <a:latin typeface="Consolas" panose="020B0609020204030204" pitchFamily="49" charset="0"/>
+              </a:rPr>
+              <a:t>String[] </a:t>
+            </a:r>
+            <a:r>
+              <a:rPr lang="en-US" altLang="ko-KR" dirty="0">
+                <a:solidFill>
+                  <a:srgbClr val="6A3E3E"/>
+                </a:solidFill>
+                <a:latin typeface="Consolas" panose="020B0609020204030204" pitchFamily="49" charset="0"/>
+              </a:rPr>
+              <a:t>data</a:t>
+            </a:r>
+            <a:r>
+              <a:rPr lang="en-US" altLang="ko-KR" dirty="0">
+                <a:solidFill>
+                  <a:srgbClr val="000000"/>
+                </a:solidFill>
+                <a:latin typeface="Consolas" panose="020B0609020204030204" pitchFamily="49" charset="0"/>
+              </a:rPr>
+              <a:t> = </a:t>
+            </a:r>
+            <a:r>
+              <a:rPr lang="en-US" altLang="ko-KR" dirty="0" err="1">
+                <a:solidFill>
+                  <a:srgbClr val="6A3E3E"/>
+                </a:solidFill>
+                <a:latin typeface="Consolas" panose="020B0609020204030204" pitchFamily="49" charset="0"/>
+              </a:rPr>
+              <a:t>scanner</a:t>
+            </a:r>
+            <a:r>
+              <a:rPr lang="en-US" altLang="ko-KR" dirty="0" err="1">
+                <a:solidFill>
+                  <a:srgbClr val="000000"/>
+                </a:solidFill>
+                <a:latin typeface="Consolas" panose="020B0609020204030204" pitchFamily="49" charset="0"/>
+              </a:rPr>
+              <a:t>.nextLine</a:t>
+            </a:r>
+            <a:r>
+              <a:rPr lang="en-US" altLang="ko-KR" dirty="0">
+                <a:solidFill>
+                  <a:srgbClr val="000000"/>
+                </a:solidFill>
+                <a:latin typeface="Consolas" panose="020B0609020204030204" pitchFamily="49" charset="0"/>
+              </a:rPr>
+              <a:t>().split(</a:t>
+            </a:r>
+            <a:r>
+              <a:rPr lang="en-US" altLang="ko-KR" dirty="0">
+                <a:solidFill>
+                  <a:srgbClr val="2A00FF"/>
+                </a:solidFill>
+                <a:latin typeface="Consolas" panose="020B0609020204030204" pitchFamily="49" charset="0"/>
+              </a:rPr>
+              <a:t>","</a:t>
+            </a:r>
+            <a:r>
+              <a:rPr lang="en-US" altLang="ko-KR" dirty="0">
+                <a:solidFill>
+                  <a:srgbClr val="000000"/>
+                </a:solidFill>
+                <a:latin typeface="Consolas" panose="020B0609020204030204" pitchFamily="49" charset="0"/>
+              </a:rPr>
+              <a:t>);</a:t>
+            </a:r>
+          </a:p>
+          <a:p>
+            <a:r>
+              <a:rPr lang="en-US" altLang="ko-KR" b="1" dirty="0" err="1">
+                <a:solidFill>
+                  <a:srgbClr val="7F0055"/>
+                </a:solidFill>
+                <a:latin typeface="Consolas" panose="020B0609020204030204" pitchFamily="49" charset="0"/>
+              </a:rPr>
+              <a:t>int</a:t>
+            </a:r>
+            <a:r>
+              <a:rPr lang="en-US" altLang="ko-KR" dirty="0">
+                <a:solidFill>
+                  <a:srgbClr val="000000"/>
+                </a:solidFill>
+                <a:latin typeface="Consolas" panose="020B0609020204030204" pitchFamily="49" charset="0"/>
+              </a:rPr>
+              <a:t> </a:t>
+            </a:r>
+            <a:r>
+              <a:rPr lang="en-US" altLang="ko-KR" dirty="0">
+                <a:solidFill>
+                  <a:srgbClr val="6A3E3E"/>
+                </a:solidFill>
+                <a:latin typeface="Consolas" panose="020B0609020204030204" pitchFamily="49" charset="0"/>
+              </a:rPr>
+              <a:t>number</a:t>
+            </a:r>
+            <a:r>
+              <a:rPr lang="en-US" altLang="ko-KR" dirty="0">
+                <a:solidFill>
+                  <a:srgbClr val="000000"/>
+                </a:solidFill>
+                <a:latin typeface="Consolas" panose="020B0609020204030204" pitchFamily="49" charset="0"/>
+              </a:rPr>
+              <a:t> = </a:t>
+            </a:r>
+            <a:r>
+              <a:rPr lang="en-US" altLang="ko-KR" dirty="0" err="1">
+                <a:solidFill>
+                  <a:srgbClr val="000000"/>
+                </a:solidFill>
+                <a:latin typeface="Consolas" panose="020B0609020204030204" pitchFamily="49" charset="0"/>
+              </a:rPr>
+              <a:t>Integer.</a:t>
+            </a:r>
+            <a:r>
+              <a:rPr lang="en-US" altLang="ko-KR" i="1" dirty="0" err="1">
+                <a:solidFill>
+                  <a:srgbClr val="000000"/>
+                </a:solidFill>
+                <a:latin typeface="Consolas" panose="020B0609020204030204" pitchFamily="49" charset="0"/>
+              </a:rPr>
+              <a:t>parseInt</a:t>
+            </a:r>
+            <a:r>
+              <a:rPr lang="en-US" altLang="ko-KR" dirty="0">
+                <a:solidFill>
+                  <a:srgbClr val="000000"/>
+                </a:solidFill>
+                <a:latin typeface="Consolas" panose="020B0609020204030204" pitchFamily="49" charset="0"/>
+              </a:rPr>
+              <a:t>(</a:t>
+            </a:r>
+            <a:r>
+              <a:rPr lang="en-US" altLang="ko-KR" dirty="0">
+                <a:solidFill>
+                  <a:srgbClr val="6A3E3E"/>
+                </a:solidFill>
+                <a:latin typeface="Consolas" panose="020B0609020204030204" pitchFamily="49" charset="0"/>
+              </a:rPr>
+              <a:t>data</a:t>
+            </a:r>
+            <a:r>
+              <a:rPr lang="en-US" altLang="ko-KR" dirty="0">
+                <a:solidFill>
+                  <a:srgbClr val="000000"/>
+                </a:solidFill>
+                <a:latin typeface="Consolas" panose="020B0609020204030204" pitchFamily="49" charset="0"/>
+              </a:rPr>
+              <a:t>[0]);</a:t>
+            </a:r>
+          </a:p>
+          <a:p>
+            <a:r>
+              <a:rPr lang="en-US" altLang="ko-KR" b="1" dirty="0">
+                <a:solidFill>
+                  <a:srgbClr val="7F0055"/>
+                </a:solidFill>
+                <a:latin typeface="Consolas" panose="020B0609020204030204" pitchFamily="49" charset="0"/>
+              </a:rPr>
+              <a:t>if</a:t>
+            </a:r>
+            <a:r>
+              <a:rPr lang="en-US" altLang="ko-KR" dirty="0">
+                <a:solidFill>
+                  <a:srgbClr val="000000"/>
+                </a:solidFill>
+                <a:latin typeface="Consolas" panose="020B0609020204030204" pitchFamily="49" charset="0"/>
+              </a:rPr>
+              <a:t>(</a:t>
+            </a:r>
+            <a:r>
+              <a:rPr lang="en-US" altLang="ko-KR" dirty="0">
+                <a:solidFill>
+                  <a:srgbClr val="6A3E3E"/>
+                </a:solidFill>
+                <a:latin typeface="Consolas" panose="020B0609020204030204" pitchFamily="49" charset="0"/>
+              </a:rPr>
+              <a:t>number</a:t>
+            </a:r>
+            <a:r>
+              <a:rPr lang="en-US" altLang="ko-KR" dirty="0">
+                <a:solidFill>
+                  <a:srgbClr val="000000"/>
+                </a:solidFill>
+                <a:latin typeface="Consolas" panose="020B0609020204030204" pitchFamily="49" charset="0"/>
+              </a:rPr>
+              <a:t> &gt; </a:t>
+            </a:r>
+            <a:r>
+              <a:rPr lang="en-US" altLang="ko-KR" dirty="0" err="1">
+                <a:solidFill>
+                  <a:srgbClr val="6A3E3E"/>
+                </a:solidFill>
+                <a:latin typeface="Consolas" panose="020B0609020204030204" pitchFamily="49" charset="0"/>
+              </a:rPr>
+              <a:t>maxNumber</a:t>
+            </a:r>
+            <a:r>
+              <a:rPr lang="en-US" altLang="ko-KR" dirty="0">
+                <a:solidFill>
+                  <a:srgbClr val="000000"/>
+                </a:solidFill>
+                <a:latin typeface="Consolas" panose="020B0609020204030204" pitchFamily="49" charset="0"/>
+              </a:rPr>
+              <a:t>) {</a:t>
+            </a:r>
+          </a:p>
+          <a:p>
+            <a:r>
+              <a:rPr lang="en-US" altLang="ko-KR" dirty="0" err="1">
+                <a:solidFill>
+                  <a:srgbClr val="6A3E3E"/>
+                </a:solidFill>
+                <a:latin typeface="Consolas" panose="020B0609020204030204" pitchFamily="49" charset="0"/>
+              </a:rPr>
+              <a:t>maxNumber</a:t>
+            </a:r>
+            <a:r>
+              <a:rPr lang="en-US" altLang="ko-KR" dirty="0">
+                <a:solidFill>
+                  <a:srgbClr val="000000"/>
+                </a:solidFill>
+                <a:latin typeface="Consolas" panose="020B0609020204030204" pitchFamily="49" charset="0"/>
+              </a:rPr>
+              <a:t> = </a:t>
+            </a:r>
+            <a:r>
+              <a:rPr lang="en-US" altLang="ko-KR" dirty="0">
+                <a:solidFill>
+                  <a:srgbClr val="6A3E3E"/>
+                </a:solidFill>
+                <a:latin typeface="Consolas" panose="020B0609020204030204" pitchFamily="49" charset="0"/>
+              </a:rPr>
+              <a:t>number</a:t>
+            </a:r>
+            <a:r>
+              <a:rPr lang="en-US" altLang="ko-KR" dirty="0">
+                <a:solidFill>
+                  <a:srgbClr val="000000"/>
+                </a:solidFill>
+                <a:latin typeface="Consolas" panose="020B0609020204030204" pitchFamily="49" charset="0"/>
+              </a:rPr>
+              <a:t>;</a:t>
+            </a:r>
+          </a:p>
+          <a:p>
+            <a:r>
+              <a:rPr lang="en-US" altLang="ko-KR" dirty="0">
+                <a:solidFill>
+                  <a:srgbClr val="000000"/>
+                </a:solidFill>
+                <a:latin typeface="Consolas" panose="020B0609020204030204" pitchFamily="49" charset="0"/>
+              </a:rPr>
+              <a:t>}</a:t>
+            </a:r>
+          </a:p>
+          <a:p>
+            <a:r>
+              <a:rPr lang="en-US" altLang="ko-KR" dirty="0">
+                <a:solidFill>
+                  <a:srgbClr val="000000"/>
+                </a:solidFill>
+                <a:latin typeface="Consolas" panose="020B0609020204030204" pitchFamily="49" charset="0"/>
+              </a:rPr>
+              <a:t>String </a:t>
+            </a:r>
+            <a:r>
+              <a:rPr lang="en-US" altLang="ko-KR" dirty="0" err="1">
+                <a:solidFill>
+                  <a:srgbClr val="6A3E3E"/>
+                </a:solidFill>
+                <a:latin typeface="Consolas" panose="020B0609020204030204" pitchFamily="49" charset="0"/>
+              </a:rPr>
+              <a:t>movieName</a:t>
+            </a:r>
+            <a:r>
+              <a:rPr lang="en-US" altLang="ko-KR" dirty="0">
+                <a:solidFill>
+                  <a:srgbClr val="000000"/>
+                </a:solidFill>
+                <a:latin typeface="Consolas" panose="020B0609020204030204" pitchFamily="49" charset="0"/>
+              </a:rPr>
+              <a:t> = </a:t>
+            </a:r>
+            <a:r>
+              <a:rPr lang="en-US" altLang="ko-KR" dirty="0">
+                <a:solidFill>
+                  <a:srgbClr val="6A3E3E"/>
+                </a:solidFill>
+                <a:latin typeface="Consolas" panose="020B0609020204030204" pitchFamily="49" charset="0"/>
+              </a:rPr>
+              <a:t>data</a:t>
+            </a:r>
+            <a:r>
+              <a:rPr lang="en-US" altLang="ko-KR" dirty="0">
+                <a:solidFill>
+                  <a:srgbClr val="000000"/>
+                </a:solidFill>
+                <a:latin typeface="Consolas" panose="020B0609020204030204" pitchFamily="49" charset="0"/>
+              </a:rPr>
+              <a:t>[1];</a:t>
+            </a:r>
+          </a:p>
+          <a:p>
+            <a:r>
+              <a:rPr lang="en-US" altLang="ko-KR" dirty="0">
+                <a:solidFill>
+                  <a:srgbClr val="000000"/>
+                </a:solidFill>
+                <a:latin typeface="Consolas" panose="020B0609020204030204" pitchFamily="49" charset="0"/>
+              </a:rPr>
+              <a:t>String </a:t>
+            </a:r>
+            <a:r>
+              <a:rPr lang="en-US" altLang="ko-KR" dirty="0">
+                <a:solidFill>
+                  <a:srgbClr val="6A3E3E"/>
+                </a:solidFill>
+                <a:latin typeface="Consolas" panose="020B0609020204030204" pitchFamily="49" charset="0"/>
+              </a:rPr>
+              <a:t>genre</a:t>
+            </a:r>
+            <a:r>
+              <a:rPr lang="en-US" altLang="ko-KR" dirty="0">
+                <a:solidFill>
+                  <a:srgbClr val="000000"/>
+                </a:solidFill>
+                <a:latin typeface="Consolas" panose="020B0609020204030204" pitchFamily="49" charset="0"/>
+              </a:rPr>
+              <a:t> = </a:t>
+            </a:r>
+            <a:r>
+              <a:rPr lang="en-US" altLang="ko-KR" dirty="0">
+                <a:solidFill>
+                  <a:srgbClr val="6A3E3E"/>
+                </a:solidFill>
+                <a:latin typeface="Consolas" panose="020B0609020204030204" pitchFamily="49" charset="0"/>
+              </a:rPr>
+              <a:t>data</a:t>
+            </a:r>
+            <a:r>
+              <a:rPr lang="en-US" altLang="ko-KR" dirty="0">
+                <a:solidFill>
+                  <a:srgbClr val="000000"/>
+                </a:solidFill>
+                <a:latin typeface="Consolas" panose="020B0609020204030204" pitchFamily="49" charset="0"/>
+              </a:rPr>
+              <a:t>[2];</a:t>
+            </a:r>
+          </a:p>
+          <a:p>
+            <a:r>
+              <a:rPr lang="en-US" altLang="ko-KR" b="1" dirty="0" err="1">
+                <a:solidFill>
+                  <a:srgbClr val="7F0055"/>
+                </a:solidFill>
+                <a:latin typeface="Consolas" panose="020B0609020204030204" pitchFamily="49" charset="0"/>
+              </a:rPr>
+              <a:t>int</a:t>
+            </a:r>
+            <a:r>
+              <a:rPr lang="en-US" altLang="ko-KR" dirty="0">
+                <a:solidFill>
+                  <a:srgbClr val="000000"/>
+                </a:solidFill>
+                <a:latin typeface="Consolas" panose="020B0609020204030204" pitchFamily="49" charset="0"/>
+              </a:rPr>
+              <a:t> </a:t>
+            </a:r>
+            <a:r>
+              <a:rPr lang="en-US" altLang="ko-KR" dirty="0">
+                <a:solidFill>
+                  <a:srgbClr val="6A3E3E"/>
+                </a:solidFill>
+                <a:latin typeface="Consolas" panose="020B0609020204030204" pitchFamily="49" charset="0"/>
+              </a:rPr>
+              <a:t>rating</a:t>
+            </a:r>
+            <a:r>
+              <a:rPr lang="en-US" altLang="ko-KR" dirty="0">
+                <a:solidFill>
+                  <a:srgbClr val="000000"/>
+                </a:solidFill>
+                <a:latin typeface="Consolas" panose="020B0609020204030204" pitchFamily="49" charset="0"/>
+              </a:rPr>
+              <a:t> = </a:t>
+            </a:r>
+            <a:r>
+              <a:rPr lang="en-US" altLang="ko-KR" dirty="0" err="1">
+                <a:solidFill>
+                  <a:srgbClr val="000000"/>
+                </a:solidFill>
+                <a:latin typeface="Consolas" panose="020B0609020204030204" pitchFamily="49" charset="0"/>
+              </a:rPr>
+              <a:t>Integer.</a:t>
+            </a:r>
+            <a:r>
+              <a:rPr lang="en-US" altLang="ko-KR" i="1" dirty="0" err="1">
+                <a:solidFill>
+                  <a:srgbClr val="000000"/>
+                </a:solidFill>
+                <a:latin typeface="Consolas" panose="020B0609020204030204" pitchFamily="49" charset="0"/>
+              </a:rPr>
+              <a:t>parseInt</a:t>
+            </a:r>
+            <a:r>
+              <a:rPr lang="en-US" altLang="ko-KR" dirty="0">
+                <a:solidFill>
+                  <a:srgbClr val="000000"/>
+                </a:solidFill>
+                <a:latin typeface="Consolas" panose="020B0609020204030204" pitchFamily="49" charset="0"/>
+              </a:rPr>
+              <a:t>(</a:t>
+            </a:r>
+            <a:r>
+              <a:rPr lang="en-US" altLang="ko-KR" dirty="0">
+                <a:solidFill>
+                  <a:srgbClr val="6A3E3E"/>
+                </a:solidFill>
+                <a:latin typeface="Consolas" panose="020B0609020204030204" pitchFamily="49" charset="0"/>
+              </a:rPr>
+              <a:t>data</a:t>
+            </a:r>
+            <a:r>
+              <a:rPr lang="en-US" altLang="ko-KR" dirty="0">
+                <a:solidFill>
+                  <a:srgbClr val="000000"/>
+                </a:solidFill>
+                <a:latin typeface="Consolas" panose="020B0609020204030204" pitchFamily="49" charset="0"/>
+              </a:rPr>
+              <a:t>[3]);</a:t>
+            </a:r>
+          </a:p>
+          <a:p>
+            <a:r>
+              <a:rPr lang="en-US" altLang="ko-KR" dirty="0">
+                <a:solidFill>
+                  <a:srgbClr val="000000"/>
+                </a:solidFill>
+                <a:latin typeface="Consolas" panose="020B0609020204030204" pitchFamily="49" charset="0"/>
+              </a:rPr>
+              <a:t>String </a:t>
+            </a:r>
+            <a:r>
+              <a:rPr lang="en-US" altLang="ko-KR" dirty="0">
+                <a:solidFill>
+                  <a:srgbClr val="6A3E3E"/>
+                </a:solidFill>
+                <a:latin typeface="Consolas" panose="020B0609020204030204" pitchFamily="49" charset="0"/>
+              </a:rPr>
+              <a:t>review</a:t>
+            </a:r>
+            <a:r>
+              <a:rPr lang="en-US" altLang="ko-KR" dirty="0">
+                <a:solidFill>
+                  <a:srgbClr val="000000"/>
+                </a:solidFill>
+                <a:latin typeface="Consolas" panose="020B0609020204030204" pitchFamily="49" charset="0"/>
+              </a:rPr>
+              <a:t> = </a:t>
+            </a:r>
+            <a:r>
+              <a:rPr lang="en-US" altLang="ko-KR" dirty="0">
+                <a:solidFill>
+                  <a:srgbClr val="6A3E3E"/>
+                </a:solidFill>
+                <a:latin typeface="Consolas" panose="020B0609020204030204" pitchFamily="49" charset="0"/>
+              </a:rPr>
+              <a:t>data</a:t>
+            </a:r>
+            <a:r>
+              <a:rPr lang="en-US" altLang="ko-KR" dirty="0">
+                <a:solidFill>
+                  <a:srgbClr val="000000"/>
+                </a:solidFill>
+                <a:latin typeface="Consolas" panose="020B0609020204030204" pitchFamily="49" charset="0"/>
+              </a:rPr>
+              <a:t>[4];</a:t>
+            </a:r>
+          </a:p>
+          <a:p>
+            <a:r>
+              <a:rPr lang="en-US" altLang="ko-KR" dirty="0" err="1">
+                <a:solidFill>
+                  <a:srgbClr val="0000C0"/>
+                </a:solidFill>
+                <a:latin typeface="Consolas" panose="020B0609020204030204" pitchFamily="49" charset="0"/>
+              </a:rPr>
+              <a:t>movieDtos</a:t>
+            </a:r>
+            <a:r>
+              <a:rPr lang="en-US" altLang="ko-KR" dirty="0" err="1">
+                <a:solidFill>
+                  <a:srgbClr val="000000"/>
+                </a:solidFill>
+                <a:latin typeface="Consolas" panose="020B0609020204030204" pitchFamily="49" charset="0"/>
+              </a:rPr>
+              <a:t>.add</a:t>
+            </a:r>
+            <a:r>
+              <a:rPr lang="en-US" altLang="ko-KR" dirty="0">
+                <a:solidFill>
+                  <a:srgbClr val="000000"/>
+                </a:solidFill>
+                <a:latin typeface="Consolas" panose="020B0609020204030204" pitchFamily="49" charset="0"/>
+              </a:rPr>
+              <a:t>(</a:t>
+            </a:r>
+            <a:r>
+              <a:rPr lang="en-US" altLang="ko-KR" b="1" dirty="0">
+                <a:solidFill>
+                  <a:srgbClr val="7F0055"/>
+                </a:solidFill>
+                <a:latin typeface="Consolas" panose="020B0609020204030204" pitchFamily="49" charset="0"/>
+              </a:rPr>
+              <a:t>new</a:t>
+            </a:r>
+            <a:r>
+              <a:rPr lang="en-US" altLang="ko-KR" dirty="0">
+                <a:solidFill>
+                  <a:srgbClr val="000000"/>
+                </a:solidFill>
+                <a:latin typeface="Consolas" panose="020B0609020204030204" pitchFamily="49" charset="0"/>
+              </a:rPr>
+              <a:t> </a:t>
+            </a:r>
+            <a:r>
+              <a:rPr lang="en-US" altLang="ko-KR" dirty="0" err="1">
+                <a:solidFill>
+                  <a:srgbClr val="000000"/>
+                </a:solidFill>
+                <a:latin typeface="Consolas" panose="020B0609020204030204" pitchFamily="49" charset="0"/>
+              </a:rPr>
+              <a:t>MovieDto</a:t>
+            </a:r>
+            <a:r>
+              <a:rPr lang="en-US" altLang="ko-KR" dirty="0">
+                <a:solidFill>
+                  <a:srgbClr val="000000"/>
+                </a:solidFill>
+                <a:latin typeface="Consolas" panose="020B0609020204030204" pitchFamily="49" charset="0"/>
+              </a:rPr>
+              <a:t>(</a:t>
+            </a:r>
+            <a:r>
+              <a:rPr lang="en-US" altLang="ko-KR" dirty="0">
+                <a:solidFill>
+                  <a:srgbClr val="6A3E3E"/>
+                </a:solidFill>
+                <a:latin typeface="Consolas" panose="020B0609020204030204" pitchFamily="49" charset="0"/>
+              </a:rPr>
+              <a:t>number</a:t>
+            </a:r>
+            <a:r>
+              <a:rPr lang="en-US" altLang="ko-KR" dirty="0">
+                <a:solidFill>
+                  <a:srgbClr val="000000"/>
+                </a:solidFill>
+                <a:latin typeface="Consolas" panose="020B0609020204030204" pitchFamily="49" charset="0"/>
+              </a:rPr>
+              <a:t>, </a:t>
+            </a:r>
+            <a:r>
+              <a:rPr lang="en-US" altLang="ko-KR" dirty="0" err="1">
+                <a:solidFill>
+                  <a:srgbClr val="6A3E3E"/>
+                </a:solidFill>
+                <a:latin typeface="Consolas" panose="020B0609020204030204" pitchFamily="49" charset="0"/>
+              </a:rPr>
+              <a:t>movieName</a:t>
+            </a:r>
+            <a:r>
+              <a:rPr lang="en-US" altLang="ko-KR" dirty="0">
+                <a:solidFill>
+                  <a:srgbClr val="000000"/>
+                </a:solidFill>
+                <a:latin typeface="Consolas" panose="020B0609020204030204" pitchFamily="49" charset="0"/>
+              </a:rPr>
+              <a:t>, </a:t>
+            </a:r>
+            <a:r>
+              <a:rPr lang="en-US" altLang="ko-KR" dirty="0">
+                <a:solidFill>
+                  <a:srgbClr val="6A3E3E"/>
+                </a:solidFill>
+                <a:latin typeface="Consolas" panose="020B0609020204030204" pitchFamily="49" charset="0"/>
+              </a:rPr>
+              <a:t>genre</a:t>
+            </a:r>
+            <a:r>
+              <a:rPr lang="en-US" altLang="ko-KR" dirty="0">
+                <a:solidFill>
+                  <a:srgbClr val="000000"/>
+                </a:solidFill>
+                <a:latin typeface="Consolas" panose="020B0609020204030204" pitchFamily="49" charset="0"/>
+              </a:rPr>
+              <a:t>, </a:t>
+            </a:r>
+            <a:r>
+              <a:rPr lang="en-US" altLang="ko-KR" dirty="0">
+                <a:solidFill>
+                  <a:srgbClr val="6A3E3E"/>
+                </a:solidFill>
+                <a:latin typeface="Consolas" panose="020B0609020204030204" pitchFamily="49" charset="0"/>
+              </a:rPr>
+              <a:t>rating</a:t>
+            </a:r>
+            <a:r>
+              <a:rPr lang="en-US" altLang="ko-KR" dirty="0">
+                <a:solidFill>
+                  <a:srgbClr val="000000"/>
+                </a:solidFill>
+                <a:latin typeface="Consolas" panose="020B0609020204030204" pitchFamily="49" charset="0"/>
+              </a:rPr>
+              <a:t>, </a:t>
+            </a:r>
+            <a:r>
+              <a:rPr lang="en-US" altLang="ko-KR" dirty="0">
+                <a:solidFill>
+                  <a:srgbClr val="6A3E3E"/>
+                </a:solidFill>
+                <a:latin typeface="Consolas" panose="020B0609020204030204" pitchFamily="49" charset="0"/>
+              </a:rPr>
+              <a:t>review</a:t>
+            </a:r>
+            <a:r>
+              <a:rPr lang="en-US" altLang="ko-KR" dirty="0">
+                <a:solidFill>
+                  <a:srgbClr val="000000"/>
+                </a:solidFill>
+                <a:latin typeface="Consolas" panose="020B0609020204030204" pitchFamily="49" charset="0"/>
+              </a:rPr>
+              <a:t>));</a:t>
+            </a:r>
+          </a:p>
+          <a:p>
+            <a:r>
+              <a:rPr lang="en-US" altLang="ko-KR" dirty="0">
+                <a:solidFill>
+                  <a:srgbClr val="000000"/>
+                </a:solidFill>
+                <a:latin typeface="Consolas" panose="020B0609020204030204" pitchFamily="49" charset="0"/>
+              </a:rPr>
+              <a:t>}</a:t>
+            </a:r>
+          </a:p>
+          <a:p>
+            <a:r>
+              <a:rPr lang="en-US" altLang="ko-KR" dirty="0" err="1">
+                <a:solidFill>
+                  <a:srgbClr val="0000C0"/>
+                </a:solidFill>
+                <a:latin typeface="Consolas" panose="020B0609020204030204" pitchFamily="49" charset="0"/>
+              </a:rPr>
+              <a:t>nextNumber</a:t>
+            </a:r>
+            <a:r>
+              <a:rPr lang="en-US" altLang="ko-KR" dirty="0">
+                <a:solidFill>
+                  <a:srgbClr val="000000"/>
+                </a:solidFill>
+                <a:latin typeface="Consolas" panose="020B0609020204030204" pitchFamily="49" charset="0"/>
+              </a:rPr>
+              <a:t> = </a:t>
+            </a:r>
+            <a:r>
+              <a:rPr lang="en-US" altLang="ko-KR" dirty="0" err="1">
+                <a:solidFill>
+                  <a:srgbClr val="6A3E3E"/>
+                </a:solidFill>
+                <a:latin typeface="Consolas" panose="020B0609020204030204" pitchFamily="49" charset="0"/>
+              </a:rPr>
+              <a:t>maxNumber</a:t>
+            </a:r>
+            <a:r>
+              <a:rPr lang="en-US" altLang="ko-KR" dirty="0">
+                <a:solidFill>
+                  <a:srgbClr val="000000"/>
+                </a:solidFill>
+                <a:latin typeface="Consolas" panose="020B0609020204030204" pitchFamily="49" charset="0"/>
+              </a:rPr>
+              <a:t> + 1 ;</a:t>
+            </a:r>
+          </a:p>
+          <a:p>
+            <a:r>
+              <a:rPr lang="en-US" altLang="ko-KR" dirty="0">
+                <a:solidFill>
+                  <a:srgbClr val="000000"/>
+                </a:solidFill>
+                <a:latin typeface="Consolas" panose="020B0609020204030204" pitchFamily="49" charset="0"/>
+              </a:rPr>
+              <a:t>} </a:t>
+            </a:r>
+            <a:r>
+              <a:rPr lang="en-US" altLang="ko-KR" b="1" dirty="0">
+                <a:solidFill>
+                  <a:srgbClr val="7F0055"/>
+                </a:solidFill>
+                <a:latin typeface="Consolas" panose="020B0609020204030204" pitchFamily="49" charset="0"/>
+              </a:rPr>
+              <a:t>catch</a:t>
+            </a:r>
+            <a:r>
+              <a:rPr lang="en-US" altLang="ko-KR" dirty="0">
+                <a:solidFill>
+                  <a:srgbClr val="000000"/>
+                </a:solidFill>
+                <a:latin typeface="Consolas" panose="020B0609020204030204" pitchFamily="49" charset="0"/>
+              </a:rPr>
+              <a:t> (Exception </a:t>
+            </a:r>
+            <a:r>
+              <a:rPr lang="en-US" altLang="ko-KR" dirty="0">
+                <a:solidFill>
+                  <a:srgbClr val="6A3E3E"/>
+                </a:solidFill>
+                <a:latin typeface="Consolas" panose="020B0609020204030204" pitchFamily="49" charset="0"/>
+              </a:rPr>
+              <a:t>e</a:t>
+            </a:r>
+            <a:r>
+              <a:rPr lang="en-US" altLang="ko-KR" dirty="0">
+                <a:solidFill>
+                  <a:srgbClr val="000000"/>
+                </a:solidFill>
+                <a:latin typeface="Consolas" panose="020B0609020204030204" pitchFamily="49" charset="0"/>
+              </a:rPr>
+              <a:t>) {</a:t>
+            </a:r>
+          </a:p>
+          <a:p>
+            <a:r>
+              <a:rPr lang="en-US" altLang="ko-KR" dirty="0" err="1">
+                <a:solidFill>
+                  <a:srgbClr val="000000"/>
+                </a:solidFill>
+                <a:latin typeface="Consolas" panose="020B0609020204030204" pitchFamily="49" charset="0"/>
+              </a:rPr>
+              <a:t>System.</a:t>
+            </a:r>
+            <a:r>
+              <a:rPr lang="en-US" altLang="ko-KR" b="1" i="1" dirty="0" err="1">
+                <a:solidFill>
+                  <a:srgbClr val="0000C0"/>
+                </a:solidFill>
+                <a:latin typeface="Consolas" panose="020B0609020204030204" pitchFamily="49" charset="0"/>
+              </a:rPr>
+              <a:t>out</a:t>
+            </a:r>
+            <a:r>
+              <a:rPr lang="en-US" altLang="ko-KR" dirty="0" err="1">
+                <a:solidFill>
+                  <a:srgbClr val="000000"/>
+                </a:solidFill>
+                <a:latin typeface="Consolas" panose="020B0609020204030204" pitchFamily="49" charset="0"/>
+              </a:rPr>
+              <a:t>.println</a:t>
+            </a:r>
+            <a:r>
+              <a:rPr lang="en-US" altLang="ko-KR" dirty="0">
+                <a:solidFill>
+                  <a:srgbClr val="000000"/>
+                </a:solidFill>
+                <a:latin typeface="Consolas" panose="020B0609020204030204" pitchFamily="49" charset="0"/>
+              </a:rPr>
+              <a:t>(</a:t>
+            </a:r>
+            <a:r>
+              <a:rPr lang="en-US" altLang="ko-KR" dirty="0">
+                <a:solidFill>
+                  <a:srgbClr val="2A00FF"/>
+                </a:solidFill>
+                <a:latin typeface="Consolas" panose="020B0609020204030204" pitchFamily="49" charset="0"/>
+              </a:rPr>
+              <a:t>"</a:t>
+            </a:r>
+            <a:r>
+              <a:rPr lang="ko-KR" altLang="en-US" dirty="0">
+                <a:solidFill>
+                  <a:srgbClr val="2A00FF"/>
+                </a:solidFill>
+                <a:latin typeface="Consolas" panose="020B0609020204030204" pitchFamily="49" charset="0"/>
+              </a:rPr>
+              <a:t>영화 리뷰 데이터 파일이 없습니다</a:t>
+            </a:r>
+            <a:r>
+              <a:rPr lang="en-US" altLang="ko-KR" dirty="0">
+                <a:solidFill>
+                  <a:srgbClr val="2A00FF"/>
+                </a:solidFill>
+                <a:latin typeface="Consolas" panose="020B0609020204030204" pitchFamily="49" charset="0"/>
+              </a:rPr>
+              <a:t>. </a:t>
+            </a:r>
+            <a:r>
+              <a:rPr lang="ko-KR" altLang="en-US" dirty="0">
+                <a:solidFill>
+                  <a:srgbClr val="2A00FF"/>
+                </a:solidFill>
+                <a:latin typeface="Consolas" panose="020B0609020204030204" pitchFamily="49" charset="0"/>
+              </a:rPr>
+              <a:t>새로운 파일을 생성합니다</a:t>
+            </a:r>
+            <a:r>
+              <a:rPr lang="en-US" altLang="ko-KR" dirty="0">
+                <a:solidFill>
+                  <a:srgbClr val="2A00FF"/>
+                </a:solidFill>
+                <a:latin typeface="Consolas" panose="020B0609020204030204" pitchFamily="49" charset="0"/>
+              </a:rPr>
+              <a:t>."</a:t>
+            </a:r>
+            <a:r>
+              <a:rPr lang="en-US" altLang="ko-KR" dirty="0">
+                <a:solidFill>
+                  <a:srgbClr val="000000"/>
+                </a:solidFill>
+                <a:latin typeface="Consolas" panose="020B0609020204030204" pitchFamily="49" charset="0"/>
+              </a:rPr>
+              <a:t>);</a:t>
+            </a:r>
+          </a:p>
+          <a:p>
+            <a:r>
+              <a:rPr lang="en-US" altLang="ko-KR" dirty="0">
+                <a:solidFill>
+                  <a:srgbClr val="000000"/>
+                </a:solidFill>
+                <a:latin typeface="Consolas" panose="020B0609020204030204" pitchFamily="49" charset="0"/>
+              </a:rPr>
+              <a:t>}</a:t>
+            </a:r>
+          </a:p>
+          <a:p>
+            <a:r>
+              <a:rPr lang="en-US" altLang="ko-KR" dirty="0" smtClean="0">
+                <a:solidFill>
+                  <a:srgbClr val="000000"/>
+                </a:solidFill>
+                <a:latin typeface="Consolas" panose="020B0609020204030204" pitchFamily="49" charset="0"/>
+              </a:rPr>
+              <a:t>}}</a:t>
+            </a:r>
+            <a:endParaRPr lang="en-US" altLang="ko-KR" dirty="0">
+              <a:solidFill>
+                <a:srgbClr val="000000"/>
+              </a:solidFill>
+              <a:latin typeface="Consolas" panose="020B0609020204030204" pitchFamily="49" charset="0"/>
+            </a:endParaRPr>
+          </a:p>
+        </p:txBody>
+      </p:sp>
+      <p:sp>
+        <p:nvSpPr>
+          <p:cNvPr id="13" name="직사각형 12"/>
+          <p:cNvSpPr/>
+          <p:nvPr/>
+        </p:nvSpPr>
+        <p:spPr>
+          <a:xfrm>
+            <a:off x="1143000" y="1653129"/>
+            <a:ext cx="9144000" cy="1477328"/>
+          </a:xfrm>
+          <a:prstGeom prst="rect">
+            <a:avLst/>
+          </a:prstGeom>
+        </p:spPr>
+        <p:txBody>
+          <a:bodyPr>
+            <a:spAutoFit/>
+          </a:bodyPr>
+          <a:lstStyle/>
+          <a:p>
+            <a:r>
+              <a:rPr lang="en-US" altLang="ko-KR" b="1" dirty="0">
+                <a:solidFill>
+                  <a:srgbClr val="7F0055"/>
+                </a:solidFill>
+                <a:latin typeface="Consolas" panose="020B0609020204030204" pitchFamily="49" charset="0"/>
+              </a:rPr>
+              <a:t>public</a:t>
+            </a:r>
+            <a:r>
+              <a:rPr lang="en-US" altLang="ko-KR" dirty="0">
+                <a:solidFill>
+                  <a:srgbClr val="000000"/>
+                </a:solidFill>
+                <a:latin typeface="Consolas" panose="020B0609020204030204" pitchFamily="49" charset="0"/>
+              </a:rPr>
+              <a:t> </a:t>
+            </a:r>
+            <a:r>
+              <a:rPr lang="en-US" altLang="ko-KR" b="1" dirty="0">
+                <a:solidFill>
+                  <a:srgbClr val="7F0055"/>
+                </a:solidFill>
+                <a:latin typeface="Consolas" panose="020B0609020204030204" pitchFamily="49" charset="0"/>
+              </a:rPr>
+              <a:t>class</a:t>
+            </a:r>
+            <a:r>
+              <a:rPr lang="en-US" altLang="ko-KR" dirty="0">
+                <a:solidFill>
+                  <a:srgbClr val="000000"/>
+                </a:solidFill>
+                <a:latin typeface="Consolas" panose="020B0609020204030204" pitchFamily="49" charset="0"/>
+              </a:rPr>
+              <a:t> </a:t>
+            </a:r>
+            <a:r>
+              <a:rPr lang="en-US" altLang="ko-KR" dirty="0" err="1">
+                <a:solidFill>
+                  <a:srgbClr val="000000"/>
+                </a:solidFill>
+                <a:latin typeface="Consolas" panose="020B0609020204030204" pitchFamily="49" charset="0"/>
+              </a:rPr>
+              <a:t>MovieView</a:t>
+            </a:r>
+            <a:r>
+              <a:rPr lang="en-US" altLang="ko-KR" dirty="0">
+                <a:solidFill>
+                  <a:srgbClr val="000000"/>
+                </a:solidFill>
+                <a:latin typeface="Consolas" panose="020B0609020204030204" pitchFamily="49" charset="0"/>
+              </a:rPr>
+              <a:t> {</a:t>
+            </a:r>
+            <a:endParaRPr lang="en-US" altLang="ko-KR" b="1" dirty="0" smtClean="0">
+              <a:solidFill>
+                <a:srgbClr val="7F0055"/>
+              </a:solidFill>
+              <a:latin typeface="Consolas" panose="020B0609020204030204" pitchFamily="49" charset="0"/>
+            </a:endParaRPr>
+          </a:p>
+          <a:p>
+            <a:r>
+              <a:rPr lang="en-US" altLang="ko-KR" b="1" dirty="0" smtClean="0">
+                <a:solidFill>
+                  <a:srgbClr val="7F0055"/>
+                </a:solidFill>
+                <a:latin typeface="Consolas" panose="020B0609020204030204" pitchFamily="49" charset="0"/>
+              </a:rPr>
+              <a:t>Public</a:t>
+            </a:r>
+            <a:r>
+              <a:rPr lang="en-US" altLang="ko-KR" dirty="0" smtClean="0">
+                <a:solidFill>
+                  <a:srgbClr val="000000"/>
+                </a:solidFill>
+                <a:latin typeface="Consolas" panose="020B0609020204030204" pitchFamily="49" charset="0"/>
+              </a:rPr>
+              <a:t> </a:t>
+            </a:r>
+            <a:r>
+              <a:rPr lang="en-US" altLang="ko-KR" b="1" dirty="0">
+                <a:solidFill>
+                  <a:srgbClr val="7F0055"/>
+                </a:solidFill>
+                <a:latin typeface="Consolas" panose="020B0609020204030204" pitchFamily="49" charset="0"/>
+              </a:rPr>
+              <a:t>void</a:t>
+            </a:r>
+            <a:r>
+              <a:rPr lang="en-US" altLang="ko-KR" dirty="0">
+                <a:solidFill>
+                  <a:srgbClr val="000000"/>
+                </a:solidFill>
+                <a:latin typeface="Consolas" panose="020B0609020204030204" pitchFamily="49" charset="0"/>
+              </a:rPr>
+              <a:t> </a:t>
+            </a:r>
+            <a:r>
+              <a:rPr lang="en-US" altLang="ko-KR" dirty="0" err="1">
+                <a:solidFill>
+                  <a:srgbClr val="000000"/>
+                </a:solidFill>
+                <a:latin typeface="Consolas" panose="020B0609020204030204" pitchFamily="49" charset="0"/>
+              </a:rPr>
+              <a:t>getMoiveList</a:t>
+            </a:r>
+            <a:r>
+              <a:rPr lang="en-US" altLang="ko-KR" dirty="0">
+                <a:solidFill>
+                  <a:srgbClr val="000000"/>
+                </a:solidFill>
+                <a:latin typeface="Consolas" panose="020B0609020204030204" pitchFamily="49" charset="0"/>
+              </a:rPr>
+              <a:t>(List&lt;</a:t>
+            </a:r>
+            <a:r>
+              <a:rPr lang="en-US" altLang="ko-KR" dirty="0" err="1">
+                <a:solidFill>
+                  <a:srgbClr val="000000"/>
+                </a:solidFill>
+                <a:latin typeface="Consolas" panose="020B0609020204030204" pitchFamily="49" charset="0"/>
+              </a:rPr>
+              <a:t>MovieDto</a:t>
+            </a:r>
+            <a:r>
+              <a:rPr lang="en-US" altLang="ko-KR" dirty="0">
+                <a:solidFill>
+                  <a:srgbClr val="000000"/>
+                </a:solidFill>
+                <a:latin typeface="Consolas" panose="020B0609020204030204" pitchFamily="49" charset="0"/>
+              </a:rPr>
+              <a:t>&gt;</a:t>
+            </a:r>
+            <a:r>
+              <a:rPr lang="en-US" altLang="ko-KR" dirty="0" err="1">
+                <a:solidFill>
+                  <a:srgbClr val="6A3E3E"/>
+                </a:solidFill>
+                <a:latin typeface="Consolas" panose="020B0609020204030204" pitchFamily="49" charset="0"/>
+              </a:rPr>
+              <a:t>movieDtos</a:t>
+            </a:r>
+            <a:r>
+              <a:rPr lang="en-US" altLang="ko-KR" dirty="0">
+                <a:solidFill>
+                  <a:srgbClr val="000000"/>
+                </a:solidFill>
+                <a:latin typeface="Consolas" panose="020B0609020204030204" pitchFamily="49" charset="0"/>
+              </a:rPr>
+              <a:t>) {</a:t>
+            </a:r>
+          </a:p>
+          <a:p>
+            <a:r>
+              <a:rPr lang="en-US" altLang="ko-KR" b="1" dirty="0" smtClean="0">
+                <a:solidFill>
+                  <a:srgbClr val="7F0055"/>
+                </a:solidFill>
+                <a:latin typeface="Consolas" panose="020B0609020204030204" pitchFamily="49" charset="0"/>
+              </a:rPr>
+              <a:t>for</a:t>
+            </a:r>
+            <a:r>
+              <a:rPr lang="en-US" altLang="ko-KR" dirty="0" smtClean="0">
+                <a:solidFill>
+                  <a:srgbClr val="000000"/>
+                </a:solidFill>
+                <a:latin typeface="Consolas" panose="020B0609020204030204" pitchFamily="49" charset="0"/>
+              </a:rPr>
+              <a:t>(</a:t>
+            </a:r>
+            <a:r>
+              <a:rPr lang="en-US" altLang="ko-KR" dirty="0" err="1" smtClean="0">
+                <a:solidFill>
+                  <a:srgbClr val="000000"/>
+                </a:solidFill>
+                <a:latin typeface="Consolas" panose="020B0609020204030204" pitchFamily="49" charset="0"/>
+              </a:rPr>
+              <a:t>MovieDto</a:t>
+            </a:r>
+            <a:r>
+              <a:rPr lang="en-US" altLang="ko-KR" dirty="0" smtClean="0">
+                <a:solidFill>
+                  <a:srgbClr val="000000"/>
+                </a:solidFill>
+                <a:latin typeface="Consolas" panose="020B0609020204030204" pitchFamily="49" charset="0"/>
+              </a:rPr>
+              <a:t> </a:t>
+            </a:r>
+            <a:r>
+              <a:rPr lang="en-US" altLang="ko-KR" dirty="0" err="1">
+                <a:solidFill>
+                  <a:srgbClr val="6A3E3E"/>
+                </a:solidFill>
+                <a:latin typeface="Consolas" panose="020B0609020204030204" pitchFamily="49" charset="0"/>
+              </a:rPr>
+              <a:t>movieDto</a:t>
+            </a:r>
+            <a:r>
+              <a:rPr lang="en-US" altLang="ko-KR" dirty="0">
+                <a:solidFill>
+                  <a:srgbClr val="000000"/>
+                </a:solidFill>
+                <a:latin typeface="Consolas" panose="020B0609020204030204" pitchFamily="49" charset="0"/>
+              </a:rPr>
+              <a:t> : </a:t>
+            </a:r>
+            <a:r>
+              <a:rPr lang="en-US" altLang="ko-KR" dirty="0" err="1">
+                <a:solidFill>
+                  <a:srgbClr val="6A3E3E"/>
+                </a:solidFill>
+                <a:latin typeface="Consolas" panose="020B0609020204030204" pitchFamily="49" charset="0"/>
+              </a:rPr>
+              <a:t>movieDtos</a:t>
+            </a:r>
+            <a:r>
+              <a:rPr lang="en-US" altLang="ko-KR" dirty="0">
+                <a:solidFill>
+                  <a:srgbClr val="000000"/>
+                </a:solidFill>
+                <a:latin typeface="Consolas" panose="020B0609020204030204" pitchFamily="49" charset="0"/>
+              </a:rPr>
+              <a:t>) {</a:t>
+            </a:r>
+          </a:p>
+          <a:p>
+            <a:r>
+              <a:rPr lang="en-US" altLang="ko-KR" dirty="0" err="1">
+                <a:solidFill>
+                  <a:srgbClr val="000000"/>
+                </a:solidFill>
+                <a:latin typeface="Consolas" panose="020B0609020204030204" pitchFamily="49" charset="0"/>
+              </a:rPr>
+              <a:t>System.</a:t>
+            </a:r>
+            <a:r>
+              <a:rPr lang="en-US" altLang="ko-KR" b="1" i="1" dirty="0" err="1">
+                <a:solidFill>
+                  <a:srgbClr val="0000C0"/>
+                </a:solidFill>
+                <a:latin typeface="Consolas" panose="020B0609020204030204" pitchFamily="49" charset="0"/>
+              </a:rPr>
+              <a:t>out</a:t>
+            </a:r>
+            <a:r>
+              <a:rPr lang="en-US" altLang="ko-KR" dirty="0" err="1">
+                <a:solidFill>
+                  <a:srgbClr val="000000"/>
+                </a:solidFill>
+                <a:latin typeface="Consolas" panose="020B0609020204030204" pitchFamily="49" charset="0"/>
+              </a:rPr>
+              <a:t>.println</a:t>
+            </a:r>
+            <a:r>
+              <a:rPr lang="en-US" altLang="ko-KR" dirty="0">
+                <a:solidFill>
+                  <a:srgbClr val="000000"/>
+                </a:solidFill>
+                <a:latin typeface="Consolas" panose="020B0609020204030204" pitchFamily="49" charset="0"/>
+              </a:rPr>
+              <a:t>(</a:t>
+            </a:r>
+            <a:r>
+              <a:rPr lang="en-US" altLang="ko-KR" dirty="0" err="1">
+                <a:solidFill>
+                  <a:srgbClr val="6A3E3E"/>
+                </a:solidFill>
+                <a:latin typeface="Consolas" panose="020B0609020204030204" pitchFamily="49" charset="0"/>
+              </a:rPr>
+              <a:t>movieDto</a:t>
+            </a:r>
+            <a:r>
+              <a:rPr lang="en-US" altLang="ko-KR" dirty="0" err="1">
+                <a:solidFill>
+                  <a:srgbClr val="000000"/>
+                </a:solidFill>
+                <a:latin typeface="Consolas" panose="020B0609020204030204" pitchFamily="49" charset="0"/>
+              </a:rPr>
+              <a:t>.toString</a:t>
+            </a:r>
+            <a:r>
+              <a:rPr lang="en-US" altLang="ko-KR" dirty="0">
+                <a:solidFill>
+                  <a:srgbClr val="000000"/>
+                </a:solidFill>
+                <a:latin typeface="Consolas" panose="020B0609020204030204" pitchFamily="49" charset="0"/>
+              </a:rPr>
+              <a:t>());</a:t>
+            </a:r>
+          </a:p>
+          <a:p>
+            <a:r>
+              <a:rPr lang="en-US" altLang="ko-KR" dirty="0" smtClean="0">
+                <a:solidFill>
+                  <a:srgbClr val="000000"/>
+                </a:solidFill>
+                <a:latin typeface="Consolas" panose="020B0609020204030204" pitchFamily="49" charset="0"/>
+              </a:rPr>
+              <a:t>}}}</a:t>
+            </a:r>
+            <a:endParaRPr lang="en-US" altLang="ko-KR" dirty="0">
+              <a:solidFill>
+                <a:srgbClr val="000000"/>
+              </a:solidFill>
+              <a:latin typeface="Consolas" panose="020B0609020204030204" pitchFamily="49" charset="0"/>
+            </a:endParaRPr>
+          </a:p>
+        </p:txBody>
+      </p:sp>
+    </p:spTree>
+    <p:extLst>
+      <p:ext uri="{BB962C8B-B14F-4D97-AF65-F5344CB8AC3E}">
+        <p14:creationId xmlns:p14="http://schemas.microsoft.com/office/powerpoint/2010/main" val="3008737673"/>
+      </p:ext>
+    </p:extLst>
+  </p:cSld>
+  <p:clrMapOvr>
+    <a:masterClrMapping/>
+  </p:clrMapOvr>
+</p:sld>
+</file>
+
+<file path=ppt/slides/slide12.xml><?xml version="1.0" encoding="utf-8"?>
+<p:sld xmlns:a="http://schemas.openxmlformats.org/drawingml/2006/main" xmlns:r="http://schemas.openxmlformats.org/officeDocument/2006/relationships" xmlns:p="http://schemas.openxmlformats.org/presentationml/2006/main">
+  <p:cSld>
+    <p:spTree>
+      <p:nvGrpSpPr>
+        <p:cNvPr id="1" name=""/>
+        <p:cNvGrpSpPr/>
+        <p:nvPr/>
+      </p:nvGrpSpPr>
+      <p:grpSpPr>
+        <a:xfrm>
+          <a:off x="0" y="0"/>
+          <a:ext cx="0" cy="0"/>
+          <a:chOff x="0" y="0"/>
+          <a:chExt cx="0" cy="0"/>
+        </a:xfrm>
+      </p:grpSpPr>
+      <p:sp>
+        <p:nvSpPr>
+          <p:cNvPr id="2" name="Object 2"/>
+          <p:cNvSpPr txBox="1"/>
+          <p:nvPr/>
+        </p:nvSpPr>
+        <p:spPr>
+          <a:xfrm>
+            <a:off x="10036837" y="689106"/>
+            <a:ext cx="7698578" cy="353943"/>
+          </a:xfrm>
+          <a:prstGeom prst="rect">
+            <a:avLst/>
+          </a:prstGeom>
+          <a:noFill/>
+        </p:spPr>
+        <p:txBody>
+          <a:bodyPr wrap="square" rtlCol="0" anchor="ctr">
+            <a:spAutoFit/>
+          </a:bodyPr>
+          <a:lstStyle/>
+          <a:p>
+            <a:pPr algn="r"/>
+            <a:r>
+              <a:rPr lang="en-US" altLang="ko-KR" sz="1700" dirty="0">
+                <a:solidFill>
+                  <a:srgbClr val="6EC67F"/>
+                </a:solidFill>
+                <a:latin typeface="Pretendard Thin" pitchFamily="34" charset="0"/>
+                <a:cs typeface="Pretendard Thin" pitchFamily="34" charset="0"/>
+              </a:rPr>
+              <a:t>Movie Review App</a:t>
+            </a:r>
+            <a:endParaRPr lang="en-US" altLang="ko-KR" sz="1600" dirty="0"/>
+          </a:p>
+        </p:txBody>
+      </p:sp>
+      <p:sp>
+        <p:nvSpPr>
+          <p:cNvPr id="3" name="Object 3"/>
+          <p:cNvSpPr txBox="1"/>
+          <p:nvPr/>
+        </p:nvSpPr>
+        <p:spPr>
+          <a:xfrm>
+            <a:off x="1159048" y="571500"/>
+            <a:ext cx="10418571" cy="830997"/>
+          </a:xfrm>
+          <a:prstGeom prst="rect">
+            <a:avLst/>
+          </a:prstGeom>
+          <a:noFill/>
+        </p:spPr>
+        <p:txBody>
+          <a:bodyPr wrap="square" rtlCol="0" anchor="ctr">
+            <a:spAutoFit/>
+          </a:bodyPr>
+          <a:lstStyle/>
+          <a:p>
+            <a:r>
+              <a:rPr lang="en-US" sz="4800" kern="0" spc="-100" dirty="0" smtClean="0">
+                <a:solidFill>
+                  <a:srgbClr val="595959"/>
+                </a:solidFill>
+                <a:latin typeface="Pretendard SemiBold" pitchFamily="34" charset="0"/>
+                <a:cs typeface="Pretendard SemiBold" pitchFamily="34" charset="0"/>
+              </a:rPr>
+              <a:t>03 </a:t>
+            </a:r>
+            <a:r>
+              <a:rPr lang="ko-KR" altLang="en-US" sz="4000" kern="0" spc="-100" dirty="0" smtClean="0">
+                <a:solidFill>
+                  <a:srgbClr val="595959"/>
+                </a:solidFill>
+                <a:latin typeface="Pretendard" pitchFamily="34" charset="0"/>
+                <a:cs typeface="Pretendard SemiBold" pitchFamily="34" charset="0"/>
+              </a:rPr>
+              <a:t>코드 및 </a:t>
+            </a:r>
+            <a:r>
+              <a:rPr lang="ko-KR" altLang="en-US" sz="4000" kern="0" spc="-100" dirty="0" err="1" smtClean="0">
+                <a:solidFill>
+                  <a:srgbClr val="595959"/>
+                </a:solidFill>
+                <a:latin typeface="Pretendard" pitchFamily="34" charset="0"/>
+                <a:cs typeface="Pretendard SemiBold" pitchFamily="34" charset="0"/>
+              </a:rPr>
+              <a:t>실행화면</a:t>
+            </a:r>
+            <a:r>
+              <a:rPr lang="en-US" altLang="ko-KR" sz="4000" kern="0" spc="-100" dirty="0">
+                <a:solidFill>
+                  <a:srgbClr val="595959"/>
+                </a:solidFill>
+                <a:latin typeface="Pretendard" pitchFamily="34" charset="0"/>
+                <a:cs typeface="Pretendard SemiBold" pitchFamily="34" charset="0"/>
+              </a:rPr>
+              <a:t>(Get Movie List)</a:t>
+            </a:r>
+            <a:endParaRPr lang="en-US" dirty="0"/>
+          </a:p>
+        </p:txBody>
+      </p:sp>
+      <p:grpSp>
+        <p:nvGrpSpPr>
+          <p:cNvPr id="1001" name="그룹 1001"/>
+          <p:cNvGrpSpPr/>
+          <p:nvPr/>
+        </p:nvGrpSpPr>
+        <p:grpSpPr>
+          <a:xfrm>
+            <a:off x="516833" y="23814"/>
+            <a:ext cx="1298710" cy="14286"/>
+            <a:chOff x="516833" y="409580"/>
+            <a:chExt cx="1298710" cy="14286"/>
+          </a:xfrm>
+        </p:grpSpPr>
+        <p:pic>
+          <p:nvPicPr>
+            <p:cNvPr id="5" name="Object 4"/>
+            <p:cNvPicPr>
+              <a:picLocks noChangeAspect="1"/>
+            </p:cNvPicPr>
+            <p:nvPr/>
+          </p:nvPicPr>
+          <p:blipFill>
+            <a:blip r:embed="rId3" cstate="print"/>
+            <a:stretch>
+              <a:fillRect/>
+            </a:stretch>
+          </p:blipFill>
+          <p:spPr>
+            <a:xfrm rot="5400000">
+              <a:off x="516833" y="409580"/>
+              <a:ext cx="1298710" cy="14286"/>
+            </a:xfrm>
+            <a:prstGeom prst="rect">
+              <a:avLst/>
+            </a:prstGeom>
+          </p:spPr>
+        </p:pic>
+      </p:grpSp>
+      <p:sp>
+        <p:nvSpPr>
+          <p:cNvPr id="4" name="모서리가 둥근 직사각형 3"/>
+          <p:cNvSpPr/>
+          <p:nvPr/>
+        </p:nvSpPr>
+        <p:spPr>
+          <a:xfrm>
+            <a:off x="1173331" y="7573866"/>
+            <a:ext cx="16047869" cy="1913034"/>
+          </a:xfrm>
+          <a:prstGeom prst="roundRect">
+            <a:avLst>
+              <a:gd name="adj" fmla="val 7060"/>
+            </a:avLst>
+          </a:prstGeom>
+          <a:noFill/>
+          <a:ln w="6350">
+            <a:solidFill>
+              <a:srgbClr val="75D387"/>
+            </a:solidFill>
+          </a:ln>
+        </p:spPr>
+        <p:style>
+          <a:lnRef idx="2">
+            <a:schemeClr val="accent1">
+              <a:shade val="50000"/>
+            </a:schemeClr>
+          </a:lnRef>
+          <a:fillRef idx="1">
+            <a:schemeClr val="accent1"/>
+          </a:fillRef>
+          <a:effectRef idx="0">
+            <a:schemeClr val="accent1"/>
+          </a:effectRef>
+          <a:fontRef idx="minor">
+            <a:schemeClr val="lt1"/>
+          </a:fontRef>
+        </p:style>
+        <p:txBody>
+          <a:bodyPr rtlCol="0" anchor="ctr"/>
+          <a:lstStyle/>
+          <a:p>
+            <a:pPr algn="ctr"/>
+            <a:endParaRPr lang="ko-KR" altLang="en-US"/>
+          </a:p>
+        </p:txBody>
+      </p:sp>
+      <p:sp>
+        <p:nvSpPr>
+          <p:cNvPr id="9" name="Object 37"/>
+          <p:cNvSpPr txBox="1"/>
+          <p:nvPr/>
+        </p:nvSpPr>
+        <p:spPr>
+          <a:xfrm>
+            <a:off x="1320183" y="7851155"/>
+            <a:ext cx="15754163" cy="2862322"/>
+          </a:xfrm>
+          <a:prstGeom prst="rect">
+            <a:avLst/>
+          </a:prstGeom>
+          <a:noFill/>
+        </p:spPr>
+        <p:txBody>
+          <a:bodyPr wrap="square" rtlCol="0" anchor="ctr">
+            <a:spAutoFit/>
+          </a:bodyPr>
+          <a:lstStyle/>
+          <a:p>
+            <a:pPr marL="285750" indent="-285750" algn="just">
+              <a:buFont typeface="Wingdings" panose="05000000000000000000" pitchFamily="2" charset="2"/>
+              <a:buChar char="§"/>
+            </a:pPr>
+            <a:r>
+              <a:rPr lang="en-US" altLang="ko-KR" dirty="0" smtClean="0">
+                <a:solidFill>
+                  <a:schemeClr val="bg1">
+                    <a:lumMod val="50000"/>
+                  </a:schemeClr>
+                </a:solidFill>
+                <a:latin typeface="맑은 고딕" panose="020B0503020000020004" pitchFamily="50" charset="-127"/>
+                <a:ea typeface="맑은 고딕" panose="020B0503020000020004" pitchFamily="50" charset="-127"/>
+              </a:rPr>
+              <a:t>Controller </a:t>
+            </a:r>
+            <a:r>
+              <a:rPr lang="ko-KR" altLang="en-US" dirty="0" smtClean="0">
+                <a:solidFill>
+                  <a:schemeClr val="bg1">
+                    <a:lumMod val="50000"/>
+                  </a:schemeClr>
+                </a:solidFill>
+                <a:latin typeface="맑은 고딕" panose="020B0503020000020004" pitchFamily="50" charset="-127"/>
+                <a:ea typeface="맑은 고딕" panose="020B0503020000020004" pitchFamily="50" charset="-127"/>
+              </a:rPr>
+              <a:t>클래스에 </a:t>
+            </a:r>
+            <a:r>
+              <a:rPr lang="en-US" altLang="ko-KR" dirty="0" err="1" smtClean="0">
+                <a:solidFill>
+                  <a:schemeClr val="bg1">
+                    <a:lumMod val="50000"/>
+                  </a:schemeClr>
+                </a:solidFill>
+                <a:latin typeface="맑은 고딕" panose="020B0503020000020004" pitchFamily="50" charset="-127"/>
+                <a:ea typeface="맑은 고딕" panose="020B0503020000020004" pitchFamily="50" charset="-127"/>
+              </a:rPr>
+              <a:t>get</a:t>
+            </a:r>
+            <a:r>
+              <a:rPr lang="en-US" altLang="ko-KR" dirty="0" err="1" smtClean="0">
+                <a:solidFill>
+                  <a:schemeClr val="bg1">
+                    <a:lumMod val="50000"/>
+                  </a:schemeClr>
+                </a:solidFill>
+                <a:latin typeface="맑은 고딕" panose="020B0503020000020004" pitchFamily="50" charset="-127"/>
+                <a:ea typeface="맑은 고딕" panose="020B0503020000020004" pitchFamily="50" charset="-127"/>
+              </a:rPr>
+              <a:t>Movie</a:t>
+            </a:r>
+            <a:r>
+              <a:rPr lang="en-US" altLang="ko-KR" dirty="0" err="1" smtClean="0">
+                <a:solidFill>
+                  <a:schemeClr val="bg1">
+                    <a:lumMod val="50000"/>
+                  </a:schemeClr>
+                </a:solidFill>
+                <a:latin typeface="맑은 고딕" panose="020B0503020000020004" pitchFamily="50" charset="-127"/>
+                <a:ea typeface="맑은 고딕" panose="020B0503020000020004" pitchFamily="50" charset="-127"/>
+              </a:rPr>
+              <a:t>List</a:t>
+            </a:r>
+            <a:r>
+              <a:rPr lang="en-US" altLang="ko-KR" dirty="0" smtClean="0">
+                <a:solidFill>
+                  <a:schemeClr val="bg1">
+                    <a:lumMod val="50000"/>
+                  </a:schemeClr>
+                </a:solidFill>
+                <a:latin typeface="맑은 고딕" panose="020B0503020000020004" pitchFamily="50" charset="-127"/>
+                <a:ea typeface="맑은 고딕" panose="020B0503020000020004" pitchFamily="50" charset="-127"/>
+              </a:rPr>
+              <a:t>() </a:t>
+            </a:r>
+            <a:r>
+              <a:rPr lang="ko-KR" altLang="en-US" dirty="0" smtClean="0">
+                <a:solidFill>
+                  <a:schemeClr val="bg1">
+                    <a:lumMod val="50000"/>
+                  </a:schemeClr>
+                </a:solidFill>
+                <a:latin typeface="맑은 고딕" panose="020B0503020000020004" pitchFamily="50" charset="-127"/>
+                <a:ea typeface="맑은 고딕" panose="020B0503020000020004" pitchFamily="50" charset="-127"/>
+              </a:rPr>
+              <a:t>함수</a:t>
+            </a:r>
+            <a:r>
+              <a:rPr lang="en-US" altLang="ko-KR" dirty="0" smtClean="0">
+                <a:solidFill>
+                  <a:schemeClr val="bg1">
+                    <a:lumMod val="50000"/>
+                  </a:schemeClr>
+                </a:solidFill>
+                <a:latin typeface="맑은 고딕" panose="020B0503020000020004" pitchFamily="50" charset="-127"/>
+                <a:ea typeface="맑은 고딕" panose="020B0503020000020004" pitchFamily="50" charset="-127"/>
+              </a:rPr>
+              <a:t> </a:t>
+            </a:r>
+            <a:r>
+              <a:rPr lang="ko-KR" altLang="en-US" dirty="0" smtClean="0">
+                <a:solidFill>
+                  <a:schemeClr val="bg1">
+                    <a:lumMod val="50000"/>
+                  </a:schemeClr>
+                </a:solidFill>
+                <a:latin typeface="맑은 고딕" panose="020B0503020000020004" pitchFamily="50" charset="-127"/>
+                <a:ea typeface="맑은 고딕" panose="020B0503020000020004" pitchFamily="50" charset="-127"/>
+              </a:rPr>
+              <a:t>생성</a:t>
+            </a:r>
+            <a:endParaRPr lang="en-US" altLang="ko-KR" dirty="0" smtClean="0">
+              <a:solidFill>
+                <a:schemeClr val="bg1">
+                  <a:lumMod val="50000"/>
+                </a:schemeClr>
+              </a:solidFill>
+              <a:latin typeface="맑은 고딕" panose="020B0503020000020004" pitchFamily="50" charset="-127"/>
+              <a:ea typeface="맑은 고딕" panose="020B0503020000020004" pitchFamily="50" charset="-127"/>
+            </a:endParaRPr>
+          </a:p>
+          <a:p>
+            <a:pPr marL="342900" indent="-342900" algn="just">
+              <a:buFont typeface="맑은 고딕" panose="020B0503020000020004" pitchFamily="50" charset="-127"/>
+              <a:buChar char="-"/>
+            </a:pPr>
+            <a:r>
+              <a:rPr lang="en-US" altLang="ko-KR" dirty="0" err="1" smtClean="0">
+                <a:solidFill>
+                  <a:schemeClr val="bg1">
+                    <a:lumMod val="50000"/>
+                  </a:schemeClr>
+                </a:solidFill>
+                <a:latin typeface="맑은 고딕" panose="020B0503020000020004" pitchFamily="50" charset="-127"/>
+                <a:ea typeface="맑은 고딕" panose="020B0503020000020004" pitchFamily="50" charset="-127"/>
+              </a:rPr>
+              <a:t>movieView.getMoiveList</a:t>
+            </a:r>
+            <a:r>
+              <a:rPr lang="ko-KR" altLang="en-US" dirty="0" smtClean="0">
+                <a:solidFill>
+                  <a:schemeClr val="bg1">
+                    <a:lumMod val="50000"/>
+                  </a:schemeClr>
+                </a:solidFill>
+                <a:latin typeface="맑은 고딕" panose="020B0503020000020004" pitchFamily="50" charset="-127"/>
+                <a:ea typeface="맑은 고딕" panose="020B0503020000020004" pitchFamily="50" charset="-127"/>
+              </a:rPr>
+              <a:t>에</a:t>
+            </a:r>
+            <a:r>
+              <a:rPr lang="en-US" altLang="ko-KR" dirty="0" smtClean="0">
+                <a:solidFill>
+                  <a:schemeClr val="bg1">
+                    <a:lumMod val="50000"/>
+                  </a:schemeClr>
+                </a:solidFill>
+                <a:latin typeface="맑은 고딕" panose="020B0503020000020004" pitchFamily="50" charset="-127"/>
+                <a:ea typeface="맑은 고딕" panose="020B0503020000020004" pitchFamily="50" charset="-127"/>
+              </a:rPr>
+              <a:t> </a:t>
+            </a:r>
+            <a:r>
+              <a:rPr lang="en-US" altLang="ko-KR" dirty="0" err="1" smtClean="0">
+                <a:solidFill>
+                  <a:schemeClr val="bg1">
+                    <a:lumMod val="50000"/>
+                  </a:schemeClr>
+                </a:solidFill>
+                <a:latin typeface="맑은 고딕" panose="020B0503020000020004" pitchFamily="50" charset="-127"/>
+                <a:ea typeface="맑은 고딕" panose="020B0503020000020004" pitchFamily="50" charset="-127"/>
+              </a:rPr>
+              <a:t>movieServie.getmovieList</a:t>
+            </a:r>
+            <a:r>
+              <a:rPr lang="en-US" altLang="ko-KR" dirty="0" smtClean="0">
+                <a:solidFill>
+                  <a:schemeClr val="bg1">
+                    <a:lumMod val="50000"/>
+                  </a:schemeClr>
+                </a:solidFill>
+                <a:latin typeface="맑은 고딕" panose="020B0503020000020004" pitchFamily="50" charset="-127"/>
+                <a:ea typeface="맑은 고딕" panose="020B0503020000020004" pitchFamily="50" charset="-127"/>
+              </a:rPr>
+              <a:t>()</a:t>
+            </a:r>
+            <a:r>
+              <a:rPr lang="ko-KR" altLang="en-US" dirty="0" smtClean="0">
+                <a:solidFill>
+                  <a:schemeClr val="bg1">
+                    <a:lumMod val="50000"/>
+                  </a:schemeClr>
+                </a:solidFill>
+                <a:latin typeface="맑은 고딕" panose="020B0503020000020004" pitchFamily="50" charset="-127"/>
+                <a:ea typeface="맑은 고딕" panose="020B0503020000020004" pitchFamily="50" charset="-127"/>
+              </a:rPr>
+              <a:t>를 매개변수로 넣어 영화 리뷰 리스트 가져오기 </a:t>
+            </a:r>
+            <a:endParaRPr lang="en-US" altLang="ko-KR" dirty="0" smtClean="0">
+              <a:solidFill>
+                <a:schemeClr val="bg1">
+                  <a:lumMod val="50000"/>
+                </a:schemeClr>
+              </a:solidFill>
+              <a:latin typeface="맑은 고딕" panose="020B0503020000020004" pitchFamily="50" charset="-127"/>
+              <a:ea typeface="맑은 고딕" panose="020B0503020000020004" pitchFamily="50" charset="-127"/>
+            </a:endParaRPr>
+          </a:p>
+          <a:p>
+            <a:pPr marL="285750" indent="-285750" algn="just">
+              <a:buFont typeface="Wingdings" panose="05000000000000000000" pitchFamily="2" charset="2"/>
+              <a:buChar char="§"/>
+            </a:pPr>
+            <a:r>
+              <a:rPr lang="en-US" altLang="ko-KR" dirty="0" smtClean="0">
+                <a:solidFill>
+                  <a:schemeClr val="bg1">
+                    <a:lumMod val="50000"/>
+                  </a:schemeClr>
+                </a:solidFill>
+                <a:latin typeface="맑은 고딕" panose="020B0503020000020004" pitchFamily="50" charset="-127"/>
+                <a:ea typeface="맑은 고딕" panose="020B0503020000020004" pitchFamily="50" charset="-127"/>
+              </a:rPr>
+              <a:t>Controller </a:t>
+            </a:r>
+            <a:r>
+              <a:rPr lang="ko-KR" altLang="en-US" dirty="0">
+                <a:solidFill>
+                  <a:schemeClr val="bg1">
+                    <a:lumMod val="50000"/>
+                  </a:schemeClr>
+                </a:solidFill>
+                <a:latin typeface="맑은 고딕" panose="020B0503020000020004" pitchFamily="50" charset="-127"/>
+                <a:ea typeface="맑은 고딕" panose="020B0503020000020004" pitchFamily="50" charset="-127"/>
+              </a:rPr>
+              <a:t>클래스에 </a:t>
+            </a:r>
+            <a:r>
+              <a:rPr lang="en-US" altLang="ko-KR" dirty="0" err="1" smtClean="0">
+                <a:solidFill>
+                  <a:schemeClr val="bg1">
+                    <a:lumMod val="50000"/>
+                  </a:schemeClr>
+                </a:solidFill>
+                <a:latin typeface="맑은 고딕" panose="020B0503020000020004" pitchFamily="50" charset="-127"/>
+                <a:ea typeface="맑은 고딕" panose="020B0503020000020004" pitchFamily="50" charset="-127"/>
+              </a:rPr>
+              <a:t>runStartApp</a:t>
+            </a:r>
+            <a:r>
+              <a:rPr lang="en-US" altLang="ko-KR" dirty="0" smtClean="0">
+                <a:solidFill>
+                  <a:schemeClr val="bg1">
+                    <a:lumMod val="50000"/>
+                  </a:schemeClr>
+                </a:solidFill>
+                <a:latin typeface="맑은 고딕" panose="020B0503020000020004" pitchFamily="50" charset="-127"/>
+                <a:ea typeface="맑은 고딕" panose="020B0503020000020004" pitchFamily="50" charset="-127"/>
+              </a:rPr>
+              <a:t>() </a:t>
+            </a:r>
+            <a:r>
+              <a:rPr lang="ko-KR" altLang="en-US" dirty="0" smtClean="0">
+                <a:solidFill>
+                  <a:schemeClr val="bg1">
+                    <a:lumMod val="50000"/>
+                  </a:schemeClr>
+                </a:solidFill>
+                <a:latin typeface="맑은 고딕" panose="020B0503020000020004" pitchFamily="50" charset="-127"/>
+                <a:ea typeface="맑은 고딕" panose="020B0503020000020004" pitchFamily="50" charset="-127"/>
+              </a:rPr>
+              <a:t>함수 </a:t>
+            </a:r>
+            <a:r>
+              <a:rPr lang="en-US" altLang="ko-KR" dirty="0" smtClean="0">
+                <a:solidFill>
+                  <a:schemeClr val="bg1">
+                    <a:lumMod val="50000"/>
+                  </a:schemeClr>
+                </a:solidFill>
+                <a:latin typeface="맑은 고딕" panose="020B0503020000020004" pitchFamily="50" charset="-127"/>
+                <a:ea typeface="맑은 고딕" panose="020B0503020000020004" pitchFamily="50" charset="-127"/>
+              </a:rPr>
+              <a:t>case2</a:t>
+            </a:r>
+            <a:r>
+              <a:rPr lang="ko-KR" altLang="en-US" dirty="0" smtClean="0">
+                <a:solidFill>
+                  <a:schemeClr val="bg1">
+                    <a:lumMod val="50000"/>
+                  </a:schemeClr>
+                </a:solidFill>
+                <a:latin typeface="맑은 고딕" panose="020B0503020000020004" pitchFamily="50" charset="-127"/>
+                <a:ea typeface="맑은 고딕" panose="020B0503020000020004" pitchFamily="50" charset="-127"/>
+              </a:rPr>
+              <a:t>에 </a:t>
+            </a:r>
+            <a:r>
+              <a:rPr lang="en-US" altLang="ko-KR" dirty="0" err="1" smtClean="0">
+                <a:solidFill>
+                  <a:schemeClr val="bg1">
+                    <a:lumMod val="50000"/>
+                  </a:schemeClr>
+                </a:solidFill>
+                <a:latin typeface="맑은 고딕" panose="020B0503020000020004" pitchFamily="50" charset="-127"/>
+                <a:ea typeface="맑은 고딕" panose="020B0503020000020004" pitchFamily="50" charset="-127"/>
+              </a:rPr>
+              <a:t>get</a:t>
+            </a:r>
+            <a:r>
+              <a:rPr lang="en-US" altLang="ko-KR" dirty="0" err="1" smtClean="0">
+                <a:solidFill>
+                  <a:schemeClr val="bg1">
+                    <a:lumMod val="50000"/>
+                  </a:schemeClr>
+                </a:solidFill>
+                <a:latin typeface="맑은 고딕" panose="020B0503020000020004" pitchFamily="50" charset="-127"/>
+                <a:ea typeface="맑은 고딕" panose="020B0503020000020004" pitchFamily="50" charset="-127"/>
+              </a:rPr>
+              <a:t>MovieList</a:t>
+            </a:r>
+            <a:r>
+              <a:rPr lang="en-US" altLang="ko-KR" dirty="0" smtClean="0">
+                <a:solidFill>
+                  <a:schemeClr val="bg1">
+                    <a:lumMod val="50000"/>
+                  </a:schemeClr>
+                </a:solidFill>
+                <a:latin typeface="맑은 고딕" panose="020B0503020000020004" pitchFamily="50" charset="-127"/>
+                <a:ea typeface="맑은 고딕" panose="020B0503020000020004" pitchFamily="50" charset="-127"/>
+              </a:rPr>
+              <a:t>() </a:t>
+            </a:r>
+            <a:r>
+              <a:rPr lang="ko-KR" altLang="en-US" dirty="0" smtClean="0">
+                <a:solidFill>
+                  <a:schemeClr val="bg1">
+                    <a:lumMod val="50000"/>
+                  </a:schemeClr>
+                </a:solidFill>
+                <a:latin typeface="맑은 고딕" panose="020B0503020000020004" pitchFamily="50" charset="-127"/>
+                <a:ea typeface="맑은 고딕" panose="020B0503020000020004" pitchFamily="50" charset="-127"/>
+              </a:rPr>
+              <a:t>함수 </a:t>
+            </a:r>
+            <a:r>
+              <a:rPr lang="ko-KR" altLang="en-US" dirty="0" smtClean="0">
+                <a:solidFill>
+                  <a:schemeClr val="bg1">
+                    <a:lumMod val="50000"/>
+                  </a:schemeClr>
+                </a:solidFill>
+                <a:latin typeface="맑은 고딕" panose="020B0503020000020004" pitchFamily="50" charset="-127"/>
+                <a:ea typeface="맑은 고딕" panose="020B0503020000020004" pitchFamily="50" charset="-127"/>
+              </a:rPr>
+              <a:t>호출</a:t>
+            </a:r>
+            <a:endParaRPr lang="en-US" altLang="ko-KR" dirty="0" smtClean="0">
+              <a:solidFill>
+                <a:schemeClr val="bg1">
+                  <a:lumMod val="50000"/>
+                </a:schemeClr>
+              </a:solidFill>
+              <a:latin typeface="맑은 고딕" panose="020B0503020000020004" pitchFamily="50" charset="-127"/>
+              <a:ea typeface="맑은 고딕" panose="020B0503020000020004" pitchFamily="50" charset="-127"/>
+            </a:endParaRPr>
+          </a:p>
+          <a:p>
+            <a:pPr marL="285750" indent="-285750" algn="just">
+              <a:buFont typeface="Wingdings" panose="05000000000000000000" pitchFamily="2" charset="2"/>
+              <a:buChar char="§"/>
+            </a:pPr>
+            <a:r>
+              <a:rPr lang="en-US" altLang="ko-KR" dirty="0" smtClean="0">
+                <a:solidFill>
+                  <a:schemeClr val="bg1">
+                    <a:lumMod val="50000"/>
+                  </a:schemeClr>
+                </a:solidFill>
+                <a:latin typeface="맑은 고딕" panose="020B0503020000020004" pitchFamily="50" charset="-127"/>
+                <a:ea typeface="맑은 고딕" panose="020B0503020000020004" pitchFamily="50" charset="-127"/>
+              </a:rPr>
+              <a:t>Console</a:t>
+            </a:r>
+            <a:r>
+              <a:rPr lang="ko-KR" altLang="en-US" dirty="0" smtClean="0">
+                <a:solidFill>
+                  <a:schemeClr val="bg1">
+                    <a:lumMod val="50000"/>
+                  </a:schemeClr>
+                </a:solidFill>
+                <a:latin typeface="맑은 고딕" panose="020B0503020000020004" pitchFamily="50" charset="-127"/>
+                <a:ea typeface="맑은 고딕" panose="020B0503020000020004" pitchFamily="50" charset="-127"/>
+              </a:rPr>
+              <a:t>에 </a:t>
+            </a:r>
+            <a:r>
+              <a:rPr lang="en-US" altLang="ko-KR" dirty="0" smtClean="0">
+                <a:solidFill>
+                  <a:schemeClr val="bg1">
+                    <a:lumMod val="50000"/>
+                  </a:schemeClr>
+                </a:solidFill>
+                <a:latin typeface="맑은 고딕" panose="020B0503020000020004" pitchFamily="50" charset="-127"/>
+                <a:ea typeface="맑은 고딕" panose="020B0503020000020004" pitchFamily="50" charset="-127"/>
+              </a:rPr>
+              <a:t>2</a:t>
+            </a:r>
+            <a:r>
+              <a:rPr lang="ko-KR" altLang="en-US" dirty="0" smtClean="0">
+                <a:solidFill>
+                  <a:schemeClr val="bg1">
+                    <a:lumMod val="50000"/>
+                  </a:schemeClr>
+                </a:solidFill>
+                <a:latin typeface="맑은 고딕" panose="020B0503020000020004" pitchFamily="50" charset="-127"/>
+                <a:ea typeface="맑은 고딕" panose="020B0503020000020004" pitchFamily="50" charset="-127"/>
+              </a:rPr>
+              <a:t>번을 입력할 경우 저장된 모든 영화 리뷰 리스트를 보여줌</a:t>
+            </a:r>
+            <a:endParaRPr lang="en-US" altLang="ko-KR" dirty="0">
+              <a:solidFill>
+                <a:schemeClr val="bg1">
+                  <a:lumMod val="50000"/>
+                </a:schemeClr>
+              </a:solidFill>
+              <a:latin typeface="맑은 고딕" panose="020B0503020000020004" pitchFamily="50" charset="-127"/>
+              <a:ea typeface="맑은 고딕" panose="020B0503020000020004" pitchFamily="50" charset="-127"/>
+            </a:endParaRPr>
+          </a:p>
+          <a:p>
+            <a:pPr algn="just"/>
+            <a:endParaRPr lang="en-US" altLang="ko-KR" dirty="0">
+              <a:solidFill>
+                <a:schemeClr val="bg1">
+                  <a:lumMod val="50000"/>
+                </a:schemeClr>
+              </a:solidFill>
+              <a:latin typeface="맑은 고딕" panose="020B0503020000020004" pitchFamily="50" charset="-127"/>
+              <a:ea typeface="맑은 고딕" panose="020B0503020000020004" pitchFamily="50" charset="-127"/>
+            </a:endParaRPr>
+          </a:p>
+          <a:p>
+            <a:pPr algn="just"/>
+            <a:endParaRPr lang="en-US" altLang="ko-KR" dirty="0" smtClean="0">
+              <a:solidFill>
+                <a:schemeClr val="bg1">
+                  <a:lumMod val="50000"/>
+                </a:schemeClr>
+              </a:solidFill>
+              <a:latin typeface="맑은 고딕" panose="020B0503020000020004" pitchFamily="50" charset="-127"/>
+              <a:ea typeface="맑은 고딕" panose="020B0503020000020004" pitchFamily="50" charset="-127"/>
+            </a:endParaRPr>
+          </a:p>
+          <a:p>
+            <a:pPr lvl="1" algn="just"/>
+            <a:endParaRPr lang="en-US" altLang="ko-KR" dirty="0" smtClean="0">
+              <a:solidFill>
+                <a:schemeClr val="bg1">
+                  <a:lumMod val="50000"/>
+                </a:schemeClr>
+              </a:solidFill>
+              <a:latin typeface="맑은 고딕" panose="020B0503020000020004" pitchFamily="50" charset="-127"/>
+              <a:ea typeface="맑은 고딕" panose="020B0503020000020004" pitchFamily="50" charset="-127"/>
+            </a:endParaRPr>
+          </a:p>
+          <a:p>
+            <a:pPr marL="742950" lvl="1" indent="-285750" algn="just">
+              <a:buFont typeface="맑은 고딕" panose="020B0503020000020004" pitchFamily="50" charset="-127"/>
+              <a:buChar char="-"/>
+            </a:pPr>
+            <a:endParaRPr lang="en-US" altLang="ko-KR" dirty="0" smtClean="0">
+              <a:solidFill>
+                <a:schemeClr val="bg1">
+                  <a:lumMod val="50000"/>
+                </a:schemeClr>
+              </a:solidFill>
+              <a:latin typeface="맑은 고딕" panose="020B0503020000020004" pitchFamily="50" charset="-127"/>
+              <a:ea typeface="맑은 고딕" panose="020B0503020000020004" pitchFamily="50" charset="-127"/>
+            </a:endParaRPr>
+          </a:p>
+          <a:p>
+            <a:pPr marL="742950" lvl="1" indent="-285750" algn="just">
+              <a:buFont typeface="맑은 고딕" panose="020B0503020000020004" pitchFamily="50" charset="-127"/>
+              <a:buChar char="-"/>
+            </a:pPr>
+            <a:endParaRPr lang="en-US" altLang="ko-KR" dirty="0" smtClean="0">
+              <a:solidFill>
+                <a:schemeClr val="bg1">
+                  <a:lumMod val="50000"/>
+                </a:schemeClr>
+              </a:solidFill>
+              <a:latin typeface="맑은 고딕" panose="020B0503020000020004" pitchFamily="50" charset="-127"/>
+              <a:ea typeface="맑은 고딕" panose="020B0503020000020004" pitchFamily="50" charset="-127"/>
+            </a:endParaRPr>
+          </a:p>
+          <a:p>
+            <a:pPr marL="742950" lvl="1" indent="-285750" algn="just">
+              <a:buFont typeface="맑은 고딕" panose="020B0503020000020004" pitchFamily="50" charset="-127"/>
+              <a:buChar char="-"/>
+            </a:pPr>
+            <a:endParaRPr lang="en-US" dirty="0">
+              <a:latin typeface="맑은 고딕" panose="020B0503020000020004" pitchFamily="50" charset="-127"/>
+              <a:ea typeface="맑은 고딕" panose="020B0503020000020004" pitchFamily="50" charset="-127"/>
+            </a:endParaRPr>
+          </a:p>
+        </p:txBody>
+      </p:sp>
+      <p:sp>
+        <p:nvSpPr>
+          <p:cNvPr id="12" name="직사각형 11"/>
+          <p:cNvSpPr/>
+          <p:nvPr/>
+        </p:nvSpPr>
+        <p:spPr>
+          <a:xfrm>
+            <a:off x="1320183" y="1715232"/>
+            <a:ext cx="6985617" cy="1754326"/>
+          </a:xfrm>
+          <a:prstGeom prst="rect">
+            <a:avLst/>
+          </a:prstGeom>
+        </p:spPr>
+        <p:txBody>
+          <a:bodyPr wrap="square">
+            <a:spAutoFit/>
+          </a:bodyPr>
+          <a:lstStyle/>
+          <a:p>
+            <a:r>
+              <a:rPr lang="en-US" altLang="ko-KR" b="1" dirty="0" smtClean="0">
+                <a:solidFill>
+                  <a:srgbClr val="7F0055"/>
+                </a:solidFill>
+                <a:latin typeface="Consolas" panose="020B0609020204030204" pitchFamily="49" charset="0"/>
+              </a:rPr>
+              <a:t>public</a:t>
+            </a:r>
+            <a:r>
+              <a:rPr lang="en-US" altLang="ko-KR" dirty="0" smtClean="0">
+                <a:solidFill>
+                  <a:srgbClr val="000000"/>
+                </a:solidFill>
+                <a:latin typeface="Consolas" panose="020B0609020204030204" pitchFamily="49" charset="0"/>
+              </a:rPr>
+              <a:t> </a:t>
+            </a:r>
+            <a:r>
+              <a:rPr lang="en-US" altLang="ko-KR" b="1" dirty="0" smtClean="0">
+                <a:solidFill>
+                  <a:srgbClr val="7F0055"/>
+                </a:solidFill>
+                <a:latin typeface="Consolas" panose="020B0609020204030204" pitchFamily="49" charset="0"/>
+              </a:rPr>
+              <a:t>class</a:t>
+            </a:r>
+            <a:r>
+              <a:rPr lang="en-US" altLang="ko-KR" dirty="0" smtClean="0">
+                <a:solidFill>
+                  <a:srgbClr val="000000"/>
+                </a:solidFill>
+                <a:latin typeface="Consolas" panose="020B0609020204030204" pitchFamily="49" charset="0"/>
+              </a:rPr>
+              <a:t> </a:t>
+            </a:r>
+            <a:r>
+              <a:rPr lang="en-US" altLang="ko-KR" dirty="0" err="1" smtClean="0">
+                <a:solidFill>
+                  <a:srgbClr val="000000"/>
+                </a:solidFill>
+                <a:latin typeface="Consolas" panose="020B0609020204030204" pitchFamily="49" charset="0"/>
+              </a:rPr>
+              <a:t>MovieController</a:t>
+            </a:r>
+            <a:r>
+              <a:rPr lang="en-US" altLang="ko-KR" dirty="0" smtClean="0">
+                <a:solidFill>
+                  <a:srgbClr val="000000"/>
+                </a:solidFill>
+                <a:latin typeface="Consolas" panose="020B0609020204030204" pitchFamily="49" charset="0"/>
+              </a:rPr>
+              <a:t> {</a:t>
+            </a:r>
+            <a:endParaRPr lang="en-US" altLang="ko-KR" b="1" dirty="0" smtClean="0">
+              <a:solidFill>
+                <a:srgbClr val="7F0055"/>
+              </a:solidFill>
+              <a:latin typeface="Consolas" panose="020B0609020204030204" pitchFamily="49" charset="0"/>
+            </a:endParaRPr>
+          </a:p>
+          <a:p>
+            <a:r>
+              <a:rPr lang="en-US" altLang="ko-KR" b="1" dirty="0">
+                <a:solidFill>
+                  <a:srgbClr val="7F0055"/>
+                </a:solidFill>
+                <a:latin typeface="Consolas" panose="020B0609020204030204" pitchFamily="49" charset="0"/>
+              </a:rPr>
+              <a:t>public</a:t>
+            </a:r>
+            <a:r>
+              <a:rPr lang="en-US" altLang="ko-KR" dirty="0">
+                <a:solidFill>
+                  <a:srgbClr val="000000"/>
+                </a:solidFill>
+                <a:latin typeface="Consolas" panose="020B0609020204030204" pitchFamily="49" charset="0"/>
+              </a:rPr>
+              <a:t> </a:t>
+            </a:r>
+            <a:r>
+              <a:rPr lang="en-US" altLang="ko-KR" b="1" dirty="0">
+                <a:solidFill>
+                  <a:srgbClr val="7F0055"/>
+                </a:solidFill>
+                <a:latin typeface="Consolas" panose="020B0609020204030204" pitchFamily="49" charset="0"/>
+              </a:rPr>
+              <a:t>void</a:t>
+            </a:r>
+            <a:r>
+              <a:rPr lang="en-US" altLang="ko-KR" dirty="0">
+                <a:solidFill>
+                  <a:srgbClr val="000000"/>
+                </a:solidFill>
+                <a:latin typeface="Consolas" panose="020B0609020204030204" pitchFamily="49" charset="0"/>
+              </a:rPr>
+              <a:t> </a:t>
+            </a:r>
+            <a:r>
+              <a:rPr lang="en-US" altLang="ko-KR" dirty="0" err="1">
+                <a:solidFill>
+                  <a:srgbClr val="000000"/>
+                </a:solidFill>
+                <a:latin typeface="Consolas" panose="020B0609020204030204" pitchFamily="49" charset="0"/>
+              </a:rPr>
+              <a:t>getMovieList</a:t>
+            </a:r>
+            <a:r>
+              <a:rPr lang="en-US" altLang="ko-KR" dirty="0">
+                <a:solidFill>
+                  <a:srgbClr val="000000"/>
+                </a:solidFill>
+                <a:latin typeface="Consolas" panose="020B0609020204030204" pitchFamily="49" charset="0"/>
+              </a:rPr>
+              <a:t>() {</a:t>
+            </a:r>
+            <a:endParaRPr lang="ko-KR" altLang="en-US" dirty="0"/>
+          </a:p>
+          <a:p>
+            <a:r>
+              <a:rPr lang="en-US" altLang="ko-KR" dirty="0" err="1" smtClean="0">
+                <a:solidFill>
+                  <a:srgbClr val="0000C0"/>
+                </a:solidFill>
+                <a:latin typeface="Consolas" panose="020B0609020204030204" pitchFamily="49" charset="0"/>
+              </a:rPr>
+              <a:t>movieView</a:t>
+            </a:r>
+            <a:r>
+              <a:rPr lang="en-US" altLang="ko-KR" dirty="0" err="1" smtClean="0">
+                <a:solidFill>
+                  <a:srgbClr val="000000"/>
+                </a:solidFill>
+                <a:latin typeface="Consolas" panose="020B0609020204030204" pitchFamily="49" charset="0"/>
+              </a:rPr>
+              <a:t>.getMoiveList</a:t>
+            </a:r>
+            <a:r>
+              <a:rPr lang="en-US" altLang="ko-KR" dirty="0" smtClean="0">
+                <a:solidFill>
+                  <a:srgbClr val="000000"/>
+                </a:solidFill>
+                <a:latin typeface="Consolas" panose="020B0609020204030204" pitchFamily="49" charset="0"/>
+              </a:rPr>
+              <a:t>(</a:t>
+            </a:r>
+            <a:r>
+              <a:rPr lang="en-US" altLang="ko-KR" dirty="0" err="1" smtClean="0">
+                <a:solidFill>
+                  <a:srgbClr val="0000C0"/>
+                </a:solidFill>
+                <a:latin typeface="Consolas" panose="020B0609020204030204" pitchFamily="49" charset="0"/>
+              </a:rPr>
+              <a:t>movieService</a:t>
+            </a:r>
+            <a:r>
+              <a:rPr lang="en-US" altLang="ko-KR" dirty="0" err="1" smtClean="0">
+                <a:solidFill>
+                  <a:srgbClr val="000000"/>
+                </a:solidFill>
+                <a:latin typeface="Consolas" panose="020B0609020204030204" pitchFamily="49" charset="0"/>
+              </a:rPr>
+              <a:t>.getMovieList</a:t>
+            </a:r>
+            <a:r>
+              <a:rPr lang="en-US" altLang="ko-KR" dirty="0" smtClean="0">
+                <a:solidFill>
+                  <a:srgbClr val="000000"/>
+                </a:solidFill>
+                <a:latin typeface="Consolas" panose="020B0609020204030204" pitchFamily="49" charset="0"/>
+              </a:rPr>
+              <a:t>());</a:t>
+            </a:r>
+          </a:p>
+          <a:p>
+            <a:r>
+              <a:rPr lang="en-US" altLang="ko-KR" dirty="0" smtClean="0">
+                <a:solidFill>
+                  <a:srgbClr val="000000"/>
+                </a:solidFill>
+                <a:latin typeface="Consolas" panose="020B0609020204030204" pitchFamily="49" charset="0"/>
+              </a:rPr>
+              <a:t>}</a:t>
+            </a:r>
+          </a:p>
+          <a:p>
+            <a:r>
+              <a:rPr lang="en-US" altLang="ko-KR" dirty="0" smtClean="0">
+                <a:solidFill>
+                  <a:srgbClr val="000000"/>
+                </a:solidFill>
+                <a:latin typeface="Consolas" panose="020B0609020204030204" pitchFamily="49" charset="0"/>
+              </a:rPr>
+              <a:t>}</a:t>
+            </a:r>
+          </a:p>
+          <a:p>
+            <a:endParaRPr lang="en-US" altLang="ko-KR" dirty="0">
+              <a:solidFill>
+                <a:srgbClr val="000000"/>
+              </a:solidFill>
+              <a:latin typeface="Consolas" panose="020B0609020204030204" pitchFamily="49" charset="0"/>
+            </a:endParaRPr>
+          </a:p>
+        </p:txBody>
+      </p:sp>
+      <p:sp>
+        <p:nvSpPr>
+          <p:cNvPr id="14" name="직사각형 13"/>
+          <p:cNvSpPr/>
+          <p:nvPr/>
+        </p:nvSpPr>
+        <p:spPr>
+          <a:xfrm>
+            <a:off x="1289852" y="3700680"/>
+            <a:ext cx="7549348" cy="1200329"/>
+          </a:xfrm>
+          <a:prstGeom prst="rect">
+            <a:avLst/>
+          </a:prstGeom>
+        </p:spPr>
+        <p:txBody>
+          <a:bodyPr wrap="square">
+            <a:spAutoFit/>
+          </a:bodyPr>
+          <a:lstStyle/>
+          <a:p>
+            <a:r>
+              <a:rPr lang="en-US" altLang="ko-KR" b="1" dirty="0">
+                <a:solidFill>
+                  <a:srgbClr val="7F0055"/>
+                </a:solidFill>
+                <a:latin typeface="Consolas" panose="020B0609020204030204" pitchFamily="49" charset="0"/>
+              </a:rPr>
+              <a:t>case</a:t>
+            </a:r>
+            <a:r>
+              <a:rPr lang="en-US" altLang="ko-KR" dirty="0">
+                <a:solidFill>
+                  <a:srgbClr val="000000"/>
+                </a:solidFill>
+                <a:latin typeface="Consolas" panose="020B0609020204030204" pitchFamily="49" charset="0"/>
+              </a:rPr>
+              <a:t> </a:t>
+            </a:r>
+            <a:r>
+              <a:rPr lang="en-US" altLang="ko-KR" dirty="0" smtClean="0">
+                <a:solidFill>
+                  <a:srgbClr val="000000"/>
+                </a:solidFill>
+                <a:latin typeface="Consolas" panose="020B0609020204030204" pitchFamily="49" charset="0"/>
+              </a:rPr>
+              <a:t>2: </a:t>
+            </a:r>
+            <a:endParaRPr lang="en-US" altLang="ko-KR" dirty="0">
+              <a:solidFill>
+                <a:srgbClr val="000000"/>
+              </a:solidFill>
+              <a:latin typeface="Consolas" panose="020B0609020204030204" pitchFamily="49" charset="0"/>
+            </a:endParaRPr>
+          </a:p>
+          <a:p>
+            <a:r>
+              <a:rPr lang="en-US" altLang="ko-KR" dirty="0">
+                <a:solidFill>
+                  <a:srgbClr val="3F7F5F"/>
+                </a:solidFill>
+                <a:latin typeface="Consolas" panose="020B0609020204030204" pitchFamily="49" charset="0"/>
+              </a:rPr>
+              <a:t>// </a:t>
+            </a:r>
+            <a:r>
+              <a:rPr lang="ko-KR" altLang="en-US" dirty="0">
+                <a:solidFill>
+                  <a:srgbClr val="3F7F5F"/>
+                </a:solidFill>
+                <a:latin typeface="Consolas" panose="020B0609020204030204" pitchFamily="49" charset="0"/>
+              </a:rPr>
+              <a:t>리뷰 </a:t>
+            </a:r>
+            <a:r>
+              <a:rPr lang="ko-KR" altLang="en-US" dirty="0" smtClean="0">
+                <a:solidFill>
+                  <a:srgbClr val="3F7F5F"/>
+                </a:solidFill>
+                <a:latin typeface="Consolas" panose="020B0609020204030204" pitchFamily="49" charset="0"/>
+              </a:rPr>
+              <a:t>확인</a:t>
+            </a:r>
+            <a:endParaRPr lang="ko-KR" altLang="en-US" dirty="0">
+              <a:solidFill>
+                <a:srgbClr val="000000"/>
+              </a:solidFill>
+              <a:latin typeface="Consolas" panose="020B0609020204030204" pitchFamily="49" charset="0"/>
+            </a:endParaRPr>
+          </a:p>
+          <a:p>
+            <a:r>
+              <a:rPr lang="en-US" altLang="ko-KR" dirty="0" err="1">
+                <a:solidFill>
+                  <a:srgbClr val="000000"/>
+                </a:solidFill>
+                <a:latin typeface="Consolas" panose="020B0609020204030204" pitchFamily="49" charset="0"/>
+              </a:rPr>
+              <a:t>getMovieList</a:t>
+            </a:r>
+            <a:r>
+              <a:rPr lang="en-US" altLang="ko-KR" dirty="0">
+                <a:solidFill>
+                  <a:srgbClr val="000000"/>
+                </a:solidFill>
+                <a:latin typeface="Consolas" panose="020B0609020204030204" pitchFamily="49" charset="0"/>
+              </a:rPr>
+              <a:t>();</a:t>
+            </a:r>
+          </a:p>
+          <a:p>
+            <a:r>
+              <a:rPr lang="en-US" altLang="ko-KR" b="1" dirty="0" smtClean="0">
+                <a:solidFill>
+                  <a:srgbClr val="7F0055"/>
+                </a:solidFill>
+                <a:latin typeface="Consolas" panose="020B0609020204030204" pitchFamily="49" charset="0"/>
+              </a:rPr>
+              <a:t>break</a:t>
+            </a:r>
+            <a:r>
+              <a:rPr lang="en-US" altLang="ko-KR" dirty="0" smtClean="0">
+                <a:solidFill>
+                  <a:srgbClr val="000000"/>
+                </a:solidFill>
+                <a:latin typeface="Consolas" panose="020B0609020204030204" pitchFamily="49" charset="0"/>
+              </a:rPr>
+              <a:t>;</a:t>
+            </a:r>
+            <a:endParaRPr lang="en-US" altLang="ko-KR" dirty="0">
+              <a:solidFill>
+                <a:srgbClr val="000000"/>
+              </a:solidFill>
+              <a:latin typeface="Consolas" panose="020B0609020204030204" pitchFamily="49" charset="0"/>
+            </a:endParaRPr>
+          </a:p>
+        </p:txBody>
+      </p:sp>
+      <p:pic>
+        <p:nvPicPr>
+          <p:cNvPr id="11" name="그림 10"/>
+          <p:cNvPicPr>
+            <a:picLocks noChangeAspect="1"/>
+          </p:cNvPicPr>
+          <p:nvPr/>
+        </p:nvPicPr>
+        <p:blipFill>
+          <a:blip r:embed="rId4"/>
+          <a:stretch>
+            <a:fillRect/>
+          </a:stretch>
+        </p:blipFill>
+        <p:spPr>
+          <a:xfrm>
+            <a:off x="9296400" y="2085892"/>
+            <a:ext cx="7772400" cy="4991055"/>
+          </a:xfrm>
+          <a:prstGeom prst="rect">
+            <a:avLst/>
+          </a:prstGeom>
+        </p:spPr>
+      </p:pic>
+      <p:sp>
+        <p:nvSpPr>
+          <p:cNvPr id="15" name="TextBox 14"/>
+          <p:cNvSpPr txBox="1"/>
+          <p:nvPr/>
+        </p:nvSpPr>
+        <p:spPr>
+          <a:xfrm>
+            <a:off x="9270651" y="1674474"/>
+            <a:ext cx="1446230" cy="369332"/>
+          </a:xfrm>
+          <a:prstGeom prst="rect">
+            <a:avLst/>
+          </a:prstGeom>
+          <a:noFill/>
+        </p:spPr>
+        <p:txBody>
+          <a:bodyPr wrap="none" rtlCol="0">
+            <a:spAutoFit/>
+          </a:bodyPr>
+          <a:lstStyle/>
+          <a:p>
+            <a:r>
+              <a:rPr lang="en-US" altLang="ko-KR" dirty="0" smtClean="0"/>
+              <a:t>Console </a:t>
+            </a:r>
+            <a:r>
+              <a:rPr lang="ko-KR" altLang="en-US" dirty="0" smtClean="0"/>
+              <a:t>화면</a:t>
+            </a:r>
+            <a:endParaRPr lang="ko-KR" altLang="en-US" dirty="0"/>
+          </a:p>
+        </p:txBody>
+      </p:sp>
+    </p:spTree>
+    <p:extLst>
+      <p:ext uri="{BB962C8B-B14F-4D97-AF65-F5344CB8AC3E}">
+        <p14:creationId xmlns:p14="http://schemas.microsoft.com/office/powerpoint/2010/main" val="3122959209"/>
+      </p:ext>
+    </p:extLst>
+  </p:cSld>
+  <p:clrMapOvr>
+    <a:masterClrMapping/>
+  </p:clrMapOvr>
+</p:sld>
+</file>
+
+<file path=ppt/slides/slide13.xml><?xml version="1.0" encoding="utf-8"?>
+<p:sld xmlns:a="http://schemas.openxmlformats.org/drawingml/2006/main" xmlns:r="http://schemas.openxmlformats.org/officeDocument/2006/relationships" xmlns:p="http://schemas.openxmlformats.org/presentationml/2006/main">
+  <p:cSld>
+    <p:spTree>
+      <p:nvGrpSpPr>
+        <p:cNvPr id="1" name=""/>
+        <p:cNvGrpSpPr/>
+        <p:nvPr/>
+      </p:nvGrpSpPr>
+      <p:grpSpPr>
+        <a:xfrm>
+          <a:off x="0" y="0"/>
+          <a:ext cx="0" cy="0"/>
+          <a:chOff x="0" y="0"/>
+          <a:chExt cx="0" cy="0"/>
+        </a:xfrm>
+      </p:grpSpPr>
+      <p:sp>
+        <p:nvSpPr>
+          <p:cNvPr id="2" name="Object 2"/>
+          <p:cNvSpPr txBox="1"/>
+          <p:nvPr/>
+        </p:nvSpPr>
+        <p:spPr>
+          <a:xfrm>
+            <a:off x="10036837" y="689106"/>
+            <a:ext cx="7698578" cy="353943"/>
+          </a:xfrm>
+          <a:prstGeom prst="rect">
+            <a:avLst/>
+          </a:prstGeom>
+          <a:noFill/>
+        </p:spPr>
+        <p:txBody>
+          <a:bodyPr wrap="square" rtlCol="0" anchor="ctr">
+            <a:spAutoFit/>
+          </a:bodyPr>
+          <a:lstStyle/>
+          <a:p>
+            <a:pPr algn="r"/>
+            <a:r>
+              <a:rPr lang="en-US" altLang="ko-KR" sz="1700" dirty="0">
+                <a:solidFill>
+                  <a:srgbClr val="6EC67F"/>
+                </a:solidFill>
+                <a:latin typeface="Pretendard Thin" pitchFamily="34" charset="0"/>
+                <a:cs typeface="Pretendard Thin" pitchFamily="34" charset="0"/>
+              </a:rPr>
+              <a:t>Movie Review App</a:t>
+            </a:r>
+            <a:endParaRPr lang="en-US" altLang="ko-KR" sz="1600" dirty="0"/>
+          </a:p>
+        </p:txBody>
+      </p:sp>
+      <p:sp>
+        <p:nvSpPr>
+          <p:cNvPr id="3" name="Object 3"/>
+          <p:cNvSpPr txBox="1"/>
+          <p:nvPr/>
+        </p:nvSpPr>
+        <p:spPr>
+          <a:xfrm>
+            <a:off x="1159048" y="571500"/>
+            <a:ext cx="10418571" cy="830997"/>
+          </a:xfrm>
+          <a:prstGeom prst="rect">
+            <a:avLst/>
+          </a:prstGeom>
+          <a:noFill/>
+        </p:spPr>
+        <p:txBody>
+          <a:bodyPr wrap="square" rtlCol="0" anchor="ctr">
+            <a:spAutoFit/>
+          </a:bodyPr>
+          <a:lstStyle/>
+          <a:p>
+            <a:r>
+              <a:rPr lang="en-US" sz="4800" kern="0" spc="-100" dirty="0" smtClean="0">
+                <a:solidFill>
+                  <a:srgbClr val="595959"/>
+                </a:solidFill>
+                <a:latin typeface="Pretendard SemiBold" pitchFamily="34" charset="0"/>
+                <a:cs typeface="Pretendard SemiBold" pitchFamily="34" charset="0"/>
+              </a:rPr>
+              <a:t>03 </a:t>
+            </a:r>
+            <a:r>
+              <a:rPr lang="ko-KR" altLang="en-US" sz="4000" kern="0" spc="-100" dirty="0" smtClean="0">
+                <a:solidFill>
+                  <a:srgbClr val="595959"/>
+                </a:solidFill>
+                <a:latin typeface="Pretendard" pitchFamily="34" charset="0"/>
+                <a:cs typeface="Pretendard SemiBold" pitchFamily="34" charset="0"/>
+              </a:rPr>
+              <a:t>코드 및 </a:t>
+            </a:r>
+            <a:r>
+              <a:rPr lang="ko-KR" altLang="en-US" sz="4000" kern="0" spc="-100" dirty="0" err="1" smtClean="0">
+                <a:solidFill>
+                  <a:srgbClr val="595959"/>
+                </a:solidFill>
+                <a:latin typeface="Pretendard" pitchFamily="34" charset="0"/>
+                <a:cs typeface="Pretendard SemiBold" pitchFamily="34" charset="0"/>
+              </a:rPr>
+              <a:t>실행화면</a:t>
+            </a:r>
+            <a:r>
+              <a:rPr lang="en-US" altLang="ko-KR" sz="4000" kern="0" spc="-100" dirty="0" smtClean="0">
+                <a:solidFill>
+                  <a:srgbClr val="595959"/>
+                </a:solidFill>
+                <a:latin typeface="Pretendard" pitchFamily="34" charset="0"/>
+                <a:cs typeface="Pretendard SemiBold" pitchFamily="34" charset="0"/>
+              </a:rPr>
+              <a:t>(Update Movie)</a:t>
+            </a:r>
+            <a:endParaRPr lang="en-US" dirty="0"/>
+          </a:p>
+        </p:txBody>
+      </p:sp>
+      <p:grpSp>
+        <p:nvGrpSpPr>
+          <p:cNvPr id="1001" name="그룹 1001"/>
+          <p:cNvGrpSpPr/>
+          <p:nvPr/>
+        </p:nvGrpSpPr>
+        <p:grpSpPr>
+          <a:xfrm>
+            <a:off x="516833" y="23814"/>
+            <a:ext cx="1298710" cy="14286"/>
+            <a:chOff x="516833" y="409580"/>
+            <a:chExt cx="1298710" cy="14286"/>
+          </a:xfrm>
+        </p:grpSpPr>
+        <p:pic>
+          <p:nvPicPr>
+            <p:cNvPr id="5" name="Object 4"/>
+            <p:cNvPicPr>
+              <a:picLocks noChangeAspect="1"/>
+            </p:cNvPicPr>
+            <p:nvPr/>
+          </p:nvPicPr>
+          <p:blipFill>
+            <a:blip r:embed="rId3" cstate="print"/>
+            <a:stretch>
+              <a:fillRect/>
+            </a:stretch>
+          </p:blipFill>
+          <p:spPr>
+            <a:xfrm rot="5400000">
+              <a:off x="516833" y="409580"/>
+              <a:ext cx="1298710" cy="14286"/>
+            </a:xfrm>
+            <a:prstGeom prst="rect">
+              <a:avLst/>
+            </a:prstGeom>
+          </p:spPr>
+        </p:pic>
+      </p:grpSp>
+      <p:sp>
+        <p:nvSpPr>
+          <p:cNvPr id="4" name="모서리가 둥근 직사각형 3"/>
+          <p:cNvSpPr/>
+          <p:nvPr/>
+        </p:nvSpPr>
+        <p:spPr>
+          <a:xfrm>
+            <a:off x="1173331" y="7475894"/>
+            <a:ext cx="16047869" cy="2338129"/>
+          </a:xfrm>
+          <a:prstGeom prst="roundRect">
+            <a:avLst>
+              <a:gd name="adj" fmla="val 7060"/>
+            </a:avLst>
+          </a:prstGeom>
+          <a:noFill/>
+          <a:ln w="6350">
+            <a:solidFill>
+              <a:srgbClr val="75D387"/>
+            </a:solidFill>
+          </a:ln>
+        </p:spPr>
+        <p:style>
+          <a:lnRef idx="2">
+            <a:schemeClr val="accent1">
+              <a:shade val="50000"/>
+            </a:schemeClr>
+          </a:lnRef>
+          <a:fillRef idx="1">
+            <a:schemeClr val="accent1"/>
+          </a:fillRef>
+          <a:effectRef idx="0">
+            <a:schemeClr val="accent1"/>
+          </a:effectRef>
+          <a:fontRef idx="minor">
+            <a:schemeClr val="lt1"/>
+          </a:fontRef>
+        </p:style>
+        <p:txBody>
+          <a:bodyPr rtlCol="0" anchor="ctr"/>
+          <a:lstStyle/>
+          <a:p>
+            <a:pPr algn="ctr"/>
+            <a:endParaRPr lang="ko-KR" altLang="en-US"/>
+          </a:p>
+        </p:txBody>
+      </p:sp>
+      <p:sp>
+        <p:nvSpPr>
+          <p:cNvPr id="9" name="Object 37"/>
+          <p:cNvSpPr txBox="1"/>
+          <p:nvPr/>
+        </p:nvSpPr>
+        <p:spPr>
+          <a:xfrm>
+            <a:off x="1320183" y="8336696"/>
+            <a:ext cx="15754163" cy="646331"/>
+          </a:xfrm>
+          <a:prstGeom prst="rect">
+            <a:avLst/>
+          </a:prstGeom>
+          <a:noFill/>
+        </p:spPr>
+        <p:txBody>
+          <a:bodyPr wrap="square" rtlCol="0" anchor="ctr">
+            <a:spAutoFit/>
+          </a:bodyPr>
+          <a:lstStyle/>
+          <a:p>
+            <a:pPr marL="285750" indent="-285750" algn="just">
+              <a:buFont typeface="Wingdings" panose="05000000000000000000" pitchFamily="2" charset="2"/>
+              <a:buChar char="§"/>
+            </a:pPr>
+            <a:r>
+              <a:rPr lang="en-US" altLang="ko-KR" dirty="0" smtClean="0">
+                <a:solidFill>
+                  <a:schemeClr val="bg1">
+                    <a:lumMod val="50000"/>
+                  </a:schemeClr>
+                </a:solidFill>
+                <a:latin typeface="맑은 고딕" panose="020B0503020000020004" pitchFamily="50" charset="-127"/>
+                <a:ea typeface="맑은 고딕" panose="020B0503020000020004" pitchFamily="50" charset="-127"/>
+              </a:rPr>
+              <a:t>Repository</a:t>
+            </a:r>
+            <a:r>
+              <a:rPr lang="ko-KR" altLang="en-US" dirty="0" smtClean="0">
+                <a:solidFill>
+                  <a:schemeClr val="bg1">
+                    <a:lumMod val="50000"/>
+                  </a:schemeClr>
+                </a:solidFill>
+                <a:latin typeface="맑은 고딕" panose="020B0503020000020004" pitchFamily="50" charset="-127"/>
+                <a:ea typeface="맑은 고딕" panose="020B0503020000020004" pitchFamily="50" charset="-127"/>
+              </a:rPr>
+              <a:t>클래스에 </a:t>
+            </a:r>
+            <a:r>
+              <a:rPr lang="en-US" altLang="ko-KR" dirty="0" err="1" smtClean="0">
+                <a:solidFill>
+                  <a:schemeClr val="bg1">
+                    <a:lumMod val="50000"/>
+                  </a:schemeClr>
+                </a:solidFill>
+                <a:latin typeface="맑은 고딕" panose="020B0503020000020004" pitchFamily="50" charset="-127"/>
+                <a:ea typeface="맑은 고딕" panose="020B0503020000020004" pitchFamily="50" charset="-127"/>
+              </a:rPr>
+              <a:t>updateMovie</a:t>
+            </a:r>
+            <a:r>
+              <a:rPr lang="en-US" altLang="ko-KR" dirty="0" smtClean="0">
+                <a:solidFill>
+                  <a:schemeClr val="bg1">
+                    <a:lumMod val="50000"/>
+                  </a:schemeClr>
+                </a:solidFill>
+                <a:latin typeface="맑은 고딕" panose="020B0503020000020004" pitchFamily="50" charset="-127"/>
+                <a:ea typeface="맑은 고딕" panose="020B0503020000020004" pitchFamily="50" charset="-127"/>
+              </a:rPr>
+              <a:t> </a:t>
+            </a:r>
+            <a:r>
+              <a:rPr lang="ko-KR" altLang="en-US" dirty="0" smtClean="0">
+                <a:solidFill>
+                  <a:schemeClr val="bg1">
+                    <a:lumMod val="50000"/>
+                  </a:schemeClr>
+                </a:solidFill>
+                <a:latin typeface="맑은 고딕" panose="020B0503020000020004" pitchFamily="50" charset="-127"/>
+                <a:ea typeface="맑은 고딕" panose="020B0503020000020004" pitchFamily="50" charset="-127"/>
+              </a:rPr>
+              <a:t>함수 생성</a:t>
+            </a:r>
+            <a:endParaRPr lang="en-US" altLang="ko-KR" dirty="0" smtClean="0">
+              <a:solidFill>
+                <a:schemeClr val="bg1">
+                  <a:lumMod val="50000"/>
+                </a:schemeClr>
+              </a:solidFill>
+              <a:latin typeface="맑은 고딕" panose="020B0503020000020004" pitchFamily="50" charset="-127"/>
+              <a:ea typeface="맑은 고딕" panose="020B0503020000020004" pitchFamily="50" charset="-127"/>
+            </a:endParaRPr>
+          </a:p>
+          <a:p>
+            <a:pPr marL="342900" indent="-342900" algn="just">
+              <a:buFont typeface="맑은 고딕" panose="020B0503020000020004" pitchFamily="50" charset="-127"/>
+              <a:buChar char="-"/>
+            </a:pPr>
+            <a:r>
+              <a:rPr lang="ko-KR" altLang="en-US" dirty="0" smtClean="0">
+                <a:solidFill>
+                  <a:schemeClr val="bg1">
+                    <a:lumMod val="50000"/>
+                  </a:schemeClr>
+                </a:solidFill>
+                <a:latin typeface="맑은 고딕" panose="020B0503020000020004" pitchFamily="50" charset="-127"/>
+                <a:ea typeface="맑은 고딕" panose="020B0503020000020004" pitchFamily="50" charset="-127"/>
+              </a:rPr>
+              <a:t>입력 중</a:t>
+            </a:r>
+            <a:endParaRPr lang="en-US" altLang="ko-KR" dirty="0" smtClean="0">
+              <a:solidFill>
+                <a:schemeClr val="bg1">
+                  <a:lumMod val="50000"/>
+                </a:schemeClr>
+              </a:solidFill>
+              <a:latin typeface="맑은 고딕" panose="020B0503020000020004" pitchFamily="50" charset="-127"/>
+              <a:ea typeface="맑은 고딕" panose="020B0503020000020004" pitchFamily="50" charset="-127"/>
+            </a:endParaRPr>
+          </a:p>
+        </p:txBody>
+      </p:sp>
+      <p:sp>
+        <p:nvSpPr>
+          <p:cNvPr id="6" name="직사각형 5"/>
+          <p:cNvSpPr/>
+          <p:nvPr/>
+        </p:nvSpPr>
+        <p:spPr>
+          <a:xfrm>
+            <a:off x="1341954" y="1623040"/>
+            <a:ext cx="15879244" cy="5632311"/>
+          </a:xfrm>
+          <a:prstGeom prst="rect">
+            <a:avLst/>
+          </a:prstGeom>
+        </p:spPr>
+        <p:txBody>
+          <a:bodyPr wrap="square">
+            <a:spAutoFit/>
+          </a:bodyPr>
+          <a:lstStyle/>
+          <a:p>
+            <a:r>
+              <a:rPr lang="en-US" altLang="ko-KR" b="1" dirty="0">
+                <a:solidFill>
+                  <a:srgbClr val="7F0055"/>
+                </a:solidFill>
+                <a:latin typeface="Consolas" panose="020B0609020204030204" pitchFamily="49" charset="0"/>
+              </a:rPr>
+              <a:t>public</a:t>
+            </a:r>
+            <a:r>
+              <a:rPr lang="en-US" altLang="ko-KR" dirty="0">
+                <a:solidFill>
+                  <a:srgbClr val="000000"/>
+                </a:solidFill>
+                <a:latin typeface="Consolas" panose="020B0609020204030204" pitchFamily="49" charset="0"/>
+              </a:rPr>
+              <a:t> </a:t>
+            </a:r>
+            <a:r>
+              <a:rPr lang="en-US" altLang="ko-KR" b="1" dirty="0">
+                <a:solidFill>
+                  <a:srgbClr val="7F0055"/>
+                </a:solidFill>
+                <a:latin typeface="Consolas" panose="020B0609020204030204" pitchFamily="49" charset="0"/>
+              </a:rPr>
+              <a:t>class</a:t>
+            </a:r>
+            <a:r>
+              <a:rPr lang="en-US" altLang="ko-KR" dirty="0">
+                <a:solidFill>
+                  <a:srgbClr val="000000"/>
+                </a:solidFill>
+                <a:latin typeface="Consolas" panose="020B0609020204030204" pitchFamily="49" charset="0"/>
+              </a:rPr>
+              <a:t> </a:t>
+            </a:r>
+            <a:r>
+              <a:rPr lang="en-US" altLang="ko-KR" dirty="0" err="1">
+                <a:solidFill>
+                  <a:srgbClr val="000000"/>
+                </a:solidFill>
+                <a:latin typeface="Consolas" panose="020B0609020204030204" pitchFamily="49" charset="0"/>
+              </a:rPr>
+              <a:t>MovieRepository</a:t>
+            </a:r>
+            <a:r>
+              <a:rPr lang="en-US" altLang="ko-KR" dirty="0">
+                <a:solidFill>
+                  <a:srgbClr val="000000"/>
+                </a:solidFill>
+                <a:latin typeface="Consolas" panose="020B0609020204030204" pitchFamily="49" charset="0"/>
+              </a:rPr>
+              <a:t> </a:t>
+            </a:r>
+            <a:r>
+              <a:rPr lang="en-US" altLang="ko-KR" b="1" dirty="0">
+                <a:solidFill>
+                  <a:srgbClr val="7F0055"/>
+                </a:solidFill>
+                <a:latin typeface="Consolas" panose="020B0609020204030204" pitchFamily="49" charset="0"/>
+              </a:rPr>
+              <a:t>implements</a:t>
+            </a:r>
+            <a:r>
+              <a:rPr lang="en-US" altLang="ko-KR" dirty="0">
+                <a:solidFill>
+                  <a:srgbClr val="000000"/>
+                </a:solidFill>
+                <a:latin typeface="Consolas" panose="020B0609020204030204" pitchFamily="49" charset="0"/>
+              </a:rPr>
+              <a:t> </a:t>
+            </a:r>
+            <a:r>
+              <a:rPr lang="en-US" altLang="ko-KR" dirty="0" err="1">
+                <a:solidFill>
+                  <a:srgbClr val="000000"/>
+                </a:solidFill>
+                <a:latin typeface="Consolas" panose="020B0609020204030204" pitchFamily="49" charset="0"/>
+              </a:rPr>
+              <a:t>MovieService</a:t>
+            </a:r>
+            <a:r>
+              <a:rPr lang="en-US" altLang="ko-KR" dirty="0">
+                <a:solidFill>
+                  <a:srgbClr val="000000"/>
+                </a:solidFill>
+                <a:latin typeface="Consolas" panose="020B0609020204030204" pitchFamily="49" charset="0"/>
+              </a:rPr>
+              <a:t>{</a:t>
+            </a:r>
+            <a:endParaRPr lang="en-US" altLang="ko-KR" dirty="0" smtClean="0">
+              <a:solidFill>
+                <a:srgbClr val="646464"/>
+              </a:solidFill>
+              <a:latin typeface="Consolas" panose="020B0609020204030204" pitchFamily="49" charset="0"/>
+            </a:endParaRPr>
+          </a:p>
+          <a:p>
+            <a:r>
+              <a:rPr lang="en-US" altLang="ko-KR" dirty="0" smtClean="0">
+                <a:solidFill>
+                  <a:srgbClr val="646464"/>
+                </a:solidFill>
+                <a:latin typeface="Consolas" panose="020B0609020204030204" pitchFamily="49" charset="0"/>
+              </a:rPr>
+              <a:t>@</a:t>
+            </a:r>
+            <a:r>
+              <a:rPr lang="en-US" altLang="ko-KR" dirty="0">
+                <a:solidFill>
+                  <a:srgbClr val="646464"/>
+                </a:solidFill>
+                <a:latin typeface="Consolas" panose="020B0609020204030204" pitchFamily="49" charset="0"/>
+              </a:rPr>
+              <a:t>Override</a:t>
+            </a:r>
+            <a:endParaRPr lang="en-US" altLang="ko-KR" dirty="0">
+              <a:solidFill>
+                <a:srgbClr val="000000"/>
+              </a:solidFill>
+              <a:latin typeface="Consolas" panose="020B0609020204030204" pitchFamily="49" charset="0"/>
+            </a:endParaRPr>
+          </a:p>
+          <a:p>
+            <a:r>
+              <a:rPr lang="en-US" altLang="ko-KR" b="1" dirty="0">
+                <a:solidFill>
+                  <a:srgbClr val="7F0055"/>
+                </a:solidFill>
+                <a:latin typeface="Consolas" panose="020B0609020204030204" pitchFamily="49" charset="0"/>
+              </a:rPr>
+              <a:t>public</a:t>
+            </a:r>
+            <a:r>
+              <a:rPr lang="en-US" altLang="ko-KR" dirty="0">
+                <a:solidFill>
+                  <a:srgbClr val="000000"/>
+                </a:solidFill>
+                <a:latin typeface="Consolas" panose="020B0609020204030204" pitchFamily="49" charset="0"/>
+              </a:rPr>
+              <a:t> </a:t>
+            </a:r>
+            <a:r>
+              <a:rPr lang="en-US" altLang="ko-KR" b="1" dirty="0">
+                <a:solidFill>
+                  <a:srgbClr val="7F0055"/>
+                </a:solidFill>
+                <a:latin typeface="Consolas" panose="020B0609020204030204" pitchFamily="49" charset="0"/>
+              </a:rPr>
+              <a:t>void</a:t>
+            </a:r>
+            <a:r>
+              <a:rPr lang="en-US" altLang="ko-KR" dirty="0">
+                <a:solidFill>
+                  <a:srgbClr val="000000"/>
+                </a:solidFill>
+                <a:latin typeface="Consolas" panose="020B0609020204030204" pitchFamily="49" charset="0"/>
+              </a:rPr>
+              <a:t> </a:t>
+            </a:r>
+            <a:r>
+              <a:rPr lang="en-US" altLang="ko-KR" dirty="0" err="1">
+                <a:solidFill>
+                  <a:srgbClr val="000000"/>
+                </a:solidFill>
+                <a:latin typeface="Consolas" panose="020B0609020204030204" pitchFamily="49" charset="0"/>
+              </a:rPr>
+              <a:t>updateMovie</a:t>
+            </a:r>
+            <a:r>
+              <a:rPr lang="en-US" altLang="ko-KR" dirty="0">
+                <a:solidFill>
+                  <a:srgbClr val="000000"/>
+                </a:solidFill>
+                <a:latin typeface="Consolas" panose="020B0609020204030204" pitchFamily="49" charset="0"/>
+              </a:rPr>
+              <a:t>(</a:t>
+            </a:r>
+            <a:r>
+              <a:rPr lang="en-US" altLang="ko-KR" b="1" dirty="0" err="1">
+                <a:solidFill>
+                  <a:srgbClr val="7F0055"/>
+                </a:solidFill>
+                <a:latin typeface="Consolas" panose="020B0609020204030204" pitchFamily="49" charset="0"/>
+              </a:rPr>
+              <a:t>int</a:t>
+            </a:r>
+            <a:r>
+              <a:rPr lang="en-US" altLang="ko-KR" dirty="0">
+                <a:solidFill>
+                  <a:srgbClr val="000000"/>
+                </a:solidFill>
+                <a:latin typeface="Consolas" panose="020B0609020204030204" pitchFamily="49" charset="0"/>
+              </a:rPr>
+              <a:t> </a:t>
+            </a:r>
+            <a:r>
+              <a:rPr lang="en-US" altLang="ko-KR" dirty="0" err="1">
+                <a:solidFill>
+                  <a:srgbClr val="6A3E3E"/>
+                </a:solidFill>
+                <a:latin typeface="Consolas" panose="020B0609020204030204" pitchFamily="49" charset="0"/>
+              </a:rPr>
+              <a:t>movieNumber</a:t>
+            </a:r>
+            <a:r>
+              <a:rPr lang="en-US" altLang="ko-KR" dirty="0">
+                <a:solidFill>
+                  <a:srgbClr val="000000"/>
+                </a:solidFill>
+                <a:latin typeface="Consolas" panose="020B0609020204030204" pitchFamily="49" charset="0"/>
+              </a:rPr>
+              <a:t>, String </a:t>
+            </a:r>
+            <a:r>
+              <a:rPr lang="en-US" altLang="ko-KR" dirty="0" err="1">
+                <a:solidFill>
+                  <a:srgbClr val="6A3E3E"/>
+                </a:solidFill>
+                <a:latin typeface="Consolas" panose="020B0609020204030204" pitchFamily="49" charset="0"/>
+              </a:rPr>
+              <a:t>movieName</a:t>
+            </a:r>
+            <a:r>
+              <a:rPr lang="en-US" altLang="ko-KR" dirty="0">
+                <a:solidFill>
+                  <a:srgbClr val="000000"/>
+                </a:solidFill>
+                <a:latin typeface="Consolas" panose="020B0609020204030204" pitchFamily="49" charset="0"/>
+              </a:rPr>
+              <a:t>, String </a:t>
+            </a:r>
+            <a:r>
+              <a:rPr lang="en-US" altLang="ko-KR" dirty="0">
+                <a:solidFill>
+                  <a:srgbClr val="6A3E3E"/>
+                </a:solidFill>
+                <a:latin typeface="Consolas" panose="020B0609020204030204" pitchFamily="49" charset="0"/>
+              </a:rPr>
+              <a:t>genre</a:t>
+            </a:r>
+            <a:r>
+              <a:rPr lang="en-US" altLang="ko-KR" dirty="0">
+                <a:solidFill>
+                  <a:srgbClr val="000000"/>
+                </a:solidFill>
+                <a:latin typeface="Consolas" panose="020B0609020204030204" pitchFamily="49" charset="0"/>
+              </a:rPr>
+              <a:t>, </a:t>
+            </a:r>
+            <a:r>
+              <a:rPr lang="en-US" altLang="ko-KR" b="1" dirty="0" err="1">
+                <a:solidFill>
+                  <a:srgbClr val="7F0055"/>
+                </a:solidFill>
+                <a:latin typeface="Consolas" panose="020B0609020204030204" pitchFamily="49" charset="0"/>
+              </a:rPr>
+              <a:t>int</a:t>
+            </a:r>
+            <a:r>
+              <a:rPr lang="en-US" altLang="ko-KR" dirty="0">
+                <a:solidFill>
+                  <a:srgbClr val="000000"/>
+                </a:solidFill>
+                <a:latin typeface="Consolas" panose="020B0609020204030204" pitchFamily="49" charset="0"/>
+              </a:rPr>
+              <a:t> </a:t>
+            </a:r>
+            <a:r>
+              <a:rPr lang="en-US" altLang="ko-KR" dirty="0">
+                <a:solidFill>
+                  <a:srgbClr val="6A3E3E"/>
+                </a:solidFill>
+                <a:latin typeface="Consolas" panose="020B0609020204030204" pitchFamily="49" charset="0"/>
+              </a:rPr>
+              <a:t>rating</a:t>
+            </a:r>
+            <a:r>
+              <a:rPr lang="en-US" altLang="ko-KR" dirty="0">
+                <a:solidFill>
+                  <a:srgbClr val="000000"/>
+                </a:solidFill>
+                <a:latin typeface="Consolas" panose="020B0609020204030204" pitchFamily="49" charset="0"/>
+              </a:rPr>
+              <a:t>, String </a:t>
+            </a:r>
+            <a:r>
+              <a:rPr lang="en-US" altLang="ko-KR" dirty="0">
+                <a:solidFill>
+                  <a:srgbClr val="6A3E3E"/>
+                </a:solidFill>
+                <a:latin typeface="Consolas" panose="020B0609020204030204" pitchFamily="49" charset="0"/>
+              </a:rPr>
+              <a:t>review</a:t>
+            </a:r>
+            <a:r>
+              <a:rPr lang="en-US" altLang="ko-KR" dirty="0">
+                <a:solidFill>
+                  <a:srgbClr val="000000"/>
+                </a:solidFill>
+                <a:latin typeface="Consolas" panose="020B0609020204030204" pitchFamily="49" charset="0"/>
+              </a:rPr>
+              <a:t>) {</a:t>
+            </a:r>
+          </a:p>
+          <a:p>
+            <a:r>
+              <a:rPr lang="en-US" altLang="ko-KR" dirty="0" err="1">
+                <a:solidFill>
+                  <a:srgbClr val="000000"/>
+                </a:solidFill>
+                <a:latin typeface="Consolas" panose="020B0609020204030204" pitchFamily="49" charset="0"/>
+              </a:rPr>
+              <a:t>MovieDto</a:t>
+            </a:r>
+            <a:r>
+              <a:rPr lang="en-US" altLang="ko-KR" dirty="0">
+                <a:solidFill>
+                  <a:srgbClr val="000000"/>
+                </a:solidFill>
+                <a:latin typeface="Consolas" panose="020B0609020204030204" pitchFamily="49" charset="0"/>
+              </a:rPr>
+              <a:t> </a:t>
+            </a:r>
+            <a:r>
+              <a:rPr lang="en-US" altLang="ko-KR" dirty="0" err="1">
+                <a:solidFill>
+                  <a:srgbClr val="6A3E3E"/>
+                </a:solidFill>
+                <a:latin typeface="Consolas" panose="020B0609020204030204" pitchFamily="49" charset="0"/>
+              </a:rPr>
+              <a:t>movieUpdate</a:t>
+            </a:r>
+            <a:r>
+              <a:rPr lang="en-US" altLang="ko-KR" dirty="0">
+                <a:solidFill>
+                  <a:srgbClr val="000000"/>
+                </a:solidFill>
+                <a:latin typeface="Consolas" panose="020B0609020204030204" pitchFamily="49" charset="0"/>
+              </a:rPr>
+              <a:t> = </a:t>
+            </a:r>
+            <a:r>
+              <a:rPr lang="en-US" altLang="ko-KR" b="1" dirty="0">
+                <a:solidFill>
+                  <a:srgbClr val="7F0055"/>
+                </a:solidFill>
+                <a:latin typeface="Consolas" panose="020B0609020204030204" pitchFamily="49" charset="0"/>
+              </a:rPr>
+              <a:t>null</a:t>
+            </a:r>
+            <a:r>
+              <a:rPr lang="en-US" altLang="ko-KR" dirty="0">
+                <a:solidFill>
+                  <a:srgbClr val="000000"/>
+                </a:solidFill>
+                <a:latin typeface="Consolas" panose="020B0609020204030204" pitchFamily="49" charset="0"/>
+              </a:rPr>
+              <a:t>;</a:t>
+            </a:r>
+          </a:p>
+          <a:p>
+            <a:r>
+              <a:rPr lang="en-US" altLang="ko-KR" b="1" dirty="0">
+                <a:solidFill>
+                  <a:srgbClr val="7F0055"/>
+                </a:solidFill>
+                <a:latin typeface="Consolas" panose="020B0609020204030204" pitchFamily="49" charset="0"/>
+              </a:rPr>
+              <a:t>for</a:t>
+            </a:r>
+            <a:r>
+              <a:rPr lang="en-US" altLang="ko-KR" dirty="0">
+                <a:solidFill>
+                  <a:srgbClr val="000000"/>
+                </a:solidFill>
+                <a:latin typeface="Consolas" panose="020B0609020204030204" pitchFamily="49" charset="0"/>
+              </a:rPr>
+              <a:t>(</a:t>
+            </a:r>
+            <a:r>
+              <a:rPr lang="en-US" altLang="ko-KR" dirty="0" err="1">
+                <a:solidFill>
+                  <a:srgbClr val="000000"/>
+                </a:solidFill>
+                <a:latin typeface="Consolas" panose="020B0609020204030204" pitchFamily="49" charset="0"/>
+              </a:rPr>
+              <a:t>MovieDto</a:t>
+            </a:r>
+            <a:r>
+              <a:rPr lang="en-US" altLang="ko-KR" dirty="0">
+                <a:solidFill>
+                  <a:srgbClr val="000000"/>
+                </a:solidFill>
+                <a:latin typeface="Consolas" panose="020B0609020204030204" pitchFamily="49" charset="0"/>
+              </a:rPr>
+              <a:t> </a:t>
+            </a:r>
+            <a:r>
+              <a:rPr lang="en-US" altLang="ko-KR" dirty="0">
+                <a:solidFill>
+                  <a:srgbClr val="6A3E3E"/>
+                </a:solidFill>
+                <a:latin typeface="Consolas" panose="020B0609020204030204" pitchFamily="49" charset="0"/>
+              </a:rPr>
+              <a:t>movie</a:t>
+            </a:r>
+            <a:r>
+              <a:rPr lang="en-US" altLang="ko-KR" dirty="0">
+                <a:solidFill>
+                  <a:srgbClr val="000000"/>
+                </a:solidFill>
+                <a:latin typeface="Consolas" panose="020B0609020204030204" pitchFamily="49" charset="0"/>
+              </a:rPr>
+              <a:t> : </a:t>
+            </a:r>
+            <a:r>
+              <a:rPr lang="en-US" altLang="ko-KR" dirty="0" err="1">
+                <a:solidFill>
+                  <a:srgbClr val="0000C0"/>
+                </a:solidFill>
+                <a:latin typeface="Consolas" panose="020B0609020204030204" pitchFamily="49" charset="0"/>
+              </a:rPr>
+              <a:t>movieDtos</a:t>
+            </a:r>
+            <a:r>
+              <a:rPr lang="en-US" altLang="ko-KR" dirty="0">
+                <a:solidFill>
+                  <a:srgbClr val="000000"/>
+                </a:solidFill>
+                <a:latin typeface="Consolas" panose="020B0609020204030204" pitchFamily="49" charset="0"/>
+              </a:rPr>
+              <a:t>) {</a:t>
+            </a:r>
+          </a:p>
+          <a:p>
+            <a:r>
+              <a:rPr lang="en-US" altLang="ko-KR" b="1" dirty="0">
+                <a:solidFill>
+                  <a:srgbClr val="7F0055"/>
+                </a:solidFill>
+                <a:latin typeface="Consolas" panose="020B0609020204030204" pitchFamily="49" charset="0"/>
+              </a:rPr>
+              <a:t>if</a:t>
+            </a:r>
+            <a:r>
+              <a:rPr lang="en-US" altLang="ko-KR" dirty="0">
+                <a:solidFill>
+                  <a:srgbClr val="000000"/>
+                </a:solidFill>
+                <a:latin typeface="Consolas" panose="020B0609020204030204" pitchFamily="49" charset="0"/>
+              </a:rPr>
+              <a:t>(</a:t>
+            </a:r>
+            <a:r>
+              <a:rPr lang="en-US" altLang="ko-KR" dirty="0" err="1">
+                <a:solidFill>
+                  <a:srgbClr val="6A3E3E"/>
+                </a:solidFill>
+                <a:latin typeface="Consolas" panose="020B0609020204030204" pitchFamily="49" charset="0"/>
+              </a:rPr>
+              <a:t>movie</a:t>
+            </a:r>
+            <a:r>
+              <a:rPr lang="en-US" altLang="ko-KR" dirty="0" err="1">
+                <a:solidFill>
+                  <a:srgbClr val="000000"/>
+                </a:solidFill>
+                <a:latin typeface="Consolas" panose="020B0609020204030204" pitchFamily="49" charset="0"/>
+              </a:rPr>
+              <a:t>.getMovieNumber</a:t>
+            </a:r>
+            <a:r>
+              <a:rPr lang="en-US" altLang="ko-KR" dirty="0">
+                <a:solidFill>
+                  <a:srgbClr val="000000"/>
+                </a:solidFill>
+                <a:latin typeface="Consolas" panose="020B0609020204030204" pitchFamily="49" charset="0"/>
+              </a:rPr>
+              <a:t>()== </a:t>
+            </a:r>
+            <a:r>
+              <a:rPr lang="en-US" altLang="ko-KR" dirty="0" err="1">
+                <a:solidFill>
+                  <a:srgbClr val="6A3E3E"/>
+                </a:solidFill>
+                <a:latin typeface="Consolas" panose="020B0609020204030204" pitchFamily="49" charset="0"/>
+              </a:rPr>
+              <a:t>movieNumber</a:t>
+            </a:r>
+            <a:r>
+              <a:rPr lang="en-US" altLang="ko-KR" dirty="0">
+                <a:solidFill>
+                  <a:srgbClr val="000000"/>
+                </a:solidFill>
+                <a:latin typeface="Consolas" panose="020B0609020204030204" pitchFamily="49" charset="0"/>
+              </a:rPr>
+              <a:t>) {</a:t>
+            </a:r>
+          </a:p>
+          <a:p>
+            <a:r>
+              <a:rPr lang="en-US" altLang="ko-KR" dirty="0" err="1">
+                <a:solidFill>
+                  <a:srgbClr val="6A3E3E"/>
+                </a:solidFill>
+                <a:latin typeface="Consolas" panose="020B0609020204030204" pitchFamily="49" charset="0"/>
+              </a:rPr>
+              <a:t>movieUpdate</a:t>
+            </a:r>
+            <a:r>
+              <a:rPr lang="en-US" altLang="ko-KR" dirty="0">
+                <a:solidFill>
+                  <a:srgbClr val="000000"/>
+                </a:solidFill>
+                <a:latin typeface="Consolas" panose="020B0609020204030204" pitchFamily="49" charset="0"/>
+              </a:rPr>
+              <a:t> = </a:t>
+            </a:r>
+            <a:r>
+              <a:rPr lang="en-US" altLang="ko-KR" dirty="0">
+                <a:solidFill>
+                  <a:srgbClr val="6A3E3E"/>
+                </a:solidFill>
+                <a:latin typeface="Consolas" panose="020B0609020204030204" pitchFamily="49" charset="0"/>
+              </a:rPr>
+              <a:t>movie</a:t>
+            </a:r>
+            <a:r>
+              <a:rPr lang="en-US" altLang="ko-KR" dirty="0">
+                <a:solidFill>
+                  <a:srgbClr val="000000"/>
+                </a:solidFill>
+                <a:latin typeface="Consolas" panose="020B0609020204030204" pitchFamily="49" charset="0"/>
+              </a:rPr>
+              <a:t>;</a:t>
+            </a:r>
+          </a:p>
+          <a:p>
+            <a:r>
+              <a:rPr lang="en-US" altLang="ko-KR" b="1" dirty="0">
+                <a:solidFill>
+                  <a:srgbClr val="7F0055"/>
+                </a:solidFill>
+                <a:latin typeface="Consolas" panose="020B0609020204030204" pitchFamily="49" charset="0"/>
+              </a:rPr>
+              <a:t>break</a:t>
+            </a:r>
+            <a:r>
+              <a:rPr lang="en-US" altLang="ko-KR" dirty="0">
+                <a:solidFill>
+                  <a:srgbClr val="000000"/>
+                </a:solidFill>
+                <a:latin typeface="Consolas" panose="020B0609020204030204" pitchFamily="49" charset="0"/>
+              </a:rPr>
+              <a:t>;</a:t>
+            </a:r>
+          </a:p>
+          <a:p>
+            <a:r>
+              <a:rPr lang="en-US" altLang="ko-KR" dirty="0">
+                <a:solidFill>
+                  <a:srgbClr val="000000"/>
+                </a:solidFill>
+                <a:latin typeface="Consolas" panose="020B0609020204030204" pitchFamily="49" charset="0"/>
+              </a:rPr>
+              <a:t>}</a:t>
+            </a:r>
+          </a:p>
+          <a:p>
+            <a:r>
+              <a:rPr lang="en-US" altLang="ko-KR" dirty="0">
+                <a:solidFill>
+                  <a:srgbClr val="000000"/>
+                </a:solidFill>
+                <a:latin typeface="Consolas" panose="020B0609020204030204" pitchFamily="49" charset="0"/>
+              </a:rPr>
+              <a:t>}</a:t>
+            </a:r>
+          </a:p>
+          <a:p>
+            <a:r>
+              <a:rPr lang="en-US" altLang="ko-KR" b="1" dirty="0">
+                <a:solidFill>
+                  <a:srgbClr val="7F0055"/>
+                </a:solidFill>
+                <a:latin typeface="Consolas" panose="020B0609020204030204" pitchFamily="49" charset="0"/>
+              </a:rPr>
+              <a:t>if</a:t>
+            </a:r>
+            <a:r>
+              <a:rPr lang="en-US" altLang="ko-KR" dirty="0">
+                <a:solidFill>
+                  <a:srgbClr val="000000"/>
+                </a:solidFill>
+                <a:latin typeface="Consolas" panose="020B0609020204030204" pitchFamily="49" charset="0"/>
+              </a:rPr>
+              <a:t> (</a:t>
+            </a:r>
+            <a:r>
+              <a:rPr lang="en-US" altLang="ko-KR" dirty="0" err="1">
+                <a:solidFill>
+                  <a:srgbClr val="6A3E3E"/>
+                </a:solidFill>
+                <a:latin typeface="Consolas" panose="020B0609020204030204" pitchFamily="49" charset="0"/>
+              </a:rPr>
+              <a:t>movieUpdate</a:t>
+            </a:r>
+            <a:r>
+              <a:rPr lang="en-US" altLang="ko-KR" dirty="0">
+                <a:solidFill>
+                  <a:srgbClr val="000000"/>
+                </a:solidFill>
+                <a:latin typeface="Consolas" panose="020B0609020204030204" pitchFamily="49" charset="0"/>
+              </a:rPr>
+              <a:t> != </a:t>
+            </a:r>
+            <a:r>
+              <a:rPr lang="en-US" altLang="ko-KR" b="1" dirty="0">
+                <a:solidFill>
+                  <a:srgbClr val="7F0055"/>
+                </a:solidFill>
+                <a:latin typeface="Consolas" panose="020B0609020204030204" pitchFamily="49" charset="0"/>
+              </a:rPr>
+              <a:t>null</a:t>
+            </a:r>
+            <a:r>
+              <a:rPr lang="en-US" altLang="ko-KR" dirty="0">
+                <a:solidFill>
+                  <a:srgbClr val="000000"/>
+                </a:solidFill>
+                <a:latin typeface="Consolas" panose="020B0609020204030204" pitchFamily="49" charset="0"/>
+              </a:rPr>
+              <a:t>) {</a:t>
+            </a:r>
+          </a:p>
+          <a:p>
+            <a:r>
+              <a:rPr lang="en-US" altLang="ko-KR" dirty="0" err="1">
+                <a:solidFill>
+                  <a:srgbClr val="6A3E3E"/>
+                </a:solidFill>
+                <a:latin typeface="Consolas" panose="020B0609020204030204" pitchFamily="49" charset="0"/>
+              </a:rPr>
+              <a:t>movieUpdate</a:t>
+            </a:r>
+            <a:r>
+              <a:rPr lang="en-US" altLang="ko-KR" dirty="0" err="1">
+                <a:solidFill>
+                  <a:srgbClr val="000000"/>
+                </a:solidFill>
+                <a:latin typeface="Consolas" panose="020B0609020204030204" pitchFamily="49" charset="0"/>
+              </a:rPr>
+              <a:t>.setMovieName</a:t>
+            </a:r>
+            <a:r>
+              <a:rPr lang="en-US" altLang="ko-KR" dirty="0">
+                <a:solidFill>
+                  <a:srgbClr val="000000"/>
+                </a:solidFill>
+                <a:latin typeface="Consolas" panose="020B0609020204030204" pitchFamily="49" charset="0"/>
+              </a:rPr>
+              <a:t>(</a:t>
+            </a:r>
+            <a:r>
+              <a:rPr lang="en-US" altLang="ko-KR" dirty="0" err="1">
+                <a:solidFill>
+                  <a:srgbClr val="6A3E3E"/>
+                </a:solidFill>
+                <a:latin typeface="Consolas" panose="020B0609020204030204" pitchFamily="49" charset="0"/>
+              </a:rPr>
+              <a:t>movieName</a:t>
+            </a:r>
+            <a:r>
+              <a:rPr lang="en-US" altLang="ko-KR" dirty="0">
+                <a:solidFill>
+                  <a:srgbClr val="000000"/>
+                </a:solidFill>
+                <a:latin typeface="Consolas" panose="020B0609020204030204" pitchFamily="49" charset="0"/>
+              </a:rPr>
+              <a:t>);</a:t>
+            </a:r>
+          </a:p>
+          <a:p>
+            <a:r>
+              <a:rPr lang="en-US" altLang="ko-KR" dirty="0" err="1">
+                <a:solidFill>
+                  <a:srgbClr val="6A3E3E"/>
+                </a:solidFill>
+                <a:latin typeface="Consolas" panose="020B0609020204030204" pitchFamily="49" charset="0"/>
+              </a:rPr>
+              <a:t>movieUpdate</a:t>
+            </a:r>
+            <a:r>
+              <a:rPr lang="en-US" altLang="ko-KR" dirty="0" err="1">
+                <a:solidFill>
+                  <a:srgbClr val="000000"/>
+                </a:solidFill>
+                <a:latin typeface="Consolas" panose="020B0609020204030204" pitchFamily="49" charset="0"/>
+              </a:rPr>
+              <a:t>.setGenre</a:t>
+            </a:r>
+            <a:r>
+              <a:rPr lang="en-US" altLang="ko-KR" dirty="0">
+                <a:solidFill>
+                  <a:srgbClr val="000000"/>
+                </a:solidFill>
+                <a:latin typeface="Consolas" panose="020B0609020204030204" pitchFamily="49" charset="0"/>
+              </a:rPr>
+              <a:t>(</a:t>
+            </a:r>
+            <a:r>
+              <a:rPr lang="en-US" altLang="ko-KR" dirty="0">
+                <a:solidFill>
+                  <a:srgbClr val="6A3E3E"/>
+                </a:solidFill>
+                <a:latin typeface="Consolas" panose="020B0609020204030204" pitchFamily="49" charset="0"/>
+              </a:rPr>
+              <a:t>genre</a:t>
+            </a:r>
+            <a:r>
+              <a:rPr lang="en-US" altLang="ko-KR" dirty="0">
+                <a:solidFill>
+                  <a:srgbClr val="000000"/>
+                </a:solidFill>
+                <a:latin typeface="Consolas" panose="020B0609020204030204" pitchFamily="49" charset="0"/>
+              </a:rPr>
+              <a:t>);</a:t>
+            </a:r>
+          </a:p>
+          <a:p>
+            <a:r>
+              <a:rPr lang="en-US" altLang="ko-KR" dirty="0" err="1">
+                <a:solidFill>
+                  <a:srgbClr val="6A3E3E"/>
+                </a:solidFill>
+                <a:latin typeface="Consolas" panose="020B0609020204030204" pitchFamily="49" charset="0"/>
+              </a:rPr>
+              <a:t>movieUpdate</a:t>
+            </a:r>
+            <a:r>
+              <a:rPr lang="en-US" altLang="ko-KR" dirty="0" err="1">
+                <a:solidFill>
+                  <a:srgbClr val="000000"/>
+                </a:solidFill>
+                <a:latin typeface="Consolas" panose="020B0609020204030204" pitchFamily="49" charset="0"/>
+              </a:rPr>
+              <a:t>.setRating</a:t>
+            </a:r>
+            <a:r>
+              <a:rPr lang="en-US" altLang="ko-KR" dirty="0">
+                <a:solidFill>
+                  <a:srgbClr val="000000"/>
+                </a:solidFill>
+                <a:latin typeface="Consolas" panose="020B0609020204030204" pitchFamily="49" charset="0"/>
+              </a:rPr>
+              <a:t>(</a:t>
+            </a:r>
+            <a:r>
+              <a:rPr lang="en-US" altLang="ko-KR" dirty="0">
+                <a:solidFill>
+                  <a:srgbClr val="6A3E3E"/>
+                </a:solidFill>
+                <a:latin typeface="Consolas" panose="020B0609020204030204" pitchFamily="49" charset="0"/>
+              </a:rPr>
+              <a:t>rating</a:t>
+            </a:r>
+            <a:r>
+              <a:rPr lang="en-US" altLang="ko-KR" dirty="0">
+                <a:solidFill>
+                  <a:srgbClr val="000000"/>
+                </a:solidFill>
+                <a:latin typeface="Consolas" panose="020B0609020204030204" pitchFamily="49" charset="0"/>
+              </a:rPr>
+              <a:t>);</a:t>
+            </a:r>
+          </a:p>
+          <a:p>
+            <a:r>
+              <a:rPr lang="en-US" altLang="ko-KR" dirty="0" err="1">
+                <a:solidFill>
+                  <a:srgbClr val="6A3E3E"/>
+                </a:solidFill>
+                <a:latin typeface="Consolas" panose="020B0609020204030204" pitchFamily="49" charset="0"/>
+              </a:rPr>
+              <a:t>movieUpdate</a:t>
+            </a:r>
+            <a:r>
+              <a:rPr lang="en-US" altLang="ko-KR" dirty="0" err="1">
+                <a:solidFill>
+                  <a:srgbClr val="000000"/>
+                </a:solidFill>
+                <a:latin typeface="Consolas" panose="020B0609020204030204" pitchFamily="49" charset="0"/>
+              </a:rPr>
+              <a:t>.setReview</a:t>
+            </a:r>
+            <a:r>
+              <a:rPr lang="en-US" altLang="ko-KR" dirty="0">
+                <a:solidFill>
+                  <a:srgbClr val="000000"/>
+                </a:solidFill>
+                <a:latin typeface="Consolas" panose="020B0609020204030204" pitchFamily="49" charset="0"/>
+              </a:rPr>
+              <a:t>(</a:t>
+            </a:r>
+            <a:r>
+              <a:rPr lang="en-US" altLang="ko-KR" dirty="0">
+                <a:solidFill>
+                  <a:srgbClr val="6A3E3E"/>
+                </a:solidFill>
+                <a:latin typeface="Consolas" panose="020B0609020204030204" pitchFamily="49" charset="0"/>
+              </a:rPr>
+              <a:t>review</a:t>
+            </a:r>
+            <a:r>
+              <a:rPr lang="en-US" altLang="ko-KR" dirty="0">
+                <a:solidFill>
+                  <a:srgbClr val="000000"/>
+                </a:solidFill>
+                <a:latin typeface="Consolas" panose="020B0609020204030204" pitchFamily="49" charset="0"/>
+              </a:rPr>
+              <a:t>);</a:t>
+            </a:r>
+          </a:p>
+          <a:p>
+            <a:r>
+              <a:rPr lang="en-US" altLang="ko-KR" dirty="0" err="1">
+                <a:solidFill>
+                  <a:srgbClr val="000000"/>
+                </a:solidFill>
+                <a:latin typeface="Consolas" panose="020B0609020204030204" pitchFamily="49" charset="0"/>
+              </a:rPr>
+              <a:t>saveData</a:t>
+            </a:r>
+            <a:r>
+              <a:rPr lang="en-US" altLang="ko-KR" dirty="0">
+                <a:solidFill>
+                  <a:srgbClr val="000000"/>
+                </a:solidFill>
+                <a:latin typeface="Consolas" panose="020B0609020204030204" pitchFamily="49" charset="0"/>
+              </a:rPr>
+              <a:t>();</a:t>
+            </a:r>
+          </a:p>
+          <a:p>
+            <a:r>
+              <a:rPr lang="en-US" altLang="ko-KR" dirty="0" err="1">
+                <a:solidFill>
+                  <a:srgbClr val="000000"/>
+                </a:solidFill>
+                <a:latin typeface="Consolas" panose="020B0609020204030204" pitchFamily="49" charset="0"/>
+              </a:rPr>
+              <a:t>System.</a:t>
+            </a:r>
+            <a:r>
+              <a:rPr lang="en-US" altLang="ko-KR" b="1" i="1" dirty="0" err="1">
+                <a:solidFill>
+                  <a:srgbClr val="0000C0"/>
+                </a:solidFill>
+                <a:latin typeface="Consolas" panose="020B0609020204030204" pitchFamily="49" charset="0"/>
+              </a:rPr>
+              <a:t>out</a:t>
+            </a:r>
+            <a:r>
+              <a:rPr lang="en-US" altLang="ko-KR" dirty="0" err="1">
+                <a:solidFill>
+                  <a:srgbClr val="000000"/>
+                </a:solidFill>
+                <a:latin typeface="Consolas" panose="020B0609020204030204" pitchFamily="49" charset="0"/>
+              </a:rPr>
+              <a:t>.println</a:t>
+            </a:r>
+            <a:r>
+              <a:rPr lang="en-US" altLang="ko-KR" dirty="0">
+                <a:solidFill>
+                  <a:srgbClr val="000000"/>
+                </a:solidFill>
+                <a:latin typeface="Consolas" panose="020B0609020204030204" pitchFamily="49" charset="0"/>
+              </a:rPr>
+              <a:t>(</a:t>
+            </a:r>
+            <a:r>
+              <a:rPr lang="en-US" altLang="ko-KR" dirty="0">
+                <a:solidFill>
+                  <a:srgbClr val="2A00FF"/>
+                </a:solidFill>
+                <a:latin typeface="Consolas" panose="020B0609020204030204" pitchFamily="49" charset="0"/>
+              </a:rPr>
+              <a:t>"</a:t>
+            </a:r>
+            <a:r>
+              <a:rPr lang="ko-KR" altLang="en-US" dirty="0" err="1">
+                <a:solidFill>
+                  <a:srgbClr val="2A00FF"/>
+                </a:solidFill>
+                <a:latin typeface="Consolas" panose="020B0609020204030204" pitchFamily="49" charset="0"/>
+              </a:rPr>
+              <a:t>영화리뷰가</a:t>
+            </a:r>
+            <a:r>
+              <a:rPr lang="ko-KR" altLang="en-US" dirty="0">
+                <a:solidFill>
+                  <a:srgbClr val="2A00FF"/>
+                </a:solidFill>
+                <a:latin typeface="Consolas" panose="020B0609020204030204" pitchFamily="49" charset="0"/>
+              </a:rPr>
+              <a:t> 성공적으로 업데이트되었습니다</a:t>
+            </a:r>
+            <a:r>
+              <a:rPr lang="en-US" altLang="ko-KR" dirty="0">
+                <a:solidFill>
+                  <a:srgbClr val="2A00FF"/>
+                </a:solidFill>
+                <a:latin typeface="Consolas" panose="020B0609020204030204" pitchFamily="49" charset="0"/>
+              </a:rPr>
+              <a:t>."</a:t>
+            </a:r>
+            <a:r>
+              <a:rPr lang="en-US" altLang="ko-KR" dirty="0">
+                <a:solidFill>
+                  <a:srgbClr val="000000"/>
+                </a:solidFill>
+                <a:latin typeface="Consolas" panose="020B0609020204030204" pitchFamily="49" charset="0"/>
+              </a:rPr>
+              <a:t>);</a:t>
+            </a:r>
+          </a:p>
+          <a:p>
+            <a:r>
+              <a:rPr lang="en-US" altLang="ko-KR" dirty="0">
+                <a:solidFill>
+                  <a:srgbClr val="000000"/>
+                </a:solidFill>
+                <a:latin typeface="Consolas" panose="020B0609020204030204" pitchFamily="49" charset="0"/>
+              </a:rPr>
+              <a:t>}</a:t>
+            </a:r>
+            <a:r>
+              <a:rPr lang="en-US" altLang="ko-KR" b="1" dirty="0">
+                <a:solidFill>
+                  <a:srgbClr val="7F0055"/>
+                </a:solidFill>
+                <a:latin typeface="Consolas" panose="020B0609020204030204" pitchFamily="49" charset="0"/>
+              </a:rPr>
+              <a:t>else</a:t>
+            </a:r>
+            <a:r>
+              <a:rPr lang="en-US" altLang="ko-KR" dirty="0">
+                <a:solidFill>
+                  <a:srgbClr val="000000"/>
+                </a:solidFill>
+                <a:latin typeface="Consolas" panose="020B0609020204030204" pitchFamily="49" charset="0"/>
+              </a:rPr>
+              <a:t> {</a:t>
+            </a:r>
+          </a:p>
+          <a:p>
+            <a:r>
+              <a:rPr lang="en-US" altLang="ko-KR" dirty="0" err="1">
+                <a:solidFill>
+                  <a:srgbClr val="000000"/>
+                </a:solidFill>
+                <a:latin typeface="Consolas" panose="020B0609020204030204" pitchFamily="49" charset="0"/>
+              </a:rPr>
+              <a:t>System.</a:t>
+            </a:r>
+            <a:r>
+              <a:rPr lang="en-US" altLang="ko-KR" b="1" i="1" dirty="0" err="1">
+                <a:solidFill>
+                  <a:srgbClr val="0000C0"/>
+                </a:solidFill>
+                <a:latin typeface="Consolas" panose="020B0609020204030204" pitchFamily="49" charset="0"/>
+              </a:rPr>
+              <a:t>out</a:t>
+            </a:r>
+            <a:r>
+              <a:rPr lang="en-US" altLang="ko-KR" dirty="0" err="1">
+                <a:solidFill>
+                  <a:srgbClr val="000000"/>
+                </a:solidFill>
+                <a:latin typeface="Consolas" panose="020B0609020204030204" pitchFamily="49" charset="0"/>
+              </a:rPr>
+              <a:t>.println</a:t>
+            </a:r>
+            <a:r>
+              <a:rPr lang="en-US" altLang="ko-KR" dirty="0">
+                <a:solidFill>
+                  <a:srgbClr val="000000"/>
+                </a:solidFill>
+                <a:latin typeface="Consolas" panose="020B0609020204030204" pitchFamily="49" charset="0"/>
+              </a:rPr>
+              <a:t>(</a:t>
+            </a:r>
+            <a:r>
+              <a:rPr lang="en-US" altLang="ko-KR" dirty="0">
+                <a:solidFill>
+                  <a:srgbClr val="2A00FF"/>
+                </a:solidFill>
+                <a:latin typeface="Consolas" panose="020B0609020204030204" pitchFamily="49" charset="0"/>
+              </a:rPr>
+              <a:t>"</a:t>
+            </a:r>
+            <a:r>
+              <a:rPr lang="ko-KR" altLang="en-US" dirty="0">
+                <a:solidFill>
+                  <a:srgbClr val="2A00FF"/>
+                </a:solidFill>
+                <a:latin typeface="Consolas" panose="020B0609020204030204" pitchFamily="49" charset="0"/>
+              </a:rPr>
+              <a:t>해당 번호의 </a:t>
+            </a:r>
+            <a:r>
+              <a:rPr lang="ko-KR" altLang="en-US" dirty="0" err="1">
+                <a:solidFill>
+                  <a:srgbClr val="2A00FF"/>
+                </a:solidFill>
+                <a:latin typeface="Consolas" panose="020B0609020204030204" pitchFamily="49" charset="0"/>
+              </a:rPr>
+              <a:t>영화리뷰를</a:t>
+            </a:r>
+            <a:r>
+              <a:rPr lang="ko-KR" altLang="en-US" dirty="0">
+                <a:solidFill>
+                  <a:srgbClr val="2A00FF"/>
+                </a:solidFill>
+                <a:latin typeface="Consolas" panose="020B0609020204030204" pitchFamily="49" charset="0"/>
+              </a:rPr>
+              <a:t> 찾을 수 없습니다</a:t>
+            </a:r>
+            <a:r>
+              <a:rPr lang="en-US" altLang="ko-KR" dirty="0">
+                <a:solidFill>
+                  <a:srgbClr val="2A00FF"/>
+                </a:solidFill>
+                <a:latin typeface="Consolas" panose="020B0609020204030204" pitchFamily="49" charset="0"/>
+              </a:rPr>
+              <a:t>."</a:t>
+            </a:r>
+            <a:r>
+              <a:rPr lang="en-US" altLang="ko-KR" dirty="0">
+                <a:solidFill>
+                  <a:srgbClr val="000000"/>
+                </a:solidFill>
+                <a:latin typeface="Consolas" panose="020B0609020204030204" pitchFamily="49" charset="0"/>
+              </a:rPr>
+              <a:t>);</a:t>
+            </a:r>
+          </a:p>
+          <a:p>
+            <a:r>
+              <a:rPr lang="en-US" altLang="ko-KR" dirty="0">
+                <a:solidFill>
+                  <a:srgbClr val="000000"/>
+                </a:solidFill>
+                <a:latin typeface="Consolas" panose="020B0609020204030204" pitchFamily="49" charset="0"/>
+              </a:rPr>
+              <a:t>}</a:t>
+            </a:r>
+          </a:p>
+        </p:txBody>
+      </p:sp>
+    </p:spTree>
+    <p:extLst>
+      <p:ext uri="{BB962C8B-B14F-4D97-AF65-F5344CB8AC3E}">
+        <p14:creationId xmlns:p14="http://schemas.microsoft.com/office/powerpoint/2010/main" val="3269354006"/>
+      </p:ext>
+    </p:extLst>
+  </p:cSld>
+  <p:clrMapOvr>
+    <a:masterClrMapping/>
+  </p:clrMapOvr>
+</p:sld>
+</file>
+
+<file path=ppt/slides/slide14.xml><?xml version="1.0" encoding="utf-8"?>
 <p:sld xmlns:a="http://schemas.openxmlformats.org/drawingml/2006/main" xmlns:r="http://schemas.openxmlformats.org/officeDocument/2006/relationships" xmlns:p="http://schemas.openxmlformats.org/presentationml/2006/main">
   <p:cSld name="Slide 7">
     <p:bg>
@@ -6087,7 +11543,7 @@
 </p:sld>
 </file>
 
-<file path=ppt/slides/slide12.xml><?xml version="1.0" encoding="utf-8"?>
+<file path=ppt/slides/slide15.xml><?xml version="1.0" encoding="utf-8"?>
 <p:sld xmlns:a="http://schemas.openxmlformats.org/drawingml/2006/main" xmlns:r="http://schemas.openxmlformats.org/officeDocument/2006/relationships" xmlns:p="http://schemas.openxmlformats.org/presentationml/2006/main">
   <p:cSld name="Slide 8">
     <p:bg>
@@ -10004,40 +15460,7 @@
                   <a:ea typeface="맑은 고딕" panose="020B0503020000020004" pitchFamily="50" charset="-127"/>
                   <a:cs typeface="Pretendard" pitchFamily="34" charset="0"/>
                 </a:rPr>
-                <a:t>영화 </a:t>
-              </a:r>
-              <a:r>
-                <a:rPr lang="ko-KR" altLang="en-US" sz="2400" dirty="0" smtClean="0">
-                  <a:solidFill>
-                    <a:srgbClr val="FFFFFF"/>
-                  </a:solidFill>
-                  <a:latin typeface="맑은 고딕" panose="020B0503020000020004" pitchFamily="50" charset="-127"/>
-                  <a:ea typeface="맑은 고딕" panose="020B0503020000020004" pitchFamily="50" charset="-127"/>
-                  <a:cs typeface="Pretendard" pitchFamily="34" charset="0"/>
-                </a:rPr>
-                <a:t>랭킹</a:t>
-              </a:r>
-              <a:r>
-                <a:rPr lang="ko-KR" altLang="en-US" sz="2400" dirty="0" smtClean="0">
-                  <a:solidFill>
-                    <a:srgbClr val="FFFFFF"/>
-                  </a:solidFill>
-                  <a:latin typeface="맑은 고딕" panose="020B0503020000020004" pitchFamily="50" charset="-127"/>
-                  <a:ea typeface="맑은 고딕" panose="020B0503020000020004" pitchFamily="50" charset="-127"/>
-                  <a:cs typeface="Pretendard" pitchFamily="34" charset="0"/>
-                </a:rPr>
-                <a:t> </a:t>
-              </a:r>
-              <a:r>
-                <a:rPr lang="ko-KR" altLang="en-US" sz="2400" dirty="0" smtClean="0">
-                  <a:solidFill>
-                    <a:srgbClr val="FFFFFF"/>
-                  </a:solidFill>
-                  <a:latin typeface="맑은 고딕" panose="020B0503020000020004" pitchFamily="50" charset="-127"/>
-                  <a:ea typeface="맑은 고딕" panose="020B0503020000020004" pitchFamily="50" charset="-127"/>
-                  <a:cs typeface="Pretendard" pitchFamily="34" charset="0"/>
-                </a:rPr>
-                <a:t>리스트</a:t>
+                <a:t>영화 랭킹 리스트</a:t>
               </a:r>
               <a:r>
                 <a:rPr lang="en-US" sz="2400" dirty="0" smtClean="0">
@@ -16716,17 +22139,7 @@
                 <a:latin typeface="Pretendard" pitchFamily="34" charset="0"/>
                 <a:cs typeface="Pretendard SemiBold" pitchFamily="34" charset="0"/>
               </a:rPr>
-              <a:t>(Create Movie</a:t>
-            </a:r>
-            <a:r>
-              <a:rPr lang="en-US" altLang="ko-KR" sz="4000" kern="0" spc="-100" dirty="0" smtClean="0">
-                <a:solidFill>
-                  <a:srgbClr val="595959"/>
-                </a:solidFill>
-                <a:latin typeface="Pretendard" pitchFamily="34" charset="0"/>
-                <a:cs typeface="Pretendard SemiBold" pitchFamily="34" charset="0"/>
-              </a:rPr>
-              <a:t>)</a:t>
+              <a:t>(Create Movie)</a:t>
             </a:r>
             <a:endParaRPr lang="en-US" dirty="0"/>
           </a:p>
@@ -19134,17 +24547,7 @@
                 <a:latin typeface="Pretendard" pitchFamily="34" charset="0"/>
                 <a:cs typeface="Pretendard SemiBold" pitchFamily="34" charset="0"/>
               </a:rPr>
-              <a:t>(Create Movie</a:t>
-            </a:r>
-            <a:r>
-              <a:rPr lang="en-US" altLang="ko-KR" sz="4000" kern="0" spc="-100" dirty="0" smtClean="0">
-                <a:solidFill>
-                  <a:srgbClr val="595959"/>
-                </a:solidFill>
-                <a:latin typeface="Pretendard" pitchFamily="34" charset="0"/>
-                <a:cs typeface="Pretendard SemiBold" pitchFamily="34" charset="0"/>
-              </a:rPr>
-              <a:t>)</a:t>
+              <a:t>(Create Movie)</a:t>
             </a:r>
             <a:endParaRPr lang="en-US" dirty="0"/>
           </a:p>

--- a/ppt/국비(정보처리기능사)_백수정.pptx
+++ b/ppt/국비(정보처리기능사)_백수정.pptx
@@ -28374,19 +28374,7 @@
                 <a:latin typeface="맑은 고딕" panose="020B0503020000020004" pitchFamily="50" charset="-127"/>
                 <a:ea typeface="맑은 고딕" panose="020B0503020000020004" pitchFamily="50" charset="-127"/>
               </a:rPr>
-              <a:t>가 </a:t>
-            </a:r>
-            <a:r>
-              <a:rPr lang="ko-KR" altLang="en-US" sz="2200" dirty="0" smtClean="0">
-                <a:solidFill>
-                  <a:schemeClr val="bg1">
-                    <a:lumMod val="50000"/>
-                  </a:schemeClr>
-                </a:solidFill>
-                <a:latin typeface="맑은 고딕" panose="020B0503020000020004" pitchFamily="50" charset="-127"/>
-                <a:ea typeface="맑은 고딕" panose="020B0503020000020004" pitchFamily="50" charset="-127"/>
-              </a:rPr>
-              <a:t>기본적으로 적용된 애플리케이션 개발</a:t>
+              <a:t>가 기본적으로 적용된 애플리케이션 개발</a:t>
             </a:r>
             <a:endParaRPr lang="en-US" altLang="ko-KR" sz="2200" dirty="0" smtClean="0">
               <a:solidFill>
@@ -28455,8 +28443,8 @@
         </p:nvSpPr>
         <p:spPr>
           <a:xfrm>
-            <a:off x="11926461" y="4890366"/>
-            <a:ext cx="5059514" cy="2462213"/>
+            <a:off x="11926461" y="4721089"/>
+            <a:ext cx="5059514" cy="2800767"/>
           </a:xfrm>
           <a:prstGeom prst="rect">
             <a:avLst/>
@@ -28621,7 +28609,7 @@
               <a:t>별점</a:t>
             </a:r>
             <a:r>
-              <a:rPr lang="en-US" altLang="ko-KR" sz="2200" dirty="0">
+              <a:rPr lang="en-US" altLang="ko-KR" sz="2200" dirty="0" smtClean="0">
                 <a:solidFill>
                   <a:schemeClr val="bg1">
                     <a:lumMod val="50000"/>
@@ -28690,7 +28678,31 @@
                 <a:latin typeface="맑은 고딕" panose="020B0503020000020004" pitchFamily="50" charset="-127"/>
                 <a:ea typeface="맑은 고딕" panose="020B0503020000020004" pitchFamily="50" charset="-127"/>
               </a:rPr>
-              <a:t>랭킹 등으로 간단하게 확인하는 애플리케이션 제작 </a:t>
+              <a:t>랭킹 </a:t>
+            </a:r>
+            <a:r>
+              <a:rPr lang="ko-KR" altLang="en-US" sz="2200" dirty="0" smtClean="0">
+                <a:solidFill>
+                  <a:schemeClr val="bg1">
+                    <a:lumMod val="50000"/>
+                  </a:schemeClr>
+                </a:solidFill>
+                <a:latin typeface="맑은 고딕" panose="020B0503020000020004" pitchFamily="50" charset="-127"/>
+                <a:ea typeface="맑은 고딕" panose="020B0503020000020004" pitchFamily="50" charset="-127"/>
+              </a:rPr>
+              <a:t>등으로 간단하게 영화 리뷰를 확인하는 </a:t>
+            </a:r>
+            <a:r>
+              <a:rPr lang="ko-KR" altLang="en-US" sz="2200" dirty="0" smtClean="0">
+                <a:solidFill>
+                  <a:schemeClr val="bg1">
+                    <a:lumMod val="50000"/>
+                  </a:schemeClr>
+                </a:solidFill>
+                <a:latin typeface="맑은 고딕" panose="020B0503020000020004" pitchFamily="50" charset="-127"/>
+                <a:ea typeface="맑은 고딕" panose="020B0503020000020004" pitchFamily="50" charset="-127"/>
+              </a:rPr>
+              <a:t>애플리케이션 제작 </a:t>
             </a:r>
             <a:endParaRPr lang="en-US" dirty="0">
               <a:solidFill>
@@ -30419,37 +30431,7 @@
                 <a:latin typeface="맑은 고딕" panose="020B0503020000020004" pitchFamily="50" charset="-127"/>
                 <a:ea typeface="맑은 고딕" panose="020B0503020000020004" pitchFamily="50" charset="-127"/>
               </a:rPr>
-              <a:t> 및 </a:t>
-            </a:r>
-            <a:r>
-              <a:rPr lang="ko-KR" altLang="en-US" sz="2400" dirty="0" smtClean="0">
-                <a:solidFill>
-                  <a:srgbClr val="595959"/>
-                </a:solidFill>
-                <a:latin typeface="맑은 고딕" panose="020B0503020000020004" pitchFamily="50" charset="-127"/>
-                <a:ea typeface="맑은 고딕" panose="020B0503020000020004" pitchFamily="50" charset="-127"/>
-              </a:rPr>
-              <a:t>장르에 대해 순위를</a:t>
-            </a:r>
-            <a:r>
-              <a:rPr lang="ko-KR" altLang="en-US" sz="2400" dirty="0" smtClean="0">
-                <a:solidFill>
-                  <a:srgbClr val="595959"/>
-                </a:solidFill>
-                <a:latin typeface="맑은 고딕" panose="020B0503020000020004" pitchFamily="50" charset="-127"/>
-                <a:ea typeface="맑은 고딕" panose="020B0503020000020004" pitchFamily="50" charset="-127"/>
-              </a:rPr>
-              <a:t> </a:t>
-            </a:r>
-            <a:r>
-              <a:rPr lang="ko-KR" altLang="en-US" sz="2400" dirty="0" smtClean="0">
-                <a:solidFill>
-                  <a:srgbClr val="595959"/>
-                </a:solidFill>
-                <a:latin typeface="맑은 고딕" panose="020B0503020000020004" pitchFamily="50" charset="-127"/>
-                <a:ea typeface="맑은 고딕" panose="020B0503020000020004" pitchFamily="50" charset="-127"/>
-              </a:rPr>
-              <a:t>출력하는 기능 </a:t>
+              <a:t> 및 장르에 대해 순위를 출력하는 기능 </a:t>
             </a:r>
             <a:endParaRPr lang="en-US" dirty="0">
               <a:latin typeface="맑은 고딕" panose="020B0503020000020004" pitchFamily="50" charset="-127"/>

--- a/ppt/국비(정보처리기능사)_백수정.pptx
+++ b/ppt/국비(정보처리기능사)_백수정.pptx
@@ -132,7 +132,7 @@
   <p:extLst>
     <p:ext uri="{EFAFB233-063F-42B5-8137-9DF3F51BA10A}">
       <p15:sldGuideLst xmlns:p15="http://schemas.microsoft.com/office/powerpoint/2012/main">
-        <p15:guide id="1" orient="horz" pos="408" userDrawn="1">
+        <p15:guide id="1" orient="horz" pos="1944" userDrawn="1">
           <p15:clr>
             <a:srgbClr val="A4A3A4"/>
           </p15:clr>
@@ -230,7 +230,7 @@
           <a:p>
             <a:fld id="{4E3AF32F-05E5-453F-BA99-4A74016C8307}" type="datetimeFigureOut">
               <a:rPr lang="ko-KR" altLang="en-US" smtClean="0"/>
-              <a:t>2024-04-11</a:t>
+              <a:t>2024-04-12</a:t>
             </a:fld>
             <a:endParaRPr lang="ko-KR" altLang="en-US"/>
           </a:p>
@@ -2157,7 +2157,7 @@
           <a:p>
             <a:fld id="{F8166F1F-CE9B-4651-A6AA-CD717754106B}" type="datetimeFigureOut">
               <a:rPr lang="en-US" smtClean="0"/>
-              <a:t>4/11/2024</a:t>
+              <a:t>4/12/2024</a:t>
             </a:fld>
             <a:endParaRPr lang="en-US"/>
           </a:p>
@@ -2322,7 +2322,7 @@
           <a:p>
             <a:fld id="{A76116CE-C4A3-4A05-B2D7-7C2E9A889C0F}" type="datetimeFigureOut">
               <a:rPr lang="en-US" smtClean="0"/>
-              <a:t>4/11/2024</a:t>
+              <a:t>4/12/2024</a:t>
             </a:fld>
             <a:endParaRPr lang="en-US"/>
           </a:p>
@@ -2497,7 +2497,7 @@
           <a:p>
             <a:fld id="{A76116CE-C4A3-4A05-B2D7-7C2E9A889C0F}" type="datetimeFigureOut">
               <a:rPr lang="en-US" smtClean="0"/>
-              <a:t>4/11/2024</a:t>
+              <a:t>4/12/2024</a:t>
             </a:fld>
             <a:endParaRPr lang="en-US"/>
           </a:p>
@@ -2664,7 +2664,7 @@
           <a:p>
             <a:fld id="{A76116CE-C4A3-4A05-B2D7-7C2E9A889C0F}" type="datetimeFigureOut">
               <a:rPr lang="en-US" smtClean="0"/>
-              <a:t>4/11/2024</a:t>
+              <a:t>4/12/2024</a:t>
             </a:fld>
             <a:endParaRPr lang="en-US"/>
           </a:p>
@@ -2905,7 +2905,7 @@
           <a:p>
             <a:fld id="{A76116CE-C4A3-4A05-B2D7-7C2E9A889C0F}" type="datetimeFigureOut">
               <a:rPr lang="en-US" smtClean="0"/>
-              <a:t>4/11/2024</a:t>
+              <a:t>4/12/2024</a:t>
             </a:fld>
             <a:endParaRPr lang="en-US"/>
           </a:p>
@@ -3188,7 +3188,7 @@
           <a:p>
             <a:fld id="{A76116CE-C4A3-4A05-B2D7-7C2E9A889C0F}" type="datetimeFigureOut">
               <a:rPr lang="en-US" smtClean="0"/>
-              <a:t>4/11/2024</a:t>
+              <a:t>4/12/2024</a:t>
             </a:fld>
             <a:endParaRPr lang="en-US"/>
           </a:p>
@@ -3605,7 +3605,7 @@
           <a:p>
             <a:fld id="{A76116CE-C4A3-4A05-B2D7-7C2E9A889C0F}" type="datetimeFigureOut">
               <a:rPr lang="en-US" smtClean="0"/>
-              <a:t>4/11/2024</a:t>
+              <a:t>4/12/2024</a:t>
             </a:fld>
             <a:endParaRPr lang="en-US"/>
           </a:p>
@@ -3718,7 +3718,7 @@
           <a:p>
             <a:fld id="{A76116CE-C4A3-4A05-B2D7-7C2E9A889C0F}" type="datetimeFigureOut">
               <a:rPr lang="en-US" smtClean="0"/>
-              <a:t>4/11/2024</a:t>
+              <a:t>4/12/2024</a:t>
             </a:fld>
             <a:endParaRPr lang="en-US"/>
           </a:p>
@@ -3808,7 +3808,7 @@
           <a:p>
             <a:fld id="{A76116CE-C4A3-4A05-B2D7-7C2E9A889C0F}" type="datetimeFigureOut">
               <a:rPr lang="en-US" smtClean="0"/>
-              <a:t>4/11/2024</a:t>
+              <a:t>4/12/2024</a:t>
             </a:fld>
             <a:endParaRPr lang="en-US"/>
           </a:p>
@@ -4080,7 +4080,7 @@
           <a:p>
             <a:fld id="{A76116CE-C4A3-4A05-B2D7-7C2E9A889C0F}" type="datetimeFigureOut">
               <a:rPr lang="en-US" smtClean="0"/>
-              <a:t>4/11/2024</a:t>
+              <a:t>4/12/2024</a:t>
             </a:fld>
             <a:endParaRPr lang="en-US"/>
           </a:p>
@@ -4328,7 +4328,7 @@
           <a:p>
             <a:fld id="{A76116CE-C4A3-4A05-B2D7-7C2E9A889C0F}" type="datetimeFigureOut">
               <a:rPr lang="en-US" smtClean="0"/>
-              <a:t>4/11/2024</a:t>
+              <a:t>4/12/2024</a:t>
             </a:fld>
             <a:endParaRPr lang="en-US"/>
           </a:p>
@@ -4536,7 +4536,7 @@
           <a:p>
             <a:fld id="{F8166F1F-CE9B-4651-A6AA-CD717754106B}" type="datetimeFigureOut">
               <a:rPr lang="en-US" smtClean="0"/>
-              <a:t>4/11/2024</a:t>
+              <a:t>4/12/2024</a:t>
             </a:fld>
             <a:endParaRPr lang="en-US"/>
           </a:p>
@@ -5364,6 +5364,13 @@
   <p:clrMapOvr>
     <a:masterClrMapping/>
   </p:clrMapOvr>
+  <p:timing>
+    <p:tnLst>
+      <p:par>
+        <p:cTn id="1" dur="indefinite" restart="never" nodeType="tmRoot"/>
+      </p:par>
+    </p:tnLst>
+  </p:timing>
 </p:sld>
 </file>
 
@@ -5588,8 +5595,8 @@
         </p:nvSpPr>
         <p:spPr>
           <a:xfrm>
-            <a:off x="1320183" y="7989655"/>
-            <a:ext cx="15754163" cy="2585323"/>
+            <a:off x="1180483" y="7581900"/>
+            <a:ext cx="15754163" cy="1200329"/>
           </a:xfrm>
           <a:prstGeom prst="rect">
             <a:avLst/>
@@ -5652,19 +5659,7 @@
                 <a:latin typeface="맑은 고딕" panose="020B0503020000020004" pitchFamily="50" charset="-127"/>
                 <a:ea typeface="맑은 고딕" panose="020B0503020000020004" pitchFamily="50" charset="-127"/>
               </a:rPr>
-              <a:t>번 메뉴 입력 후 영화 리뷰 등</a:t>
-            </a:r>
-            <a:r>
-              <a:rPr lang="ko-KR" altLang="en-US" dirty="0">
-                <a:solidFill>
-                  <a:schemeClr val="bg1">
-                    <a:lumMod val="50000"/>
-                  </a:schemeClr>
-                </a:solidFill>
-                <a:latin typeface="맑은 고딕" panose="020B0503020000020004" pitchFamily="50" charset="-127"/>
-                <a:ea typeface="맑은 고딕" panose="020B0503020000020004" pitchFamily="50" charset="-127"/>
-              </a:rPr>
-              <a:t>록</a:t>
+              <a:t>번을 입력하여 영화 리뷰 등록</a:t>
             </a:r>
             <a:endParaRPr lang="en-US" altLang="ko-KR" dirty="0" smtClean="0">
               <a:solidFill>
@@ -5677,7 +5672,7 @@
             </a:endParaRPr>
           </a:p>
           <a:p>
-            <a:pPr marL="342900" indent="-342900" algn="just">
+            <a:pPr marL="396000" indent="-284400" algn="just">
               <a:buFont typeface="맑은 고딕" panose="020B0503020000020004" pitchFamily="50" charset="-127"/>
               <a:buChar char="-"/>
             </a:pPr>
@@ -5715,7 +5710,19 @@
                 <a:latin typeface="맑은 고딕" panose="020B0503020000020004" pitchFamily="50" charset="-127"/>
                 <a:ea typeface="맑은 고딕" panose="020B0503020000020004" pitchFamily="50" charset="-127"/>
               </a:rPr>
-              <a:t>파일에 데이터 입력</a:t>
+              <a:t>파일에 데이터 </a:t>
+            </a:r>
+            <a:r>
+              <a:rPr lang="ko-KR" altLang="en-US" dirty="0" smtClean="0">
+                <a:solidFill>
+                  <a:schemeClr val="bg1">
+                    <a:lumMod val="50000"/>
+                  </a:schemeClr>
+                </a:solidFill>
+                <a:latin typeface="맑은 고딕" panose="020B0503020000020004" pitchFamily="50" charset="-127"/>
+                <a:ea typeface="맑은 고딕" panose="020B0503020000020004" pitchFamily="50" charset="-127"/>
+              </a:rPr>
+              <a:t>추가</a:t>
             </a:r>
             <a:endParaRPr lang="en-US" altLang="ko-KR" dirty="0" smtClean="0">
               <a:solidFill>
@@ -5728,7 +5735,7 @@
             </a:endParaRPr>
           </a:p>
           <a:p>
-            <a:pPr marL="342900" indent="-342900" algn="just">
+            <a:pPr marL="396000" indent="-284400" algn="just">
               <a:buFont typeface="맑은 고딕" panose="020B0503020000020004" pitchFamily="50" charset="-127"/>
               <a:buChar char="-"/>
             </a:pPr>
@@ -5769,16 +5776,16 @@
               <a:t>로 구분하여 파일에 </a:t>
             </a:r>
             <a:r>
-              <a:rPr lang="ko-KR" altLang="en-US" dirty="0" err="1" smtClean="0">
-                <a:solidFill>
-                  <a:schemeClr val="bg1">
-                    <a:lumMod val="50000"/>
-                  </a:schemeClr>
-                </a:solidFill>
-                <a:latin typeface="맑은 고딕" panose="020B0503020000020004" pitchFamily="50" charset="-127"/>
-                <a:ea typeface="맑은 고딕" panose="020B0503020000020004" pitchFamily="50" charset="-127"/>
-              </a:rPr>
-              <a:t>써짐</a:t>
+              <a:rPr lang="ko-KR" altLang="en-US" dirty="0" smtClean="0">
+                <a:solidFill>
+                  <a:schemeClr val="bg1">
+                    <a:lumMod val="50000"/>
+                  </a:schemeClr>
+                </a:solidFill>
+                <a:latin typeface="맑은 고딕" panose="020B0503020000020004" pitchFamily="50" charset="-127"/>
+                <a:ea typeface="맑은 고딕" panose="020B0503020000020004" pitchFamily="50" charset="-127"/>
+              </a:rPr>
+              <a:t>입력</a:t>
             </a:r>
             <a:endParaRPr lang="en-US" altLang="ko-KR" dirty="0" smtClean="0">
               <a:solidFill>
@@ -5791,23 +5798,11 @@
             </a:endParaRPr>
           </a:p>
           <a:p>
-            <a:pPr marL="342900" indent="-342900" algn="just">
+            <a:pPr marL="396000" indent="-284400" algn="just">
               <a:buFont typeface="맑은 고딕" panose="020B0503020000020004" pitchFamily="50" charset="-127"/>
               <a:buChar char="-"/>
             </a:pPr>
             <a:r>
-              <a:rPr lang="ko-KR" altLang="en-US" dirty="0" err="1" smtClean="0">
-                <a:solidFill>
-                  <a:schemeClr val="bg1">
-                    <a:lumMod val="50000"/>
-                  </a:schemeClr>
-                </a:solidFill>
-                <a:latin typeface="맑은 고딕" panose="020B0503020000020004" pitchFamily="50" charset="-127"/>
-                <a:ea typeface="맑은 고딕" panose="020B0503020000020004" pitchFamily="50" charset="-127"/>
-              </a:rPr>
-              <a:t>등록시마다</a:t>
-            </a:r>
-            <a:r>
               <a:rPr lang="ko-KR" altLang="en-US" dirty="0" smtClean="0">
                 <a:solidFill>
                   <a:schemeClr val="bg1">
@@ -5817,7 +5812,7 @@
                 <a:latin typeface="맑은 고딕" panose="020B0503020000020004" pitchFamily="50" charset="-127"/>
                 <a:ea typeface="맑은 고딕" panose="020B0503020000020004" pitchFamily="50" charset="-127"/>
               </a:rPr>
-              <a:t> </a:t>
+              <a:t>리뷰 등록 시마다 </a:t>
             </a:r>
             <a:r>
               <a:rPr lang="en-US" altLang="ko-KR" dirty="0" err="1" smtClean="0">
@@ -5889,7 +5884,19 @@
                 <a:latin typeface="맑은 고딕" panose="020B0503020000020004" pitchFamily="50" charset="-127"/>
                 <a:ea typeface="맑은 고딕" panose="020B0503020000020004" pitchFamily="50" charset="-127"/>
               </a:rPr>
-              <a:t>씩 증가되어 저장</a:t>
+              <a:t>씩 증가되어 </a:t>
+            </a:r>
+            <a:r>
+              <a:rPr lang="ko-KR" altLang="en-US" dirty="0" smtClean="0">
+                <a:solidFill>
+                  <a:schemeClr val="bg1">
+                    <a:lumMod val="50000"/>
+                  </a:schemeClr>
+                </a:solidFill>
+                <a:latin typeface="맑은 고딕" panose="020B0503020000020004" pitchFamily="50" charset="-127"/>
+                <a:ea typeface="맑은 고딕" panose="020B0503020000020004" pitchFamily="50" charset="-127"/>
+              </a:rPr>
+              <a:t>저장</a:t>
             </a:r>
             <a:endParaRPr lang="en-US" altLang="ko-KR" dirty="0">
               <a:solidFill>
@@ -5900,104 +5907,6 @@
               <a:latin typeface="맑은 고딕" panose="020B0503020000020004" pitchFamily="50" charset="-127"/>
               <a:ea typeface="맑은 고딕" panose="020B0503020000020004" pitchFamily="50" charset="-127"/>
             </a:endParaRPr>
-          </a:p>
-          <a:p>
-            <a:pPr algn="just"/>
-            <a:endParaRPr lang="en-US" altLang="ko-KR" dirty="0" smtClean="0">
-              <a:solidFill>
-                <a:schemeClr val="bg1">
-                  <a:lumMod val="50000"/>
-                </a:schemeClr>
-              </a:solidFill>
-              <a:latin typeface="맑은 고딕" panose="020B0503020000020004" pitchFamily="50" charset="-127"/>
-              <a:ea typeface="맑은 고딕" panose="020B0503020000020004" pitchFamily="50" charset="-127"/>
-            </a:endParaRPr>
-          </a:p>
-          <a:p>
-            <a:pPr lvl="1" algn="just"/>
-            <a:endParaRPr lang="en-US" altLang="ko-KR" dirty="0" smtClean="0">
-              <a:solidFill>
-                <a:schemeClr val="bg1">
-                  <a:lumMod val="50000"/>
-                </a:schemeClr>
-              </a:solidFill>
-              <a:latin typeface="맑은 고딕" panose="020B0503020000020004" pitchFamily="50" charset="-127"/>
-              <a:ea typeface="맑은 고딕" panose="020B0503020000020004" pitchFamily="50" charset="-127"/>
-            </a:endParaRPr>
-          </a:p>
-          <a:p>
-            <a:pPr marL="742950" lvl="1" indent="-285750" algn="just">
-              <a:buFont typeface="맑은 고딕" panose="020B0503020000020004" pitchFamily="50" charset="-127"/>
-              <a:buChar char="-"/>
-            </a:pPr>
-            <a:endParaRPr lang="en-US" altLang="ko-KR" dirty="0" smtClean="0">
-              <a:solidFill>
-                <a:schemeClr val="bg1">
-                  <a:lumMod val="50000"/>
-                </a:schemeClr>
-              </a:solidFill>
-              <a:latin typeface="맑은 고딕" panose="020B0503020000020004" pitchFamily="50" charset="-127"/>
-              <a:ea typeface="맑은 고딕" panose="020B0503020000020004" pitchFamily="50" charset="-127"/>
-            </a:endParaRPr>
-          </a:p>
-          <a:p>
-            <a:pPr marL="742950" lvl="1" indent="-285750" algn="just">
-              <a:buFont typeface="맑은 고딕" panose="020B0503020000020004" pitchFamily="50" charset="-127"/>
-              <a:buChar char="-"/>
-            </a:pPr>
-            <a:endParaRPr lang="en-US" altLang="ko-KR" dirty="0" smtClean="0">
-              <a:solidFill>
-                <a:schemeClr val="bg1">
-                  <a:lumMod val="50000"/>
-                </a:schemeClr>
-              </a:solidFill>
-              <a:latin typeface="맑은 고딕" panose="020B0503020000020004" pitchFamily="50" charset="-127"/>
-              <a:ea typeface="맑은 고딕" panose="020B0503020000020004" pitchFamily="50" charset="-127"/>
-            </a:endParaRPr>
-          </a:p>
-          <a:p>
-            <a:pPr marL="742950" lvl="1" indent="-285750" algn="just">
-              <a:buFont typeface="맑은 고딕" panose="020B0503020000020004" pitchFamily="50" charset="-127"/>
-              <a:buChar char="-"/>
-            </a:pPr>
-            <a:endParaRPr lang="en-US" dirty="0">
-              <a:latin typeface="맑은 고딕" panose="020B0503020000020004" pitchFamily="50" charset="-127"/>
-              <a:ea typeface="맑은 고딕" panose="020B0503020000020004" pitchFamily="50" charset="-127"/>
-            </a:endParaRPr>
-          </a:p>
-        </p:txBody>
-      </p:sp>
-      <p:sp>
-        <p:nvSpPr>
-          <p:cNvPr id="11" name="TextBox 10"/>
-          <p:cNvSpPr txBox="1"/>
-          <p:nvPr/>
-        </p:nvSpPr>
-        <p:spPr>
-          <a:xfrm>
-            <a:off x="1173331" y="1562100"/>
-            <a:ext cx="1446230" cy="369332"/>
-          </a:xfrm>
-          <a:prstGeom prst="rect">
-            <a:avLst/>
-          </a:prstGeom>
-          <a:noFill/>
-        </p:spPr>
-        <p:txBody>
-          <a:bodyPr wrap="none" rtlCol="0">
-            <a:spAutoFit/>
-          </a:bodyPr>
-          <a:lstStyle/>
-          <a:p>
-            <a:r>
-              <a:rPr lang="en-US" altLang="ko-KR" dirty="0" smtClean="0"/>
-              <a:t>Console </a:t>
-            </a:r>
-            <a:r>
-              <a:rPr lang="ko-KR" altLang="en-US" dirty="0" smtClean="0"/>
-              <a:t>화면</a:t>
-            </a:r>
-            <a:endParaRPr lang="ko-KR" altLang="en-US" dirty="0"/>
           </a:p>
         </p:txBody>
       </p:sp>
@@ -6049,44 +5958,204 @@
           </a:prstGeom>
         </p:spPr>
       </p:pic>
-      <p:sp>
-        <p:nvSpPr>
-          <p:cNvPr id="15" name="TextBox 14"/>
-          <p:cNvSpPr txBox="1"/>
+      <p:grpSp>
+        <p:nvGrpSpPr>
+          <p:cNvPr id="12" name="그룹 11"/>
+          <p:cNvGrpSpPr/>
           <p:nvPr/>
-        </p:nvSpPr>
-        <p:spPr>
+        </p:nvGrpSpPr>
+        <p:grpSpPr>
           <a:xfrm>
-            <a:off x="9372600" y="1562100"/>
-            <a:ext cx="1820178" cy="369332"/>
+            <a:off x="1282699" y="1624730"/>
+            <a:ext cx="1003301" cy="320477"/>
+            <a:chOff x="8928100" y="3756223"/>
+            <a:chExt cx="1003301" cy="320477"/>
           </a:xfrm>
-          <a:prstGeom prst="rect">
-            <a:avLst/>
-          </a:prstGeom>
-          <a:noFill/>
-        </p:spPr>
-        <p:txBody>
-          <a:bodyPr wrap="none" rtlCol="0">
-            <a:spAutoFit/>
-          </a:bodyPr>
-          <a:lstStyle/>
-          <a:p>
-            <a:r>
-              <a:rPr lang="en-US" altLang="ko-KR" dirty="0" err="1" smtClean="0"/>
-              <a:t>Movie_data</a:t>
-            </a:r>
-            <a:r>
-              <a:rPr lang="en-US" altLang="ko-KR" dirty="0" smtClean="0"/>
-              <a:t> </a:t>
-            </a:r>
-            <a:r>
-              <a:rPr lang="ko-KR" altLang="en-US" dirty="0" smtClean="0"/>
-              <a:t>파일</a:t>
-            </a:r>
-            <a:endParaRPr lang="ko-KR" altLang="en-US" dirty="0"/>
-          </a:p>
-        </p:txBody>
-      </p:sp>
+        </p:grpSpPr>
+        <p:sp>
+          <p:nvSpPr>
+            <p:cNvPr id="13" name="TextBox 12"/>
+            <p:cNvSpPr txBox="1"/>
+            <p:nvPr/>
+          </p:nvSpPr>
+          <p:spPr>
+            <a:xfrm>
+              <a:off x="8990223" y="3756223"/>
+              <a:ext cx="941178" cy="307777"/>
+            </a:xfrm>
+            <a:prstGeom prst="rect">
+              <a:avLst/>
+            </a:prstGeom>
+            <a:noFill/>
+          </p:spPr>
+          <p:txBody>
+            <a:bodyPr wrap="square" rtlCol="0">
+              <a:spAutoFit/>
+            </a:bodyPr>
+            <a:lstStyle/>
+            <a:p>
+              <a:r>
+                <a:rPr lang="en-US" altLang="ko-KR" sz="1400" b="1" dirty="0" smtClean="0">
+                  <a:latin typeface="맑은 고딕" panose="020B0503020000020004" pitchFamily="50" charset="-127"/>
+                  <a:ea typeface="맑은 고딕" panose="020B0503020000020004" pitchFamily="50" charset="-127"/>
+                </a:rPr>
+                <a:t>Console</a:t>
+              </a:r>
+              <a:endParaRPr lang="ko-KR" altLang="en-US" sz="1400" b="1" dirty="0">
+                <a:latin typeface="맑은 고딕" panose="020B0503020000020004" pitchFamily="50" charset="-127"/>
+                <a:ea typeface="맑은 고딕" panose="020B0503020000020004" pitchFamily="50" charset="-127"/>
+              </a:endParaRPr>
+            </a:p>
+          </p:txBody>
+        </p:sp>
+        <p:sp>
+          <p:nvSpPr>
+            <p:cNvPr id="14" name="모서리가 둥근 직사각형 13"/>
+            <p:cNvSpPr/>
+            <p:nvPr/>
+          </p:nvSpPr>
+          <p:spPr>
+            <a:xfrm>
+              <a:off x="8928100" y="3771900"/>
+              <a:ext cx="977900" cy="304800"/>
+            </a:xfrm>
+            <a:prstGeom prst="roundRect">
+              <a:avLst>
+                <a:gd name="adj" fmla="val 50000"/>
+              </a:avLst>
+            </a:prstGeom>
+            <a:noFill/>
+            <a:ln>
+              <a:solidFill>
+                <a:srgbClr val="75D387"/>
+              </a:solidFill>
+            </a:ln>
+          </p:spPr>
+          <p:style>
+            <a:lnRef idx="2">
+              <a:schemeClr val="accent1">
+                <a:shade val="50000"/>
+              </a:schemeClr>
+            </a:lnRef>
+            <a:fillRef idx="1">
+              <a:schemeClr val="accent1"/>
+            </a:fillRef>
+            <a:effectRef idx="0">
+              <a:schemeClr val="accent1"/>
+            </a:effectRef>
+            <a:fontRef idx="minor">
+              <a:schemeClr val="lt1"/>
+            </a:fontRef>
+          </p:style>
+          <p:txBody>
+            <a:bodyPr rtlCol="0" anchor="ctr"/>
+            <a:lstStyle/>
+            <a:p>
+              <a:pPr algn="ctr"/>
+              <a:endParaRPr lang="ko-KR" altLang="en-US"/>
+            </a:p>
+          </p:txBody>
+        </p:sp>
+      </p:grpSp>
+      <p:grpSp>
+        <p:nvGrpSpPr>
+          <p:cNvPr id="16" name="그룹 15"/>
+          <p:cNvGrpSpPr/>
+          <p:nvPr/>
+        </p:nvGrpSpPr>
+        <p:grpSpPr>
+          <a:xfrm>
+            <a:off x="9372600" y="1601730"/>
+            <a:ext cx="1616113" cy="523220"/>
+            <a:chOff x="8928100" y="3768749"/>
+            <a:chExt cx="995583" cy="523220"/>
+          </a:xfrm>
+        </p:grpSpPr>
+        <p:sp>
+          <p:nvSpPr>
+            <p:cNvPr id="17" name="TextBox 16"/>
+            <p:cNvSpPr txBox="1"/>
+            <p:nvPr/>
+          </p:nvSpPr>
+          <p:spPr>
+            <a:xfrm>
+              <a:off x="8982505" y="3768749"/>
+              <a:ext cx="941178" cy="523220"/>
+            </a:xfrm>
+            <a:prstGeom prst="rect">
+              <a:avLst/>
+            </a:prstGeom>
+            <a:noFill/>
+          </p:spPr>
+          <p:txBody>
+            <a:bodyPr wrap="square" rtlCol="0">
+              <a:spAutoFit/>
+            </a:bodyPr>
+            <a:lstStyle/>
+            <a:p>
+              <a:r>
+                <a:rPr lang="en-US" altLang="ko-KR" sz="1400" b="1" dirty="0" smtClean="0">
+                  <a:latin typeface="맑은 고딕" panose="020B0503020000020004" pitchFamily="50" charset="-127"/>
+                  <a:ea typeface="맑은 고딕" panose="020B0503020000020004" pitchFamily="50" charset="-127"/>
+                </a:rPr>
+                <a:t>Movie_data.txt</a:t>
+              </a:r>
+              <a:endParaRPr lang="ko-KR" altLang="en-US" sz="1400" b="1" dirty="0">
+                <a:latin typeface="맑은 고딕" panose="020B0503020000020004" pitchFamily="50" charset="-127"/>
+                <a:ea typeface="맑은 고딕" panose="020B0503020000020004" pitchFamily="50" charset="-127"/>
+              </a:endParaRPr>
+            </a:p>
+          </p:txBody>
+        </p:sp>
+        <p:sp>
+          <p:nvSpPr>
+            <p:cNvPr id="18" name="모서리가 둥근 직사각형 17"/>
+            <p:cNvSpPr/>
+            <p:nvPr/>
+          </p:nvSpPr>
+          <p:spPr>
+            <a:xfrm>
+              <a:off x="8928100" y="3771900"/>
+              <a:ext cx="977900" cy="304800"/>
+            </a:xfrm>
+            <a:prstGeom prst="roundRect">
+              <a:avLst>
+                <a:gd name="adj" fmla="val 50000"/>
+              </a:avLst>
+            </a:prstGeom>
+            <a:noFill/>
+            <a:ln>
+              <a:solidFill>
+                <a:srgbClr val="75D387"/>
+              </a:solidFill>
+            </a:ln>
+          </p:spPr>
+          <p:style>
+            <a:lnRef idx="2">
+              <a:schemeClr val="accent1">
+                <a:shade val="50000"/>
+              </a:schemeClr>
+            </a:lnRef>
+            <a:fillRef idx="1">
+              <a:schemeClr val="accent1"/>
+            </a:fillRef>
+            <a:effectRef idx="0">
+              <a:schemeClr val="accent1"/>
+            </a:effectRef>
+            <a:fontRef idx="minor">
+              <a:schemeClr val="lt1"/>
+            </a:fontRef>
+          </p:style>
+          <p:txBody>
+            <a:bodyPr rtlCol="0" anchor="ctr"/>
+            <a:lstStyle/>
+            <a:p>
+              <a:pPr algn="ctr"/>
+              <a:endParaRPr lang="ko-KR" altLang="en-US"/>
+            </a:p>
+          </p:txBody>
+        </p:sp>
+      </p:grpSp>
     </p:spTree>
     <p:extLst>
       <p:ext uri="{BB962C8B-B14F-4D97-AF65-F5344CB8AC3E}">
@@ -6097,6 +6166,13 @@
   <p:clrMapOvr>
     <a:masterClrMapping/>
   </p:clrMapOvr>
+  <p:timing>
+    <p:tnLst>
+      <p:par>
+        <p:cTn id="1" dur="indefinite" restart="never" nodeType="tmRoot"/>
+      </p:par>
+    </p:tnLst>
+  </p:timing>
 </p:sld>
 </file>
 
@@ -6273,7 +6349,7 @@
         </p:nvSpPr>
         <p:spPr>
           <a:xfrm>
-            <a:off x="1173331" y="7475894"/>
+            <a:off x="1173331" y="7593445"/>
             <a:ext cx="16047869" cy="2338129"/>
           </a:xfrm>
           <a:prstGeom prst="roundRect">
@@ -6321,7 +6397,7 @@
         </p:nvSpPr>
         <p:spPr>
           <a:xfrm>
-            <a:off x="1320183" y="7505700"/>
+            <a:off x="1180483" y="7606952"/>
             <a:ext cx="15754163" cy="2308324"/>
           </a:xfrm>
           <a:prstGeom prst="rect">
@@ -6410,7 +6486,7 @@
             </a:endParaRPr>
           </a:p>
           <a:p>
-            <a:pPr marL="342900" indent="-342900" algn="just">
+            <a:pPr marL="396000" indent="-284400" algn="just">
               <a:buFont typeface="맑은 고딕" panose="020B0503020000020004" pitchFamily="50" charset="-127"/>
               <a:buChar char="-"/>
             </a:pPr>
@@ -6451,6 +6527,18 @@
               <a:t>toString</a:t>
             </a:r>
             <a:r>
+              <a:rPr lang="en-US" altLang="ko-KR" dirty="0" smtClean="0">
+                <a:solidFill>
+                  <a:schemeClr val="bg1">
+                    <a:lumMod val="50000"/>
+                  </a:schemeClr>
+                </a:solidFill>
+                <a:latin typeface="맑은 고딕" panose="020B0503020000020004" pitchFamily="50" charset="-127"/>
+                <a:ea typeface="맑은 고딕" panose="020B0503020000020004" pitchFamily="50" charset="-127"/>
+              </a:rPr>
+              <a:t>()</a:t>
+            </a:r>
+            <a:r>
               <a:rPr lang="ko-KR" altLang="en-US" dirty="0" smtClean="0">
                 <a:solidFill>
                   <a:schemeClr val="bg1">
@@ -6460,7 +6548,31 @@
                 <a:latin typeface="맑은 고딕" panose="020B0503020000020004" pitchFamily="50" charset="-127"/>
                 <a:ea typeface="맑은 고딕" panose="020B0503020000020004" pitchFamily="50" charset="-127"/>
               </a:rPr>
-              <a:t>으로 리스트 출력</a:t>
+              <a:t>을 이용하여</a:t>
+            </a:r>
+            <a:r>
+              <a:rPr lang="ko-KR" altLang="en-US" dirty="0" smtClean="0">
+                <a:solidFill>
+                  <a:schemeClr val="bg1">
+                    <a:lumMod val="50000"/>
+                  </a:schemeClr>
+                </a:solidFill>
+                <a:latin typeface="맑은 고딕" panose="020B0503020000020004" pitchFamily="50" charset="-127"/>
+                <a:ea typeface="맑은 고딕" panose="020B0503020000020004" pitchFamily="50" charset="-127"/>
+              </a:rPr>
+              <a:t> </a:t>
+            </a:r>
+            <a:r>
+              <a:rPr lang="ko-KR" altLang="en-US" dirty="0" smtClean="0">
+                <a:solidFill>
+                  <a:schemeClr val="bg1">
+                    <a:lumMod val="50000"/>
+                  </a:schemeClr>
+                </a:solidFill>
+                <a:latin typeface="맑은 고딕" panose="020B0503020000020004" pitchFamily="50" charset="-127"/>
+                <a:ea typeface="맑은 고딕" panose="020B0503020000020004" pitchFamily="50" charset="-127"/>
+              </a:rPr>
+              <a:t>리스트 출력</a:t>
             </a:r>
             <a:endParaRPr lang="en-US" altLang="ko-KR" dirty="0" smtClean="0">
               <a:solidFill>
@@ -6659,7 +6771,7 @@
             </a:endParaRPr>
           </a:p>
           <a:p>
-            <a:pPr marL="285750" indent="-285750" algn="just">
+            <a:pPr marL="396000" indent="-285750" algn="just">
               <a:buFont typeface="맑은 고딕" panose="020B0503020000020004" pitchFamily="50" charset="-127"/>
               <a:buChar char="-"/>
             </a:pPr>
@@ -6698,7 +6810,7 @@
             </a:endParaRPr>
           </a:p>
           <a:p>
-            <a:pPr marL="285750" indent="-285750" algn="just">
+            <a:pPr marL="396000" indent="-285750" algn="just">
               <a:buFont typeface="맑은 고딕" panose="020B0503020000020004" pitchFamily="50" charset="-127"/>
               <a:buChar char="-"/>
             </a:pPr>
@@ -6737,7 +6849,7 @@
             </a:endParaRPr>
           </a:p>
           <a:p>
-            <a:pPr marL="285750" indent="-285750" algn="just">
+            <a:pPr marL="396000" indent="-285750" algn="just">
               <a:buFont typeface="맑은 고딕" panose="020B0503020000020004" pitchFamily="50" charset="-127"/>
               <a:buChar char="-"/>
             </a:pPr>
@@ -8653,6 +8765,13 @@
   <p:clrMapOvr>
     <a:masterClrMapping/>
   </p:clrMapOvr>
+  <p:timing>
+    <p:tnLst>
+      <p:par>
+        <p:cTn id="1" dur="indefinite" restart="never" nodeType="tmRoot"/>
+      </p:par>
+    </p:tnLst>
+  </p:timing>
 </p:sld>
 </file>
 
@@ -8877,8 +8996,8 @@
         </p:nvSpPr>
         <p:spPr>
           <a:xfrm>
-            <a:off x="1320183" y="7851155"/>
-            <a:ext cx="15754163" cy="2862322"/>
+            <a:off x="1180483" y="7581900"/>
+            <a:ext cx="15754163" cy="1200329"/>
           </a:xfrm>
           <a:prstGeom prst="rect">
             <a:avLst/>
@@ -8990,7 +9109,7 @@
             </a:endParaRPr>
           </a:p>
           <a:p>
-            <a:pPr marL="342900" indent="-342900" algn="just">
+            <a:pPr marL="396000" indent="-284400" algn="just">
               <a:buFont typeface="맑은 고딕" panose="020B0503020000020004" pitchFamily="50" charset="-127"/>
               <a:buChar char="-"/>
             </a:pPr>
@@ -9262,7 +9381,19 @@
                 <a:latin typeface="맑은 고딕" panose="020B0503020000020004" pitchFamily="50" charset="-127"/>
                 <a:ea typeface="맑은 고딕" panose="020B0503020000020004" pitchFamily="50" charset="-127"/>
               </a:rPr>
-              <a:t>번을 입력할 경우 저장된 모든 영화 리뷰 리스트를 보여줌</a:t>
+              <a:t>번을 </a:t>
+            </a:r>
+            <a:r>
+              <a:rPr lang="ko-KR" altLang="en-US" dirty="0" smtClean="0">
+                <a:solidFill>
+                  <a:schemeClr val="bg1">
+                    <a:lumMod val="50000"/>
+                  </a:schemeClr>
+                </a:solidFill>
+                <a:latin typeface="맑은 고딕" panose="020B0503020000020004" pitchFamily="50" charset="-127"/>
+                <a:ea typeface="맑은 고딕" panose="020B0503020000020004" pitchFamily="50" charset="-127"/>
+              </a:rPr>
+              <a:t>입력하여 저장된 모든 영화 리뷰 리스트 출력</a:t>
             </a:r>
             <a:endParaRPr lang="en-US" altLang="ko-KR" dirty="0">
               <a:solidFill>
@@ -9270,82 +9401,6 @@
                   <a:lumMod val="50000"/>
                 </a:schemeClr>
               </a:solidFill>
-              <a:latin typeface="맑은 고딕" panose="020B0503020000020004" pitchFamily="50" charset="-127"/>
-              <a:ea typeface="맑은 고딕" panose="020B0503020000020004" pitchFamily="50" charset="-127"/>
-            </a:endParaRPr>
-          </a:p>
-          <a:p>
-            <a:pPr algn="just"/>
-            <a:endParaRPr lang="en-US" altLang="ko-KR" dirty="0">
-              <a:solidFill>
-                <a:schemeClr val="bg1">
-                  <a:lumMod val="50000"/>
-                </a:schemeClr>
-              </a:solidFill>
-              <a:latin typeface="맑은 고딕" panose="020B0503020000020004" pitchFamily="50" charset="-127"/>
-              <a:ea typeface="맑은 고딕" panose="020B0503020000020004" pitchFamily="50" charset="-127"/>
-            </a:endParaRPr>
-          </a:p>
-          <a:p>
-            <a:pPr algn="just"/>
-            <a:endParaRPr lang="en-US" altLang="ko-KR" dirty="0" smtClean="0">
-              <a:solidFill>
-                <a:schemeClr val="bg1">
-                  <a:lumMod val="50000"/>
-                </a:schemeClr>
-              </a:solidFill>
-              <a:latin typeface="맑은 고딕" panose="020B0503020000020004" pitchFamily="50" charset="-127"/>
-              <a:ea typeface="맑은 고딕" panose="020B0503020000020004" pitchFamily="50" charset="-127"/>
-            </a:endParaRPr>
-          </a:p>
-          <a:p>
-            <a:pPr lvl="1" algn="just"/>
-            <a:endParaRPr lang="en-US" altLang="ko-KR" dirty="0" smtClean="0">
-              <a:solidFill>
-                <a:schemeClr val="bg1">
-                  <a:lumMod val="50000"/>
-                </a:schemeClr>
-              </a:solidFill>
-              <a:latin typeface="맑은 고딕" panose="020B0503020000020004" pitchFamily="50" charset="-127"/>
-              <a:ea typeface="맑은 고딕" panose="020B0503020000020004" pitchFamily="50" charset="-127"/>
-            </a:endParaRPr>
-          </a:p>
-          <a:p>
-            <a:pPr marL="742950" lvl="1" indent="-285750" algn="just">
-              <a:buFont typeface="맑은 고딕" panose="020B0503020000020004" pitchFamily="50" charset="-127"/>
-              <a:buChar char="-"/>
-            </a:pPr>
-            <a:endParaRPr lang="en-US" altLang="ko-KR" dirty="0" smtClean="0">
-              <a:solidFill>
-                <a:schemeClr val="bg1">
-                  <a:lumMod val="50000"/>
-                </a:schemeClr>
-              </a:solidFill>
-              <a:latin typeface="맑은 고딕" panose="020B0503020000020004" pitchFamily="50" charset="-127"/>
-              <a:ea typeface="맑은 고딕" panose="020B0503020000020004" pitchFamily="50" charset="-127"/>
-            </a:endParaRPr>
-          </a:p>
-          <a:p>
-            <a:pPr marL="742950" lvl="1" indent="-285750" algn="just">
-              <a:buFont typeface="맑은 고딕" panose="020B0503020000020004" pitchFamily="50" charset="-127"/>
-              <a:buChar char="-"/>
-            </a:pPr>
-            <a:endParaRPr lang="en-US" altLang="ko-KR" dirty="0" smtClean="0">
-              <a:solidFill>
-                <a:schemeClr val="bg1">
-                  <a:lumMod val="50000"/>
-                </a:schemeClr>
-              </a:solidFill>
-              <a:latin typeface="맑은 고딕" panose="020B0503020000020004" pitchFamily="50" charset="-127"/>
-              <a:ea typeface="맑은 고딕" panose="020B0503020000020004" pitchFamily="50" charset="-127"/>
-            </a:endParaRPr>
-          </a:p>
-          <a:p>
-            <a:pPr marL="742950" lvl="1" indent="-285750" algn="just">
-              <a:buFont typeface="맑은 고딕" panose="020B0503020000020004" pitchFamily="50" charset="-127"/>
-              <a:buChar char="-"/>
-            </a:pPr>
-            <a:endParaRPr lang="en-US" dirty="0">
               <a:latin typeface="맑은 고딕" panose="020B0503020000020004" pitchFamily="50" charset="-127"/>
               <a:ea typeface="맑은 고딕" panose="020B0503020000020004" pitchFamily="50" charset="-127"/>
             </a:endParaRPr>
@@ -9741,40 +9796,105 @@
           </a:prstGeom>
         </p:spPr>
       </p:pic>
-      <p:sp>
-        <p:nvSpPr>
-          <p:cNvPr id="15" name="TextBox 14"/>
-          <p:cNvSpPr txBox="1"/>
+      <p:grpSp>
+        <p:nvGrpSpPr>
+          <p:cNvPr id="13" name="그룹 12"/>
+          <p:cNvGrpSpPr/>
           <p:nvPr/>
-        </p:nvSpPr>
-        <p:spPr>
+        </p:nvGrpSpPr>
+        <p:grpSpPr>
           <a:xfrm>
-            <a:off x="9270651" y="1674474"/>
-            <a:ext cx="1446230" cy="369332"/>
+            <a:off x="9296400" y="1677194"/>
+            <a:ext cx="1003301" cy="320477"/>
+            <a:chOff x="8928100" y="3756223"/>
+            <a:chExt cx="1003301" cy="320477"/>
           </a:xfrm>
-          <a:prstGeom prst="rect">
-            <a:avLst/>
-          </a:prstGeom>
-          <a:noFill/>
-        </p:spPr>
-        <p:txBody>
-          <a:bodyPr wrap="none" rtlCol="0">
-            <a:spAutoFit/>
-          </a:bodyPr>
-          <a:lstStyle/>
-          <a:p>
-            <a:r>
-              <a:rPr lang="en-US" altLang="ko-KR" dirty="0" smtClean="0"/>
-              <a:t>Console </a:t>
-            </a:r>
-            <a:r>
-              <a:rPr lang="ko-KR" altLang="en-US" dirty="0" smtClean="0"/>
-              <a:t>화면</a:t>
-            </a:r>
-            <a:endParaRPr lang="ko-KR" altLang="en-US" dirty="0"/>
-          </a:p>
-        </p:txBody>
-      </p:sp>
+        </p:grpSpPr>
+        <p:sp>
+          <p:nvSpPr>
+            <p:cNvPr id="16" name="TextBox 15"/>
+            <p:cNvSpPr txBox="1"/>
+            <p:nvPr/>
+          </p:nvSpPr>
+          <p:spPr>
+            <a:xfrm>
+              <a:off x="8990223" y="3756223"/>
+              <a:ext cx="941178" cy="307777"/>
+            </a:xfrm>
+            <a:prstGeom prst="rect">
+              <a:avLst/>
+            </a:prstGeom>
+            <a:noFill/>
+          </p:spPr>
+          <p:txBody>
+            <a:bodyPr wrap="square" rtlCol="0">
+              <a:spAutoFit/>
+            </a:bodyPr>
+            <a:lstStyle/>
+            <a:p>
+              <a:r>
+                <a:rPr lang="en-US" altLang="ko-KR" sz="1400" b="1" dirty="0" smtClean="0">
+                  <a:latin typeface="맑은 고딕" panose="020B0503020000020004" pitchFamily="50" charset="-127"/>
+                  <a:ea typeface="맑은 고딕" panose="020B0503020000020004" pitchFamily="50" charset="-127"/>
+                </a:rPr>
+                <a:t>Console</a:t>
+              </a:r>
+              <a:endParaRPr lang="ko-KR" altLang="en-US" sz="1400" b="1" dirty="0">
+                <a:latin typeface="맑은 고딕" panose="020B0503020000020004" pitchFamily="50" charset="-127"/>
+                <a:ea typeface="맑은 고딕" panose="020B0503020000020004" pitchFamily="50" charset="-127"/>
+              </a:endParaRPr>
+            </a:p>
+          </p:txBody>
+        </p:sp>
+        <p:sp>
+          <p:nvSpPr>
+            <p:cNvPr id="17" name="모서리가 둥근 직사각형 16"/>
+            <p:cNvSpPr/>
+            <p:nvPr/>
+          </p:nvSpPr>
+          <p:spPr>
+            <a:xfrm>
+              <a:off x="8928100" y="3771900"/>
+              <a:ext cx="977900" cy="304800"/>
+            </a:xfrm>
+            <a:prstGeom prst="roundRect">
+              <a:avLst>
+                <a:gd name="adj" fmla="val 50000"/>
+              </a:avLst>
+            </a:prstGeom>
+            <a:noFill/>
+            <a:ln>
+              <a:solidFill>
+                <a:srgbClr val="75D387"/>
+              </a:solidFill>
+            </a:ln>
+          </p:spPr>
+          <p:style>
+            <a:lnRef idx="2">
+              <a:schemeClr val="accent1">
+                <a:shade val="50000"/>
+              </a:schemeClr>
+            </a:lnRef>
+            <a:fillRef idx="1">
+              <a:schemeClr val="accent1"/>
+            </a:fillRef>
+            <a:effectRef idx="0">
+              <a:schemeClr val="accent1"/>
+            </a:effectRef>
+            <a:fontRef idx="minor">
+              <a:schemeClr val="lt1"/>
+            </a:fontRef>
+          </p:style>
+          <p:txBody>
+            <a:bodyPr rtlCol="0" anchor="ctr"/>
+            <a:lstStyle/>
+            <a:p>
+              <a:pPr algn="ctr"/>
+              <a:endParaRPr lang="ko-KR" altLang="en-US"/>
+            </a:p>
+          </p:txBody>
+        </p:sp>
+      </p:grpSp>
     </p:spTree>
     <p:extLst>
       <p:ext uri="{BB962C8B-B14F-4D97-AF65-F5344CB8AC3E}">
@@ -9785,6 +9905,13 @@
   <p:clrMapOvr>
     <a:masterClrMapping/>
   </p:clrMapOvr>
+  <p:timing>
+    <p:tnLst>
+      <p:par>
+        <p:cTn id="1" dur="indefinite" restart="never" nodeType="tmRoot"/>
+      </p:par>
+    </p:tnLst>
+  </p:timing>
 </p:sld>
 </file>
 
@@ -10009,7 +10136,7 @@
         </p:nvSpPr>
         <p:spPr>
           <a:xfrm>
-            <a:off x="1320183" y="8198197"/>
+            <a:off x="1174937" y="8172797"/>
             <a:ext cx="15754163" cy="923330"/>
           </a:xfrm>
           <a:prstGeom prst="rect">
@@ -10098,7 +10225,7 @@
             </a:endParaRPr>
           </a:p>
           <a:p>
-            <a:pPr marL="342900" indent="-342900" algn="just">
+            <a:pPr marL="396000" indent="-284400" algn="just">
               <a:buFont typeface="맑은 고딕" panose="020B0503020000020004" pitchFamily="50" charset="-127"/>
               <a:buChar char="-"/>
             </a:pPr>
@@ -10148,7 +10275,43 @@
                 <a:latin typeface="맑은 고딕" panose="020B0503020000020004" pitchFamily="50" charset="-127"/>
                 <a:ea typeface="맑은 고딕" panose="020B0503020000020004" pitchFamily="50" charset="-127"/>
               </a:rPr>
-              <a:t>을 입력하여 일치하는 데이터만 객체에 넣기</a:t>
+              <a:t>와 일치하는</a:t>
+            </a:r>
+            <a:r>
+              <a:rPr lang="ko-KR" altLang="en-US" dirty="0" smtClean="0">
+                <a:solidFill>
+                  <a:schemeClr val="bg1">
+                    <a:lumMod val="50000"/>
+                  </a:schemeClr>
+                </a:solidFill>
+                <a:latin typeface="맑은 고딕" panose="020B0503020000020004" pitchFamily="50" charset="-127"/>
+                <a:ea typeface="맑은 고딕" panose="020B0503020000020004" pitchFamily="50" charset="-127"/>
+              </a:rPr>
+              <a:t> </a:t>
+            </a:r>
+            <a:r>
+              <a:rPr lang="ko-KR" altLang="en-US" dirty="0" smtClean="0">
+                <a:solidFill>
+                  <a:schemeClr val="bg1">
+                    <a:lumMod val="50000"/>
+                  </a:schemeClr>
+                </a:solidFill>
+                <a:latin typeface="맑은 고딕" panose="020B0503020000020004" pitchFamily="50" charset="-127"/>
+                <a:ea typeface="맑은 고딕" panose="020B0503020000020004" pitchFamily="50" charset="-127"/>
+              </a:rPr>
+              <a:t>데이터만 </a:t>
+            </a:r>
+            <a:r>
+              <a:rPr lang="ko-KR" altLang="en-US" dirty="0" smtClean="0">
+                <a:solidFill>
+                  <a:schemeClr val="bg1">
+                    <a:lumMod val="50000"/>
+                  </a:schemeClr>
+                </a:solidFill>
+                <a:latin typeface="맑은 고딕" panose="020B0503020000020004" pitchFamily="50" charset="-127"/>
+                <a:ea typeface="맑은 고딕" panose="020B0503020000020004" pitchFamily="50" charset="-127"/>
+              </a:rPr>
+              <a:t>추가</a:t>
             </a:r>
             <a:endParaRPr lang="en-US" altLang="ko-KR" dirty="0" smtClean="0">
               <a:solidFill>
@@ -10161,7 +10324,7 @@
             </a:endParaRPr>
           </a:p>
           <a:p>
-            <a:pPr marL="342900" indent="-342900" algn="just">
+            <a:pPr marL="396000" indent="-284400" algn="just">
               <a:buFont typeface="맑은 고딕" panose="020B0503020000020004" pitchFamily="50" charset="-127"/>
               <a:buChar char="-"/>
             </a:pPr>
@@ -10235,7 +10398,7 @@
                 <a:latin typeface="맑은 고딕" panose="020B0503020000020004" pitchFamily="50" charset="-127"/>
                 <a:ea typeface="맑은 고딕" panose="020B0503020000020004" pitchFamily="50" charset="-127"/>
               </a:rPr>
-              <a:t>service</a:t>
+              <a:t>Service</a:t>
             </a:r>
             <a:r>
               <a:rPr lang="ko-KR" altLang="en-US" dirty="0" smtClean="0">
@@ -11727,6 +11890,13 @@
   <p:clrMapOvr>
     <a:masterClrMapping/>
   </p:clrMapOvr>
+  <p:timing>
+    <p:tnLst>
+      <p:par>
+        <p:cTn id="1" dur="indefinite" restart="never" nodeType="tmRoot"/>
+      </p:par>
+    </p:tnLst>
+  </p:timing>
 </p:sld>
 </file>
 
@@ -11821,7 +11991,8 @@
                 <a:solidFill>
                   <a:srgbClr val="595959"/>
                 </a:solidFill>
-                <a:latin typeface="Pretendard" pitchFamily="34" charset="0"/>
+                <a:latin typeface="맑은 고딕" panose="020B0503020000020004" pitchFamily="50" charset="-127"/>
+                <a:ea typeface="맑은 고딕" panose="020B0503020000020004" pitchFamily="50" charset="-127"/>
                 <a:cs typeface="Pretendard SemiBold" pitchFamily="34" charset="0"/>
               </a:rPr>
               <a:t>코드 및 </a:t>
@@ -11831,7 +12002,8 @@
                 <a:solidFill>
                   <a:srgbClr val="595959"/>
                 </a:solidFill>
-                <a:latin typeface="Pretendard" pitchFamily="34" charset="0"/>
+                <a:latin typeface="맑은 고딕" panose="020B0503020000020004" pitchFamily="50" charset="-127"/>
+                <a:ea typeface="맑은 고딕" panose="020B0503020000020004" pitchFamily="50" charset="-127"/>
                 <a:cs typeface="Pretendard SemiBold" pitchFamily="34" charset="0"/>
               </a:rPr>
               <a:t>실행화면</a:t>
@@ -11841,12 +12013,16 @@
                 <a:solidFill>
                   <a:srgbClr val="595959"/>
                 </a:solidFill>
-                <a:latin typeface="Pretendard" pitchFamily="34" charset="0"/>
+                <a:latin typeface="맑은 고딕" panose="020B0503020000020004" pitchFamily="50" charset="-127"/>
+                <a:ea typeface="맑은 고딕" panose="020B0503020000020004" pitchFamily="50" charset="-127"/>
                 <a:cs typeface="Pretendard SemiBold" pitchFamily="34" charset="0"/>
               </a:rPr>
               <a:t>(Update Movie)</a:t>
             </a:r>
-            <a:endParaRPr lang="en-US" dirty="0"/>
+            <a:endParaRPr lang="en-US" dirty="0">
+              <a:latin typeface="맑은 고딕" panose="020B0503020000020004" pitchFamily="50" charset="-127"/>
+              <a:ea typeface="맑은 고딕" panose="020B0503020000020004" pitchFamily="50" charset="-127"/>
+            </a:endParaRPr>
           </a:p>
         </p:txBody>
       </p:sp>
@@ -11891,14 +12067,1431 @@
       </p:grpSp>
       <p:sp>
         <p:nvSpPr>
-          <p:cNvPr id="4" name="모서리가 둥근 직사각형 3"/>
+          <p:cNvPr id="9" name="Object 37"/>
+          <p:cNvSpPr txBox="1"/>
+          <p:nvPr/>
+        </p:nvSpPr>
+        <p:spPr>
+          <a:xfrm>
+            <a:off x="1180483" y="7585880"/>
+            <a:ext cx="15754163" cy="1200329"/>
+          </a:xfrm>
+          <a:prstGeom prst="rect">
+            <a:avLst/>
+          </a:prstGeom>
+          <a:noFill/>
+        </p:spPr>
+        <p:txBody>
+          <a:bodyPr wrap="square" rtlCol="0" anchor="ctr">
+            <a:spAutoFit/>
+          </a:bodyPr>
+          <a:lstStyle/>
+          <a:p>
+            <a:pPr marL="285750" indent="-285750" algn="just">
+              <a:buFont typeface="Wingdings" panose="05000000000000000000" pitchFamily="2" charset="2"/>
+              <a:buChar char="§"/>
+            </a:pPr>
+            <a:r>
+              <a:rPr lang="en-US" altLang="ko-KR" dirty="0" smtClean="0">
+                <a:solidFill>
+                  <a:schemeClr val="bg1">
+                    <a:lumMod val="50000"/>
+                  </a:schemeClr>
+                </a:solidFill>
+                <a:latin typeface="맑은 고딕" panose="020B0503020000020004" pitchFamily="50" charset="-127"/>
+                <a:ea typeface="맑은 고딕" panose="020B0503020000020004" pitchFamily="50" charset="-127"/>
+              </a:rPr>
+              <a:t>Repository</a:t>
+            </a:r>
+            <a:r>
+              <a:rPr lang="ko-KR" altLang="en-US" dirty="0" smtClean="0">
+                <a:solidFill>
+                  <a:schemeClr val="bg1">
+                    <a:lumMod val="50000"/>
+                  </a:schemeClr>
+                </a:solidFill>
+                <a:latin typeface="맑은 고딕" panose="020B0503020000020004" pitchFamily="50" charset="-127"/>
+                <a:ea typeface="맑은 고딕" panose="020B0503020000020004" pitchFamily="50" charset="-127"/>
+              </a:rPr>
+              <a:t>클래스에 </a:t>
+            </a:r>
+            <a:r>
+              <a:rPr lang="en-US" altLang="ko-KR" dirty="0" err="1" smtClean="0">
+                <a:solidFill>
+                  <a:schemeClr val="bg1">
+                    <a:lumMod val="50000"/>
+                  </a:schemeClr>
+                </a:solidFill>
+                <a:latin typeface="맑은 고딕" panose="020B0503020000020004" pitchFamily="50" charset="-127"/>
+                <a:ea typeface="맑은 고딕" panose="020B0503020000020004" pitchFamily="50" charset="-127"/>
+              </a:rPr>
+              <a:t>updateMovie</a:t>
+            </a:r>
+            <a:r>
+              <a:rPr lang="en-US" altLang="ko-KR" dirty="0" smtClean="0">
+                <a:solidFill>
+                  <a:schemeClr val="bg1">
+                    <a:lumMod val="50000"/>
+                  </a:schemeClr>
+                </a:solidFill>
+                <a:latin typeface="맑은 고딕" panose="020B0503020000020004" pitchFamily="50" charset="-127"/>
+                <a:ea typeface="맑은 고딕" panose="020B0503020000020004" pitchFamily="50" charset="-127"/>
+              </a:rPr>
+              <a:t>() </a:t>
+            </a:r>
+            <a:r>
+              <a:rPr lang="ko-KR" altLang="en-US" dirty="0" smtClean="0">
+                <a:solidFill>
+                  <a:schemeClr val="bg1">
+                    <a:lumMod val="50000"/>
+                  </a:schemeClr>
+                </a:solidFill>
+                <a:latin typeface="맑은 고딕" panose="020B0503020000020004" pitchFamily="50" charset="-127"/>
+                <a:ea typeface="맑은 고딕" panose="020B0503020000020004" pitchFamily="50" charset="-127"/>
+              </a:rPr>
+              <a:t>함수 생성</a:t>
+            </a:r>
+            <a:endParaRPr lang="en-US" altLang="ko-KR" dirty="0" smtClean="0">
+              <a:solidFill>
+                <a:schemeClr val="bg1">
+                  <a:lumMod val="50000"/>
+                </a:schemeClr>
+              </a:solidFill>
+              <a:latin typeface="맑은 고딕" panose="020B0503020000020004" pitchFamily="50" charset="-127"/>
+              <a:ea typeface="맑은 고딕" panose="020B0503020000020004" pitchFamily="50" charset="-127"/>
+            </a:endParaRPr>
+          </a:p>
+          <a:p>
+            <a:pPr marL="396000" indent="-284400" algn="just">
+              <a:buFont typeface="맑은 고딕" panose="020B0503020000020004" pitchFamily="50" charset="-127"/>
+              <a:buChar char="-"/>
+            </a:pPr>
+            <a:r>
+              <a:rPr lang="en-US" altLang="ko-KR" dirty="0" smtClean="0">
+                <a:solidFill>
+                  <a:schemeClr val="bg1">
+                    <a:lumMod val="50000"/>
+                  </a:schemeClr>
+                </a:solidFill>
+                <a:latin typeface="맑은 고딕" panose="020B0503020000020004" pitchFamily="50" charset="-127"/>
+                <a:ea typeface="맑은 고딕" panose="020B0503020000020004" pitchFamily="50" charset="-127"/>
+              </a:rPr>
+              <a:t>View</a:t>
+            </a:r>
+            <a:r>
+              <a:rPr lang="ko-KR" altLang="en-US" dirty="0" smtClean="0">
+                <a:solidFill>
+                  <a:schemeClr val="bg1">
+                    <a:lumMod val="50000"/>
+                  </a:schemeClr>
+                </a:solidFill>
+                <a:latin typeface="맑은 고딕" panose="020B0503020000020004" pitchFamily="50" charset="-127"/>
+                <a:ea typeface="맑은 고딕" panose="020B0503020000020004" pitchFamily="50" charset="-127"/>
+              </a:rPr>
+              <a:t>클래스에서 사용자가 입력한 정보를 받아서 번호가 일치하는지 확인</a:t>
+            </a:r>
+            <a:endParaRPr lang="en-US" altLang="ko-KR" dirty="0" smtClean="0">
+              <a:solidFill>
+                <a:schemeClr val="bg1">
+                  <a:lumMod val="50000"/>
+                </a:schemeClr>
+              </a:solidFill>
+              <a:latin typeface="맑은 고딕" panose="020B0503020000020004" pitchFamily="50" charset="-127"/>
+              <a:ea typeface="맑은 고딕" panose="020B0503020000020004" pitchFamily="50" charset="-127"/>
+            </a:endParaRPr>
+          </a:p>
+          <a:p>
+            <a:pPr marL="396000" indent="-284400" algn="just">
+              <a:buFont typeface="맑은 고딕" panose="020B0503020000020004" pitchFamily="50" charset="-127"/>
+              <a:buChar char="-"/>
+            </a:pPr>
+            <a:r>
+              <a:rPr lang="ko-KR" altLang="en-US" dirty="0" smtClean="0">
+                <a:solidFill>
+                  <a:schemeClr val="bg1">
+                    <a:lumMod val="50000"/>
+                  </a:schemeClr>
+                </a:solidFill>
+                <a:latin typeface="맑은 고딕" panose="020B0503020000020004" pitchFamily="50" charset="-127"/>
+                <a:ea typeface="맑은 고딕" panose="020B0503020000020004" pitchFamily="50" charset="-127"/>
+              </a:rPr>
+              <a:t>번호가 일치할 경우 </a:t>
+            </a:r>
+            <a:r>
+              <a:rPr lang="en-US" altLang="ko-KR" dirty="0" err="1">
+                <a:solidFill>
+                  <a:schemeClr val="bg1">
+                    <a:lumMod val="50000"/>
+                  </a:schemeClr>
+                </a:solidFill>
+                <a:latin typeface="맑은 고딕" panose="020B0503020000020004" pitchFamily="50" charset="-127"/>
+                <a:ea typeface="맑은 고딕" panose="020B0503020000020004" pitchFamily="50" charset="-127"/>
+              </a:rPr>
+              <a:t>movieName</a:t>
+            </a:r>
+            <a:r>
+              <a:rPr lang="en-US" altLang="ko-KR" dirty="0">
+                <a:solidFill>
+                  <a:schemeClr val="bg1">
+                    <a:lumMod val="50000"/>
+                  </a:schemeClr>
+                </a:solidFill>
+                <a:latin typeface="맑은 고딕" panose="020B0503020000020004" pitchFamily="50" charset="-127"/>
+                <a:ea typeface="맑은 고딕" panose="020B0503020000020004" pitchFamily="50" charset="-127"/>
+              </a:rPr>
+              <a:t>, genre, rating, </a:t>
+            </a:r>
+            <a:r>
+              <a:rPr lang="en-US" altLang="ko-KR" dirty="0" smtClean="0">
+                <a:solidFill>
+                  <a:schemeClr val="bg1">
+                    <a:lumMod val="50000"/>
+                  </a:schemeClr>
+                </a:solidFill>
+                <a:latin typeface="맑은 고딕" panose="020B0503020000020004" pitchFamily="50" charset="-127"/>
+                <a:ea typeface="맑은 고딕" panose="020B0503020000020004" pitchFamily="50" charset="-127"/>
+              </a:rPr>
+              <a:t>review</a:t>
+            </a:r>
+            <a:r>
+              <a:rPr lang="ko-KR" altLang="en-US" dirty="0" smtClean="0">
+                <a:solidFill>
+                  <a:schemeClr val="bg1">
+                    <a:lumMod val="50000"/>
+                  </a:schemeClr>
+                </a:solidFill>
+                <a:latin typeface="맑은 고딕" panose="020B0503020000020004" pitchFamily="50" charset="-127"/>
+                <a:ea typeface="맑은 고딕" panose="020B0503020000020004" pitchFamily="50" charset="-127"/>
+              </a:rPr>
+              <a:t>를 </a:t>
+            </a:r>
+            <a:r>
+              <a:rPr lang="en-US" altLang="ko-KR" dirty="0" smtClean="0">
+                <a:solidFill>
+                  <a:schemeClr val="bg1">
+                    <a:lumMod val="50000"/>
+                  </a:schemeClr>
+                </a:solidFill>
+                <a:latin typeface="맑은 고딕" panose="020B0503020000020004" pitchFamily="50" charset="-127"/>
+                <a:ea typeface="맑은 고딕" panose="020B0503020000020004" pitchFamily="50" charset="-127"/>
+              </a:rPr>
+              <a:t>set</a:t>
+            </a:r>
+            <a:r>
+              <a:rPr lang="en-US" altLang="ko-KR" dirty="0" smtClean="0">
+                <a:solidFill>
+                  <a:schemeClr val="bg1">
+                    <a:lumMod val="50000"/>
+                  </a:schemeClr>
+                </a:solidFill>
+                <a:latin typeface="맑은 고딕" panose="020B0503020000020004" pitchFamily="50" charset="-127"/>
+                <a:ea typeface="맑은 고딕" panose="020B0503020000020004" pitchFamily="50" charset="-127"/>
+              </a:rPr>
+              <a:t>()</a:t>
+            </a:r>
+            <a:r>
+              <a:rPr lang="ko-KR" altLang="en-US" dirty="0" smtClean="0">
+                <a:solidFill>
+                  <a:schemeClr val="bg1">
+                    <a:lumMod val="50000"/>
+                  </a:schemeClr>
+                </a:solidFill>
+                <a:latin typeface="맑은 고딕" panose="020B0503020000020004" pitchFamily="50" charset="-127"/>
+                <a:ea typeface="맑은 고딕" panose="020B0503020000020004" pitchFamily="50" charset="-127"/>
+              </a:rPr>
+              <a:t>을 활용하여</a:t>
+            </a:r>
+            <a:r>
+              <a:rPr lang="ko-KR" altLang="en-US" dirty="0" smtClean="0">
+                <a:solidFill>
+                  <a:schemeClr val="bg1">
+                    <a:lumMod val="50000"/>
+                  </a:schemeClr>
+                </a:solidFill>
+                <a:latin typeface="맑은 고딕" panose="020B0503020000020004" pitchFamily="50" charset="-127"/>
+                <a:ea typeface="맑은 고딕" panose="020B0503020000020004" pitchFamily="50" charset="-127"/>
+              </a:rPr>
+              <a:t> 업데이트</a:t>
+            </a:r>
+            <a:endParaRPr lang="en-US" altLang="ko-KR" dirty="0" smtClean="0">
+              <a:solidFill>
+                <a:schemeClr val="bg1">
+                  <a:lumMod val="50000"/>
+                </a:schemeClr>
+              </a:solidFill>
+              <a:latin typeface="맑은 고딕" panose="020B0503020000020004" pitchFamily="50" charset="-127"/>
+              <a:ea typeface="맑은 고딕" panose="020B0503020000020004" pitchFamily="50" charset="-127"/>
+            </a:endParaRPr>
+          </a:p>
+          <a:p>
+            <a:pPr marL="396000" indent="-284400" algn="just">
+              <a:buFont typeface="맑은 고딕" panose="020B0503020000020004" pitchFamily="50" charset="-127"/>
+              <a:buChar char="-"/>
+            </a:pPr>
+            <a:r>
+              <a:rPr lang="ko-KR" altLang="en-US" dirty="0" smtClean="0">
+                <a:solidFill>
+                  <a:schemeClr val="bg1">
+                    <a:lumMod val="50000"/>
+                  </a:schemeClr>
+                </a:solidFill>
+                <a:latin typeface="맑은 고딕" panose="020B0503020000020004" pitchFamily="50" charset="-127"/>
+                <a:ea typeface="맑은 고딕" panose="020B0503020000020004" pitchFamily="50" charset="-127"/>
+              </a:rPr>
+              <a:t>업데이트한 정보를 </a:t>
+            </a:r>
+            <a:r>
+              <a:rPr lang="en-US" altLang="ko-KR" dirty="0" err="1" smtClean="0">
+                <a:solidFill>
+                  <a:schemeClr val="bg1">
+                    <a:lumMod val="50000"/>
+                  </a:schemeClr>
+                </a:solidFill>
+                <a:latin typeface="맑은 고딕" panose="020B0503020000020004" pitchFamily="50" charset="-127"/>
+                <a:ea typeface="맑은 고딕" panose="020B0503020000020004" pitchFamily="50" charset="-127"/>
+              </a:rPr>
+              <a:t>saveData</a:t>
+            </a:r>
+            <a:r>
+              <a:rPr lang="en-US" altLang="ko-KR" dirty="0" smtClean="0">
+                <a:solidFill>
+                  <a:schemeClr val="bg1">
+                    <a:lumMod val="50000"/>
+                  </a:schemeClr>
+                </a:solidFill>
+                <a:latin typeface="맑은 고딕" panose="020B0503020000020004" pitchFamily="50" charset="-127"/>
+                <a:ea typeface="맑은 고딕" panose="020B0503020000020004" pitchFamily="50" charset="-127"/>
+              </a:rPr>
+              <a:t>() </a:t>
+            </a:r>
+            <a:r>
+              <a:rPr lang="ko-KR" altLang="en-US" dirty="0" smtClean="0">
+                <a:solidFill>
+                  <a:schemeClr val="bg1">
+                    <a:lumMod val="50000"/>
+                  </a:schemeClr>
+                </a:solidFill>
+                <a:latin typeface="맑은 고딕" panose="020B0503020000020004" pitchFamily="50" charset="-127"/>
+                <a:ea typeface="맑은 고딕" panose="020B0503020000020004" pitchFamily="50" charset="-127"/>
+              </a:rPr>
+              <a:t>함수로 </a:t>
+            </a:r>
+            <a:r>
+              <a:rPr lang="ko-KR" altLang="en-US" dirty="0" smtClean="0">
+                <a:solidFill>
+                  <a:schemeClr val="bg1">
+                    <a:lumMod val="50000"/>
+                  </a:schemeClr>
+                </a:solidFill>
+                <a:latin typeface="맑은 고딕" panose="020B0503020000020004" pitchFamily="50" charset="-127"/>
+                <a:ea typeface="맑은 고딕" panose="020B0503020000020004" pitchFamily="50" charset="-127"/>
+              </a:rPr>
+              <a:t>저장</a:t>
+            </a:r>
+            <a:endParaRPr lang="en-US" altLang="ko-KR" dirty="0" smtClean="0">
+              <a:solidFill>
+                <a:schemeClr val="bg1">
+                  <a:lumMod val="50000"/>
+                </a:schemeClr>
+              </a:solidFill>
+              <a:latin typeface="맑은 고딕" panose="020B0503020000020004" pitchFamily="50" charset="-127"/>
+              <a:ea typeface="맑은 고딕" panose="020B0503020000020004" pitchFamily="50" charset="-127"/>
+            </a:endParaRPr>
+          </a:p>
+        </p:txBody>
+      </p:sp>
+      <p:sp>
+        <p:nvSpPr>
+          <p:cNvPr id="6" name="직사각형 5"/>
           <p:cNvSpPr/>
           <p:nvPr/>
         </p:nvSpPr>
         <p:spPr>
           <a:xfrm>
-            <a:off x="1173331" y="7475894"/>
-            <a:ext cx="16047869" cy="2338129"/>
+            <a:off x="1341954" y="1623040"/>
+            <a:ext cx="15879244" cy="5632311"/>
+          </a:xfrm>
+          <a:prstGeom prst="rect">
+            <a:avLst/>
+          </a:prstGeom>
+        </p:spPr>
+        <p:txBody>
+          <a:bodyPr wrap="square">
+            <a:spAutoFit/>
+          </a:bodyPr>
+          <a:lstStyle/>
+          <a:p>
+            <a:r>
+              <a:rPr lang="en-US" altLang="ko-KR" b="1" dirty="0">
+                <a:solidFill>
+                  <a:srgbClr val="7F0055"/>
+                </a:solidFill>
+                <a:latin typeface="Consolas" panose="020B0609020204030204" pitchFamily="49" charset="0"/>
+              </a:rPr>
+              <a:t>public</a:t>
+            </a:r>
+            <a:r>
+              <a:rPr lang="en-US" altLang="ko-KR" dirty="0">
+                <a:solidFill>
+                  <a:srgbClr val="000000"/>
+                </a:solidFill>
+                <a:latin typeface="Consolas" panose="020B0609020204030204" pitchFamily="49" charset="0"/>
+              </a:rPr>
+              <a:t> </a:t>
+            </a:r>
+            <a:r>
+              <a:rPr lang="en-US" altLang="ko-KR" b="1" dirty="0">
+                <a:solidFill>
+                  <a:srgbClr val="7F0055"/>
+                </a:solidFill>
+                <a:latin typeface="Consolas" panose="020B0609020204030204" pitchFamily="49" charset="0"/>
+              </a:rPr>
+              <a:t>class</a:t>
+            </a:r>
+            <a:r>
+              <a:rPr lang="en-US" altLang="ko-KR" dirty="0">
+                <a:solidFill>
+                  <a:srgbClr val="000000"/>
+                </a:solidFill>
+                <a:latin typeface="Consolas" panose="020B0609020204030204" pitchFamily="49" charset="0"/>
+              </a:rPr>
+              <a:t> </a:t>
+            </a:r>
+            <a:r>
+              <a:rPr lang="en-US" altLang="ko-KR" dirty="0" err="1">
+                <a:solidFill>
+                  <a:srgbClr val="000000"/>
+                </a:solidFill>
+                <a:latin typeface="Consolas" panose="020B0609020204030204" pitchFamily="49" charset="0"/>
+              </a:rPr>
+              <a:t>MovieRepository</a:t>
+            </a:r>
+            <a:r>
+              <a:rPr lang="en-US" altLang="ko-KR" dirty="0">
+                <a:solidFill>
+                  <a:srgbClr val="000000"/>
+                </a:solidFill>
+                <a:latin typeface="Consolas" panose="020B0609020204030204" pitchFamily="49" charset="0"/>
+              </a:rPr>
+              <a:t> </a:t>
+            </a:r>
+            <a:r>
+              <a:rPr lang="en-US" altLang="ko-KR" b="1" dirty="0">
+                <a:solidFill>
+                  <a:srgbClr val="7F0055"/>
+                </a:solidFill>
+                <a:latin typeface="Consolas" panose="020B0609020204030204" pitchFamily="49" charset="0"/>
+              </a:rPr>
+              <a:t>implements</a:t>
+            </a:r>
+            <a:r>
+              <a:rPr lang="en-US" altLang="ko-KR" dirty="0">
+                <a:solidFill>
+                  <a:srgbClr val="000000"/>
+                </a:solidFill>
+                <a:latin typeface="Consolas" panose="020B0609020204030204" pitchFamily="49" charset="0"/>
+              </a:rPr>
+              <a:t> </a:t>
+            </a:r>
+            <a:r>
+              <a:rPr lang="en-US" altLang="ko-KR" dirty="0" err="1">
+                <a:solidFill>
+                  <a:srgbClr val="000000"/>
+                </a:solidFill>
+                <a:latin typeface="Consolas" panose="020B0609020204030204" pitchFamily="49" charset="0"/>
+              </a:rPr>
+              <a:t>MovieService</a:t>
+            </a:r>
+            <a:r>
+              <a:rPr lang="en-US" altLang="ko-KR" dirty="0">
+                <a:solidFill>
+                  <a:srgbClr val="000000"/>
+                </a:solidFill>
+                <a:latin typeface="Consolas" panose="020B0609020204030204" pitchFamily="49" charset="0"/>
+              </a:rPr>
+              <a:t>{</a:t>
+            </a:r>
+            <a:endParaRPr lang="en-US" altLang="ko-KR" dirty="0" smtClean="0">
+              <a:solidFill>
+                <a:srgbClr val="646464"/>
+              </a:solidFill>
+              <a:latin typeface="Consolas" panose="020B0609020204030204" pitchFamily="49" charset="0"/>
+            </a:endParaRPr>
+          </a:p>
+          <a:p>
+            <a:r>
+              <a:rPr lang="en-US" altLang="ko-KR" dirty="0" smtClean="0">
+                <a:solidFill>
+                  <a:srgbClr val="646464"/>
+                </a:solidFill>
+                <a:latin typeface="Consolas" panose="020B0609020204030204" pitchFamily="49" charset="0"/>
+              </a:rPr>
+              <a:t>@</a:t>
+            </a:r>
+            <a:r>
+              <a:rPr lang="en-US" altLang="ko-KR" dirty="0">
+                <a:solidFill>
+                  <a:srgbClr val="646464"/>
+                </a:solidFill>
+                <a:latin typeface="Consolas" panose="020B0609020204030204" pitchFamily="49" charset="0"/>
+              </a:rPr>
+              <a:t>Override</a:t>
+            </a:r>
+            <a:endParaRPr lang="en-US" altLang="ko-KR" dirty="0">
+              <a:solidFill>
+                <a:srgbClr val="000000"/>
+              </a:solidFill>
+              <a:latin typeface="Consolas" panose="020B0609020204030204" pitchFamily="49" charset="0"/>
+            </a:endParaRPr>
+          </a:p>
+          <a:p>
+            <a:r>
+              <a:rPr lang="en-US" altLang="ko-KR" b="1" dirty="0">
+                <a:solidFill>
+                  <a:srgbClr val="7F0055"/>
+                </a:solidFill>
+                <a:latin typeface="Consolas" panose="020B0609020204030204" pitchFamily="49" charset="0"/>
+              </a:rPr>
+              <a:t>public</a:t>
+            </a:r>
+            <a:r>
+              <a:rPr lang="en-US" altLang="ko-KR" dirty="0">
+                <a:solidFill>
+                  <a:srgbClr val="000000"/>
+                </a:solidFill>
+                <a:latin typeface="Consolas" panose="020B0609020204030204" pitchFamily="49" charset="0"/>
+              </a:rPr>
+              <a:t> </a:t>
+            </a:r>
+            <a:r>
+              <a:rPr lang="en-US" altLang="ko-KR" b="1" dirty="0">
+                <a:solidFill>
+                  <a:srgbClr val="7F0055"/>
+                </a:solidFill>
+                <a:latin typeface="Consolas" panose="020B0609020204030204" pitchFamily="49" charset="0"/>
+              </a:rPr>
+              <a:t>void</a:t>
+            </a:r>
+            <a:r>
+              <a:rPr lang="en-US" altLang="ko-KR" dirty="0">
+                <a:solidFill>
+                  <a:srgbClr val="000000"/>
+                </a:solidFill>
+                <a:latin typeface="Consolas" panose="020B0609020204030204" pitchFamily="49" charset="0"/>
+              </a:rPr>
+              <a:t> </a:t>
+            </a:r>
+            <a:r>
+              <a:rPr lang="en-US" altLang="ko-KR" dirty="0" err="1">
+                <a:solidFill>
+                  <a:srgbClr val="000000"/>
+                </a:solidFill>
+                <a:latin typeface="Consolas" panose="020B0609020204030204" pitchFamily="49" charset="0"/>
+              </a:rPr>
+              <a:t>updateMovie</a:t>
+            </a:r>
+            <a:r>
+              <a:rPr lang="en-US" altLang="ko-KR" dirty="0">
+                <a:solidFill>
+                  <a:srgbClr val="000000"/>
+                </a:solidFill>
+                <a:latin typeface="Consolas" panose="020B0609020204030204" pitchFamily="49" charset="0"/>
+              </a:rPr>
+              <a:t>(</a:t>
+            </a:r>
+            <a:r>
+              <a:rPr lang="en-US" altLang="ko-KR" b="1" dirty="0" err="1">
+                <a:solidFill>
+                  <a:srgbClr val="7F0055"/>
+                </a:solidFill>
+                <a:latin typeface="Consolas" panose="020B0609020204030204" pitchFamily="49" charset="0"/>
+              </a:rPr>
+              <a:t>int</a:t>
+            </a:r>
+            <a:r>
+              <a:rPr lang="en-US" altLang="ko-KR" dirty="0">
+                <a:solidFill>
+                  <a:srgbClr val="000000"/>
+                </a:solidFill>
+                <a:latin typeface="Consolas" panose="020B0609020204030204" pitchFamily="49" charset="0"/>
+              </a:rPr>
+              <a:t> </a:t>
+            </a:r>
+            <a:r>
+              <a:rPr lang="en-US" altLang="ko-KR" dirty="0" err="1">
+                <a:solidFill>
+                  <a:srgbClr val="6A3E3E"/>
+                </a:solidFill>
+                <a:latin typeface="Consolas" panose="020B0609020204030204" pitchFamily="49" charset="0"/>
+              </a:rPr>
+              <a:t>movieNumber</a:t>
+            </a:r>
+            <a:r>
+              <a:rPr lang="en-US" altLang="ko-KR" dirty="0">
+                <a:solidFill>
+                  <a:srgbClr val="000000"/>
+                </a:solidFill>
+                <a:latin typeface="Consolas" panose="020B0609020204030204" pitchFamily="49" charset="0"/>
+              </a:rPr>
+              <a:t>, String </a:t>
+            </a:r>
+            <a:r>
+              <a:rPr lang="en-US" altLang="ko-KR" dirty="0" err="1">
+                <a:solidFill>
+                  <a:srgbClr val="6A3E3E"/>
+                </a:solidFill>
+                <a:latin typeface="Consolas" panose="020B0609020204030204" pitchFamily="49" charset="0"/>
+              </a:rPr>
+              <a:t>movieName</a:t>
+            </a:r>
+            <a:r>
+              <a:rPr lang="en-US" altLang="ko-KR" dirty="0">
+                <a:solidFill>
+                  <a:srgbClr val="000000"/>
+                </a:solidFill>
+                <a:latin typeface="Consolas" panose="020B0609020204030204" pitchFamily="49" charset="0"/>
+              </a:rPr>
+              <a:t>, String </a:t>
+            </a:r>
+            <a:r>
+              <a:rPr lang="en-US" altLang="ko-KR" dirty="0">
+                <a:solidFill>
+                  <a:srgbClr val="6A3E3E"/>
+                </a:solidFill>
+                <a:latin typeface="Consolas" panose="020B0609020204030204" pitchFamily="49" charset="0"/>
+              </a:rPr>
+              <a:t>genre</a:t>
+            </a:r>
+            <a:r>
+              <a:rPr lang="en-US" altLang="ko-KR" dirty="0">
+                <a:solidFill>
+                  <a:srgbClr val="000000"/>
+                </a:solidFill>
+                <a:latin typeface="Consolas" panose="020B0609020204030204" pitchFamily="49" charset="0"/>
+              </a:rPr>
+              <a:t>, </a:t>
+            </a:r>
+            <a:r>
+              <a:rPr lang="en-US" altLang="ko-KR" b="1" dirty="0" err="1">
+                <a:solidFill>
+                  <a:srgbClr val="7F0055"/>
+                </a:solidFill>
+                <a:latin typeface="Consolas" panose="020B0609020204030204" pitchFamily="49" charset="0"/>
+              </a:rPr>
+              <a:t>int</a:t>
+            </a:r>
+            <a:r>
+              <a:rPr lang="en-US" altLang="ko-KR" dirty="0">
+                <a:solidFill>
+                  <a:srgbClr val="000000"/>
+                </a:solidFill>
+                <a:latin typeface="Consolas" panose="020B0609020204030204" pitchFamily="49" charset="0"/>
+              </a:rPr>
+              <a:t> </a:t>
+            </a:r>
+            <a:r>
+              <a:rPr lang="en-US" altLang="ko-KR" dirty="0">
+                <a:solidFill>
+                  <a:srgbClr val="6A3E3E"/>
+                </a:solidFill>
+                <a:latin typeface="Consolas" panose="020B0609020204030204" pitchFamily="49" charset="0"/>
+              </a:rPr>
+              <a:t>rating</a:t>
+            </a:r>
+            <a:r>
+              <a:rPr lang="en-US" altLang="ko-KR" dirty="0">
+                <a:solidFill>
+                  <a:srgbClr val="000000"/>
+                </a:solidFill>
+                <a:latin typeface="Consolas" panose="020B0609020204030204" pitchFamily="49" charset="0"/>
+              </a:rPr>
+              <a:t>, String </a:t>
+            </a:r>
+            <a:r>
+              <a:rPr lang="en-US" altLang="ko-KR" dirty="0">
+                <a:solidFill>
+                  <a:srgbClr val="6A3E3E"/>
+                </a:solidFill>
+                <a:latin typeface="Consolas" panose="020B0609020204030204" pitchFamily="49" charset="0"/>
+              </a:rPr>
+              <a:t>review</a:t>
+            </a:r>
+            <a:r>
+              <a:rPr lang="en-US" altLang="ko-KR" dirty="0">
+                <a:solidFill>
+                  <a:srgbClr val="000000"/>
+                </a:solidFill>
+                <a:latin typeface="Consolas" panose="020B0609020204030204" pitchFamily="49" charset="0"/>
+              </a:rPr>
+              <a:t>) {</a:t>
+            </a:r>
+          </a:p>
+          <a:p>
+            <a:r>
+              <a:rPr lang="en-US" altLang="ko-KR" dirty="0" err="1">
+                <a:solidFill>
+                  <a:srgbClr val="000000"/>
+                </a:solidFill>
+                <a:latin typeface="Consolas" panose="020B0609020204030204" pitchFamily="49" charset="0"/>
+              </a:rPr>
+              <a:t>MovieDto</a:t>
+            </a:r>
+            <a:r>
+              <a:rPr lang="en-US" altLang="ko-KR" dirty="0">
+                <a:solidFill>
+                  <a:srgbClr val="000000"/>
+                </a:solidFill>
+                <a:latin typeface="Consolas" panose="020B0609020204030204" pitchFamily="49" charset="0"/>
+              </a:rPr>
+              <a:t> </a:t>
+            </a:r>
+            <a:r>
+              <a:rPr lang="en-US" altLang="ko-KR" dirty="0" err="1">
+                <a:solidFill>
+                  <a:srgbClr val="6A3E3E"/>
+                </a:solidFill>
+                <a:latin typeface="Consolas" panose="020B0609020204030204" pitchFamily="49" charset="0"/>
+              </a:rPr>
+              <a:t>movieUpdate</a:t>
+            </a:r>
+            <a:r>
+              <a:rPr lang="en-US" altLang="ko-KR" dirty="0">
+                <a:solidFill>
+                  <a:srgbClr val="000000"/>
+                </a:solidFill>
+                <a:latin typeface="Consolas" panose="020B0609020204030204" pitchFamily="49" charset="0"/>
+              </a:rPr>
+              <a:t> = </a:t>
+            </a:r>
+            <a:r>
+              <a:rPr lang="en-US" altLang="ko-KR" b="1" dirty="0">
+                <a:solidFill>
+                  <a:srgbClr val="7F0055"/>
+                </a:solidFill>
+                <a:latin typeface="Consolas" panose="020B0609020204030204" pitchFamily="49" charset="0"/>
+              </a:rPr>
+              <a:t>null</a:t>
+            </a:r>
+            <a:r>
+              <a:rPr lang="en-US" altLang="ko-KR" dirty="0">
+                <a:solidFill>
+                  <a:srgbClr val="000000"/>
+                </a:solidFill>
+                <a:latin typeface="Consolas" panose="020B0609020204030204" pitchFamily="49" charset="0"/>
+              </a:rPr>
+              <a:t>;</a:t>
+            </a:r>
+          </a:p>
+          <a:p>
+            <a:r>
+              <a:rPr lang="en-US" altLang="ko-KR" b="1" dirty="0">
+                <a:solidFill>
+                  <a:srgbClr val="7F0055"/>
+                </a:solidFill>
+                <a:latin typeface="Consolas" panose="020B0609020204030204" pitchFamily="49" charset="0"/>
+              </a:rPr>
+              <a:t>for</a:t>
+            </a:r>
+            <a:r>
+              <a:rPr lang="en-US" altLang="ko-KR" dirty="0">
+                <a:solidFill>
+                  <a:srgbClr val="000000"/>
+                </a:solidFill>
+                <a:latin typeface="Consolas" panose="020B0609020204030204" pitchFamily="49" charset="0"/>
+              </a:rPr>
+              <a:t>(</a:t>
+            </a:r>
+            <a:r>
+              <a:rPr lang="en-US" altLang="ko-KR" dirty="0" err="1">
+                <a:solidFill>
+                  <a:srgbClr val="000000"/>
+                </a:solidFill>
+                <a:latin typeface="Consolas" panose="020B0609020204030204" pitchFamily="49" charset="0"/>
+              </a:rPr>
+              <a:t>MovieDto</a:t>
+            </a:r>
+            <a:r>
+              <a:rPr lang="en-US" altLang="ko-KR" dirty="0">
+                <a:solidFill>
+                  <a:srgbClr val="000000"/>
+                </a:solidFill>
+                <a:latin typeface="Consolas" panose="020B0609020204030204" pitchFamily="49" charset="0"/>
+              </a:rPr>
+              <a:t> </a:t>
+            </a:r>
+            <a:r>
+              <a:rPr lang="en-US" altLang="ko-KR" dirty="0">
+                <a:solidFill>
+                  <a:srgbClr val="6A3E3E"/>
+                </a:solidFill>
+                <a:latin typeface="Consolas" panose="020B0609020204030204" pitchFamily="49" charset="0"/>
+              </a:rPr>
+              <a:t>movie</a:t>
+            </a:r>
+            <a:r>
+              <a:rPr lang="en-US" altLang="ko-KR" dirty="0">
+                <a:solidFill>
+                  <a:srgbClr val="000000"/>
+                </a:solidFill>
+                <a:latin typeface="Consolas" panose="020B0609020204030204" pitchFamily="49" charset="0"/>
+              </a:rPr>
+              <a:t> : </a:t>
+            </a:r>
+            <a:r>
+              <a:rPr lang="en-US" altLang="ko-KR" dirty="0" err="1">
+                <a:solidFill>
+                  <a:srgbClr val="0000C0"/>
+                </a:solidFill>
+                <a:latin typeface="Consolas" panose="020B0609020204030204" pitchFamily="49" charset="0"/>
+              </a:rPr>
+              <a:t>movieDtos</a:t>
+            </a:r>
+            <a:r>
+              <a:rPr lang="en-US" altLang="ko-KR" dirty="0">
+                <a:solidFill>
+                  <a:srgbClr val="000000"/>
+                </a:solidFill>
+                <a:latin typeface="Consolas" panose="020B0609020204030204" pitchFamily="49" charset="0"/>
+              </a:rPr>
+              <a:t>) {</a:t>
+            </a:r>
+          </a:p>
+          <a:p>
+            <a:r>
+              <a:rPr lang="en-US" altLang="ko-KR" b="1" dirty="0">
+                <a:solidFill>
+                  <a:srgbClr val="7F0055"/>
+                </a:solidFill>
+                <a:latin typeface="Consolas" panose="020B0609020204030204" pitchFamily="49" charset="0"/>
+              </a:rPr>
+              <a:t>if</a:t>
+            </a:r>
+            <a:r>
+              <a:rPr lang="en-US" altLang="ko-KR" dirty="0">
+                <a:solidFill>
+                  <a:srgbClr val="000000"/>
+                </a:solidFill>
+                <a:latin typeface="Consolas" panose="020B0609020204030204" pitchFamily="49" charset="0"/>
+              </a:rPr>
+              <a:t>(</a:t>
+            </a:r>
+            <a:r>
+              <a:rPr lang="en-US" altLang="ko-KR" dirty="0" err="1">
+                <a:solidFill>
+                  <a:srgbClr val="6A3E3E"/>
+                </a:solidFill>
+                <a:latin typeface="Consolas" panose="020B0609020204030204" pitchFamily="49" charset="0"/>
+              </a:rPr>
+              <a:t>movie</a:t>
+            </a:r>
+            <a:r>
+              <a:rPr lang="en-US" altLang="ko-KR" dirty="0" err="1">
+                <a:solidFill>
+                  <a:srgbClr val="000000"/>
+                </a:solidFill>
+                <a:latin typeface="Consolas" panose="020B0609020204030204" pitchFamily="49" charset="0"/>
+              </a:rPr>
+              <a:t>.getMovieNumber</a:t>
+            </a:r>
+            <a:r>
+              <a:rPr lang="en-US" altLang="ko-KR" dirty="0">
+                <a:solidFill>
+                  <a:srgbClr val="000000"/>
+                </a:solidFill>
+                <a:latin typeface="Consolas" panose="020B0609020204030204" pitchFamily="49" charset="0"/>
+              </a:rPr>
+              <a:t>()== </a:t>
+            </a:r>
+            <a:r>
+              <a:rPr lang="en-US" altLang="ko-KR" dirty="0" err="1">
+                <a:solidFill>
+                  <a:srgbClr val="6A3E3E"/>
+                </a:solidFill>
+                <a:latin typeface="Consolas" panose="020B0609020204030204" pitchFamily="49" charset="0"/>
+              </a:rPr>
+              <a:t>movieNumber</a:t>
+            </a:r>
+            <a:r>
+              <a:rPr lang="en-US" altLang="ko-KR" dirty="0">
+                <a:solidFill>
+                  <a:srgbClr val="000000"/>
+                </a:solidFill>
+                <a:latin typeface="Consolas" panose="020B0609020204030204" pitchFamily="49" charset="0"/>
+              </a:rPr>
+              <a:t>) {</a:t>
+            </a:r>
+          </a:p>
+          <a:p>
+            <a:r>
+              <a:rPr lang="en-US" altLang="ko-KR" dirty="0" err="1">
+                <a:solidFill>
+                  <a:srgbClr val="6A3E3E"/>
+                </a:solidFill>
+                <a:latin typeface="Consolas" panose="020B0609020204030204" pitchFamily="49" charset="0"/>
+              </a:rPr>
+              <a:t>movieUpdate</a:t>
+            </a:r>
+            <a:r>
+              <a:rPr lang="en-US" altLang="ko-KR" dirty="0">
+                <a:solidFill>
+                  <a:srgbClr val="000000"/>
+                </a:solidFill>
+                <a:latin typeface="Consolas" panose="020B0609020204030204" pitchFamily="49" charset="0"/>
+              </a:rPr>
+              <a:t> = </a:t>
+            </a:r>
+            <a:r>
+              <a:rPr lang="en-US" altLang="ko-KR" dirty="0">
+                <a:solidFill>
+                  <a:srgbClr val="6A3E3E"/>
+                </a:solidFill>
+                <a:latin typeface="Consolas" panose="020B0609020204030204" pitchFamily="49" charset="0"/>
+              </a:rPr>
+              <a:t>movie</a:t>
+            </a:r>
+            <a:r>
+              <a:rPr lang="en-US" altLang="ko-KR" dirty="0">
+                <a:solidFill>
+                  <a:srgbClr val="000000"/>
+                </a:solidFill>
+                <a:latin typeface="Consolas" panose="020B0609020204030204" pitchFamily="49" charset="0"/>
+              </a:rPr>
+              <a:t>;</a:t>
+            </a:r>
+          </a:p>
+          <a:p>
+            <a:r>
+              <a:rPr lang="en-US" altLang="ko-KR" b="1" dirty="0">
+                <a:solidFill>
+                  <a:srgbClr val="7F0055"/>
+                </a:solidFill>
+                <a:latin typeface="Consolas" panose="020B0609020204030204" pitchFamily="49" charset="0"/>
+              </a:rPr>
+              <a:t>break</a:t>
+            </a:r>
+            <a:r>
+              <a:rPr lang="en-US" altLang="ko-KR" dirty="0">
+                <a:solidFill>
+                  <a:srgbClr val="000000"/>
+                </a:solidFill>
+                <a:latin typeface="Consolas" panose="020B0609020204030204" pitchFamily="49" charset="0"/>
+              </a:rPr>
+              <a:t>;</a:t>
+            </a:r>
+          </a:p>
+          <a:p>
+            <a:r>
+              <a:rPr lang="en-US" altLang="ko-KR" dirty="0">
+                <a:solidFill>
+                  <a:srgbClr val="000000"/>
+                </a:solidFill>
+                <a:latin typeface="Consolas" panose="020B0609020204030204" pitchFamily="49" charset="0"/>
+              </a:rPr>
+              <a:t>}</a:t>
+            </a:r>
+          </a:p>
+          <a:p>
+            <a:r>
+              <a:rPr lang="en-US" altLang="ko-KR" dirty="0">
+                <a:solidFill>
+                  <a:srgbClr val="000000"/>
+                </a:solidFill>
+                <a:latin typeface="Consolas" panose="020B0609020204030204" pitchFamily="49" charset="0"/>
+              </a:rPr>
+              <a:t>}</a:t>
+            </a:r>
+          </a:p>
+          <a:p>
+            <a:r>
+              <a:rPr lang="en-US" altLang="ko-KR" b="1" dirty="0">
+                <a:solidFill>
+                  <a:srgbClr val="7F0055"/>
+                </a:solidFill>
+                <a:latin typeface="Consolas" panose="020B0609020204030204" pitchFamily="49" charset="0"/>
+              </a:rPr>
+              <a:t>if</a:t>
+            </a:r>
+            <a:r>
+              <a:rPr lang="en-US" altLang="ko-KR" dirty="0">
+                <a:solidFill>
+                  <a:srgbClr val="000000"/>
+                </a:solidFill>
+                <a:latin typeface="Consolas" panose="020B0609020204030204" pitchFamily="49" charset="0"/>
+              </a:rPr>
+              <a:t> (</a:t>
+            </a:r>
+            <a:r>
+              <a:rPr lang="en-US" altLang="ko-KR" dirty="0" err="1">
+                <a:solidFill>
+                  <a:srgbClr val="6A3E3E"/>
+                </a:solidFill>
+                <a:latin typeface="Consolas" panose="020B0609020204030204" pitchFamily="49" charset="0"/>
+              </a:rPr>
+              <a:t>movieUpdate</a:t>
+            </a:r>
+            <a:r>
+              <a:rPr lang="en-US" altLang="ko-KR" dirty="0">
+                <a:solidFill>
+                  <a:srgbClr val="000000"/>
+                </a:solidFill>
+                <a:latin typeface="Consolas" panose="020B0609020204030204" pitchFamily="49" charset="0"/>
+              </a:rPr>
+              <a:t> != </a:t>
+            </a:r>
+            <a:r>
+              <a:rPr lang="en-US" altLang="ko-KR" b="1" dirty="0">
+                <a:solidFill>
+                  <a:srgbClr val="7F0055"/>
+                </a:solidFill>
+                <a:latin typeface="Consolas" panose="020B0609020204030204" pitchFamily="49" charset="0"/>
+              </a:rPr>
+              <a:t>null</a:t>
+            </a:r>
+            <a:r>
+              <a:rPr lang="en-US" altLang="ko-KR" dirty="0">
+                <a:solidFill>
+                  <a:srgbClr val="000000"/>
+                </a:solidFill>
+                <a:latin typeface="Consolas" panose="020B0609020204030204" pitchFamily="49" charset="0"/>
+              </a:rPr>
+              <a:t>) {</a:t>
+            </a:r>
+          </a:p>
+          <a:p>
+            <a:r>
+              <a:rPr lang="en-US" altLang="ko-KR" dirty="0" err="1">
+                <a:solidFill>
+                  <a:srgbClr val="6A3E3E"/>
+                </a:solidFill>
+                <a:latin typeface="Consolas" panose="020B0609020204030204" pitchFamily="49" charset="0"/>
+              </a:rPr>
+              <a:t>movieUpdate</a:t>
+            </a:r>
+            <a:r>
+              <a:rPr lang="en-US" altLang="ko-KR" dirty="0" err="1">
+                <a:solidFill>
+                  <a:srgbClr val="000000"/>
+                </a:solidFill>
+                <a:latin typeface="Consolas" panose="020B0609020204030204" pitchFamily="49" charset="0"/>
+              </a:rPr>
+              <a:t>.setMovieName</a:t>
+            </a:r>
+            <a:r>
+              <a:rPr lang="en-US" altLang="ko-KR" dirty="0">
+                <a:solidFill>
+                  <a:srgbClr val="000000"/>
+                </a:solidFill>
+                <a:latin typeface="Consolas" panose="020B0609020204030204" pitchFamily="49" charset="0"/>
+              </a:rPr>
+              <a:t>(</a:t>
+            </a:r>
+            <a:r>
+              <a:rPr lang="en-US" altLang="ko-KR" dirty="0" err="1">
+                <a:solidFill>
+                  <a:srgbClr val="6A3E3E"/>
+                </a:solidFill>
+                <a:latin typeface="Consolas" panose="020B0609020204030204" pitchFamily="49" charset="0"/>
+              </a:rPr>
+              <a:t>movieName</a:t>
+            </a:r>
+            <a:r>
+              <a:rPr lang="en-US" altLang="ko-KR" dirty="0">
+                <a:solidFill>
+                  <a:srgbClr val="000000"/>
+                </a:solidFill>
+                <a:latin typeface="Consolas" panose="020B0609020204030204" pitchFamily="49" charset="0"/>
+              </a:rPr>
+              <a:t>);</a:t>
+            </a:r>
+          </a:p>
+          <a:p>
+            <a:r>
+              <a:rPr lang="en-US" altLang="ko-KR" dirty="0" err="1">
+                <a:solidFill>
+                  <a:srgbClr val="6A3E3E"/>
+                </a:solidFill>
+                <a:latin typeface="Consolas" panose="020B0609020204030204" pitchFamily="49" charset="0"/>
+              </a:rPr>
+              <a:t>movieUpdate</a:t>
+            </a:r>
+            <a:r>
+              <a:rPr lang="en-US" altLang="ko-KR" dirty="0" err="1">
+                <a:solidFill>
+                  <a:srgbClr val="000000"/>
+                </a:solidFill>
+                <a:latin typeface="Consolas" panose="020B0609020204030204" pitchFamily="49" charset="0"/>
+              </a:rPr>
+              <a:t>.setGenre</a:t>
+            </a:r>
+            <a:r>
+              <a:rPr lang="en-US" altLang="ko-KR" dirty="0">
+                <a:solidFill>
+                  <a:srgbClr val="000000"/>
+                </a:solidFill>
+                <a:latin typeface="Consolas" panose="020B0609020204030204" pitchFamily="49" charset="0"/>
+              </a:rPr>
+              <a:t>(</a:t>
+            </a:r>
+            <a:r>
+              <a:rPr lang="en-US" altLang="ko-KR" dirty="0">
+                <a:solidFill>
+                  <a:srgbClr val="6A3E3E"/>
+                </a:solidFill>
+                <a:latin typeface="Consolas" panose="020B0609020204030204" pitchFamily="49" charset="0"/>
+              </a:rPr>
+              <a:t>genre</a:t>
+            </a:r>
+            <a:r>
+              <a:rPr lang="en-US" altLang="ko-KR" dirty="0">
+                <a:solidFill>
+                  <a:srgbClr val="000000"/>
+                </a:solidFill>
+                <a:latin typeface="Consolas" panose="020B0609020204030204" pitchFamily="49" charset="0"/>
+              </a:rPr>
+              <a:t>);</a:t>
+            </a:r>
+          </a:p>
+          <a:p>
+            <a:r>
+              <a:rPr lang="en-US" altLang="ko-KR" dirty="0" err="1">
+                <a:solidFill>
+                  <a:srgbClr val="6A3E3E"/>
+                </a:solidFill>
+                <a:latin typeface="Consolas" panose="020B0609020204030204" pitchFamily="49" charset="0"/>
+              </a:rPr>
+              <a:t>movieUpdate</a:t>
+            </a:r>
+            <a:r>
+              <a:rPr lang="en-US" altLang="ko-KR" dirty="0" err="1">
+                <a:solidFill>
+                  <a:srgbClr val="000000"/>
+                </a:solidFill>
+                <a:latin typeface="Consolas" panose="020B0609020204030204" pitchFamily="49" charset="0"/>
+              </a:rPr>
+              <a:t>.setRating</a:t>
+            </a:r>
+            <a:r>
+              <a:rPr lang="en-US" altLang="ko-KR" dirty="0">
+                <a:solidFill>
+                  <a:srgbClr val="000000"/>
+                </a:solidFill>
+                <a:latin typeface="Consolas" panose="020B0609020204030204" pitchFamily="49" charset="0"/>
+              </a:rPr>
+              <a:t>(</a:t>
+            </a:r>
+            <a:r>
+              <a:rPr lang="en-US" altLang="ko-KR" dirty="0">
+                <a:solidFill>
+                  <a:srgbClr val="6A3E3E"/>
+                </a:solidFill>
+                <a:latin typeface="Consolas" panose="020B0609020204030204" pitchFamily="49" charset="0"/>
+              </a:rPr>
+              <a:t>rating</a:t>
+            </a:r>
+            <a:r>
+              <a:rPr lang="en-US" altLang="ko-KR" dirty="0">
+                <a:solidFill>
+                  <a:srgbClr val="000000"/>
+                </a:solidFill>
+                <a:latin typeface="Consolas" panose="020B0609020204030204" pitchFamily="49" charset="0"/>
+              </a:rPr>
+              <a:t>);</a:t>
+            </a:r>
+          </a:p>
+          <a:p>
+            <a:r>
+              <a:rPr lang="en-US" altLang="ko-KR" dirty="0" err="1">
+                <a:solidFill>
+                  <a:srgbClr val="6A3E3E"/>
+                </a:solidFill>
+                <a:latin typeface="Consolas" panose="020B0609020204030204" pitchFamily="49" charset="0"/>
+              </a:rPr>
+              <a:t>movieUpdate</a:t>
+            </a:r>
+            <a:r>
+              <a:rPr lang="en-US" altLang="ko-KR" dirty="0" err="1">
+                <a:solidFill>
+                  <a:srgbClr val="000000"/>
+                </a:solidFill>
+                <a:latin typeface="Consolas" panose="020B0609020204030204" pitchFamily="49" charset="0"/>
+              </a:rPr>
+              <a:t>.setReview</a:t>
+            </a:r>
+            <a:r>
+              <a:rPr lang="en-US" altLang="ko-KR" dirty="0">
+                <a:solidFill>
+                  <a:srgbClr val="000000"/>
+                </a:solidFill>
+                <a:latin typeface="Consolas" panose="020B0609020204030204" pitchFamily="49" charset="0"/>
+              </a:rPr>
+              <a:t>(</a:t>
+            </a:r>
+            <a:r>
+              <a:rPr lang="en-US" altLang="ko-KR" dirty="0">
+                <a:solidFill>
+                  <a:srgbClr val="6A3E3E"/>
+                </a:solidFill>
+                <a:latin typeface="Consolas" panose="020B0609020204030204" pitchFamily="49" charset="0"/>
+              </a:rPr>
+              <a:t>review</a:t>
+            </a:r>
+            <a:r>
+              <a:rPr lang="en-US" altLang="ko-KR" dirty="0">
+                <a:solidFill>
+                  <a:srgbClr val="000000"/>
+                </a:solidFill>
+                <a:latin typeface="Consolas" panose="020B0609020204030204" pitchFamily="49" charset="0"/>
+              </a:rPr>
+              <a:t>);</a:t>
+            </a:r>
+          </a:p>
+          <a:p>
+            <a:r>
+              <a:rPr lang="en-US" altLang="ko-KR" dirty="0" err="1">
+                <a:solidFill>
+                  <a:srgbClr val="000000"/>
+                </a:solidFill>
+                <a:latin typeface="Consolas" panose="020B0609020204030204" pitchFamily="49" charset="0"/>
+              </a:rPr>
+              <a:t>saveData</a:t>
+            </a:r>
+            <a:r>
+              <a:rPr lang="en-US" altLang="ko-KR" dirty="0">
+                <a:solidFill>
+                  <a:srgbClr val="000000"/>
+                </a:solidFill>
+                <a:latin typeface="Consolas" panose="020B0609020204030204" pitchFamily="49" charset="0"/>
+              </a:rPr>
+              <a:t>();</a:t>
+            </a:r>
+          </a:p>
+          <a:p>
+            <a:r>
+              <a:rPr lang="en-US" altLang="ko-KR" dirty="0" err="1">
+                <a:solidFill>
+                  <a:srgbClr val="000000"/>
+                </a:solidFill>
+                <a:latin typeface="Consolas" panose="020B0609020204030204" pitchFamily="49" charset="0"/>
+              </a:rPr>
+              <a:t>System.</a:t>
+            </a:r>
+            <a:r>
+              <a:rPr lang="en-US" altLang="ko-KR" b="1" i="1" dirty="0" err="1">
+                <a:solidFill>
+                  <a:srgbClr val="0000C0"/>
+                </a:solidFill>
+                <a:latin typeface="Consolas" panose="020B0609020204030204" pitchFamily="49" charset="0"/>
+              </a:rPr>
+              <a:t>out</a:t>
+            </a:r>
+            <a:r>
+              <a:rPr lang="en-US" altLang="ko-KR" dirty="0" err="1">
+                <a:solidFill>
+                  <a:srgbClr val="000000"/>
+                </a:solidFill>
+                <a:latin typeface="Consolas" panose="020B0609020204030204" pitchFamily="49" charset="0"/>
+              </a:rPr>
+              <a:t>.println</a:t>
+            </a:r>
+            <a:r>
+              <a:rPr lang="en-US" altLang="ko-KR" dirty="0">
+                <a:solidFill>
+                  <a:srgbClr val="000000"/>
+                </a:solidFill>
+                <a:latin typeface="Consolas" panose="020B0609020204030204" pitchFamily="49" charset="0"/>
+              </a:rPr>
+              <a:t>(</a:t>
+            </a:r>
+            <a:r>
+              <a:rPr lang="en-US" altLang="ko-KR" dirty="0">
+                <a:solidFill>
+                  <a:srgbClr val="2A00FF"/>
+                </a:solidFill>
+                <a:latin typeface="Consolas" panose="020B0609020204030204" pitchFamily="49" charset="0"/>
+              </a:rPr>
+              <a:t>"</a:t>
+            </a:r>
+            <a:r>
+              <a:rPr lang="ko-KR" altLang="en-US" dirty="0" err="1">
+                <a:solidFill>
+                  <a:srgbClr val="2A00FF"/>
+                </a:solidFill>
+                <a:latin typeface="Consolas" panose="020B0609020204030204" pitchFamily="49" charset="0"/>
+              </a:rPr>
+              <a:t>영화리뷰가</a:t>
+            </a:r>
+            <a:r>
+              <a:rPr lang="ko-KR" altLang="en-US" dirty="0">
+                <a:solidFill>
+                  <a:srgbClr val="2A00FF"/>
+                </a:solidFill>
+                <a:latin typeface="Consolas" panose="020B0609020204030204" pitchFamily="49" charset="0"/>
+              </a:rPr>
+              <a:t> 성공적으로 업데이트되었습니다</a:t>
+            </a:r>
+            <a:r>
+              <a:rPr lang="en-US" altLang="ko-KR" dirty="0">
+                <a:solidFill>
+                  <a:srgbClr val="2A00FF"/>
+                </a:solidFill>
+                <a:latin typeface="Consolas" panose="020B0609020204030204" pitchFamily="49" charset="0"/>
+              </a:rPr>
+              <a:t>."</a:t>
+            </a:r>
+            <a:r>
+              <a:rPr lang="en-US" altLang="ko-KR" dirty="0">
+                <a:solidFill>
+                  <a:srgbClr val="000000"/>
+                </a:solidFill>
+                <a:latin typeface="Consolas" panose="020B0609020204030204" pitchFamily="49" charset="0"/>
+              </a:rPr>
+              <a:t>);</a:t>
+            </a:r>
+          </a:p>
+          <a:p>
+            <a:r>
+              <a:rPr lang="en-US" altLang="ko-KR" dirty="0">
+                <a:solidFill>
+                  <a:srgbClr val="000000"/>
+                </a:solidFill>
+                <a:latin typeface="Consolas" panose="020B0609020204030204" pitchFamily="49" charset="0"/>
+              </a:rPr>
+              <a:t>}</a:t>
+            </a:r>
+            <a:r>
+              <a:rPr lang="en-US" altLang="ko-KR" b="1" dirty="0">
+                <a:solidFill>
+                  <a:srgbClr val="7F0055"/>
+                </a:solidFill>
+                <a:latin typeface="Consolas" panose="020B0609020204030204" pitchFamily="49" charset="0"/>
+              </a:rPr>
+              <a:t>else</a:t>
+            </a:r>
+            <a:r>
+              <a:rPr lang="en-US" altLang="ko-KR" dirty="0">
+                <a:solidFill>
+                  <a:srgbClr val="000000"/>
+                </a:solidFill>
+                <a:latin typeface="Consolas" panose="020B0609020204030204" pitchFamily="49" charset="0"/>
+              </a:rPr>
+              <a:t> {</a:t>
+            </a:r>
+          </a:p>
+          <a:p>
+            <a:r>
+              <a:rPr lang="en-US" altLang="ko-KR" dirty="0" err="1">
+                <a:solidFill>
+                  <a:srgbClr val="000000"/>
+                </a:solidFill>
+                <a:latin typeface="Consolas" panose="020B0609020204030204" pitchFamily="49" charset="0"/>
+              </a:rPr>
+              <a:t>System.</a:t>
+            </a:r>
+            <a:r>
+              <a:rPr lang="en-US" altLang="ko-KR" b="1" i="1" dirty="0" err="1">
+                <a:solidFill>
+                  <a:srgbClr val="0000C0"/>
+                </a:solidFill>
+                <a:latin typeface="Consolas" panose="020B0609020204030204" pitchFamily="49" charset="0"/>
+              </a:rPr>
+              <a:t>out</a:t>
+            </a:r>
+            <a:r>
+              <a:rPr lang="en-US" altLang="ko-KR" dirty="0" err="1">
+                <a:solidFill>
+                  <a:srgbClr val="000000"/>
+                </a:solidFill>
+                <a:latin typeface="Consolas" panose="020B0609020204030204" pitchFamily="49" charset="0"/>
+              </a:rPr>
+              <a:t>.println</a:t>
+            </a:r>
+            <a:r>
+              <a:rPr lang="en-US" altLang="ko-KR" dirty="0">
+                <a:solidFill>
+                  <a:srgbClr val="000000"/>
+                </a:solidFill>
+                <a:latin typeface="Consolas" panose="020B0609020204030204" pitchFamily="49" charset="0"/>
+              </a:rPr>
+              <a:t>(</a:t>
+            </a:r>
+            <a:r>
+              <a:rPr lang="en-US" altLang="ko-KR" dirty="0">
+                <a:solidFill>
+                  <a:srgbClr val="2A00FF"/>
+                </a:solidFill>
+                <a:latin typeface="Consolas" panose="020B0609020204030204" pitchFamily="49" charset="0"/>
+              </a:rPr>
+              <a:t>"</a:t>
+            </a:r>
+            <a:r>
+              <a:rPr lang="ko-KR" altLang="en-US" dirty="0">
+                <a:solidFill>
+                  <a:srgbClr val="2A00FF"/>
+                </a:solidFill>
+                <a:latin typeface="Consolas" panose="020B0609020204030204" pitchFamily="49" charset="0"/>
+              </a:rPr>
+              <a:t>해당 번호의 </a:t>
+            </a:r>
+            <a:r>
+              <a:rPr lang="ko-KR" altLang="en-US" dirty="0" err="1">
+                <a:solidFill>
+                  <a:srgbClr val="2A00FF"/>
+                </a:solidFill>
+                <a:latin typeface="Consolas" panose="020B0609020204030204" pitchFamily="49" charset="0"/>
+              </a:rPr>
+              <a:t>영화리뷰를</a:t>
+            </a:r>
+            <a:r>
+              <a:rPr lang="ko-KR" altLang="en-US" dirty="0">
+                <a:solidFill>
+                  <a:srgbClr val="2A00FF"/>
+                </a:solidFill>
+                <a:latin typeface="Consolas" panose="020B0609020204030204" pitchFamily="49" charset="0"/>
+              </a:rPr>
+              <a:t> 찾을 수 없습니다</a:t>
+            </a:r>
+            <a:r>
+              <a:rPr lang="en-US" altLang="ko-KR" dirty="0">
+                <a:solidFill>
+                  <a:srgbClr val="2A00FF"/>
+                </a:solidFill>
+                <a:latin typeface="Consolas" panose="020B0609020204030204" pitchFamily="49" charset="0"/>
+              </a:rPr>
+              <a:t>."</a:t>
+            </a:r>
+            <a:r>
+              <a:rPr lang="en-US" altLang="ko-KR" dirty="0">
+                <a:solidFill>
+                  <a:srgbClr val="000000"/>
+                </a:solidFill>
+                <a:latin typeface="Consolas" panose="020B0609020204030204" pitchFamily="49" charset="0"/>
+              </a:rPr>
+              <a:t>);</a:t>
+            </a:r>
+          </a:p>
+          <a:p>
+            <a:r>
+              <a:rPr lang="en-US" altLang="ko-KR" dirty="0">
+                <a:solidFill>
+                  <a:srgbClr val="000000"/>
+                </a:solidFill>
+                <a:latin typeface="Consolas" panose="020B0609020204030204" pitchFamily="49" charset="0"/>
+              </a:rPr>
+              <a:t>}</a:t>
+            </a:r>
+          </a:p>
+        </p:txBody>
+      </p:sp>
+      <p:sp>
+        <p:nvSpPr>
+          <p:cNvPr id="10" name="모서리가 둥근 직사각형 9"/>
+          <p:cNvSpPr/>
+          <p:nvPr/>
+        </p:nvSpPr>
+        <p:spPr>
+          <a:xfrm>
+            <a:off x="1173331" y="7581900"/>
+            <a:ext cx="16047869" cy="1644005"/>
           </a:xfrm>
           <a:prstGeom prst="roundRect">
             <a:avLst>
@@ -11937,1387 +13530,6 @@
           </a:p>
         </p:txBody>
       </p:sp>
-      <p:sp>
-        <p:nvSpPr>
-          <p:cNvPr id="9" name="Object 37"/>
-          <p:cNvSpPr txBox="1"/>
-          <p:nvPr/>
-        </p:nvSpPr>
-        <p:spPr>
-          <a:xfrm>
-            <a:off x="1320183" y="8059698"/>
-            <a:ext cx="15754163" cy="1200329"/>
-          </a:xfrm>
-          <a:prstGeom prst="rect">
-            <a:avLst/>
-          </a:prstGeom>
-          <a:noFill/>
-        </p:spPr>
-        <p:txBody>
-          <a:bodyPr wrap="square" rtlCol="0" anchor="ctr">
-            <a:spAutoFit/>
-          </a:bodyPr>
-          <a:lstStyle/>
-          <a:p>
-            <a:pPr marL="285750" indent="-285750" algn="just">
-              <a:buFont typeface="Wingdings" panose="05000000000000000000" pitchFamily="2" charset="2"/>
-              <a:buChar char="§"/>
-            </a:pPr>
-            <a:r>
-              <a:rPr lang="en-US" altLang="ko-KR" dirty="0" smtClean="0">
-                <a:solidFill>
-                  <a:schemeClr val="bg1">
-                    <a:lumMod val="50000"/>
-                  </a:schemeClr>
-                </a:solidFill>
-                <a:latin typeface="맑은 고딕" panose="020B0503020000020004" pitchFamily="50" charset="-127"/>
-                <a:ea typeface="맑은 고딕" panose="020B0503020000020004" pitchFamily="50" charset="-127"/>
-              </a:rPr>
-              <a:t>Repository</a:t>
-            </a:r>
-            <a:r>
-              <a:rPr lang="ko-KR" altLang="en-US" dirty="0" smtClean="0">
-                <a:solidFill>
-                  <a:schemeClr val="bg1">
-                    <a:lumMod val="50000"/>
-                  </a:schemeClr>
-                </a:solidFill>
-                <a:latin typeface="맑은 고딕" panose="020B0503020000020004" pitchFamily="50" charset="-127"/>
-                <a:ea typeface="맑은 고딕" panose="020B0503020000020004" pitchFamily="50" charset="-127"/>
-              </a:rPr>
-              <a:t>클래스에 </a:t>
-            </a:r>
-            <a:r>
-              <a:rPr lang="en-US" altLang="ko-KR" dirty="0" err="1" smtClean="0">
-                <a:solidFill>
-                  <a:schemeClr val="bg1">
-                    <a:lumMod val="50000"/>
-                  </a:schemeClr>
-                </a:solidFill>
-                <a:latin typeface="맑은 고딕" panose="020B0503020000020004" pitchFamily="50" charset="-127"/>
-                <a:ea typeface="맑은 고딕" panose="020B0503020000020004" pitchFamily="50" charset="-127"/>
-              </a:rPr>
-              <a:t>updateMovie</a:t>
-            </a:r>
-            <a:r>
-              <a:rPr lang="en-US" altLang="ko-KR" dirty="0" smtClean="0">
-                <a:solidFill>
-                  <a:schemeClr val="bg1">
-                    <a:lumMod val="50000"/>
-                  </a:schemeClr>
-                </a:solidFill>
-                <a:latin typeface="맑은 고딕" panose="020B0503020000020004" pitchFamily="50" charset="-127"/>
-                <a:ea typeface="맑은 고딕" panose="020B0503020000020004" pitchFamily="50" charset="-127"/>
-              </a:rPr>
-              <a:t>() </a:t>
-            </a:r>
-            <a:r>
-              <a:rPr lang="ko-KR" altLang="en-US" dirty="0" smtClean="0">
-                <a:solidFill>
-                  <a:schemeClr val="bg1">
-                    <a:lumMod val="50000"/>
-                  </a:schemeClr>
-                </a:solidFill>
-                <a:latin typeface="맑은 고딕" panose="020B0503020000020004" pitchFamily="50" charset="-127"/>
-                <a:ea typeface="맑은 고딕" panose="020B0503020000020004" pitchFamily="50" charset="-127"/>
-              </a:rPr>
-              <a:t>함수 생성</a:t>
-            </a:r>
-            <a:endParaRPr lang="en-US" altLang="ko-KR" dirty="0" smtClean="0">
-              <a:solidFill>
-                <a:schemeClr val="bg1">
-                  <a:lumMod val="50000"/>
-                </a:schemeClr>
-              </a:solidFill>
-              <a:latin typeface="맑은 고딕" panose="020B0503020000020004" pitchFamily="50" charset="-127"/>
-              <a:ea typeface="맑은 고딕" panose="020B0503020000020004" pitchFamily="50" charset="-127"/>
-            </a:endParaRPr>
-          </a:p>
-          <a:p>
-            <a:pPr marL="342900" indent="-342900" algn="just">
-              <a:buFont typeface="맑은 고딕" panose="020B0503020000020004" pitchFamily="50" charset="-127"/>
-              <a:buChar char="-"/>
-            </a:pPr>
-            <a:r>
-              <a:rPr lang="en-US" altLang="ko-KR" dirty="0" smtClean="0">
-                <a:solidFill>
-                  <a:schemeClr val="bg1">
-                    <a:lumMod val="50000"/>
-                  </a:schemeClr>
-                </a:solidFill>
-                <a:latin typeface="맑은 고딕" panose="020B0503020000020004" pitchFamily="50" charset="-127"/>
-                <a:ea typeface="맑은 고딕" panose="020B0503020000020004" pitchFamily="50" charset="-127"/>
-              </a:rPr>
-              <a:t>View</a:t>
-            </a:r>
-            <a:r>
-              <a:rPr lang="ko-KR" altLang="en-US" dirty="0" smtClean="0">
-                <a:solidFill>
-                  <a:schemeClr val="bg1">
-                    <a:lumMod val="50000"/>
-                  </a:schemeClr>
-                </a:solidFill>
-                <a:latin typeface="맑은 고딕" panose="020B0503020000020004" pitchFamily="50" charset="-127"/>
-                <a:ea typeface="맑은 고딕" panose="020B0503020000020004" pitchFamily="50" charset="-127"/>
-              </a:rPr>
-              <a:t>클래스에서 사용자가 입력한 정보를 받아서 번호가 일치하는지 확인</a:t>
-            </a:r>
-            <a:endParaRPr lang="en-US" altLang="ko-KR" dirty="0" smtClean="0">
-              <a:solidFill>
-                <a:schemeClr val="bg1">
-                  <a:lumMod val="50000"/>
-                </a:schemeClr>
-              </a:solidFill>
-              <a:latin typeface="맑은 고딕" panose="020B0503020000020004" pitchFamily="50" charset="-127"/>
-              <a:ea typeface="맑은 고딕" panose="020B0503020000020004" pitchFamily="50" charset="-127"/>
-            </a:endParaRPr>
-          </a:p>
-          <a:p>
-            <a:pPr marL="342900" indent="-342900" algn="just">
-              <a:buFont typeface="맑은 고딕" panose="020B0503020000020004" pitchFamily="50" charset="-127"/>
-              <a:buChar char="-"/>
-            </a:pPr>
-            <a:r>
-              <a:rPr lang="ko-KR" altLang="en-US" dirty="0" smtClean="0">
-                <a:solidFill>
-                  <a:schemeClr val="bg1">
-                    <a:lumMod val="50000"/>
-                  </a:schemeClr>
-                </a:solidFill>
-                <a:latin typeface="맑은 고딕" panose="020B0503020000020004" pitchFamily="50" charset="-127"/>
-                <a:ea typeface="맑은 고딕" panose="020B0503020000020004" pitchFamily="50" charset="-127"/>
-              </a:rPr>
-              <a:t>번호가 일치할 경우 </a:t>
-            </a:r>
-            <a:r>
-              <a:rPr lang="en-US" altLang="ko-KR" dirty="0" err="1">
-                <a:solidFill>
-                  <a:schemeClr val="bg1">
-                    <a:lumMod val="50000"/>
-                  </a:schemeClr>
-                </a:solidFill>
-                <a:latin typeface="맑은 고딕" panose="020B0503020000020004" pitchFamily="50" charset="-127"/>
-                <a:ea typeface="맑은 고딕" panose="020B0503020000020004" pitchFamily="50" charset="-127"/>
-              </a:rPr>
-              <a:t>movieName</a:t>
-            </a:r>
-            <a:r>
-              <a:rPr lang="en-US" altLang="ko-KR" dirty="0">
-                <a:solidFill>
-                  <a:schemeClr val="bg1">
-                    <a:lumMod val="50000"/>
-                  </a:schemeClr>
-                </a:solidFill>
-                <a:latin typeface="맑은 고딕" panose="020B0503020000020004" pitchFamily="50" charset="-127"/>
-                <a:ea typeface="맑은 고딕" panose="020B0503020000020004" pitchFamily="50" charset="-127"/>
-              </a:rPr>
-              <a:t>, genre, rating, </a:t>
-            </a:r>
-            <a:r>
-              <a:rPr lang="en-US" altLang="ko-KR" dirty="0" err="1" smtClean="0">
-                <a:solidFill>
-                  <a:schemeClr val="bg1">
-                    <a:lumMod val="50000"/>
-                  </a:schemeClr>
-                </a:solidFill>
-                <a:latin typeface="맑은 고딕" panose="020B0503020000020004" pitchFamily="50" charset="-127"/>
-                <a:ea typeface="맑은 고딕" panose="020B0503020000020004" pitchFamily="50" charset="-127"/>
-              </a:rPr>
-              <a:t>revie</a:t>
-            </a:r>
-            <a:r>
-              <a:rPr lang="ko-KR" altLang="en-US" dirty="0" smtClean="0">
-                <a:solidFill>
-                  <a:schemeClr val="bg1">
-                    <a:lumMod val="50000"/>
-                  </a:schemeClr>
-                </a:solidFill>
-                <a:latin typeface="맑은 고딕" panose="020B0503020000020004" pitchFamily="50" charset="-127"/>
-                <a:ea typeface="맑은 고딕" panose="020B0503020000020004" pitchFamily="50" charset="-127"/>
-              </a:rPr>
-              <a:t>를 </a:t>
-            </a:r>
-            <a:r>
-              <a:rPr lang="en-US" altLang="ko-KR" dirty="0" smtClean="0">
-                <a:solidFill>
-                  <a:schemeClr val="bg1">
-                    <a:lumMod val="50000"/>
-                  </a:schemeClr>
-                </a:solidFill>
-                <a:latin typeface="맑은 고딕" panose="020B0503020000020004" pitchFamily="50" charset="-127"/>
-                <a:ea typeface="맑은 고딕" panose="020B0503020000020004" pitchFamily="50" charset="-127"/>
-              </a:rPr>
-              <a:t>set</a:t>
-            </a:r>
-            <a:r>
-              <a:rPr lang="ko-KR" altLang="en-US" dirty="0" smtClean="0">
-                <a:solidFill>
-                  <a:schemeClr val="bg1">
-                    <a:lumMod val="50000"/>
-                  </a:schemeClr>
-                </a:solidFill>
-                <a:latin typeface="맑은 고딕" panose="020B0503020000020004" pitchFamily="50" charset="-127"/>
-                <a:ea typeface="맑은 고딕" panose="020B0503020000020004" pitchFamily="50" charset="-127"/>
-              </a:rPr>
-              <a:t>을 통해서 업데이트하기</a:t>
-            </a:r>
-            <a:endParaRPr lang="en-US" altLang="ko-KR" dirty="0" smtClean="0">
-              <a:solidFill>
-                <a:schemeClr val="bg1">
-                  <a:lumMod val="50000"/>
-                </a:schemeClr>
-              </a:solidFill>
-              <a:latin typeface="맑은 고딕" panose="020B0503020000020004" pitchFamily="50" charset="-127"/>
-              <a:ea typeface="맑은 고딕" panose="020B0503020000020004" pitchFamily="50" charset="-127"/>
-            </a:endParaRPr>
-          </a:p>
-          <a:p>
-            <a:pPr marL="342900" indent="-342900" algn="just">
-              <a:buFont typeface="맑은 고딕" panose="020B0503020000020004" pitchFamily="50" charset="-127"/>
-              <a:buChar char="-"/>
-            </a:pPr>
-            <a:r>
-              <a:rPr lang="ko-KR" altLang="en-US" dirty="0" smtClean="0">
-                <a:solidFill>
-                  <a:schemeClr val="bg1">
-                    <a:lumMod val="50000"/>
-                  </a:schemeClr>
-                </a:solidFill>
-                <a:latin typeface="맑은 고딕" panose="020B0503020000020004" pitchFamily="50" charset="-127"/>
-                <a:ea typeface="맑은 고딕" panose="020B0503020000020004" pitchFamily="50" charset="-127"/>
-              </a:rPr>
-              <a:t>업데이트한 정보를 </a:t>
-            </a:r>
-            <a:r>
-              <a:rPr lang="en-US" altLang="ko-KR" dirty="0" err="1" smtClean="0">
-                <a:solidFill>
-                  <a:schemeClr val="bg1">
-                    <a:lumMod val="50000"/>
-                  </a:schemeClr>
-                </a:solidFill>
-                <a:latin typeface="맑은 고딕" panose="020B0503020000020004" pitchFamily="50" charset="-127"/>
-                <a:ea typeface="맑은 고딕" panose="020B0503020000020004" pitchFamily="50" charset="-127"/>
-              </a:rPr>
-              <a:t>saveData</a:t>
-            </a:r>
-            <a:r>
-              <a:rPr lang="en-US" altLang="ko-KR" dirty="0" smtClean="0">
-                <a:solidFill>
-                  <a:schemeClr val="bg1">
-                    <a:lumMod val="50000"/>
-                  </a:schemeClr>
-                </a:solidFill>
-                <a:latin typeface="맑은 고딕" panose="020B0503020000020004" pitchFamily="50" charset="-127"/>
-                <a:ea typeface="맑은 고딕" panose="020B0503020000020004" pitchFamily="50" charset="-127"/>
-              </a:rPr>
-              <a:t>() </a:t>
-            </a:r>
-            <a:r>
-              <a:rPr lang="ko-KR" altLang="en-US" dirty="0" smtClean="0">
-                <a:solidFill>
-                  <a:schemeClr val="bg1">
-                    <a:lumMod val="50000"/>
-                  </a:schemeClr>
-                </a:solidFill>
-                <a:latin typeface="맑은 고딕" panose="020B0503020000020004" pitchFamily="50" charset="-127"/>
-                <a:ea typeface="맑은 고딕" panose="020B0503020000020004" pitchFamily="50" charset="-127"/>
-              </a:rPr>
-              <a:t>함수로 저장하기</a:t>
-            </a:r>
-            <a:endParaRPr lang="en-US" altLang="ko-KR" dirty="0" smtClean="0">
-              <a:solidFill>
-                <a:schemeClr val="bg1">
-                  <a:lumMod val="50000"/>
-                </a:schemeClr>
-              </a:solidFill>
-              <a:latin typeface="맑은 고딕" panose="020B0503020000020004" pitchFamily="50" charset="-127"/>
-              <a:ea typeface="맑은 고딕" panose="020B0503020000020004" pitchFamily="50" charset="-127"/>
-            </a:endParaRPr>
-          </a:p>
-        </p:txBody>
-      </p:sp>
-      <p:sp>
-        <p:nvSpPr>
-          <p:cNvPr id="6" name="직사각형 5"/>
-          <p:cNvSpPr/>
-          <p:nvPr/>
-        </p:nvSpPr>
-        <p:spPr>
-          <a:xfrm>
-            <a:off x="1341954" y="1623040"/>
-            <a:ext cx="15879244" cy="5632311"/>
-          </a:xfrm>
-          <a:prstGeom prst="rect">
-            <a:avLst/>
-          </a:prstGeom>
-        </p:spPr>
-        <p:txBody>
-          <a:bodyPr wrap="square">
-            <a:spAutoFit/>
-          </a:bodyPr>
-          <a:lstStyle/>
-          <a:p>
-            <a:r>
-              <a:rPr lang="en-US" altLang="ko-KR" b="1" dirty="0">
-                <a:solidFill>
-                  <a:srgbClr val="7F0055"/>
-                </a:solidFill>
-                <a:latin typeface="Consolas" panose="020B0609020204030204" pitchFamily="49" charset="0"/>
-              </a:rPr>
-              <a:t>public</a:t>
-            </a:r>
-            <a:r>
-              <a:rPr lang="en-US" altLang="ko-KR" dirty="0">
-                <a:solidFill>
-                  <a:srgbClr val="000000"/>
-                </a:solidFill>
-                <a:latin typeface="Consolas" panose="020B0609020204030204" pitchFamily="49" charset="0"/>
-              </a:rPr>
-              <a:t> </a:t>
-            </a:r>
-            <a:r>
-              <a:rPr lang="en-US" altLang="ko-KR" b="1" dirty="0">
-                <a:solidFill>
-                  <a:srgbClr val="7F0055"/>
-                </a:solidFill>
-                <a:latin typeface="Consolas" panose="020B0609020204030204" pitchFamily="49" charset="0"/>
-              </a:rPr>
-              <a:t>class</a:t>
-            </a:r>
-            <a:r>
-              <a:rPr lang="en-US" altLang="ko-KR" dirty="0">
-                <a:solidFill>
-                  <a:srgbClr val="000000"/>
-                </a:solidFill>
-                <a:latin typeface="Consolas" panose="020B0609020204030204" pitchFamily="49" charset="0"/>
-              </a:rPr>
-              <a:t> </a:t>
-            </a:r>
-            <a:r>
-              <a:rPr lang="en-US" altLang="ko-KR" dirty="0" err="1">
-                <a:solidFill>
-                  <a:srgbClr val="000000"/>
-                </a:solidFill>
-                <a:latin typeface="Consolas" panose="020B0609020204030204" pitchFamily="49" charset="0"/>
-              </a:rPr>
-              <a:t>MovieRepository</a:t>
-            </a:r>
-            <a:r>
-              <a:rPr lang="en-US" altLang="ko-KR" dirty="0">
-                <a:solidFill>
-                  <a:srgbClr val="000000"/>
-                </a:solidFill>
-                <a:latin typeface="Consolas" panose="020B0609020204030204" pitchFamily="49" charset="0"/>
-              </a:rPr>
-              <a:t> </a:t>
-            </a:r>
-            <a:r>
-              <a:rPr lang="en-US" altLang="ko-KR" b="1" dirty="0">
-                <a:solidFill>
-                  <a:srgbClr val="7F0055"/>
-                </a:solidFill>
-                <a:latin typeface="Consolas" panose="020B0609020204030204" pitchFamily="49" charset="0"/>
-              </a:rPr>
-              <a:t>implements</a:t>
-            </a:r>
-            <a:r>
-              <a:rPr lang="en-US" altLang="ko-KR" dirty="0">
-                <a:solidFill>
-                  <a:srgbClr val="000000"/>
-                </a:solidFill>
-                <a:latin typeface="Consolas" panose="020B0609020204030204" pitchFamily="49" charset="0"/>
-              </a:rPr>
-              <a:t> </a:t>
-            </a:r>
-            <a:r>
-              <a:rPr lang="en-US" altLang="ko-KR" dirty="0" err="1">
-                <a:solidFill>
-                  <a:srgbClr val="000000"/>
-                </a:solidFill>
-                <a:latin typeface="Consolas" panose="020B0609020204030204" pitchFamily="49" charset="0"/>
-              </a:rPr>
-              <a:t>MovieService</a:t>
-            </a:r>
-            <a:r>
-              <a:rPr lang="en-US" altLang="ko-KR" dirty="0">
-                <a:solidFill>
-                  <a:srgbClr val="000000"/>
-                </a:solidFill>
-                <a:latin typeface="Consolas" panose="020B0609020204030204" pitchFamily="49" charset="0"/>
-              </a:rPr>
-              <a:t>{</a:t>
-            </a:r>
-            <a:endParaRPr lang="en-US" altLang="ko-KR" dirty="0" smtClean="0">
-              <a:solidFill>
-                <a:srgbClr val="646464"/>
-              </a:solidFill>
-              <a:latin typeface="Consolas" panose="020B0609020204030204" pitchFamily="49" charset="0"/>
-            </a:endParaRPr>
-          </a:p>
-          <a:p>
-            <a:r>
-              <a:rPr lang="en-US" altLang="ko-KR" dirty="0" smtClean="0">
-                <a:solidFill>
-                  <a:srgbClr val="646464"/>
-                </a:solidFill>
-                <a:latin typeface="Consolas" panose="020B0609020204030204" pitchFamily="49" charset="0"/>
-              </a:rPr>
-              <a:t>@</a:t>
-            </a:r>
-            <a:r>
-              <a:rPr lang="en-US" altLang="ko-KR" dirty="0">
-                <a:solidFill>
-                  <a:srgbClr val="646464"/>
-                </a:solidFill>
-                <a:latin typeface="Consolas" panose="020B0609020204030204" pitchFamily="49" charset="0"/>
-              </a:rPr>
-              <a:t>Override</a:t>
-            </a:r>
-            <a:endParaRPr lang="en-US" altLang="ko-KR" dirty="0">
-              <a:solidFill>
-                <a:srgbClr val="000000"/>
-              </a:solidFill>
-              <a:latin typeface="Consolas" panose="020B0609020204030204" pitchFamily="49" charset="0"/>
-            </a:endParaRPr>
-          </a:p>
-          <a:p>
-            <a:r>
-              <a:rPr lang="en-US" altLang="ko-KR" b="1" dirty="0">
-                <a:solidFill>
-                  <a:srgbClr val="7F0055"/>
-                </a:solidFill>
-                <a:latin typeface="Consolas" panose="020B0609020204030204" pitchFamily="49" charset="0"/>
-              </a:rPr>
-              <a:t>public</a:t>
-            </a:r>
-            <a:r>
-              <a:rPr lang="en-US" altLang="ko-KR" dirty="0">
-                <a:solidFill>
-                  <a:srgbClr val="000000"/>
-                </a:solidFill>
-                <a:latin typeface="Consolas" panose="020B0609020204030204" pitchFamily="49" charset="0"/>
-              </a:rPr>
-              <a:t> </a:t>
-            </a:r>
-            <a:r>
-              <a:rPr lang="en-US" altLang="ko-KR" b="1" dirty="0">
-                <a:solidFill>
-                  <a:srgbClr val="7F0055"/>
-                </a:solidFill>
-                <a:latin typeface="Consolas" panose="020B0609020204030204" pitchFamily="49" charset="0"/>
-              </a:rPr>
-              <a:t>void</a:t>
-            </a:r>
-            <a:r>
-              <a:rPr lang="en-US" altLang="ko-KR" dirty="0">
-                <a:solidFill>
-                  <a:srgbClr val="000000"/>
-                </a:solidFill>
-                <a:latin typeface="Consolas" panose="020B0609020204030204" pitchFamily="49" charset="0"/>
-              </a:rPr>
-              <a:t> </a:t>
-            </a:r>
-            <a:r>
-              <a:rPr lang="en-US" altLang="ko-KR" dirty="0" err="1">
-                <a:solidFill>
-                  <a:srgbClr val="000000"/>
-                </a:solidFill>
-                <a:latin typeface="Consolas" panose="020B0609020204030204" pitchFamily="49" charset="0"/>
-              </a:rPr>
-              <a:t>updateMovie</a:t>
-            </a:r>
-            <a:r>
-              <a:rPr lang="en-US" altLang="ko-KR" dirty="0">
-                <a:solidFill>
-                  <a:srgbClr val="000000"/>
-                </a:solidFill>
-                <a:latin typeface="Consolas" panose="020B0609020204030204" pitchFamily="49" charset="0"/>
-              </a:rPr>
-              <a:t>(</a:t>
-            </a:r>
-            <a:r>
-              <a:rPr lang="en-US" altLang="ko-KR" b="1" dirty="0" err="1">
-                <a:solidFill>
-                  <a:srgbClr val="7F0055"/>
-                </a:solidFill>
-                <a:latin typeface="Consolas" panose="020B0609020204030204" pitchFamily="49" charset="0"/>
-              </a:rPr>
-              <a:t>int</a:t>
-            </a:r>
-            <a:r>
-              <a:rPr lang="en-US" altLang="ko-KR" dirty="0">
-                <a:solidFill>
-                  <a:srgbClr val="000000"/>
-                </a:solidFill>
-                <a:latin typeface="Consolas" panose="020B0609020204030204" pitchFamily="49" charset="0"/>
-              </a:rPr>
-              <a:t> </a:t>
-            </a:r>
-            <a:r>
-              <a:rPr lang="en-US" altLang="ko-KR" dirty="0" err="1">
-                <a:solidFill>
-                  <a:srgbClr val="6A3E3E"/>
-                </a:solidFill>
-                <a:latin typeface="Consolas" panose="020B0609020204030204" pitchFamily="49" charset="0"/>
-              </a:rPr>
-              <a:t>movieNumber</a:t>
-            </a:r>
-            <a:r>
-              <a:rPr lang="en-US" altLang="ko-KR" dirty="0">
-                <a:solidFill>
-                  <a:srgbClr val="000000"/>
-                </a:solidFill>
-                <a:latin typeface="Consolas" panose="020B0609020204030204" pitchFamily="49" charset="0"/>
-              </a:rPr>
-              <a:t>, String </a:t>
-            </a:r>
-            <a:r>
-              <a:rPr lang="en-US" altLang="ko-KR" dirty="0" err="1">
-                <a:solidFill>
-                  <a:srgbClr val="6A3E3E"/>
-                </a:solidFill>
-                <a:latin typeface="Consolas" panose="020B0609020204030204" pitchFamily="49" charset="0"/>
-              </a:rPr>
-              <a:t>movieName</a:t>
-            </a:r>
-            <a:r>
-              <a:rPr lang="en-US" altLang="ko-KR" dirty="0">
-                <a:solidFill>
-                  <a:srgbClr val="000000"/>
-                </a:solidFill>
-                <a:latin typeface="Consolas" panose="020B0609020204030204" pitchFamily="49" charset="0"/>
-              </a:rPr>
-              <a:t>, String </a:t>
-            </a:r>
-            <a:r>
-              <a:rPr lang="en-US" altLang="ko-KR" dirty="0">
-                <a:solidFill>
-                  <a:srgbClr val="6A3E3E"/>
-                </a:solidFill>
-                <a:latin typeface="Consolas" panose="020B0609020204030204" pitchFamily="49" charset="0"/>
-              </a:rPr>
-              <a:t>genre</a:t>
-            </a:r>
-            <a:r>
-              <a:rPr lang="en-US" altLang="ko-KR" dirty="0">
-                <a:solidFill>
-                  <a:srgbClr val="000000"/>
-                </a:solidFill>
-                <a:latin typeface="Consolas" panose="020B0609020204030204" pitchFamily="49" charset="0"/>
-              </a:rPr>
-              <a:t>, </a:t>
-            </a:r>
-            <a:r>
-              <a:rPr lang="en-US" altLang="ko-KR" b="1" dirty="0" err="1">
-                <a:solidFill>
-                  <a:srgbClr val="7F0055"/>
-                </a:solidFill>
-                <a:latin typeface="Consolas" panose="020B0609020204030204" pitchFamily="49" charset="0"/>
-              </a:rPr>
-              <a:t>int</a:t>
-            </a:r>
-            <a:r>
-              <a:rPr lang="en-US" altLang="ko-KR" dirty="0">
-                <a:solidFill>
-                  <a:srgbClr val="000000"/>
-                </a:solidFill>
-                <a:latin typeface="Consolas" panose="020B0609020204030204" pitchFamily="49" charset="0"/>
-              </a:rPr>
-              <a:t> </a:t>
-            </a:r>
-            <a:r>
-              <a:rPr lang="en-US" altLang="ko-KR" dirty="0">
-                <a:solidFill>
-                  <a:srgbClr val="6A3E3E"/>
-                </a:solidFill>
-                <a:latin typeface="Consolas" panose="020B0609020204030204" pitchFamily="49" charset="0"/>
-              </a:rPr>
-              <a:t>rating</a:t>
-            </a:r>
-            <a:r>
-              <a:rPr lang="en-US" altLang="ko-KR" dirty="0">
-                <a:solidFill>
-                  <a:srgbClr val="000000"/>
-                </a:solidFill>
-                <a:latin typeface="Consolas" panose="020B0609020204030204" pitchFamily="49" charset="0"/>
-              </a:rPr>
-              <a:t>, String </a:t>
-            </a:r>
-            <a:r>
-              <a:rPr lang="en-US" altLang="ko-KR" dirty="0">
-                <a:solidFill>
-                  <a:srgbClr val="6A3E3E"/>
-                </a:solidFill>
-                <a:latin typeface="Consolas" panose="020B0609020204030204" pitchFamily="49" charset="0"/>
-              </a:rPr>
-              <a:t>review</a:t>
-            </a:r>
-            <a:r>
-              <a:rPr lang="en-US" altLang="ko-KR" dirty="0">
-                <a:solidFill>
-                  <a:srgbClr val="000000"/>
-                </a:solidFill>
-                <a:latin typeface="Consolas" panose="020B0609020204030204" pitchFamily="49" charset="0"/>
-              </a:rPr>
-              <a:t>) {</a:t>
-            </a:r>
-          </a:p>
-          <a:p>
-            <a:r>
-              <a:rPr lang="en-US" altLang="ko-KR" dirty="0" err="1">
-                <a:solidFill>
-                  <a:srgbClr val="000000"/>
-                </a:solidFill>
-                <a:latin typeface="Consolas" panose="020B0609020204030204" pitchFamily="49" charset="0"/>
-              </a:rPr>
-              <a:t>MovieDto</a:t>
-            </a:r>
-            <a:r>
-              <a:rPr lang="en-US" altLang="ko-KR" dirty="0">
-                <a:solidFill>
-                  <a:srgbClr val="000000"/>
-                </a:solidFill>
-                <a:latin typeface="Consolas" panose="020B0609020204030204" pitchFamily="49" charset="0"/>
-              </a:rPr>
-              <a:t> </a:t>
-            </a:r>
-            <a:r>
-              <a:rPr lang="en-US" altLang="ko-KR" dirty="0" err="1">
-                <a:solidFill>
-                  <a:srgbClr val="6A3E3E"/>
-                </a:solidFill>
-                <a:latin typeface="Consolas" panose="020B0609020204030204" pitchFamily="49" charset="0"/>
-              </a:rPr>
-              <a:t>movieUpdate</a:t>
-            </a:r>
-            <a:r>
-              <a:rPr lang="en-US" altLang="ko-KR" dirty="0">
-                <a:solidFill>
-                  <a:srgbClr val="000000"/>
-                </a:solidFill>
-                <a:latin typeface="Consolas" panose="020B0609020204030204" pitchFamily="49" charset="0"/>
-              </a:rPr>
-              <a:t> = </a:t>
-            </a:r>
-            <a:r>
-              <a:rPr lang="en-US" altLang="ko-KR" b="1" dirty="0">
-                <a:solidFill>
-                  <a:srgbClr val="7F0055"/>
-                </a:solidFill>
-                <a:latin typeface="Consolas" panose="020B0609020204030204" pitchFamily="49" charset="0"/>
-              </a:rPr>
-              <a:t>null</a:t>
-            </a:r>
-            <a:r>
-              <a:rPr lang="en-US" altLang="ko-KR" dirty="0">
-                <a:solidFill>
-                  <a:srgbClr val="000000"/>
-                </a:solidFill>
-                <a:latin typeface="Consolas" panose="020B0609020204030204" pitchFamily="49" charset="0"/>
-              </a:rPr>
-              <a:t>;</a:t>
-            </a:r>
-          </a:p>
-          <a:p>
-            <a:r>
-              <a:rPr lang="en-US" altLang="ko-KR" b="1" dirty="0">
-                <a:solidFill>
-                  <a:srgbClr val="7F0055"/>
-                </a:solidFill>
-                <a:latin typeface="Consolas" panose="020B0609020204030204" pitchFamily="49" charset="0"/>
-              </a:rPr>
-              <a:t>for</a:t>
-            </a:r>
-            <a:r>
-              <a:rPr lang="en-US" altLang="ko-KR" dirty="0">
-                <a:solidFill>
-                  <a:srgbClr val="000000"/>
-                </a:solidFill>
-                <a:latin typeface="Consolas" panose="020B0609020204030204" pitchFamily="49" charset="0"/>
-              </a:rPr>
-              <a:t>(</a:t>
-            </a:r>
-            <a:r>
-              <a:rPr lang="en-US" altLang="ko-KR" dirty="0" err="1">
-                <a:solidFill>
-                  <a:srgbClr val="000000"/>
-                </a:solidFill>
-                <a:latin typeface="Consolas" panose="020B0609020204030204" pitchFamily="49" charset="0"/>
-              </a:rPr>
-              <a:t>MovieDto</a:t>
-            </a:r>
-            <a:r>
-              <a:rPr lang="en-US" altLang="ko-KR" dirty="0">
-                <a:solidFill>
-                  <a:srgbClr val="000000"/>
-                </a:solidFill>
-                <a:latin typeface="Consolas" panose="020B0609020204030204" pitchFamily="49" charset="0"/>
-              </a:rPr>
-              <a:t> </a:t>
-            </a:r>
-            <a:r>
-              <a:rPr lang="en-US" altLang="ko-KR" dirty="0">
-                <a:solidFill>
-                  <a:srgbClr val="6A3E3E"/>
-                </a:solidFill>
-                <a:latin typeface="Consolas" panose="020B0609020204030204" pitchFamily="49" charset="0"/>
-              </a:rPr>
-              <a:t>movie</a:t>
-            </a:r>
-            <a:r>
-              <a:rPr lang="en-US" altLang="ko-KR" dirty="0">
-                <a:solidFill>
-                  <a:srgbClr val="000000"/>
-                </a:solidFill>
-                <a:latin typeface="Consolas" panose="020B0609020204030204" pitchFamily="49" charset="0"/>
-              </a:rPr>
-              <a:t> : </a:t>
-            </a:r>
-            <a:r>
-              <a:rPr lang="en-US" altLang="ko-KR" dirty="0" err="1">
-                <a:solidFill>
-                  <a:srgbClr val="0000C0"/>
-                </a:solidFill>
-                <a:latin typeface="Consolas" panose="020B0609020204030204" pitchFamily="49" charset="0"/>
-              </a:rPr>
-              <a:t>movieDtos</a:t>
-            </a:r>
-            <a:r>
-              <a:rPr lang="en-US" altLang="ko-KR" dirty="0">
-                <a:solidFill>
-                  <a:srgbClr val="000000"/>
-                </a:solidFill>
-                <a:latin typeface="Consolas" panose="020B0609020204030204" pitchFamily="49" charset="0"/>
-              </a:rPr>
-              <a:t>) {</a:t>
-            </a:r>
-          </a:p>
-          <a:p>
-            <a:r>
-              <a:rPr lang="en-US" altLang="ko-KR" b="1" dirty="0">
-                <a:solidFill>
-                  <a:srgbClr val="7F0055"/>
-                </a:solidFill>
-                <a:latin typeface="Consolas" panose="020B0609020204030204" pitchFamily="49" charset="0"/>
-              </a:rPr>
-              <a:t>if</a:t>
-            </a:r>
-            <a:r>
-              <a:rPr lang="en-US" altLang="ko-KR" dirty="0">
-                <a:solidFill>
-                  <a:srgbClr val="000000"/>
-                </a:solidFill>
-                <a:latin typeface="Consolas" panose="020B0609020204030204" pitchFamily="49" charset="0"/>
-              </a:rPr>
-              <a:t>(</a:t>
-            </a:r>
-            <a:r>
-              <a:rPr lang="en-US" altLang="ko-KR" dirty="0" err="1">
-                <a:solidFill>
-                  <a:srgbClr val="6A3E3E"/>
-                </a:solidFill>
-                <a:latin typeface="Consolas" panose="020B0609020204030204" pitchFamily="49" charset="0"/>
-              </a:rPr>
-              <a:t>movie</a:t>
-            </a:r>
-            <a:r>
-              <a:rPr lang="en-US" altLang="ko-KR" dirty="0" err="1">
-                <a:solidFill>
-                  <a:srgbClr val="000000"/>
-                </a:solidFill>
-                <a:latin typeface="Consolas" panose="020B0609020204030204" pitchFamily="49" charset="0"/>
-              </a:rPr>
-              <a:t>.getMovieNumber</a:t>
-            </a:r>
-            <a:r>
-              <a:rPr lang="en-US" altLang="ko-KR" dirty="0">
-                <a:solidFill>
-                  <a:srgbClr val="000000"/>
-                </a:solidFill>
-                <a:latin typeface="Consolas" panose="020B0609020204030204" pitchFamily="49" charset="0"/>
-              </a:rPr>
-              <a:t>()== </a:t>
-            </a:r>
-            <a:r>
-              <a:rPr lang="en-US" altLang="ko-KR" dirty="0" err="1">
-                <a:solidFill>
-                  <a:srgbClr val="6A3E3E"/>
-                </a:solidFill>
-                <a:latin typeface="Consolas" panose="020B0609020204030204" pitchFamily="49" charset="0"/>
-              </a:rPr>
-              <a:t>movieNumber</a:t>
-            </a:r>
-            <a:r>
-              <a:rPr lang="en-US" altLang="ko-KR" dirty="0">
-                <a:solidFill>
-                  <a:srgbClr val="000000"/>
-                </a:solidFill>
-                <a:latin typeface="Consolas" panose="020B0609020204030204" pitchFamily="49" charset="0"/>
-              </a:rPr>
-              <a:t>) {</a:t>
-            </a:r>
-          </a:p>
-          <a:p>
-            <a:r>
-              <a:rPr lang="en-US" altLang="ko-KR" dirty="0" err="1">
-                <a:solidFill>
-                  <a:srgbClr val="6A3E3E"/>
-                </a:solidFill>
-                <a:latin typeface="Consolas" panose="020B0609020204030204" pitchFamily="49" charset="0"/>
-              </a:rPr>
-              <a:t>movieUpdate</a:t>
-            </a:r>
-            <a:r>
-              <a:rPr lang="en-US" altLang="ko-KR" dirty="0">
-                <a:solidFill>
-                  <a:srgbClr val="000000"/>
-                </a:solidFill>
-                <a:latin typeface="Consolas" panose="020B0609020204030204" pitchFamily="49" charset="0"/>
-              </a:rPr>
-              <a:t> = </a:t>
-            </a:r>
-            <a:r>
-              <a:rPr lang="en-US" altLang="ko-KR" dirty="0">
-                <a:solidFill>
-                  <a:srgbClr val="6A3E3E"/>
-                </a:solidFill>
-                <a:latin typeface="Consolas" panose="020B0609020204030204" pitchFamily="49" charset="0"/>
-              </a:rPr>
-              <a:t>movie</a:t>
-            </a:r>
-            <a:r>
-              <a:rPr lang="en-US" altLang="ko-KR" dirty="0">
-                <a:solidFill>
-                  <a:srgbClr val="000000"/>
-                </a:solidFill>
-                <a:latin typeface="Consolas" panose="020B0609020204030204" pitchFamily="49" charset="0"/>
-              </a:rPr>
-              <a:t>;</a:t>
-            </a:r>
-          </a:p>
-          <a:p>
-            <a:r>
-              <a:rPr lang="en-US" altLang="ko-KR" b="1" dirty="0">
-                <a:solidFill>
-                  <a:srgbClr val="7F0055"/>
-                </a:solidFill>
-                <a:latin typeface="Consolas" panose="020B0609020204030204" pitchFamily="49" charset="0"/>
-              </a:rPr>
-              <a:t>break</a:t>
-            </a:r>
-            <a:r>
-              <a:rPr lang="en-US" altLang="ko-KR" dirty="0">
-                <a:solidFill>
-                  <a:srgbClr val="000000"/>
-                </a:solidFill>
-                <a:latin typeface="Consolas" panose="020B0609020204030204" pitchFamily="49" charset="0"/>
-              </a:rPr>
-              <a:t>;</a:t>
-            </a:r>
-          </a:p>
-          <a:p>
-            <a:r>
-              <a:rPr lang="en-US" altLang="ko-KR" dirty="0">
-                <a:solidFill>
-                  <a:srgbClr val="000000"/>
-                </a:solidFill>
-                <a:latin typeface="Consolas" panose="020B0609020204030204" pitchFamily="49" charset="0"/>
-              </a:rPr>
-              <a:t>}</a:t>
-            </a:r>
-          </a:p>
-          <a:p>
-            <a:r>
-              <a:rPr lang="en-US" altLang="ko-KR" dirty="0">
-                <a:solidFill>
-                  <a:srgbClr val="000000"/>
-                </a:solidFill>
-                <a:latin typeface="Consolas" panose="020B0609020204030204" pitchFamily="49" charset="0"/>
-              </a:rPr>
-              <a:t>}</a:t>
-            </a:r>
-          </a:p>
-          <a:p>
-            <a:r>
-              <a:rPr lang="en-US" altLang="ko-KR" b="1" dirty="0">
-                <a:solidFill>
-                  <a:srgbClr val="7F0055"/>
-                </a:solidFill>
-                <a:latin typeface="Consolas" panose="020B0609020204030204" pitchFamily="49" charset="0"/>
-              </a:rPr>
-              <a:t>if</a:t>
-            </a:r>
-            <a:r>
-              <a:rPr lang="en-US" altLang="ko-KR" dirty="0">
-                <a:solidFill>
-                  <a:srgbClr val="000000"/>
-                </a:solidFill>
-                <a:latin typeface="Consolas" panose="020B0609020204030204" pitchFamily="49" charset="0"/>
-              </a:rPr>
-              <a:t> (</a:t>
-            </a:r>
-            <a:r>
-              <a:rPr lang="en-US" altLang="ko-KR" dirty="0" err="1">
-                <a:solidFill>
-                  <a:srgbClr val="6A3E3E"/>
-                </a:solidFill>
-                <a:latin typeface="Consolas" panose="020B0609020204030204" pitchFamily="49" charset="0"/>
-              </a:rPr>
-              <a:t>movieUpdate</a:t>
-            </a:r>
-            <a:r>
-              <a:rPr lang="en-US" altLang="ko-KR" dirty="0">
-                <a:solidFill>
-                  <a:srgbClr val="000000"/>
-                </a:solidFill>
-                <a:latin typeface="Consolas" panose="020B0609020204030204" pitchFamily="49" charset="0"/>
-              </a:rPr>
-              <a:t> != </a:t>
-            </a:r>
-            <a:r>
-              <a:rPr lang="en-US" altLang="ko-KR" b="1" dirty="0">
-                <a:solidFill>
-                  <a:srgbClr val="7F0055"/>
-                </a:solidFill>
-                <a:latin typeface="Consolas" panose="020B0609020204030204" pitchFamily="49" charset="0"/>
-              </a:rPr>
-              <a:t>null</a:t>
-            </a:r>
-            <a:r>
-              <a:rPr lang="en-US" altLang="ko-KR" dirty="0">
-                <a:solidFill>
-                  <a:srgbClr val="000000"/>
-                </a:solidFill>
-                <a:latin typeface="Consolas" panose="020B0609020204030204" pitchFamily="49" charset="0"/>
-              </a:rPr>
-              <a:t>) {</a:t>
-            </a:r>
-          </a:p>
-          <a:p>
-            <a:r>
-              <a:rPr lang="en-US" altLang="ko-KR" dirty="0" err="1">
-                <a:solidFill>
-                  <a:srgbClr val="6A3E3E"/>
-                </a:solidFill>
-                <a:latin typeface="Consolas" panose="020B0609020204030204" pitchFamily="49" charset="0"/>
-              </a:rPr>
-              <a:t>movieUpdate</a:t>
-            </a:r>
-            <a:r>
-              <a:rPr lang="en-US" altLang="ko-KR" dirty="0" err="1">
-                <a:solidFill>
-                  <a:srgbClr val="000000"/>
-                </a:solidFill>
-                <a:latin typeface="Consolas" panose="020B0609020204030204" pitchFamily="49" charset="0"/>
-              </a:rPr>
-              <a:t>.setMovieName</a:t>
-            </a:r>
-            <a:r>
-              <a:rPr lang="en-US" altLang="ko-KR" dirty="0">
-                <a:solidFill>
-                  <a:srgbClr val="000000"/>
-                </a:solidFill>
-                <a:latin typeface="Consolas" panose="020B0609020204030204" pitchFamily="49" charset="0"/>
-              </a:rPr>
-              <a:t>(</a:t>
-            </a:r>
-            <a:r>
-              <a:rPr lang="en-US" altLang="ko-KR" dirty="0" err="1">
-                <a:solidFill>
-                  <a:srgbClr val="6A3E3E"/>
-                </a:solidFill>
-                <a:latin typeface="Consolas" panose="020B0609020204030204" pitchFamily="49" charset="0"/>
-              </a:rPr>
-              <a:t>movieName</a:t>
-            </a:r>
-            <a:r>
-              <a:rPr lang="en-US" altLang="ko-KR" dirty="0">
-                <a:solidFill>
-                  <a:srgbClr val="000000"/>
-                </a:solidFill>
-                <a:latin typeface="Consolas" panose="020B0609020204030204" pitchFamily="49" charset="0"/>
-              </a:rPr>
-              <a:t>);</a:t>
-            </a:r>
-          </a:p>
-          <a:p>
-            <a:r>
-              <a:rPr lang="en-US" altLang="ko-KR" dirty="0" err="1">
-                <a:solidFill>
-                  <a:srgbClr val="6A3E3E"/>
-                </a:solidFill>
-                <a:latin typeface="Consolas" panose="020B0609020204030204" pitchFamily="49" charset="0"/>
-              </a:rPr>
-              <a:t>movieUpdate</a:t>
-            </a:r>
-            <a:r>
-              <a:rPr lang="en-US" altLang="ko-KR" dirty="0" err="1">
-                <a:solidFill>
-                  <a:srgbClr val="000000"/>
-                </a:solidFill>
-                <a:latin typeface="Consolas" panose="020B0609020204030204" pitchFamily="49" charset="0"/>
-              </a:rPr>
-              <a:t>.setGenre</a:t>
-            </a:r>
-            <a:r>
-              <a:rPr lang="en-US" altLang="ko-KR" dirty="0">
-                <a:solidFill>
-                  <a:srgbClr val="000000"/>
-                </a:solidFill>
-                <a:latin typeface="Consolas" panose="020B0609020204030204" pitchFamily="49" charset="0"/>
-              </a:rPr>
-              <a:t>(</a:t>
-            </a:r>
-            <a:r>
-              <a:rPr lang="en-US" altLang="ko-KR" dirty="0">
-                <a:solidFill>
-                  <a:srgbClr val="6A3E3E"/>
-                </a:solidFill>
-                <a:latin typeface="Consolas" panose="020B0609020204030204" pitchFamily="49" charset="0"/>
-              </a:rPr>
-              <a:t>genre</a:t>
-            </a:r>
-            <a:r>
-              <a:rPr lang="en-US" altLang="ko-KR" dirty="0">
-                <a:solidFill>
-                  <a:srgbClr val="000000"/>
-                </a:solidFill>
-                <a:latin typeface="Consolas" panose="020B0609020204030204" pitchFamily="49" charset="0"/>
-              </a:rPr>
-              <a:t>);</a:t>
-            </a:r>
-          </a:p>
-          <a:p>
-            <a:r>
-              <a:rPr lang="en-US" altLang="ko-KR" dirty="0" err="1">
-                <a:solidFill>
-                  <a:srgbClr val="6A3E3E"/>
-                </a:solidFill>
-                <a:latin typeface="Consolas" panose="020B0609020204030204" pitchFamily="49" charset="0"/>
-              </a:rPr>
-              <a:t>movieUpdate</a:t>
-            </a:r>
-            <a:r>
-              <a:rPr lang="en-US" altLang="ko-KR" dirty="0" err="1">
-                <a:solidFill>
-                  <a:srgbClr val="000000"/>
-                </a:solidFill>
-                <a:latin typeface="Consolas" panose="020B0609020204030204" pitchFamily="49" charset="0"/>
-              </a:rPr>
-              <a:t>.setRating</a:t>
-            </a:r>
-            <a:r>
-              <a:rPr lang="en-US" altLang="ko-KR" dirty="0">
-                <a:solidFill>
-                  <a:srgbClr val="000000"/>
-                </a:solidFill>
-                <a:latin typeface="Consolas" panose="020B0609020204030204" pitchFamily="49" charset="0"/>
-              </a:rPr>
-              <a:t>(</a:t>
-            </a:r>
-            <a:r>
-              <a:rPr lang="en-US" altLang="ko-KR" dirty="0">
-                <a:solidFill>
-                  <a:srgbClr val="6A3E3E"/>
-                </a:solidFill>
-                <a:latin typeface="Consolas" panose="020B0609020204030204" pitchFamily="49" charset="0"/>
-              </a:rPr>
-              <a:t>rating</a:t>
-            </a:r>
-            <a:r>
-              <a:rPr lang="en-US" altLang="ko-KR" dirty="0">
-                <a:solidFill>
-                  <a:srgbClr val="000000"/>
-                </a:solidFill>
-                <a:latin typeface="Consolas" panose="020B0609020204030204" pitchFamily="49" charset="0"/>
-              </a:rPr>
-              <a:t>);</a:t>
-            </a:r>
-          </a:p>
-          <a:p>
-            <a:r>
-              <a:rPr lang="en-US" altLang="ko-KR" dirty="0" err="1">
-                <a:solidFill>
-                  <a:srgbClr val="6A3E3E"/>
-                </a:solidFill>
-                <a:latin typeface="Consolas" panose="020B0609020204030204" pitchFamily="49" charset="0"/>
-              </a:rPr>
-              <a:t>movieUpdate</a:t>
-            </a:r>
-            <a:r>
-              <a:rPr lang="en-US" altLang="ko-KR" dirty="0" err="1">
-                <a:solidFill>
-                  <a:srgbClr val="000000"/>
-                </a:solidFill>
-                <a:latin typeface="Consolas" panose="020B0609020204030204" pitchFamily="49" charset="0"/>
-              </a:rPr>
-              <a:t>.setReview</a:t>
-            </a:r>
-            <a:r>
-              <a:rPr lang="en-US" altLang="ko-KR" dirty="0">
-                <a:solidFill>
-                  <a:srgbClr val="000000"/>
-                </a:solidFill>
-                <a:latin typeface="Consolas" panose="020B0609020204030204" pitchFamily="49" charset="0"/>
-              </a:rPr>
-              <a:t>(</a:t>
-            </a:r>
-            <a:r>
-              <a:rPr lang="en-US" altLang="ko-KR" dirty="0">
-                <a:solidFill>
-                  <a:srgbClr val="6A3E3E"/>
-                </a:solidFill>
-                <a:latin typeface="Consolas" panose="020B0609020204030204" pitchFamily="49" charset="0"/>
-              </a:rPr>
-              <a:t>review</a:t>
-            </a:r>
-            <a:r>
-              <a:rPr lang="en-US" altLang="ko-KR" dirty="0">
-                <a:solidFill>
-                  <a:srgbClr val="000000"/>
-                </a:solidFill>
-                <a:latin typeface="Consolas" panose="020B0609020204030204" pitchFamily="49" charset="0"/>
-              </a:rPr>
-              <a:t>);</a:t>
-            </a:r>
-          </a:p>
-          <a:p>
-            <a:r>
-              <a:rPr lang="en-US" altLang="ko-KR" dirty="0" err="1">
-                <a:solidFill>
-                  <a:srgbClr val="000000"/>
-                </a:solidFill>
-                <a:latin typeface="Consolas" panose="020B0609020204030204" pitchFamily="49" charset="0"/>
-              </a:rPr>
-              <a:t>saveData</a:t>
-            </a:r>
-            <a:r>
-              <a:rPr lang="en-US" altLang="ko-KR" dirty="0">
-                <a:solidFill>
-                  <a:srgbClr val="000000"/>
-                </a:solidFill>
-                <a:latin typeface="Consolas" panose="020B0609020204030204" pitchFamily="49" charset="0"/>
-              </a:rPr>
-              <a:t>();</a:t>
-            </a:r>
-          </a:p>
-          <a:p>
-            <a:r>
-              <a:rPr lang="en-US" altLang="ko-KR" dirty="0" err="1">
-                <a:solidFill>
-                  <a:srgbClr val="000000"/>
-                </a:solidFill>
-                <a:latin typeface="Consolas" panose="020B0609020204030204" pitchFamily="49" charset="0"/>
-              </a:rPr>
-              <a:t>System.</a:t>
-            </a:r>
-            <a:r>
-              <a:rPr lang="en-US" altLang="ko-KR" b="1" i="1" dirty="0" err="1">
-                <a:solidFill>
-                  <a:srgbClr val="0000C0"/>
-                </a:solidFill>
-                <a:latin typeface="Consolas" panose="020B0609020204030204" pitchFamily="49" charset="0"/>
-              </a:rPr>
-              <a:t>out</a:t>
-            </a:r>
-            <a:r>
-              <a:rPr lang="en-US" altLang="ko-KR" dirty="0" err="1">
-                <a:solidFill>
-                  <a:srgbClr val="000000"/>
-                </a:solidFill>
-                <a:latin typeface="Consolas" panose="020B0609020204030204" pitchFamily="49" charset="0"/>
-              </a:rPr>
-              <a:t>.println</a:t>
-            </a:r>
-            <a:r>
-              <a:rPr lang="en-US" altLang="ko-KR" dirty="0">
-                <a:solidFill>
-                  <a:srgbClr val="000000"/>
-                </a:solidFill>
-                <a:latin typeface="Consolas" panose="020B0609020204030204" pitchFamily="49" charset="0"/>
-              </a:rPr>
-              <a:t>(</a:t>
-            </a:r>
-            <a:r>
-              <a:rPr lang="en-US" altLang="ko-KR" dirty="0">
-                <a:solidFill>
-                  <a:srgbClr val="2A00FF"/>
-                </a:solidFill>
-                <a:latin typeface="Consolas" panose="020B0609020204030204" pitchFamily="49" charset="0"/>
-              </a:rPr>
-              <a:t>"</a:t>
-            </a:r>
-            <a:r>
-              <a:rPr lang="ko-KR" altLang="en-US" dirty="0" err="1">
-                <a:solidFill>
-                  <a:srgbClr val="2A00FF"/>
-                </a:solidFill>
-                <a:latin typeface="Consolas" panose="020B0609020204030204" pitchFamily="49" charset="0"/>
-              </a:rPr>
-              <a:t>영화리뷰가</a:t>
-            </a:r>
-            <a:r>
-              <a:rPr lang="ko-KR" altLang="en-US" dirty="0">
-                <a:solidFill>
-                  <a:srgbClr val="2A00FF"/>
-                </a:solidFill>
-                <a:latin typeface="Consolas" panose="020B0609020204030204" pitchFamily="49" charset="0"/>
-              </a:rPr>
-              <a:t> 성공적으로 업데이트되었습니다</a:t>
-            </a:r>
-            <a:r>
-              <a:rPr lang="en-US" altLang="ko-KR" dirty="0">
-                <a:solidFill>
-                  <a:srgbClr val="2A00FF"/>
-                </a:solidFill>
-                <a:latin typeface="Consolas" panose="020B0609020204030204" pitchFamily="49" charset="0"/>
-              </a:rPr>
-              <a:t>."</a:t>
-            </a:r>
-            <a:r>
-              <a:rPr lang="en-US" altLang="ko-KR" dirty="0">
-                <a:solidFill>
-                  <a:srgbClr val="000000"/>
-                </a:solidFill>
-                <a:latin typeface="Consolas" panose="020B0609020204030204" pitchFamily="49" charset="0"/>
-              </a:rPr>
-              <a:t>);</a:t>
-            </a:r>
-          </a:p>
-          <a:p>
-            <a:r>
-              <a:rPr lang="en-US" altLang="ko-KR" dirty="0">
-                <a:solidFill>
-                  <a:srgbClr val="000000"/>
-                </a:solidFill>
-                <a:latin typeface="Consolas" panose="020B0609020204030204" pitchFamily="49" charset="0"/>
-              </a:rPr>
-              <a:t>}</a:t>
-            </a:r>
-            <a:r>
-              <a:rPr lang="en-US" altLang="ko-KR" b="1" dirty="0">
-                <a:solidFill>
-                  <a:srgbClr val="7F0055"/>
-                </a:solidFill>
-                <a:latin typeface="Consolas" panose="020B0609020204030204" pitchFamily="49" charset="0"/>
-              </a:rPr>
-              <a:t>else</a:t>
-            </a:r>
-            <a:r>
-              <a:rPr lang="en-US" altLang="ko-KR" dirty="0">
-                <a:solidFill>
-                  <a:srgbClr val="000000"/>
-                </a:solidFill>
-                <a:latin typeface="Consolas" panose="020B0609020204030204" pitchFamily="49" charset="0"/>
-              </a:rPr>
-              <a:t> {</a:t>
-            </a:r>
-          </a:p>
-          <a:p>
-            <a:r>
-              <a:rPr lang="en-US" altLang="ko-KR" dirty="0" err="1">
-                <a:solidFill>
-                  <a:srgbClr val="000000"/>
-                </a:solidFill>
-                <a:latin typeface="Consolas" panose="020B0609020204030204" pitchFamily="49" charset="0"/>
-              </a:rPr>
-              <a:t>System.</a:t>
-            </a:r>
-            <a:r>
-              <a:rPr lang="en-US" altLang="ko-KR" b="1" i="1" dirty="0" err="1">
-                <a:solidFill>
-                  <a:srgbClr val="0000C0"/>
-                </a:solidFill>
-                <a:latin typeface="Consolas" panose="020B0609020204030204" pitchFamily="49" charset="0"/>
-              </a:rPr>
-              <a:t>out</a:t>
-            </a:r>
-            <a:r>
-              <a:rPr lang="en-US" altLang="ko-KR" dirty="0" err="1">
-                <a:solidFill>
-                  <a:srgbClr val="000000"/>
-                </a:solidFill>
-                <a:latin typeface="Consolas" panose="020B0609020204030204" pitchFamily="49" charset="0"/>
-              </a:rPr>
-              <a:t>.println</a:t>
-            </a:r>
-            <a:r>
-              <a:rPr lang="en-US" altLang="ko-KR" dirty="0">
-                <a:solidFill>
-                  <a:srgbClr val="000000"/>
-                </a:solidFill>
-                <a:latin typeface="Consolas" panose="020B0609020204030204" pitchFamily="49" charset="0"/>
-              </a:rPr>
-              <a:t>(</a:t>
-            </a:r>
-            <a:r>
-              <a:rPr lang="en-US" altLang="ko-KR" dirty="0">
-                <a:solidFill>
-                  <a:srgbClr val="2A00FF"/>
-                </a:solidFill>
-                <a:latin typeface="Consolas" panose="020B0609020204030204" pitchFamily="49" charset="0"/>
-              </a:rPr>
-              <a:t>"</a:t>
-            </a:r>
-            <a:r>
-              <a:rPr lang="ko-KR" altLang="en-US" dirty="0">
-                <a:solidFill>
-                  <a:srgbClr val="2A00FF"/>
-                </a:solidFill>
-                <a:latin typeface="Consolas" panose="020B0609020204030204" pitchFamily="49" charset="0"/>
-              </a:rPr>
-              <a:t>해당 번호의 </a:t>
-            </a:r>
-            <a:r>
-              <a:rPr lang="ko-KR" altLang="en-US" dirty="0" err="1">
-                <a:solidFill>
-                  <a:srgbClr val="2A00FF"/>
-                </a:solidFill>
-                <a:latin typeface="Consolas" panose="020B0609020204030204" pitchFamily="49" charset="0"/>
-              </a:rPr>
-              <a:t>영화리뷰를</a:t>
-            </a:r>
-            <a:r>
-              <a:rPr lang="ko-KR" altLang="en-US" dirty="0">
-                <a:solidFill>
-                  <a:srgbClr val="2A00FF"/>
-                </a:solidFill>
-                <a:latin typeface="Consolas" panose="020B0609020204030204" pitchFamily="49" charset="0"/>
-              </a:rPr>
-              <a:t> 찾을 수 없습니다</a:t>
-            </a:r>
-            <a:r>
-              <a:rPr lang="en-US" altLang="ko-KR" dirty="0">
-                <a:solidFill>
-                  <a:srgbClr val="2A00FF"/>
-                </a:solidFill>
-                <a:latin typeface="Consolas" panose="020B0609020204030204" pitchFamily="49" charset="0"/>
-              </a:rPr>
-              <a:t>."</a:t>
-            </a:r>
-            <a:r>
-              <a:rPr lang="en-US" altLang="ko-KR" dirty="0">
-                <a:solidFill>
-                  <a:srgbClr val="000000"/>
-                </a:solidFill>
-                <a:latin typeface="Consolas" panose="020B0609020204030204" pitchFamily="49" charset="0"/>
-              </a:rPr>
-              <a:t>);</a:t>
-            </a:r>
-          </a:p>
-          <a:p>
-            <a:r>
-              <a:rPr lang="en-US" altLang="ko-KR" dirty="0">
-                <a:solidFill>
-                  <a:srgbClr val="000000"/>
-                </a:solidFill>
-                <a:latin typeface="Consolas" panose="020B0609020204030204" pitchFamily="49" charset="0"/>
-              </a:rPr>
-              <a:t>}</a:t>
-            </a:r>
-          </a:p>
-        </p:txBody>
-      </p:sp>
     </p:spTree>
     <p:extLst>
       <p:ext uri="{BB962C8B-B14F-4D97-AF65-F5344CB8AC3E}">
@@ -13328,6 +13540,13 @@
   <p:clrMapOvr>
     <a:masterClrMapping/>
   </p:clrMapOvr>
+  <p:timing>
+    <p:tnLst>
+      <p:par>
+        <p:cTn id="1" dur="indefinite" restart="never" nodeType="tmRoot"/>
+      </p:par>
+    </p:tnLst>
+  </p:timing>
 </p:sld>
 </file>
 
@@ -13563,8 +13782,8 @@
         </p:nvSpPr>
         <p:spPr>
           <a:xfrm>
-            <a:off x="1320183" y="7574157"/>
-            <a:ext cx="15754163" cy="3416320"/>
+            <a:off x="1194923" y="7590961"/>
+            <a:ext cx="15754163" cy="1754326"/>
           </a:xfrm>
           <a:prstGeom prst="rect">
             <a:avLst/>
@@ -13664,7 +13883,7 @@
             </a:endParaRPr>
           </a:p>
           <a:p>
-            <a:pPr marL="342900" indent="-342900" algn="just">
+            <a:pPr marL="396000" indent="-284400" algn="just">
               <a:buFont typeface="맑은 고딕" panose="020B0503020000020004" pitchFamily="50" charset="-127"/>
               <a:buChar char="-"/>
             </a:pPr>
@@ -13702,7 +13921,19 @@
                 <a:latin typeface="맑은 고딕" panose="020B0503020000020004" pitchFamily="50" charset="-127"/>
                 <a:ea typeface="맑은 고딕" panose="020B0503020000020004" pitchFamily="50" charset="-127"/>
               </a:rPr>
-              <a:t>를 호출하여 사용자가 입력한 데이터를 변경 후 저장되게 한다</a:t>
+              <a:t>를 호출하여 사용자가 입력한 데이터를 변경 후 </a:t>
+            </a:r>
+            <a:r>
+              <a:rPr lang="ko-KR" altLang="en-US" dirty="0" smtClean="0">
+                <a:solidFill>
+                  <a:schemeClr val="bg1">
+                    <a:lumMod val="50000"/>
+                  </a:schemeClr>
+                </a:solidFill>
+                <a:latin typeface="맑은 고딕" panose="020B0503020000020004" pitchFamily="50" charset="-127"/>
+                <a:ea typeface="맑은 고딕" panose="020B0503020000020004" pitchFamily="50" charset="-127"/>
+              </a:rPr>
+              <a:t>저장</a:t>
             </a:r>
             <a:r>
               <a:rPr lang="en-US" altLang="ko-KR" dirty="0" smtClean="0">
@@ -13949,7 +14180,7 @@
             </a:endParaRPr>
           </a:p>
           <a:p>
-            <a:pPr marL="285750" indent="-285750" algn="just">
+            <a:pPr marL="396000" indent="-284400" algn="just">
               <a:buFont typeface="맑은 고딕" panose="020B0503020000020004" pitchFamily="50" charset="-127"/>
               <a:buChar char="-"/>
             </a:pPr>
@@ -13976,7 +14207,7 @@
             </a:endParaRPr>
           </a:p>
           <a:p>
-            <a:pPr marL="285750" indent="-285750" algn="just">
+            <a:pPr marL="396000" indent="-284400" algn="just">
               <a:buFont typeface="맑은 고딕" panose="020B0503020000020004" pitchFamily="50" charset="-127"/>
               <a:buChar char="-"/>
             </a:pPr>
@@ -14014,7 +14245,19 @@
                 <a:latin typeface="맑은 고딕" panose="020B0503020000020004" pitchFamily="50" charset="-127"/>
                 <a:ea typeface="맑은 고딕" panose="020B0503020000020004" pitchFamily="50" charset="-127"/>
               </a:rPr>
-              <a:t>파일에 내용이 변경 됨</a:t>
+              <a:t>파일에 </a:t>
+            </a:r>
+            <a:r>
+              <a:rPr lang="ko-KR" altLang="en-US" dirty="0" smtClean="0">
+                <a:solidFill>
+                  <a:schemeClr val="bg1">
+                    <a:lumMod val="50000"/>
+                  </a:schemeClr>
+                </a:solidFill>
+                <a:latin typeface="맑은 고딕" panose="020B0503020000020004" pitchFamily="50" charset="-127"/>
+                <a:ea typeface="맑은 고딕" panose="020B0503020000020004" pitchFamily="50" charset="-127"/>
+              </a:rPr>
+              <a:t>내용이 변경</a:t>
             </a:r>
             <a:endParaRPr lang="en-US" altLang="ko-KR" dirty="0">
               <a:solidFill>
@@ -14022,82 +14265,6 @@
                   <a:lumMod val="50000"/>
                 </a:schemeClr>
               </a:solidFill>
-              <a:latin typeface="맑은 고딕" panose="020B0503020000020004" pitchFamily="50" charset="-127"/>
-              <a:ea typeface="맑은 고딕" panose="020B0503020000020004" pitchFamily="50" charset="-127"/>
-            </a:endParaRPr>
-          </a:p>
-          <a:p>
-            <a:pPr algn="just"/>
-            <a:endParaRPr lang="en-US" altLang="ko-KR" dirty="0">
-              <a:solidFill>
-                <a:schemeClr val="bg1">
-                  <a:lumMod val="50000"/>
-                </a:schemeClr>
-              </a:solidFill>
-              <a:latin typeface="맑은 고딕" panose="020B0503020000020004" pitchFamily="50" charset="-127"/>
-              <a:ea typeface="맑은 고딕" panose="020B0503020000020004" pitchFamily="50" charset="-127"/>
-            </a:endParaRPr>
-          </a:p>
-          <a:p>
-            <a:pPr algn="just"/>
-            <a:endParaRPr lang="en-US" altLang="ko-KR" dirty="0" smtClean="0">
-              <a:solidFill>
-                <a:schemeClr val="bg1">
-                  <a:lumMod val="50000"/>
-                </a:schemeClr>
-              </a:solidFill>
-              <a:latin typeface="맑은 고딕" panose="020B0503020000020004" pitchFamily="50" charset="-127"/>
-              <a:ea typeface="맑은 고딕" panose="020B0503020000020004" pitchFamily="50" charset="-127"/>
-            </a:endParaRPr>
-          </a:p>
-          <a:p>
-            <a:pPr lvl="1" algn="just"/>
-            <a:endParaRPr lang="en-US" altLang="ko-KR" dirty="0" smtClean="0">
-              <a:solidFill>
-                <a:schemeClr val="bg1">
-                  <a:lumMod val="50000"/>
-                </a:schemeClr>
-              </a:solidFill>
-              <a:latin typeface="맑은 고딕" panose="020B0503020000020004" pitchFamily="50" charset="-127"/>
-              <a:ea typeface="맑은 고딕" panose="020B0503020000020004" pitchFamily="50" charset="-127"/>
-            </a:endParaRPr>
-          </a:p>
-          <a:p>
-            <a:pPr marL="742950" lvl="1" indent="-285750" algn="just">
-              <a:buFont typeface="맑은 고딕" panose="020B0503020000020004" pitchFamily="50" charset="-127"/>
-              <a:buChar char="-"/>
-            </a:pPr>
-            <a:endParaRPr lang="en-US" altLang="ko-KR" dirty="0" smtClean="0">
-              <a:solidFill>
-                <a:schemeClr val="bg1">
-                  <a:lumMod val="50000"/>
-                </a:schemeClr>
-              </a:solidFill>
-              <a:latin typeface="맑은 고딕" panose="020B0503020000020004" pitchFamily="50" charset="-127"/>
-              <a:ea typeface="맑은 고딕" panose="020B0503020000020004" pitchFamily="50" charset="-127"/>
-            </a:endParaRPr>
-          </a:p>
-          <a:p>
-            <a:pPr marL="742950" lvl="1" indent="-285750" algn="just">
-              <a:buFont typeface="맑은 고딕" panose="020B0503020000020004" pitchFamily="50" charset="-127"/>
-              <a:buChar char="-"/>
-            </a:pPr>
-            <a:endParaRPr lang="en-US" altLang="ko-KR" dirty="0" smtClean="0">
-              <a:solidFill>
-                <a:schemeClr val="bg1">
-                  <a:lumMod val="50000"/>
-                </a:schemeClr>
-              </a:solidFill>
-              <a:latin typeface="맑은 고딕" panose="020B0503020000020004" pitchFamily="50" charset="-127"/>
-              <a:ea typeface="맑은 고딕" panose="020B0503020000020004" pitchFamily="50" charset="-127"/>
-            </a:endParaRPr>
-          </a:p>
-          <a:p>
-            <a:pPr marL="742950" lvl="1" indent="-285750" algn="just">
-              <a:buFont typeface="맑은 고딕" panose="020B0503020000020004" pitchFamily="50" charset="-127"/>
-              <a:buChar char="-"/>
-            </a:pPr>
-            <a:endParaRPr lang="en-US" dirty="0">
               <a:latin typeface="맑은 고딕" panose="020B0503020000020004" pitchFamily="50" charset="-127"/>
               <a:ea typeface="맑은 고딕" panose="020B0503020000020004" pitchFamily="50" charset="-127"/>
             </a:endParaRPr>
@@ -14463,40 +14630,6 @@
           </a:prstGeom>
         </p:spPr>
       </p:pic>
-      <p:sp>
-        <p:nvSpPr>
-          <p:cNvPr id="15" name="TextBox 14"/>
-          <p:cNvSpPr txBox="1"/>
-          <p:nvPr/>
-        </p:nvSpPr>
-        <p:spPr>
-          <a:xfrm>
-            <a:off x="1143000" y="4457700"/>
-            <a:ext cx="1446230" cy="369332"/>
-          </a:xfrm>
-          <a:prstGeom prst="rect">
-            <a:avLst/>
-          </a:prstGeom>
-          <a:noFill/>
-        </p:spPr>
-        <p:txBody>
-          <a:bodyPr wrap="none" rtlCol="0">
-            <a:spAutoFit/>
-          </a:bodyPr>
-          <a:lstStyle/>
-          <a:p>
-            <a:r>
-              <a:rPr lang="en-US" altLang="ko-KR" dirty="0" smtClean="0"/>
-              <a:t>Console </a:t>
-            </a:r>
-            <a:r>
-              <a:rPr lang="ko-KR" altLang="en-US" dirty="0" smtClean="0"/>
-              <a:t>화면</a:t>
-            </a:r>
-            <a:endParaRPr lang="ko-KR" altLang="en-US" dirty="0"/>
-          </a:p>
-        </p:txBody>
-      </p:sp>
       <p:pic>
         <p:nvPicPr>
           <p:cNvPr id="13" name="그림 12"/>
@@ -14513,7 +14646,7 @@
         </p:blipFill>
         <p:spPr>
           <a:xfrm>
-            <a:off x="9479131" y="2193135"/>
+            <a:off x="9968988" y="2193135"/>
             <a:ext cx="6840488" cy="1638527"/>
           </a:xfrm>
           <a:prstGeom prst="rect">
@@ -14537,7 +14670,7 @@
         </p:blipFill>
         <p:spPr>
           <a:xfrm>
-            <a:off x="9511788" y="5196739"/>
+            <a:off x="10001645" y="5196739"/>
             <a:ext cx="6914755" cy="1559213"/>
           </a:xfrm>
           <a:prstGeom prst="rect">
@@ -14547,51 +14680,13 @@
       </p:pic>
       <p:sp>
         <p:nvSpPr>
-          <p:cNvPr id="18" name="TextBox 17"/>
-          <p:cNvSpPr txBox="1"/>
-          <p:nvPr/>
-        </p:nvSpPr>
-        <p:spPr>
-          <a:xfrm>
-            <a:off x="9372600" y="1562100"/>
-            <a:ext cx="1820178" cy="369332"/>
-          </a:xfrm>
-          <a:prstGeom prst="rect">
-            <a:avLst/>
-          </a:prstGeom>
-          <a:noFill/>
-        </p:spPr>
-        <p:txBody>
-          <a:bodyPr wrap="none" rtlCol="0">
-            <a:spAutoFit/>
-          </a:bodyPr>
-          <a:lstStyle/>
-          <a:p>
-            <a:r>
-              <a:rPr lang="en-US" altLang="ko-KR" dirty="0" err="1" smtClean="0"/>
-              <a:t>Movie_data</a:t>
-            </a:r>
-            <a:r>
-              <a:rPr lang="en-US" altLang="ko-KR" dirty="0" smtClean="0"/>
-              <a:t> </a:t>
-            </a:r>
-            <a:r>
-              <a:rPr lang="ko-KR" altLang="en-US" dirty="0" smtClean="0"/>
-              <a:t>파일</a:t>
-            </a:r>
-            <a:endParaRPr lang="ko-KR" altLang="en-US" dirty="0"/>
-          </a:p>
-        </p:txBody>
-      </p:sp>
-      <p:sp>
-        <p:nvSpPr>
           <p:cNvPr id="17" name="모서리가 둥근 직사각형 16"/>
           <p:cNvSpPr/>
           <p:nvPr/>
         </p:nvSpPr>
         <p:spPr>
           <a:xfrm>
-            <a:off x="10820401" y="2506590"/>
+            <a:off x="11310258" y="2506590"/>
             <a:ext cx="1371599" cy="405339"/>
           </a:xfrm>
           <a:prstGeom prst="roundRect">
@@ -14637,7 +14732,7 @@
         </p:nvSpPr>
         <p:spPr>
           <a:xfrm>
-            <a:off x="10902978" y="5471524"/>
+            <a:off x="11392835" y="5471524"/>
             <a:ext cx="5416641" cy="357776"/>
           </a:xfrm>
           <a:prstGeom prst="roundRect">
@@ -14683,7 +14778,7 @@
         </p:nvSpPr>
         <p:spPr>
           <a:xfrm>
-            <a:off x="11166226" y="3397810"/>
+            <a:off x="11656083" y="3397810"/>
             <a:ext cx="770622" cy="1745690"/>
           </a:xfrm>
           <a:prstGeom prst="downArrow">
@@ -14726,6 +14821,204 @@
           </a:p>
         </p:txBody>
       </p:sp>
+      <p:grpSp>
+        <p:nvGrpSpPr>
+          <p:cNvPr id="21" name="그룹 20"/>
+          <p:cNvGrpSpPr/>
+          <p:nvPr/>
+        </p:nvGrpSpPr>
+        <p:grpSpPr>
+          <a:xfrm>
+            <a:off x="1173331" y="4420255"/>
+            <a:ext cx="1003301" cy="320477"/>
+            <a:chOff x="8928100" y="3756223"/>
+            <a:chExt cx="1003301" cy="320477"/>
+          </a:xfrm>
+        </p:grpSpPr>
+        <p:sp>
+          <p:nvSpPr>
+            <p:cNvPr id="22" name="TextBox 21"/>
+            <p:cNvSpPr txBox="1"/>
+            <p:nvPr/>
+          </p:nvSpPr>
+          <p:spPr>
+            <a:xfrm>
+              <a:off x="8990223" y="3756223"/>
+              <a:ext cx="941178" cy="307777"/>
+            </a:xfrm>
+            <a:prstGeom prst="rect">
+              <a:avLst/>
+            </a:prstGeom>
+            <a:noFill/>
+          </p:spPr>
+          <p:txBody>
+            <a:bodyPr wrap="square" rtlCol="0">
+              <a:spAutoFit/>
+            </a:bodyPr>
+            <a:lstStyle/>
+            <a:p>
+              <a:r>
+                <a:rPr lang="en-US" altLang="ko-KR" sz="1400" b="1" dirty="0" smtClean="0">
+                  <a:latin typeface="맑은 고딕" panose="020B0503020000020004" pitchFamily="50" charset="-127"/>
+                  <a:ea typeface="맑은 고딕" panose="020B0503020000020004" pitchFamily="50" charset="-127"/>
+                </a:rPr>
+                <a:t>Console</a:t>
+              </a:r>
+              <a:endParaRPr lang="ko-KR" altLang="en-US" sz="1400" b="1" dirty="0">
+                <a:latin typeface="맑은 고딕" panose="020B0503020000020004" pitchFamily="50" charset="-127"/>
+                <a:ea typeface="맑은 고딕" panose="020B0503020000020004" pitchFamily="50" charset="-127"/>
+              </a:endParaRPr>
+            </a:p>
+          </p:txBody>
+        </p:sp>
+        <p:sp>
+          <p:nvSpPr>
+            <p:cNvPr id="23" name="모서리가 둥근 직사각형 22"/>
+            <p:cNvSpPr/>
+            <p:nvPr/>
+          </p:nvSpPr>
+          <p:spPr>
+            <a:xfrm>
+              <a:off x="8928100" y="3771900"/>
+              <a:ext cx="977900" cy="304800"/>
+            </a:xfrm>
+            <a:prstGeom prst="roundRect">
+              <a:avLst>
+                <a:gd name="adj" fmla="val 50000"/>
+              </a:avLst>
+            </a:prstGeom>
+            <a:noFill/>
+            <a:ln>
+              <a:solidFill>
+                <a:srgbClr val="75D387"/>
+              </a:solidFill>
+            </a:ln>
+          </p:spPr>
+          <p:style>
+            <a:lnRef idx="2">
+              <a:schemeClr val="accent1">
+                <a:shade val="50000"/>
+              </a:schemeClr>
+            </a:lnRef>
+            <a:fillRef idx="1">
+              <a:schemeClr val="accent1"/>
+            </a:fillRef>
+            <a:effectRef idx="0">
+              <a:schemeClr val="accent1"/>
+            </a:effectRef>
+            <a:fontRef idx="minor">
+              <a:schemeClr val="lt1"/>
+            </a:fontRef>
+          </p:style>
+          <p:txBody>
+            <a:bodyPr rtlCol="0" anchor="ctr"/>
+            <a:lstStyle/>
+            <a:p>
+              <a:pPr algn="ctr"/>
+              <a:endParaRPr lang="ko-KR" altLang="en-US"/>
+            </a:p>
+          </p:txBody>
+        </p:sp>
+      </p:grpSp>
+      <p:grpSp>
+        <p:nvGrpSpPr>
+          <p:cNvPr id="24" name="그룹 23"/>
+          <p:cNvGrpSpPr/>
+          <p:nvPr/>
+        </p:nvGrpSpPr>
+        <p:grpSpPr>
+          <a:xfrm>
+            <a:off x="9968988" y="1760580"/>
+            <a:ext cx="1616113" cy="523220"/>
+            <a:chOff x="8928100" y="3768749"/>
+            <a:chExt cx="995583" cy="523220"/>
+          </a:xfrm>
+        </p:grpSpPr>
+        <p:sp>
+          <p:nvSpPr>
+            <p:cNvPr id="25" name="TextBox 24"/>
+            <p:cNvSpPr txBox="1"/>
+            <p:nvPr/>
+          </p:nvSpPr>
+          <p:spPr>
+            <a:xfrm>
+              <a:off x="8982505" y="3768749"/>
+              <a:ext cx="941178" cy="523220"/>
+            </a:xfrm>
+            <a:prstGeom prst="rect">
+              <a:avLst/>
+            </a:prstGeom>
+            <a:noFill/>
+          </p:spPr>
+          <p:txBody>
+            <a:bodyPr wrap="square" rtlCol="0">
+              <a:spAutoFit/>
+            </a:bodyPr>
+            <a:lstStyle/>
+            <a:p>
+              <a:r>
+                <a:rPr lang="en-US" altLang="ko-KR" sz="1400" b="1" dirty="0" smtClean="0">
+                  <a:latin typeface="맑은 고딕" panose="020B0503020000020004" pitchFamily="50" charset="-127"/>
+                  <a:ea typeface="맑은 고딕" panose="020B0503020000020004" pitchFamily="50" charset="-127"/>
+                </a:rPr>
+                <a:t>Movie_data.txt</a:t>
+              </a:r>
+              <a:endParaRPr lang="ko-KR" altLang="en-US" sz="1400" b="1" dirty="0">
+                <a:latin typeface="맑은 고딕" panose="020B0503020000020004" pitchFamily="50" charset="-127"/>
+                <a:ea typeface="맑은 고딕" panose="020B0503020000020004" pitchFamily="50" charset="-127"/>
+              </a:endParaRPr>
+            </a:p>
+          </p:txBody>
+        </p:sp>
+        <p:sp>
+          <p:nvSpPr>
+            <p:cNvPr id="26" name="모서리가 둥근 직사각형 25"/>
+            <p:cNvSpPr/>
+            <p:nvPr/>
+          </p:nvSpPr>
+          <p:spPr>
+            <a:xfrm>
+              <a:off x="8928100" y="3771900"/>
+              <a:ext cx="977900" cy="304800"/>
+            </a:xfrm>
+            <a:prstGeom prst="roundRect">
+              <a:avLst>
+                <a:gd name="adj" fmla="val 50000"/>
+              </a:avLst>
+            </a:prstGeom>
+            <a:noFill/>
+            <a:ln>
+              <a:solidFill>
+                <a:srgbClr val="75D387"/>
+              </a:solidFill>
+            </a:ln>
+          </p:spPr>
+          <p:style>
+            <a:lnRef idx="2">
+              <a:schemeClr val="accent1">
+                <a:shade val="50000"/>
+              </a:schemeClr>
+            </a:lnRef>
+            <a:fillRef idx="1">
+              <a:schemeClr val="accent1"/>
+            </a:fillRef>
+            <a:effectRef idx="0">
+              <a:schemeClr val="accent1"/>
+            </a:effectRef>
+            <a:fontRef idx="minor">
+              <a:schemeClr val="lt1"/>
+            </a:fontRef>
+          </p:style>
+          <p:txBody>
+            <a:bodyPr rtlCol="0" anchor="ctr"/>
+            <a:lstStyle/>
+            <a:p>
+              <a:pPr algn="ctr"/>
+              <a:endParaRPr lang="ko-KR" altLang="en-US"/>
+            </a:p>
+          </p:txBody>
+        </p:sp>
+      </p:grpSp>
     </p:spTree>
     <p:extLst>
       <p:ext uri="{BB962C8B-B14F-4D97-AF65-F5344CB8AC3E}">
@@ -14736,6 +15029,13 @@
   <p:clrMapOvr>
     <a:masterClrMapping/>
   </p:clrMapOvr>
+  <p:timing>
+    <p:tnLst>
+      <p:par>
+        <p:cTn id="1" dur="indefinite" restart="never" nodeType="tmRoot"/>
+      </p:par>
+    </p:tnLst>
+  </p:timing>
 </p:sld>
 </file>
 
@@ -14912,7 +15212,7 @@
         </p:nvSpPr>
         <p:spPr>
           <a:xfrm>
-            <a:off x="1173331" y="8170018"/>
+            <a:off x="1173331" y="7581900"/>
             <a:ext cx="16047869" cy="1644005"/>
           </a:xfrm>
           <a:prstGeom prst="roundRect">
@@ -14960,7 +15260,7 @@
         </p:nvSpPr>
         <p:spPr>
           <a:xfrm>
-            <a:off x="1320183" y="8238172"/>
+            <a:off x="1194923" y="7586380"/>
             <a:ext cx="15754163" cy="1477328"/>
           </a:xfrm>
           <a:prstGeom prst="rect">
@@ -15049,7 +15349,7 @@
             </a:endParaRPr>
           </a:p>
           <a:p>
-            <a:pPr marL="342900" indent="-342900" algn="just">
+            <a:pPr marL="396000" indent="-284400" algn="just">
               <a:buFont typeface="맑은 고딕" panose="020B0503020000020004" pitchFamily="50" charset="-127"/>
               <a:buChar char="-"/>
             </a:pPr>
@@ -15099,7 +15399,7 @@
                 <a:latin typeface="맑은 고딕" panose="020B0503020000020004" pitchFamily="50" charset="-127"/>
                 <a:ea typeface="맑은 고딕" panose="020B0503020000020004" pitchFamily="50" charset="-127"/>
               </a:rPr>
-              <a:t>받아오기</a:t>
+              <a:t>받아서 반환</a:t>
             </a:r>
             <a:endParaRPr lang="en-US" altLang="ko-KR" dirty="0">
               <a:solidFill>
@@ -15187,7 +15487,7 @@
             </a:endParaRPr>
           </a:p>
           <a:p>
-            <a:pPr marL="342900" indent="-342900" algn="just">
+            <a:pPr marL="396000" indent="-284400" algn="just">
               <a:buFont typeface="맑은 고딕" panose="020B0503020000020004" pitchFamily="50" charset="-127"/>
               <a:buChar char="-"/>
             </a:pPr>
@@ -15204,6 +15504,18 @@
               <a:t>매개변수로 </a:t>
             </a:r>
             <a:r>
+              <a:rPr lang="ko-KR" altLang="en-US" dirty="0" smtClean="0">
+                <a:solidFill>
+                  <a:schemeClr val="bg1">
+                    <a:lumMod val="50000"/>
+                  </a:schemeClr>
+                </a:solidFill>
+                <a:latin typeface="맑은 고딕" panose="020B0503020000020004" pitchFamily="50" charset="-127"/>
+                <a:ea typeface="맑은 고딕" panose="020B0503020000020004" pitchFamily="50" charset="-127"/>
+              </a:rPr>
+              <a:t>받은 </a:t>
+            </a:r>
+            <a:r>
               <a:rPr lang="en-US" altLang="ko-KR" dirty="0" err="1" smtClean="0">
                 <a:solidFill>
                   <a:schemeClr val="bg1">
@@ -15225,7 +15537,7 @@
                 <a:latin typeface="맑은 고딕" panose="020B0503020000020004" pitchFamily="50" charset="-127"/>
                 <a:ea typeface="맑은 고딕" panose="020B0503020000020004" pitchFamily="50" charset="-127"/>
               </a:rPr>
-              <a:t>를 받아서 </a:t>
+              <a:t>에 해당하는 데이터를 </a:t>
             </a:r>
             <a:r>
               <a:rPr lang="en-US" altLang="ko-KR" dirty="0" err="1" smtClean="0">
@@ -15261,7 +15573,7 @@
                 <a:latin typeface="맑은 고딕" panose="020B0503020000020004" pitchFamily="50" charset="-127"/>
                 <a:ea typeface="맑은 고딕" panose="020B0503020000020004" pitchFamily="50" charset="-127"/>
               </a:rPr>
-              <a:t>객체를 생성하여 해당하는 데이터 넣기</a:t>
+              <a:t>객체에 추가</a:t>
             </a:r>
             <a:endParaRPr lang="en-US" altLang="ko-KR" dirty="0" smtClean="0">
               <a:solidFill>
@@ -15274,21 +15586,12 @@
             </a:endParaRPr>
           </a:p>
           <a:p>
-            <a:pPr algn="just"/>
-            <a:r>
-              <a:rPr lang="en-US" altLang="ko-KR" dirty="0" smtClean="0">
-                <a:solidFill>
-                  <a:schemeClr val="bg1">
-                    <a:lumMod val="50000"/>
-                  </a:schemeClr>
-                </a:solidFill>
-                <a:latin typeface="맑은 고딕" panose="020B0503020000020004" pitchFamily="50" charset="-127"/>
-                <a:ea typeface="맑은 고딕" panose="020B0503020000020004" pitchFamily="50" charset="-127"/>
-              </a:rPr>
-              <a:t>- </a:t>
-            </a:r>
-            <a:r>
-              <a:rPr lang="en-US" altLang="ko-KR" dirty="0" err="1" smtClean="0">
+            <a:pPr marL="396000" indent="-284400" algn="just">
+              <a:buFont typeface="맑은 고딕" panose="020B0503020000020004" pitchFamily="50" charset="-127"/>
+              <a:buChar char="-"/>
+            </a:pPr>
+            <a:r>
+              <a:rPr lang="en-US" altLang="ko-KR" dirty="0" err="1">
                 <a:solidFill>
                   <a:schemeClr val="bg1">
                     <a:lumMod val="50000"/>
@@ -15300,6 +15603,18 @@
               <a:t>movieDelete</a:t>
             </a:r>
             <a:r>
+              <a:rPr lang="ko-KR" altLang="en-US" dirty="0">
+                <a:solidFill>
+                  <a:schemeClr val="bg1">
+                    <a:lumMod val="50000"/>
+                  </a:schemeClr>
+                </a:solidFill>
+                <a:latin typeface="맑은 고딕" panose="020B0503020000020004" pitchFamily="50" charset="-127"/>
+                <a:ea typeface="맑은 고딕" panose="020B0503020000020004" pitchFamily="50" charset="-127"/>
+              </a:rPr>
+              <a:t>에 값이 있을 경우 해당 데이터 </a:t>
+            </a:r>
+            <a:r>
               <a:rPr lang="ko-KR" altLang="en-US" dirty="0" smtClean="0">
                 <a:solidFill>
                   <a:schemeClr val="bg1">
@@ -15309,9 +15624,9 @@
                 <a:latin typeface="맑은 고딕" panose="020B0503020000020004" pitchFamily="50" charset="-127"/>
                 <a:ea typeface="맑은 고딕" panose="020B0503020000020004" pitchFamily="50" charset="-127"/>
               </a:rPr>
-              <a:t>에 값이 있을 경우 해당 데이터 삭제</a:t>
-            </a:r>
-            <a:endParaRPr lang="en-US" altLang="ko-KR" dirty="0" smtClean="0">
+              <a:t>삭제</a:t>
+            </a:r>
+            <a:endParaRPr lang="en-US" altLang="ko-KR" dirty="0">
               <a:solidFill>
                 <a:schemeClr val="bg1">
                   <a:lumMod val="50000"/>
@@ -15332,7 +15647,7 @@
         <p:spPr>
           <a:xfrm>
             <a:off x="1143000" y="1429711"/>
-            <a:ext cx="15158252" cy="2031325"/>
+            <a:ext cx="15158252" cy="1754326"/>
           </a:xfrm>
           <a:prstGeom prst="rect">
             <a:avLst/>
@@ -15640,24 +15955,13 @@
               <a:t>deleteNumber</a:t>
             </a:r>
             <a:r>
-              <a:rPr lang="en-US" altLang="ko-KR" dirty="0">
-                <a:solidFill>
-                  <a:srgbClr val="000000"/>
-                </a:solidFill>
-                <a:latin typeface="Consolas" panose="020B0609020204030204" pitchFamily="49" charset="0"/>
-              </a:rPr>
-              <a:t>;</a:t>
-            </a:r>
-          </a:p>
-          <a:p>
-            <a:r>
               <a:rPr lang="en-US" altLang="ko-KR" dirty="0" smtClean="0">
                 <a:solidFill>
                   <a:srgbClr val="000000"/>
                 </a:solidFill>
                 <a:latin typeface="Consolas" panose="020B0609020204030204" pitchFamily="49" charset="0"/>
               </a:rPr>
-              <a:t>}}</a:t>
+              <a:t>;}}</a:t>
             </a:r>
             <a:endParaRPr lang="en-US" altLang="ko-KR" dirty="0">
               <a:solidFill>
@@ -15676,8 +15980,8 @@
         </p:nvSpPr>
         <p:spPr>
           <a:xfrm>
-            <a:off x="1143000" y="3444707"/>
-            <a:ext cx="11582400" cy="4524315"/>
+            <a:off x="1143000" y="3086100"/>
+            <a:ext cx="11582400" cy="4247317"/>
           </a:xfrm>
           <a:prstGeom prst="rect">
             <a:avLst/>
@@ -16148,24 +16452,13 @@
               <a:t>break</a:t>
             </a:r>
             <a:r>
-              <a:rPr lang="en-US" altLang="ko-KR" dirty="0">
-                <a:solidFill>
-                  <a:srgbClr val="000000"/>
-                </a:solidFill>
-                <a:latin typeface="Consolas" panose="020B0609020204030204" pitchFamily="49" charset="0"/>
-              </a:rPr>
-              <a:t>;</a:t>
-            </a:r>
-          </a:p>
-          <a:p>
-            <a:r>
               <a:rPr lang="en-US" altLang="ko-KR" dirty="0" smtClean="0">
                 <a:solidFill>
                   <a:srgbClr val="000000"/>
                 </a:solidFill>
                 <a:latin typeface="Consolas" panose="020B0609020204030204" pitchFamily="49" charset="0"/>
               </a:rPr>
-              <a:t>}}</a:t>
+              <a:t>;}}</a:t>
             </a:r>
             <a:endParaRPr lang="en-US" altLang="ko-KR" dirty="0">
               <a:solidFill>
@@ -16474,7 +16767,7 @@
               <a:t> 찾을 수 없습니다</a:t>
             </a:r>
             <a:r>
-              <a:rPr lang="en-US" altLang="ko-KR" dirty="0">
+              <a:rPr lang="en-US" altLang="ko-KR" dirty="0" smtClean="0">
                 <a:solidFill>
                   <a:srgbClr val="2A00FF"/>
                 </a:solidFill>
@@ -16483,7 +16776,7 @@
               <a:t>."</a:t>
             </a:r>
             <a:r>
-              <a:rPr lang="en-US" altLang="ko-KR" dirty="0">
+              <a:rPr lang="en-US" altLang="ko-KR" dirty="0" smtClean="0">
                 <a:solidFill>
                   <a:srgbClr val="000000"/>
                 </a:solidFill>
@@ -16521,6 +16814,13 @@
   <p:clrMapOvr>
     <a:masterClrMapping/>
   </p:clrMapOvr>
+  <p:timing>
+    <p:tnLst>
+      <p:par>
+        <p:cTn id="1" dur="indefinite" restart="never" nodeType="tmRoot"/>
+      </p:par>
+    </p:tnLst>
+  </p:timing>
 </p:sld>
 </file>
 
@@ -16793,7 +17093,7 @@
         </p:nvSpPr>
         <p:spPr>
           <a:xfrm>
-            <a:off x="1320183" y="7656374"/>
+            <a:off x="1194923" y="7593744"/>
             <a:ext cx="15754163" cy="1754326"/>
           </a:xfrm>
           <a:prstGeom prst="rect">
@@ -16894,7 +17194,7 @@
             </a:endParaRPr>
           </a:p>
           <a:p>
-            <a:pPr marL="285750" indent="-285750" algn="just">
+            <a:pPr marL="396000" indent="-284400" algn="just">
               <a:buFont typeface="맑은 고딕" panose="020B0503020000020004" pitchFamily="50" charset="-127"/>
               <a:buChar char="-"/>
             </a:pPr>
@@ -17215,7 +17515,7 @@
             </a:endParaRPr>
           </a:p>
           <a:p>
-            <a:pPr marL="285750" indent="-285750" algn="just">
+            <a:pPr marL="396000" indent="-284400" algn="just">
               <a:buFont typeface="맑은 고딕" panose="020B0503020000020004" pitchFamily="50" charset="-127"/>
               <a:buChar char="-"/>
             </a:pPr>
@@ -17266,7 +17566,7 @@
             </a:endParaRPr>
           </a:p>
           <a:p>
-            <a:pPr marL="285750" indent="-285750" algn="just">
+            <a:pPr marL="396000" indent="-284400" algn="just">
               <a:buFont typeface="맑은 고딕" panose="020B0503020000020004" pitchFamily="50" charset="-127"/>
               <a:buChar char="-"/>
             </a:pPr>
@@ -17283,6 +17583,18 @@
               <a:t>Movie_data</a:t>
             </a:r>
             <a:r>
+              <a:rPr lang="en-US" altLang="ko-KR" dirty="0" smtClean="0">
+                <a:solidFill>
+                  <a:schemeClr val="bg1">
+                    <a:lumMod val="50000"/>
+                  </a:schemeClr>
+                </a:solidFill>
+                <a:latin typeface="맑은 고딕" panose="020B0503020000020004" pitchFamily="50" charset="-127"/>
+                <a:ea typeface="맑은 고딕" panose="020B0503020000020004" pitchFamily="50" charset="-127"/>
+              </a:rPr>
+              <a:t> </a:t>
+            </a:r>
+            <a:r>
               <a:rPr lang="ko-KR" altLang="en-US" dirty="0" smtClean="0">
                 <a:solidFill>
                   <a:schemeClr val="bg1">
@@ -17292,7 +17604,31 @@
                 <a:latin typeface="맑은 고딕" panose="020B0503020000020004" pitchFamily="50" charset="-127"/>
                 <a:ea typeface="맑은 고딕" panose="020B0503020000020004" pitchFamily="50" charset="-127"/>
               </a:rPr>
-              <a:t>파일에 해당하는 번호가 삭제됨</a:t>
+              <a:t>파일에 </a:t>
+            </a:r>
+            <a:r>
+              <a:rPr lang="ko-KR" altLang="en-US" dirty="0" smtClean="0">
+                <a:solidFill>
+                  <a:schemeClr val="bg1">
+                    <a:lumMod val="50000"/>
+                  </a:schemeClr>
+                </a:solidFill>
+                <a:latin typeface="맑은 고딕" panose="020B0503020000020004" pitchFamily="50" charset="-127"/>
+                <a:ea typeface="맑은 고딕" panose="020B0503020000020004" pitchFamily="50" charset="-127"/>
+              </a:rPr>
+              <a:t>해당하는 </a:t>
+            </a:r>
+            <a:r>
+              <a:rPr lang="ko-KR" altLang="en-US" dirty="0" smtClean="0">
+                <a:solidFill>
+                  <a:schemeClr val="bg1">
+                    <a:lumMod val="50000"/>
+                  </a:schemeClr>
+                </a:solidFill>
+                <a:latin typeface="맑은 고딕" panose="020B0503020000020004" pitchFamily="50" charset="-127"/>
+                <a:ea typeface="맑은 고딕" panose="020B0503020000020004" pitchFamily="50" charset="-127"/>
+              </a:rPr>
+              <a:t>데이터 삭제</a:t>
             </a:r>
             <a:endParaRPr lang="en-US" altLang="ko-KR" dirty="0" smtClean="0">
               <a:solidFill>
@@ -17714,78 +18050,6 @@
               </a:rPr>
               <a:t>;</a:t>
             </a:r>
-          </a:p>
-        </p:txBody>
-      </p:sp>
-      <p:sp>
-        <p:nvSpPr>
-          <p:cNvPr id="15" name="TextBox 14"/>
-          <p:cNvSpPr txBox="1"/>
-          <p:nvPr/>
-        </p:nvSpPr>
-        <p:spPr>
-          <a:xfrm>
-            <a:off x="1143000" y="4457700"/>
-            <a:ext cx="1446230" cy="369332"/>
-          </a:xfrm>
-          <a:prstGeom prst="rect">
-            <a:avLst/>
-          </a:prstGeom>
-          <a:noFill/>
-        </p:spPr>
-        <p:txBody>
-          <a:bodyPr wrap="none" rtlCol="0">
-            <a:spAutoFit/>
-          </a:bodyPr>
-          <a:lstStyle/>
-          <a:p>
-            <a:r>
-              <a:rPr lang="en-US" altLang="ko-KR" dirty="0" smtClean="0"/>
-              <a:t>Console </a:t>
-            </a:r>
-            <a:r>
-              <a:rPr lang="ko-KR" altLang="en-US" dirty="0" smtClean="0"/>
-              <a:t>화면</a:t>
-            </a:r>
-            <a:endParaRPr lang="ko-KR" altLang="en-US" dirty="0"/>
-          </a:p>
-        </p:txBody>
-      </p:sp>
-      <p:sp>
-        <p:nvSpPr>
-          <p:cNvPr id="18" name="TextBox 17"/>
-          <p:cNvSpPr txBox="1"/>
-          <p:nvPr/>
-        </p:nvSpPr>
-        <p:spPr>
-          <a:xfrm>
-            <a:off x="9372600" y="1562100"/>
-            <a:ext cx="1820178" cy="369332"/>
-          </a:xfrm>
-          <a:prstGeom prst="rect">
-            <a:avLst/>
-          </a:prstGeom>
-          <a:noFill/>
-        </p:spPr>
-        <p:txBody>
-          <a:bodyPr wrap="none" rtlCol="0">
-            <a:spAutoFit/>
-          </a:bodyPr>
-          <a:lstStyle/>
-          <a:p>
-            <a:r>
-              <a:rPr lang="en-US" altLang="ko-KR" dirty="0" err="1" smtClean="0"/>
-              <a:t>Movie_data</a:t>
-            </a:r>
-            <a:r>
-              <a:rPr lang="en-US" altLang="ko-KR" dirty="0" smtClean="0"/>
-              <a:t> </a:t>
-            </a:r>
-            <a:r>
-              <a:rPr lang="ko-KR" altLang="en-US" dirty="0" smtClean="0"/>
-              <a:t>파일</a:t>
-            </a:r>
-            <a:endParaRPr lang="ko-KR" altLang="en-US" dirty="0"/>
           </a:p>
         </p:txBody>
       </p:sp>
@@ -17948,7 +18212,7 @@
         </p:blipFill>
         <p:spPr>
           <a:xfrm>
-            <a:off x="1173331" y="4899555"/>
+            <a:off x="1173331" y="4914900"/>
             <a:ext cx="7970669" cy="1427310"/>
           </a:xfrm>
           <a:prstGeom prst="rect">
@@ -17956,6 +18220,204 @@
           </a:prstGeom>
         </p:spPr>
       </p:pic>
+      <p:grpSp>
+        <p:nvGrpSpPr>
+          <p:cNvPr id="21" name="그룹 20"/>
+          <p:cNvGrpSpPr/>
+          <p:nvPr/>
+        </p:nvGrpSpPr>
+        <p:grpSpPr>
+          <a:xfrm>
+            <a:off x="1208493" y="4567271"/>
+            <a:ext cx="1003301" cy="320477"/>
+            <a:chOff x="8928100" y="3756223"/>
+            <a:chExt cx="1003301" cy="320477"/>
+          </a:xfrm>
+        </p:grpSpPr>
+        <p:sp>
+          <p:nvSpPr>
+            <p:cNvPr id="22" name="TextBox 21"/>
+            <p:cNvSpPr txBox="1"/>
+            <p:nvPr/>
+          </p:nvSpPr>
+          <p:spPr>
+            <a:xfrm>
+              <a:off x="8990223" y="3756223"/>
+              <a:ext cx="941178" cy="307777"/>
+            </a:xfrm>
+            <a:prstGeom prst="rect">
+              <a:avLst/>
+            </a:prstGeom>
+            <a:noFill/>
+          </p:spPr>
+          <p:txBody>
+            <a:bodyPr wrap="square" rtlCol="0">
+              <a:spAutoFit/>
+            </a:bodyPr>
+            <a:lstStyle/>
+            <a:p>
+              <a:r>
+                <a:rPr lang="en-US" altLang="ko-KR" sz="1400" b="1" dirty="0" smtClean="0">
+                  <a:latin typeface="맑은 고딕" panose="020B0503020000020004" pitchFamily="50" charset="-127"/>
+                  <a:ea typeface="맑은 고딕" panose="020B0503020000020004" pitchFamily="50" charset="-127"/>
+                </a:rPr>
+                <a:t>Console</a:t>
+              </a:r>
+              <a:endParaRPr lang="ko-KR" altLang="en-US" sz="1400" b="1" dirty="0">
+                <a:latin typeface="맑은 고딕" panose="020B0503020000020004" pitchFamily="50" charset="-127"/>
+                <a:ea typeface="맑은 고딕" panose="020B0503020000020004" pitchFamily="50" charset="-127"/>
+              </a:endParaRPr>
+            </a:p>
+          </p:txBody>
+        </p:sp>
+        <p:sp>
+          <p:nvSpPr>
+            <p:cNvPr id="23" name="모서리가 둥근 직사각형 22"/>
+            <p:cNvSpPr/>
+            <p:nvPr/>
+          </p:nvSpPr>
+          <p:spPr>
+            <a:xfrm>
+              <a:off x="8928100" y="3771900"/>
+              <a:ext cx="977900" cy="304800"/>
+            </a:xfrm>
+            <a:prstGeom prst="roundRect">
+              <a:avLst>
+                <a:gd name="adj" fmla="val 50000"/>
+              </a:avLst>
+            </a:prstGeom>
+            <a:noFill/>
+            <a:ln>
+              <a:solidFill>
+                <a:srgbClr val="75D387"/>
+              </a:solidFill>
+            </a:ln>
+          </p:spPr>
+          <p:style>
+            <a:lnRef idx="2">
+              <a:schemeClr val="accent1">
+                <a:shade val="50000"/>
+              </a:schemeClr>
+            </a:lnRef>
+            <a:fillRef idx="1">
+              <a:schemeClr val="accent1"/>
+            </a:fillRef>
+            <a:effectRef idx="0">
+              <a:schemeClr val="accent1"/>
+            </a:effectRef>
+            <a:fontRef idx="minor">
+              <a:schemeClr val="lt1"/>
+            </a:fontRef>
+          </p:style>
+          <p:txBody>
+            <a:bodyPr rtlCol="0" anchor="ctr"/>
+            <a:lstStyle/>
+            <a:p>
+              <a:pPr algn="ctr"/>
+              <a:endParaRPr lang="ko-KR" altLang="en-US"/>
+            </a:p>
+          </p:txBody>
+        </p:sp>
+      </p:grpSp>
+      <p:grpSp>
+        <p:nvGrpSpPr>
+          <p:cNvPr id="24" name="그룹 23"/>
+          <p:cNvGrpSpPr/>
+          <p:nvPr/>
+        </p:nvGrpSpPr>
+        <p:grpSpPr>
+          <a:xfrm>
+            <a:off x="9500903" y="1711991"/>
+            <a:ext cx="1616113" cy="523220"/>
+            <a:chOff x="8928100" y="3768749"/>
+            <a:chExt cx="995583" cy="523220"/>
+          </a:xfrm>
+        </p:grpSpPr>
+        <p:sp>
+          <p:nvSpPr>
+            <p:cNvPr id="25" name="TextBox 24"/>
+            <p:cNvSpPr txBox="1"/>
+            <p:nvPr/>
+          </p:nvSpPr>
+          <p:spPr>
+            <a:xfrm>
+              <a:off x="8982505" y="3768749"/>
+              <a:ext cx="941178" cy="523220"/>
+            </a:xfrm>
+            <a:prstGeom prst="rect">
+              <a:avLst/>
+            </a:prstGeom>
+            <a:noFill/>
+          </p:spPr>
+          <p:txBody>
+            <a:bodyPr wrap="square" rtlCol="0">
+              <a:spAutoFit/>
+            </a:bodyPr>
+            <a:lstStyle/>
+            <a:p>
+              <a:r>
+                <a:rPr lang="en-US" altLang="ko-KR" sz="1400" b="1" dirty="0" smtClean="0">
+                  <a:latin typeface="맑은 고딕" panose="020B0503020000020004" pitchFamily="50" charset="-127"/>
+                  <a:ea typeface="맑은 고딕" panose="020B0503020000020004" pitchFamily="50" charset="-127"/>
+                </a:rPr>
+                <a:t>Movie_data.txt</a:t>
+              </a:r>
+              <a:endParaRPr lang="ko-KR" altLang="en-US" sz="1400" b="1" dirty="0">
+                <a:latin typeface="맑은 고딕" panose="020B0503020000020004" pitchFamily="50" charset="-127"/>
+                <a:ea typeface="맑은 고딕" panose="020B0503020000020004" pitchFamily="50" charset="-127"/>
+              </a:endParaRPr>
+            </a:p>
+          </p:txBody>
+        </p:sp>
+        <p:sp>
+          <p:nvSpPr>
+            <p:cNvPr id="26" name="모서리가 둥근 직사각형 25"/>
+            <p:cNvSpPr/>
+            <p:nvPr/>
+          </p:nvSpPr>
+          <p:spPr>
+            <a:xfrm>
+              <a:off x="8928100" y="3771900"/>
+              <a:ext cx="977900" cy="304800"/>
+            </a:xfrm>
+            <a:prstGeom prst="roundRect">
+              <a:avLst>
+                <a:gd name="adj" fmla="val 50000"/>
+              </a:avLst>
+            </a:prstGeom>
+            <a:noFill/>
+            <a:ln>
+              <a:solidFill>
+                <a:srgbClr val="75D387"/>
+              </a:solidFill>
+            </a:ln>
+          </p:spPr>
+          <p:style>
+            <a:lnRef idx="2">
+              <a:schemeClr val="accent1">
+                <a:shade val="50000"/>
+              </a:schemeClr>
+            </a:lnRef>
+            <a:fillRef idx="1">
+              <a:schemeClr val="accent1"/>
+            </a:fillRef>
+            <a:effectRef idx="0">
+              <a:schemeClr val="accent1"/>
+            </a:effectRef>
+            <a:fontRef idx="minor">
+              <a:schemeClr val="lt1"/>
+            </a:fontRef>
+          </p:style>
+          <p:txBody>
+            <a:bodyPr rtlCol="0" anchor="ctr"/>
+            <a:lstStyle/>
+            <a:p>
+              <a:pPr algn="ctr"/>
+              <a:endParaRPr lang="ko-KR" altLang="en-US"/>
+            </a:p>
+          </p:txBody>
+        </p:sp>
+      </p:grpSp>
     </p:spTree>
     <p:extLst>
       <p:ext uri="{BB962C8B-B14F-4D97-AF65-F5344CB8AC3E}">
@@ -17966,6 +18428,13 @@
   <p:clrMapOvr>
     <a:masterClrMapping/>
   </p:clrMapOvr>
+  <p:timing>
+    <p:tnLst>
+      <p:par>
+        <p:cTn id="1" dur="indefinite" restart="never" nodeType="tmRoot"/>
+      </p:par>
+    </p:tnLst>
+  </p:timing>
 </p:sld>
 </file>
 
@@ -18153,7 +18622,7 @@
         </p:nvSpPr>
         <p:spPr>
           <a:xfrm>
-            <a:off x="1173331" y="8099674"/>
+            <a:off x="1173331" y="7581900"/>
             <a:ext cx="16047869" cy="1714349"/>
           </a:xfrm>
           <a:prstGeom prst="roundRect">
@@ -18201,7 +18670,7 @@
         </p:nvSpPr>
         <p:spPr>
           <a:xfrm>
-            <a:off x="1320183" y="8077903"/>
+            <a:off x="1187289" y="7585181"/>
             <a:ext cx="15754163" cy="1754326"/>
           </a:xfrm>
           <a:prstGeom prst="rect">
@@ -18290,7 +18759,7 @@
             </a:endParaRPr>
           </a:p>
           <a:p>
-            <a:pPr marL="342900" indent="-342900" algn="just">
+            <a:pPr marL="396000" indent="-284400" algn="just">
               <a:buFont typeface="맑은 고딕" panose="020B0503020000020004" pitchFamily="50" charset="-127"/>
               <a:buChar char="-"/>
             </a:pPr>
@@ -18464,7 +18933,7 @@
             </a:endParaRPr>
           </a:p>
           <a:p>
-            <a:pPr marL="285750" indent="-285750" algn="just">
+            <a:pPr marL="396000" indent="-284400" algn="just">
               <a:buFont typeface="맑은 고딕" panose="020B0503020000020004" pitchFamily="50" charset="-127"/>
               <a:buChar char="-"/>
             </a:pPr>
@@ -18613,7 +19082,19 @@
                 <a:latin typeface="맑은 고딕" panose="020B0503020000020004" pitchFamily="50" charset="-127"/>
                 <a:ea typeface="맑은 고딕" panose="020B0503020000020004" pitchFamily="50" charset="-127"/>
               </a:rPr>
-              <a:t> 이상 리스트 가져오기</a:t>
+              <a:t> 이상 리스트 </a:t>
+            </a:r>
+            <a:r>
+              <a:rPr lang="ko-KR" altLang="en-US" dirty="0" smtClean="0">
+                <a:solidFill>
+                  <a:schemeClr val="bg1">
+                    <a:lumMod val="50000"/>
+                  </a:schemeClr>
+                </a:solidFill>
+                <a:latin typeface="맑은 고딕" panose="020B0503020000020004" pitchFamily="50" charset="-127"/>
+                <a:ea typeface="맑은 고딕" panose="020B0503020000020004" pitchFamily="50" charset="-127"/>
+              </a:rPr>
+              <a:t>출력</a:t>
             </a:r>
             <a:endParaRPr lang="en-US" altLang="ko-KR" dirty="0">
               <a:solidFill>
@@ -18626,7 +19107,7 @@
             </a:endParaRPr>
           </a:p>
           <a:p>
-            <a:pPr marL="285750" indent="-285750" algn="just">
+            <a:pPr marL="396000" indent="-285750" algn="just">
               <a:buFont typeface="맑은 고딕" panose="020B0503020000020004" pitchFamily="50" charset="-127"/>
               <a:buChar char="-"/>
             </a:pPr>
@@ -19648,47 +20129,112 @@
         <p:spPr>
           <a:xfrm>
             <a:off x="9797140" y="1958013"/>
-            <a:ext cx="7277206" cy="5714702"/>
+            <a:ext cx="7277206" cy="5395287"/>
           </a:xfrm>
           <a:prstGeom prst="rect">
             <a:avLst/>
           </a:prstGeom>
         </p:spPr>
       </p:pic>
-      <p:sp>
-        <p:nvSpPr>
-          <p:cNvPr id="19" name="TextBox 18"/>
-          <p:cNvSpPr txBox="1"/>
+      <p:grpSp>
+        <p:nvGrpSpPr>
+          <p:cNvPr id="14" name="그룹 13"/>
+          <p:cNvGrpSpPr/>
           <p:nvPr/>
-        </p:nvSpPr>
-        <p:spPr>
+        </p:nvGrpSpPr>
+        <p:grpSpPr>
           <a:xfrm>
-            <a:off x="9831370" y="1595229"/>
-            <a:ext cx="1446230" cy="369332"/>
+            <a:off x="9797140" y="1586755"/>
+            <a:ext cx="1003301" cy="320477"/>
+            <a:chOff x="8928100" y="3756223"/>
+            <a:chExt cx="1003301" cy="320477"/>
           </a:xfrm>
-          <a:prstGeom prst="rect">
-            <a:avLst/>
-          </a:prstGeom>
-          <a:noFill/>
-        </p:spPr>
-        <p:txBody>
-          <a:bodyPr wrap="none" rtlCol="0">
-            <a:spAutoFit/>
-          </a:bodyPr>
-          <a:lstStyle/>
-          <a:p>
-            <a:r>
-              <a:rPr lang="en-US" altLang="ko-KR" dirty="0" smtClean="0"/>
-              <a:t>Console </a:t>
-            </a:r>
-            <a:r>
-              <a:rPr lang="ko-KR" altLang="en-US" dirty="0" smtClean="0"/>
-              <a:t>화면</a:t>
-            </a:r>
-            <a:endParaRPr lang="ko-KR" altLang="en-US" dirty="0"/>
-          </a:p>
-        </p:txBody>
-      </p:sp>
+        </p:grpSpPr>
+        <p:sp>
+          <p:nvSpPr>
+            <p:cNvPr id="15" name="TextBox 14"/>
+            <p:cNvSpPr txBox="1"/>
+            <p:nvPr/>
+          </p:nvSpPr>
+          <p:spPr>
+            <a:xfrm>
+              <a:off x="8990223" y="3756223"/>
+              <a:ext cx="941178" cy="307777"/>
+            </a:xfrm>
+            <a:prstGeom prst="rect">
+              <a:avLst/>
+            </a:prstGeom>
+            <a:noFill/>
+          </p:spPr>
+          <p:txBody>
+            <a:bodyPr wrap="square" rtlCol="0">
+              <a:spAutoFit/>
+            </a:bodyPr>
+            <a:lstStyle/>
+            <a:p>
+              <a:r>
+                <a:rPr lang="en-US" altLang="ko-KR" sz="1400" b="1" dirty="0" smtClean="0">
+                  <a:latin typeface="맑은 고딕" panose="020B0503020000020004" pitchFamily="50" charset="-127"/>
+                  <a:ea typeface="맑은 고딕" panose="020B0503020000020004" pitchFamily="50" charset="-127"/>
+                </a:rPr>
+                <a:t>Console</a:t>
+              </a:r>
+              <a:endParaRPr lang="ko-KR" altLang="en-US" sz="1400" b="1" dirty="0">
+                <a:latin typeface="맑은 고딕" panose="020B0503020000020004" pitchFamily="50" charset="-127"/>
+                <a:ea typeface="맑은 고딕" panose="020B0503020000020004" pitchFamily="50" charset="-127"/>
+              </a:endParaRPr>
+            </a:p>
+          </p:txBody>
+        </p:sp>
+        <p:sp>
+          <p:nvSpPr>
+            <p:cNvPr id="17" name="모서리가 둥근 직사각형 16"/>
+            <p:cNvSpPr/>
+            <p:nvPr/>
+          </p:nvSpPr>
+          <p:spPr>
+            <a:xfrm>
+              <a:off x="8928100" y="3771900"/>
+              <a:ext cx="977900" cy="304800"/>
+            </a:xfrm>
+            <a:prstGeom prst="roundRect">
+              <a:avLst>
+                <a:gd name="adj" fmla="val 50000"/>
+              </a:avLst>
+            </a:prstGeom>
+            <a:noFill/>
+            <a:ln>
+              <a:solidFill>
+                <a:srgbClr val="75D387"/>
+              </a:solidFill>
+            </a:ln>
+          </p:spPr>
+          <p:style>
+            <a:lnRef idx="2">
+              <a:schemeClr val="accent1">
+                <a:shade val="50000"/>
+              </a:schemeClr>
+            </a:lnRef>
+            <a:fillRef idx="1">
+              <a:schemeClr val="accent1"/>
+            </a:fillRef>
+            <a:effectRef idx="0">
+              <a:schemeClr val="accent1"/>
+            </a:effectRef>
+            <a:fontRef idx="minor">
+              <a:schemeClr val="lt1"/>
+            </a:fontRef>
+          </p:style>
+          <p:txBody>
+            <a:bodyPr rtlCol="0" anchor="ctr"/>
+            <a:lstStyle/>
+            <a:p>
+              <a:pPr algn="ctr"/>
+              <a:endParaRPr lang="ko-KR" altLang="en-US"/>
+            </a:p>
+          </p:txBody>
+        </p:sp>
+      </p:grpSp>
     </p:spTree>
     <p:extLst>
       <p:ext uri="{BB962C8B-B14F-4D97-AF65-F5344CB8AC3E}">
@@ -19699,6 +20245,13 @@
   <p:clrMapOvr>
     <a:masterClrMapping/>
   </p:clrMapOvr>
+  <p:timing>
+    <p:tnLst>
+      <p:par>
+        <p:cTn id="1" dur="indefinite" restart="never" nodeType="tmRoot"/>
+      </p:par>
+    </p:tnLst>
+  </p:timing>
 </p:sld>
 </file>
 
@@ -19886,7 +20439,7 @@
         </p:nvSpPr>
         <p:spPr>
           <a:xfrm>
-            <a:off x="1173331" y="8099674"/>
+            <a:off x="1173331" y="7577937"/>
             <a:ext cx="16047869" cy="1714349"/>
           </a:xfrm>
           <a:prstGeom prst="roundRect">
@@ -19934,7 +20487,7 @@
         </p:nvSpPr>
         <p:spPr>
           <a:xfrm>
-            <a:off x="1320183" y="8077903"/>
+            <a:off x="1194923" y="7593744"/>
             <a:ext cx="15754163" cy="1754326"/>
           </a:xfrm>
           <a:prstGeom prst="rect">
@@ -20023,7 +20576,7 @@
             </a:endParaRPr>
           </a:p>
           <a:p>
-            <a:pPr marL="342900" indent="-342900" algn="just">
+            <a:pPr marL="396000" indent="-284400" algn="just">
               <a:buFont typeface="맑은 고딕" panose="020B0503020000020004" pitchFamily="50" charset="-127"/>
               <a:buChar char="-"/>
             </a:pPr>
@@ -20149,7 +20702,7 @@
             </a:endParaRPr>
           </a:p>
           <a:p>
-            <a:pPr marL="285750" indent="-285750" algn="just">
+            <a:pPr marL="396000" indent="-285750" algn="just">
               <a:buFont typeface="맑은 고딕" panose="020B0503020000020004" pitchFamily="50" charset="-127"/>
               <a:buChar char="-"/>
             </a:pPr>
@@ -20298,7 +20851,19 @@
                 <a:latin typeface="맑은 고딕" panose="020B0503020000020004" pitchFamily="50" charset="-127"/>
                 <a:ea typeface="맑은 고딕" panose="020B0503020000020004" pitchFamily="50" charset="-127"/>
               </a:rPr>
-              <a:t>장르 리스트 가져오기</a:t>
+              <a:t>장르 리스트 </a:t>
+            </a:r>
+            <a:r>
+              <a:rPr lang="ko-KR" altLang="en-US" dirty="0" smtClean="0">
+                <a:solidFill>
+                  <a:schemeClr val="bg1">
+                    <a:lumMod val="50000"/>
+                  </a:schemeClr>
+                </a:solidFill>
+                <a:latin typeface="맑은 고딕" panose="020B0503020000020004" pitchFamily="50" charset="-127"/>
+                <a:ea typeface="맑은 고딕" panose="020B0503020000020004" pitchFamily="50" charset="-127"/>
+              </a:rPr>
+              <a:t>출력</a:t>
             </a:r>
             <a:endParaRPr lang="en-US" altLang="ko-KR" dirty="0">
               <a:solidFill>
@@ -20311,7 +20876,7 @@
             </a:endParaRPr>
           </a:p>
           <a:p>
-            <a:pPr marL="285750" indent="-285750" algn="just">
+            <a:pPr marL="396000" indent="-285750" algn="just">
               <a:buFont typeface="맑은 고딕" panose="020B0503020000020004" pitchFamily="50" charset="-127"/>
               <a:buChar char="-"/>
             </a:pPr>
@@ -21227,40 +21792,6 @@
               </a:rPr>
               <a:t>;</a:t>
             </a:r>
-          </a:p>
-        </p:txBody>
-      </p:sp>
-      <p:sp>
-        <p:nvSpPr>
-          <p:cNvPr id="19" name="TextBox 18"/>
-          <p:cNvSpPr txBox="1"/>
-          <p:nvPr/>
-        </p:nvSpPr>
-        <p:spPr>
-          <a:xfrm>
-            <a:off x="9448800" y="1726168"/>
-            <a:ext cx="1446230" cy="369332"/>
-          </a:xfrm>
-          <a:prstGeom prst="rect">
-            <a:avLst/>
-          </a:prstGeom>
-          <a:noFill/>
-        </p:spPr>
-        <p:txBody>
-          <a:bodyPr wrap="none" rtlCol="0">
-            <a:spAutoFit/>
-          </a:bodyPr>
-          <a:lstStyle/>
-          <a:p>
-            <a:r>
-              <a:rPr lang="en-US" altLang="ko-KR" dirty="0" smtClean="0"/>
-              <a:t>Console </a:t>
-            </a:r>
-            <a:r>
-              <a:rPr lang="ko-KR" altLang="en-US" dirty="0" smtClean="0"/>
-              <a:t>화면</a:t>
-            </a:r>
-            <a:endParaRPr lang="ko-KR" altLang="en-US" dirty="0"/>
           </a:p>
         </p:txBody>
       </p:sp>
@@ -21287,6 +21818,105 @@
           </a:prstGeom>
         </p:spPr>
       </p:pic>
+      <p:grpSp>
+        <p:nvGrpSpPr>
+          <p:cNvPr id="14" name="그룹 13"/>
+          <p:cNvGrpSpPr/>
+          <p:nvPr/>
+        </p:nvGrpSpPr>
+        <p:grpSpPr>
+          <a:xfrm>
+            <a:off x="9503080" y="1787554"/>
+            <a:ext cx="1003301" cy="320477"/>
+            <a:chOff x="8928100" y="3756223"/>
+            <a:chExt cx="1003301" cy="320477"/>
+          </a:xfrm>
+        </p:grpSpPr>
+        <p:sp>
+          <p:nvSpPr>
+            <p:cNvPr id="15" name="TextBox 14"/>
+            <p:cNvSpPr txBox="1"/>
+            <p:nvPr/>
+          </p:nvSpPr>
+          <p:spPr>
+            <a:xfrm>
+              <a:off x="8990223" y="3756223"/>
+              <a:ext cx="941178" cy="307777"/>
+            </a:xfrm>
+            <a:prstGeom prst="rect">
+              <a:avLst/>
+            </a:prstGeom>
+            <a:noFill/>
+          </p:spPr>
+          <p:txBody>
+            <a:bodyPr wrap="square" rtlCol="0">
+              <a:spAutoFit/>
+            </a:bodyPr>
+            <a:lstStyle/>
+            <a:p>
+              <a:r>
+                <a:rPr lang="en-US" altLang="ko-KR" sz="1400" b="1" dirty="0" smtClean="0">
+                  <a:latin typeface="맑은 고딕" panose="020B0503020000020004" pitchFamily="50" charset="-127"/>
+                  <a:ea typeface="맑은 고딕" panose="020B0503020000020004" pitchFamily="50" charset="-127"/>
+                </a:rPr>
+                <a:t>Console</a:t>
+              </a:r>
+              <a:endParaRPr lang="ko-KR" altLang="en-US" sz="1400" b="1" dirty="0">
+                <a:latin typeface="맑은 고딕" panose="020B0503020000020004" pitchFamily="50" charset="-127"/>
+                <a:ea typeface="맑은 고딕" panose="020B0503020000020004" pitchFamily="50" charset="-127"/>
+              </a:endParaRPr>
+            </a:p>
+          </p:txBody>
+        </p:sp>
+        <p:sp>
+          <p:nvSpPr>
+            <p:cNvPr id="16" name="모서리가 둥근 직사각형 15"/>
+            <p:cNvSpPr/>
+            <p:nvPr/>
+          </p:nvSpPr>
+          <p:spPr>
+            <a:xfrm>
+              <a:off x="8928100" y="3771900"/>
+              <a:ext cx="977900" cy="304800"/>
+            </a:xfrm>
+            <a:prstGeom prst="roundRect">
+              <a:avLst>
+                <a:gd name="adj" fmla="val 50000"/>
+              </a:avLst>
+            </a:prstGeom>
+            <a:noFill/>
+            <a:ln>
+              <a:solidFill>
+                <a:srgbClr val="75D387"/>
+              </a:solidFill>
+            </a:ln>
+          </p:spPr>
+          <p:style>
+            <a:lnRef idx="2">
+              <a:schemeClr val="accent1">
+                <a:shade val="50000"/>
+              </a:schemeClr>
+            </a:lnRef>
+            <a:fillRef idx="1">
+              <a:schemeClr val="accent1"/>
+            </a:fillRef>
+            <a:effectRef idx="0">
+              <a:schemeClr val="accent1"/>
+            </a:effectRef>
+            <a:fontRef idx="minor">
+              <a:schemeClr val="lt1"/>
+            </a:fontRef>
+          </p:style>
+          <p:txBody>
+            <a:bodyPr rtlCol="0" anchor="ctr"/>
+            <a:lstStyle/>
+            <a:p>
+              <a:pPr algn="ctr"/>
+              <a:endParaRPr lang="ko-KR" altLang="en-US"/>
+            </a:p>
+          </p:txBody>
+        </p:sp>
+      </p:grpSp>
     </p:spTree>
     <p:extLst>
       <p:ext uri="{BB962C8B-B14F-4D97-AF65-F5344CB8AC3E}">
@@ -21297,6 +21927,13 @@
   <p:clrMapOvr>
     <a:masterClrMapping/>
   </p:clrMapOvr>
+  <p:timing>
+    <p:tnLst>
+      <p:par>
+        <p:cTn id="1" dur="indefinite" restart="never" nodeType="tmRoot"/>
+      </p:par>
+    </p:tnLst>
+  </p:timing>
 </p:sld>
 </file>
 
@@ -21813,6 +22450,13 @@
   <p:clrMapOvr>
     <a:masterClrMapping/>
   </p:clrMapOvr>
+  <p:timing>
+    <p:tnLst>
+      <p:par>
+        <p:cTn id="1" dur="indefinite" restart="never" nodeType="tmRoot"/>
+      </p:par>
+    </p:tnLst>
+  </p:timing>
 </p:sld>
 </file>
 
@@ -22000,7 +22644,7 @@
         </p:nvSpPr>
         <p:spPr>
           <a:xfrm>
-            <a:off x="1173331" y="8099674"/>
+            <a:off x="1179534" y="7581529"/>
             <a:ext cx="16047869" cy="1714349"/>
           </a:xfrm>
           <a:prstGeom prst="roundRect">
@@ -22048,7 +22692,7 @@
         </p:nvSpPr>
         <p:spPr>
           <a:xfrm>
-            <a:off x="1320183" y="8354902"/>
+            <a:off x="1188600" y="7586237"/>
             <a:ext cx="15754163" cy="1200329"/>
           </a:xfrm>
           <a:prstGeom prst="rect">
@@ -22176,7 +22820,7 @@
             </a:r>
           </a:p>
           <a:p>
-            <a:pPr marL="342900" indent="-342900" algn="just">
+            <a:pPr marL="396000" indent="-284400" algn="just">
               <a:buFont typeface="맑은 고딕" panose="020B0503020000020004" pitchFamily="50" charset="-127"/>
               <a:buChar char="-"/>
             </a:pPr>
@@ -22214,7 +22858,7 @@
                 <a:latin typeface="맑은 고딕" panose="020B0503020000020004" pitchFamily="50" charset="-127"/>
                 <a:ea typeface="맑은 고딕" panose="020B0503020000020004" pitchFamily="50" charset="-127"/>
               </a:rPr>
-              <a:t>forich</a:t>
+              <a:t>forEach</a:t>
             </a:r>
             <a:r>
               <a:rPr lang="ko-KR" altLang="en-US" dirty="0" smtClean="0">
@@ -22226,19 +22870,7 @@
                 <a:latin typeface="맑은 고딕" panose="020B0503020000020004" pitchFamily="50" charset="-127"/>
                 <a:ea typeface="맑은 고딕" panose="020B0503020000020004" pitchFamily="50" charset="-127"/>
               </a:rPr>
-              <a:t>를 사용하여 평점과 영화들을 </a:t>
-            </a:r>
-            <a:r>
-              <a:rPr lang="ko-KR" altLang="en-US" dirty="0" err="1" smtClean="0">
-                <a:solidFill>
-                  <a:schemeClr val="bg1">
-                    <a:lumMod val="50000"/>
-                  </a:schemeClr>
-                </a:solidFill>
-                <a:latin typeface="맑은 고딕" panose="020B0503020000020004" pitchFamily="50" charset="-127"/>
-                <a:ea typeface="맑은 고딕" panose="020B0503020000020004" pitchFamily="50" charset="-127"/>
-              </a:rPr>
-              <a:t>영화목록을</a:t>
+              <a:t>를 사용하여 평점과 </a:t>
             </a:r>
             <a:r>
               <a:rPr lang="ko-KR" altLang="en-US" dirty="0" smtClean="0">
@@ -22250,7 +22882,43 @@
                 <a:latin typeface="맑은 고딕" panose="020B0503020000020004" pitchFamily="50" charset="-127"/>
                 <a:ea typeface="맑은 고딕" panose="020B0503020000020004" pitchFamily="50" charset="-127"/>
               </a:rPr>
-              <a:t> 순회하면서 추가</a:t>
+              <a:t>영화</a:t>
+            </a:r>
+            <a:r>
+              <a:rPr lang="ko-KR" altLang="en-US" dirty="0">
+                <a:solidFill>
+                  <a:schemeClr val="bg1">
+                    <a:lumMod val="50000"/>
+                  </a:schemeClr>
+                </a:solidFill>
+                <a:latin typeface="맑은 고딕" panose="020B0503020000020004" pitchFamily="50" charset="-127"/>
+                <a:ea typeface="맑은 고딕" panose="020B0503020000020004" pitchFamily="50" charset="-127"/>
+              </a:rPr>
+              <a:t>를</a:t>
+            </a:r>
+            <a:r>
+              <a:rPr lang="ko-KR" altLang="en-US" dirty="0" smtClean="0">
+                <a:solidFill>
+                  <a:schemeClr val="bg1">
+                    <a:lumMod val="50000"/>
+                  </a:schemeClr>
+                </a:solidFill>
+                <a:latin typeface="맑은 고딕" panose="020B0503020000020004" pitchFamily="50" charset="-127"/>
+                <a:ea typeface="맑은 고딕" panose="020B0503020000020004" pitchFamily="50" charset="-127"/>
+              </a:rPr>
+              <a:t> 영화 목록을 </a:t>
+            </a:r>
+            <a:r>
+              <a:rPr lang="ko-KR" altLang="en-US" dirty="0" smtClean="0">
+                <a:solidFill>
+                  <a:schemeClr val="bg1">
+                    <a:lumMod val="50000"/>
+                  </a:schemeClr>
+                </a:solidFill>
+                <a:latin typeface="맑은 고딕" panose="020B0503020000020004" pitchFamily="50" charset="-127"/>
+                <a:ea typeface="맑은 고딕" panose="020B0503020000020004" pitchFamily="50" charset="-127"/>
+              </a:rPr>
+              <a:t>순회하면서 추가</a:t>
             </a:r>
             <a:endParaRPr lang="en-US" altLang="ko-KR" dirty="0" smtClean="0">
               <a:solidFill>
@@ -22263,7 +22931,7 @@
             </a:endParaRPr>
           </a:p>
           <a:p>
-            <a:pPr marL="342900" indent="-342900" algn="just">
+            <a:pPr marL="396000" indent="-284400" algn="just">
               <a:buFont typeface="맑은 고딕" panose="020B0503020000020004" pitchFamily="50" charset="-127"/>
               <a:buChar char="-"/>
             </a:pPr>
@@ -22374,7 +23042,7 @@
             </a:endParaRPr>
           </a:p>
           <a:p>
-            <a:pPr marL="342900" indent="-342900" algn="just">
+            <a:pPr marL="396000" indent="-284400" algn="just">
               <a:buFont typeface="맑은 고딕" panose="020B0503020000020004" pitchFamily="50" charset="-127"/>
               <a:buChar char="-"/>
             </a:pPr>
@@ -22435,7 +23103,7 @@
         <p:spPr>
           <a:xfrm>
             <a:off x="1219200" y="1485900"/>
-            <a:ext cx="15855146" cy="6463308"/>
+            <a:ext cx="15855146" cy="5909310"/>
           </a:xfrm>
           <a:prstGeom prst="rect">
             <a:avLst/>
@@ -23154,6 +23822,371 @@
               <a:t>movies</a:t>
             </a:r>
             <a:r>
+              <a:rPr lang="en-US" altLang="ko-KR" dirty="0" smtClean="0">
+                <a:solidFill>
+                  <a:srgbClr val="000000"/>
+                </a:solidFill>
+                <a:latin typeface="Consolas" panose="020B0609020204030204" pitchFamily="49" charset="0"/>
+              </a:rPr>
+              <a:t>);}</a:t>
+            </a:r>
+            <a:endParaRPr lang="en-US" altLang="ko-KR" dirty="0">
+              <a:solidFill>
+                <a:srgbClr val="000000"/>
+              </a:solidFill>
+              <a:latin typeface="Consolas" panose="020B0609020204030204" pitchFamily="49" charset="0"/>
+            </a:endParaRPr>
+          </a:p>
+          <a:p>
+            <a:r>
+              <a:rPr lang="en-US" altLang="ko-KR" dirty="0">
+                <a:solidFill>
+                  <a:srgbClr val="000000"/>
+                </a:solidFill>
+                <a:latin typeface="Consolas" panose="020B0609020204030204" pitchFamily="49" charset="0"/>
+              </a:rPr>
+              <a:t>List&lt;Integer&gt; </a:t>
+            </a:r>
+            <a:r>
+              <a:rPr lang="en-US" altLang="ko-KR" dirty="0">
+                <a:solidFill>
+                  <a:srgbClr val="6A3E3E"/>
+                </a:solidFill>
+                <a:latin typeface="Consolas" panose="020B0609020204030204" pitchFamily="49" charset="0"/>
+              </a:rPr>
+              <a:t>ratings</a:t>
+            </a:r>
+            <a:r>
+              <a:rPr lang="en-US" altLang="ko-KR" dirty="0">
+                <a:solidFill>
+                  <a:srgbClr val="000000"/>
+                </a:solidFill>
+                <a:latin typeface="Consolas" panose="020B0609020204030204" pitchFamily="49" charset="0"/>
+              </a:rPr>
+              <a:t> = </a:t>
+            </a:r>
+            <a:r>
+              <a:rPr lang="en-US" altLang="ko-KR" b="1" dirty="0">
+                <a:solidFill>
+                  <a:srgbClr val="7F0055"/>
+                </a:solidFill>
+                <a:latin typeface="Consolas" panose="020B0609020204030204" pitchFamily="49" charset="0"/>
+              </a:rPr>
+              <a:t>new</a:t>
+            </a:r>
+            <a:r>
+              <a:rPr lang="en-US" altLang="ko-KR" dirty="0">
+                <a:solidFill>
+                  <a:srgbClr val="000000"/>
+                </a:solidFill>
+                <a:latin typeface="Consolas" panose="020B0609020204030204" pitchFamily="49" charset="0"/>
+              </a:rPr>
+              <a:t> </a:t>
+            </a:r>
+            <a:r>
+              <a:rPr lang="en-US" altLang="ko-KR" dirty="0" err="1">
+                <a:solidFill>
+                  <a:srgbClr val="000000"/>
+                </a:solidFill>
+                <a:latin typeface="Consolas" panose="020B0609020204030204" pitchFamily="49" charset="0"/>
+              </a:rPr>
+              <a:t>ArrayList</a:t>
+            </a:r>
+            <a:r>
+              <a:rPr lang="en-US" altLang="ko-KR" dirty="0">
+                <a:solidFill>
+                  <a:srgbClr val="000000"/>
+                </a:solidFill>
+                <a:latin typeface="Consolas" panose="020B0609020204030204" pitchFamily="49" charset="0"/>
+              </a:rPr>
+              <a:t>&lt;&gt;(</a:t>
+            </a:r>
+            <a:r>
+              <a:rPr lang="en-US" altLang="ko-KR" dirty="0" err="1">
+                <a:solidFill>
+                  <a:srgbClr val="6A3E3E"/>
+                </a:solidFill>
+                <a:latin typeface="Consolas" panose="020B0609020204030204" pitchFamily="49" charset="0"/>
+              </a:rPr>
+              <a:t>ratingMap</a:t>
+            </a:r>
+            <a:r>
+              <a:rPr lang="en-US" altLang="ko-KR" dirty="0" err="1">
+                <a:solidFill>
+                  <a:srgbClr val="000000"/>
+                </a:solidFill>
+                <a:latin typeface="Consolas" panose="020B0609020204030204" pitchFamily="49" charset="0"/>
+              </a:rPr>
+              <a:t>.keySet</a:t>
+            </a:r>
+            <a:r>
+              <a:rPr lang="en-US" altLang="ko-KR" dirty="0">
+                <a:solidFill>
+                  <a:srgbClr val="000000"/>
+                </a:solidFill>
+                <a:latin typeface="Consolas" panose="020B0609020204030204" pitchFamily="49" charset="0"/>
+              </a:rPr>
+              <a:t>());</a:t>
+            </a:r>
+          </a:p>
+          <a:p>
+            <a:r>
+              <a:rPr lang="en-US" altLang="ko-KR" dirty="0" err="1">
+                <a:solidFill>
+                  <a:srgbClr val="000000"/>
+                </a:solidFill>
+                <a:latin typeface="Consolas" panose="020B0609020204030204" pitchFamily="49" charset="0"/>
+              </a:rPr>
+              <a:t>Collections.</a:t>
+            </a:r>
+            <a:r>
+              <a:rPr lang="en-US" altLang="ko-KR" i="1" dirty="0" err="1">
+                <a:solidFill>
+                  <a:srgbClr val="000000"/>
+                </a:solidFill>
+                <a:latin typeface="Consolas" panose="020B0609020204030204" pitchFamily="49" charset="0"/>
+              </a:rPr>
+              <a:t>sort</a:t>
+            </a:r>
+            <a:r>
+              <a:rPr lang="en-US" altLang="ko-KR" dirty="0">
+                <a:solidFill>
+                  <a:srgbClr val="000000"/>
+                </a:solidFill>
+                <a:latin typeface="Consolas" panose="020B0609020204030204" pitchFamily="49" charset="0"/>
+              </a:rPr>
+              <a:t>(</a:t>
+            </a:r>
+            <a:r>
+              <a:rPr lang="en-US" altLang="ko-KR" dirty="0" err="1">
+                <a:solidFill>
+                  <a:srgbClr val="6A3E3E"/>
+                </a:solidFill>
+                <a:latin typeface="Consolas" panose="020B0609020204030204" pitchFamily="49" charset="0"/>
+              </a:rPr>
+              <a:t>ratings</a:t>
+            </a:r>
+            <a:r>
+              <a:rPr lang="en-US" altLang="ko-KR" dirty="0" err="1">
+                <a:solidFill>
+                  <a:srgbClr val="000000"/>
+                </a:solidFill>
+                <a:latin typeface="Consolas" panose="020B0609020204030204" pitchFamily="49" charset="0"/>
+              </a:rPr>
+              <a:t>,Collections.</a:t>
+            </a:r>
+            <a:r>
+              <a:rPr lang="en-US" altLang="ko-KR" i="1" dirty="0" err="1">
+                <a:solidFill>
+                  <a:srgbClr val="000000"/>
+                </a:solidFill>
+                <a:latin typeface="Consolas" panose="020B0609020204030204" pitchFamily="49" charset="0"/>
+              </a:rPr>
+              <a:t>reverseOrder</a:t>
+            </a:r>
+            <a:r>
+              <a:rPr lang="en-US" altLang="ko-KR" dirty="0">
+                <a:solidFill>
+                  <a:srgbClr val="000000"/>
+                </a:solidFill>
+                <a:latin typeface="Consolas" panose="020B0609020204030204" pitchFamily="49" charset="0"/>
+              </a:rPr>
+              <a:t>());</a:t>
+            </a:r>
+          </a:p>
+          <a:p>
+            <a:r>
+              <a:rPr lang="en-US" altLang="ko-KR" b="1" dirty="0">
+                <a:solidFill>
+                  <a:srgbClr val="7F0055"/>
+                </a:solidFill>
+                <a:latin typeface="Consolas" panose="020B0609020204030204" pitchFamily="49" charset="0"/>
+              </a:rPr>
+              <a:t>for</a:t>
+            </a:r>
+            <a:r>
+              <a:rPr lang="en-US" altLang="ko-KR" dirty="0">
+                <a:solidFill>
+                  <a:srgbClr val="000000"/>
+                </a:solidFill>
+                <a:latin typeface="Consolas" panose="020B0609020204030204" pitchFamily="49" charset="0"/>
+              </a:rPr>
+              <a:t> (</a:t>
+            </a:r>
+            <a:r>
+              <a:rPr lang="en-US" altLang="ko-KR" b="1" dirty="0" err="1">
+                <a:solidFill>
+                  <a:srgbClr val="7F0055"/>
+                </a:solidFill>
+                <a:latin typeface="Consolas" panose="020B0609020204030204" pitchFamily="49" charset="0"/>
+              </a:rPr>
+              <a:t>int</a:t>
+            </a:r>
+            <a:r>
+              <a:rPr lang="en-US" altLang="ko-KR" dirty="0">
+                <a:solidFill>
+                  <a:srgbClr val="000000"/>
+                </a:solidFill>
+                <a:latin typeface="Consolas" panose="020B0609020204030204" pitchFamily="49" charset="0"/>
+              </a:rPr>
+              <a:t> </a:t>
+            </a:r>
+            <a:r>
+              <a:rPr lang="en-US" altLang="ko-KR" dirty="0" err="1">
+                <a:solidFill>
+                  <a:srgbClr val="6A3E3E"/>
+                </a:solidFill>
+                <a:latin typeface="Consolas" panose="020B0609020204030204" pitchFamily="49" charset="0"/>
+              </a:rPr>
+              <a:t>i</a:t>
+            </a:r>
+            <a:r>
+              <a:rPr lang="en-US" altLang="ko-KR" dirty="0">
+                <a:solidFill>
+                  <a:srgbClr val="000000"/>
+                </a:solidFill>
+                <a:latin typeface="Consolas" panose="020B0609020204030204" pitchFamily="49" charset="0"/>
+              </a:rPr>
+              <a:t> = 0; </a:t>
+            </a:r>
+            <a:r>
+              <a:rPr lang="en-US" altLang="ko-KR" dirty="0" err="1">
+                <a:solidFill>
+                  <a:srgbClr val="6A3E3E"/>
+                </a:solidFill>
+                <a:latin typeface="Consolas" panose="020B0609020204030204" pitchFamily="49" charset="0"/>
+              </a:rPr>
+              <a:t>i</a:t>
+            </a:r>
+            <a:r>
+              <a:rPr lang="en-US" altLang="ko-KR" dirty="0">
+                <a:solidFill>
+                  <a:srgbClr val="000000"/>
+                </a:solidFill>
+                <a:latin typeface="Consolas" panose="020B0609020204030204" pitchFamily="49" charset="0"/>
+              </a:rPr>
+              <a:t> &lt; </a:t>
+            </a:r>
+            <a:r>
+              <a:rPr lang="en-US" altLang="ko-KR" dirty="0" err="1">
+                <a:solidFill>
+                  <a:srgbClr val="6A3E3E"/>
+                </a:solidFill>
+                <a:latin typeface="Consolas" panose="020B0609020204030204" pitchFamily="49" charset="0"/>
+              </a:rPr>
+              <a:t>ratings</a:t>
+            </a:r>
+            <a:r>
+              <a:rPr lang="en-US" altLang="ko-KR" dirty="0" err="1">
+                <a:solidFill>
+                  <a:srgbClr val="000000"/>
+                </a:solidFill>
+                <a:latin typeface="Consolas" panose="020B0609020204030204" pitchFamily="49" charset="0"/>
+              </a:rPr>
+              <a:t>.size</a:t>
+            </a:r>
+            <a:r>
+              <a:rPr lang="en-US" altLang="ko-KR" dirty="0">
+                <a:solidFill>
+                  <a:srgbClr val="000000"/>
+                </a:solidFill>
+                <a:latin typeface="Consolas" panose="020B0609020204030204" pitchFamily="49" charset="0"/>
+              </a:rPr>
+              <a:t>(); </a:t>
+            </a:r>
+            <a:r>
+              <a:rPr lang="en-US" altLang="ko-KR" dirty="0" err="1">
+                <a:solidFill>
+                  <a:srgbClr val="6A3E3E"/>
+                </a:solidFill>
+                <a:latin typeface="Consolas" panose="020B0609020204030204" pitchFamily="49" charset="0"/>
+              </a:rPr>
+              <a:t>i</a:t>
+            </a:r>
+            <a:r>
+              <a:rPr lang="en-US" altLang="ko-KR" dirty="0">
+                <a:solidFill>
+                  <a:srgbClr val="000000"/>
+                </a:solidFill>
+                <a:latin typeface="Consolas" panose="020B0609020204030204" pitchFamily="49" charset="0"/>
+              </a:rPr>
+              <a:t>++) {</a:t>
+            </a:r>
+          </a:p>
+          <a:p>
+            <a:r>
+              <a:rPr lang="en-US" altLang="ko-KR" b="1" dirty="0" err="1">
+                <a:solidFill>
+                  <a:srgbClr val="7F0055"/>
+                </a:solidFill>
+                <a:latin typeface="Consolas" panose="020B0609020204030204" pitchFamily="49" charset="0"/>
+              </a:rPr>
+              <a:t>int</a:t>
+            </a:r>
+            <a:r>
+              <a:rPr lang="en-US" altLang="ko-KR" dirty="0">
+                <a:solidFill>
+                  <a:srgbClr val="000000"/>
+                </a:solidFill>
+                <a:latin typeface="Consolas" panose="020B0609020204030204" pitchFamily="49" charset="0"/>
+              </a:rPr>
+              <a:t> </a:t>
+            </a:r>
+            <a:r>
+              <a:rPr lang="en-US" altLang="ko-KR" dirty="0">
+                <a:solidFill>
+                  <a:srgbClr val="6A3E3E"/>
+                </a:solidFill>
+                <a:latin typeface="Consolas" panose="020B0609020204030204" pitchFamily="49" charset="0"/>
+              </a:rPr>
+              <a:t>rating</a:t>
+            </a:r>
+            <a:r>
+              <a:rPr lang="en-US" altLang="ko-KR" dirty="0">
+                <a:solidFill>
+                  <a:srgbClr val="000000"/>
+                </a:solidFill>
+                <a:latin typeface="Consolas" panose="020B0609020204030204" pitchFamily="49" charset="0"/>
+              </a:rPr>
+              <a:t> = </a:t>
+            </a:r>
+            <a:r>
+              <a:rPr lang="en-US" altLang="ko-KR" dirty="0" err="1">
+                <a:solidFill>
+                  <a:srgbClr val="6A3E3E"/>
+                </a:solidFill>
+                <a:latin typeface="Consolas" panose="020B0609020204030204" pitchFamily="49" charset="0"/>
+              </a:rPr>
+              <a:t>ratings</a:t>
+            </a:r>
+            <a:r>
+              <a:rPr lang="en-US" altLang="ko-KR" dirty="0" err="1">
+                <a:solidFill>
+                  <a:srgbClr val="000000"/>
+                </a:solidFill>
+                <a:latin typeface="Consolas" panose="020B0609020204030204" pitchFamily="49" charset="0"/>
+              </a:rPr>
+              <a:t>.get</a:t>
+            </a:r>
+            <a:r>
+              <a:rPr lang="en-US" altLang="ko-KR" dirty="0">
+                <a:solidFill>
+                  <a:srgbClr val="000000"/>
+                </a:solidFill>
+                <a:latin typeface="Consolas" panose="020B0609020204030204" pitchFamily="49" charset="0"/>
+              </a:rPr>
+              <a:t>(</a:t>
+            </a:r>
+            <a:r>
+              <a:rPr lang="en-US" altLang="ko-KR" dirty="0" err="1">
+                <a:solidFill>
+                  <a:srgbClr val="6A3E3E"/>
+                </a:solidFill>
+                <a:latin typeface="Consolas" panose="020B0609020204030204" pitchFamily="49" charset="0"/>
+              </a:rPr>
+              <a:t>i</a:t>
+            </a:r>
+            <a:r>
               <a:rPr lang="en-US" altLang="ko-KR" dirty="0">
                 <a:solidFill>
                   <a:srgbClr val="000000"/>
@@ -23171,18 +24204,25 @@
                 </a:solidFill>
                 <a:latin typeface="Consolas" panose="020B0609020204030204" pitchFamily="49" charset="0"/>
               </a:rPr>
-              <a:t>}</a:t>
-            </a:r>
-          </a:p>
-          <a:p>
-            <a:r>
-              <a:rPr lang="en-US" altLang="ko-KR" dirty="0">
-                <a:solidFill>
-                  <a:srgbClr val="000000"/>
-                </a:solidFill>
-                <a:latin typeface="Consolas" panose="020B0609020204030204" pitchFamily="49" charset="0"/>
-              </a:rPr>
-              <a:t>List&lt;Integer&gt; </a:t>
+              <a:t>List&lt;</a:t>
+            </a:r>
+            <a:r>
+              <a:rPr lang="en-US" altLang="ko-KR" dirty="0" err="1">
+                <a:solidFill>
+                  <a:srgbClr val="000000"/>
+                </a:solidFill>
+                <a:latin typeface="Consolas" panose="020B0609020204030204" pitchFamily="49" charset="0"/>
+              </a:rPr>
+              <a:t>MovieDto</a:t>
+            </a:r>
+            <a:r>
+              <a:rPr lang="en-US" altLang="ko-KR" dirty="0">
+                <a:solidFill>
+                  <a:srgbClr val="000000"/>
+                </a:solidFill>
+                <a:latin typeface="Consolas" panose="020B0609020204030204" pitchFamily="49" charset="0"/>
+              </a:rPr>
+              <a:t>&gt; </a:t>
             </a:r>
             <a:r>
               <a:rPr lang="en-US" altLang="ko-KR" dirty="0">
@@ -23191,7 +24231,7 @@
                 </a:solidFill>
                 <a:latin typeface="Consolas" panose="020B0609020204030204" pitchFamily="49" charset="0"/>
               </a:rPr>
-              <a:t>ratings</a:t>
+              <a:t>movies</a:t>
             </a:r>
             <a:r>
               <a:rPr lang="en-US" altLang="ko-KR" dirty="0">
@@ -23203,13 +24243,233 @@
               <a:t> = </a:t>
             </a:r>
             <a:r>
+              <a:rPr lang="en-US" altLang="ko-KR" dirty="0" err="1">
+                <a:solidFill>
+                  <a:srgbClr val="6A3E3E"/>
+                </a:solidFill>
+                <a:latin typeface="Consolas" panose="020B0609020204030204" pitchFamily="49" charset="0"/>
+              </a:rPr>
+              <a:t>ratingMap</a:t>
+            </a:r>
+            <a:r>
+              <a:rPr lang="en-US" altLang="ko-KR" dirty="0" err="1">
+                <a:solidFill>
+                  <a:srgbClr val="000000"/>
+                </a:solidFill>
+                <a:latin typeface="Consolas" panose="020B0609020204030204" pitchFamily="49" charset="0"/>
+              </a:rPr>
+              <a:t>.get</a:t>
+            </a:r>
+            <a:r>
+              <a:rPr lang="en-US" altLang="ko-KR" dirty="0">
+                <a:solidFill>
+                  <a:srgbClr val="000000"/>
+                </a:solidFill>
+                <a:latin typeface="Consolas" panose="020B0609020204030204" pitchFamily="49" charset="0"/>
+              </a:rPr>
+              <a:t>(</a:t>
+            </a:r>
+            <a:r>
+              <a:rPr lang="en-US" altLang="ko-KR" dirty="0">
+                <a:solidFill>
+                  <a:srgbClr val="6A3E3E"/>
+                </a:solidFill>
+                <a:latin typeface="Consolas" panose="020B0609020204030204" pitchFamily="49" charset="0"/>
+              </a:rPr>
+              <a:t>rating</a:t>
+            </a:r>
+            <a:r>
+              <a:rPr lang="en-US" altLang="ko-KR" dirty="0">
+                <a:solidFill>
+                  <a:srgbClr val="000000"/>
+                </a:solidFill>
+                <a:latin typeface="Consolas" panose="020B0609020204030204" pitchFamily="49" charset="0"/>
+              </a:rPr>
+              <a:t>);</a:t>
+            </a:r>
+          </a:p>
+          <a:p>
+            <a:r>
+              <a:rPr lang="en-US" altLang="ko-KR" dirty="0" err="1">
+                <a:solidFill>
+                  <a:srgbClr val="000000"/>
+                </a:solidFill>
+                <a:latin typeface="Consolas" panose="020B0609020204030204" pitchFamily="49" charset="0"/>
+              </a:rPr>
+              <a:t>System.</a:t>
+            </a:r>
+            <a:r>
+              <a:rPr lang="en-US" altLang="ko-KR" b="1" i="1" dirty="0" err="1">
+                <a:solidFill>
+                  <a:srgbClr val="0000C0"/>
+                </a:solidFill>
+                <a:latin typeface="Consolas" panose="020B0609020204030204" pitchFamily="49" charset="0"/>
+              </a:rPr>
+              <a:t>out</a:t>
+            </a:r>
+            <a:r>
+              <a:rPr lang="en-US" altLang="ko-KR" dirty="0" err="1">
+                <a:solidFill>
+                  <a:srgbClr val="000000"/>
+                </a:solidFill>
+                <a:latin typeface="Consolas" panose="020B0609020204030204" pitchFamily="49" charset="0"/>
+              </a:rPr>
+              <a:t>.print</a:t>
+            </a:r>
+            <a:r>
+              <a:rPr lang="en-US" altLang="ko-KR" dirty="0">
+                <a:solidFill>
+                  <a:srgbClr val="000000"/>
+                </a:solidFill>
+                <a:latin typeface="Consolas" panose="020B0609020204030204" pitchFamily="49" charset="0"/>
+              </a:rPr>
+              <a:t>((</a:t>
+            </a:r>
+            <a:r>
+              <a:rPr lang="en-US" altLang="ko-KR" dirty="0" err="1">
+                <a:solidFill>
+                  <a:srgbClr val="6A3E3E"/>
+                </a:solidFill>
+                <a:latin typeface="Consolas" panose="020B0609020204030204" pitchFamily="49" charset="0"/>
+              </a:rPr>
+              <a:t>i</a:t>
+            </a:r>
+            <a:r>
+              <a:rPr lang="en-US" altLang="ko-KR" dirty="0">
+                <a:solidFill>
+                  <a:srgbClr val="000000"/>
+                </a:solidFill>
+                <a:latin typeface="Consolas" panose="020B0609020204030204" pitchFamily="49" charset="0"/>
+              </a:rPr>
+              <a:t> + 1) + </a:t>
+            </a:r>
+            <a:r>
+              <a:rPr lang="en-US" altLang="ko-KR" dirty="0">
+                <a:solidFill>
+                  <a:srgbClr val="2A00FF"/>
+                </a:solidFill>
+                <a:latin typeface="Consolas" panose="020B0609020204030204" pitchFamily="49" charset="0"/>
+              </a:rPr>
+              <a:t>"</a:t>
+            </a:r>
+            <a:r>
+              <a:rPr lang="ko-KR" altLang="en-US" dirty="0">
+                <a:solidFill>
+                  <a:srgbClr val="2A00FF"/>
+                </a:solidFill>
+                <a:latin typeface="Consolas" panose="020B0609020204030204" pitchFamily="49" charset="0"/>
+              </a:rPr>
+              <a:t>위</a:t>
+            </a:r>
+            <a:r>
+              <a:rPr lang="en-US" altLang="ko-KR" dirty="0">
+                <a:solidFill>
+                  <a:srgbClr val="2A00FF"/>
+                </a:solidFill>
+                <a:latin typeface="Consolas" panose="020B0609020204030204" pitchFamily="49" charset="0"/>
+              </a:rPr>
+              <a:t>: "</a:t>
+            </a:r>
+            <a:r>
+              <a:rPr lang="ko-KR" altLang="en-US" dirty="0">
+                <a:solidFill>
+                  <a:srgbClr val="000000"/>
+                </a:solidFill>
+                <a:latin typeface="Consolas" panose="020B0609020204030204" pitchFamily="49" charset="0"/>
+              </a:rPr>
+              <a:t> </a:t>
+            </a:r>
+            <a:r>
+              <a:rPr lang="en-US" altLang="ko-KR" dirty="0">
+                <a:solidFill>
+                  <a:srgbClr val="000000"/>
+                </a:solidFill>
+                <a:latin typeface="Consolas" panose="020B0609020204030204" pitchFamily="49" charset="0"/>
+              </a:rPr>
+              <a:t>+ </a:t>
+            </a:r>
+            <a:r>
+              <a:rPr lang="en-US" altLang="ko-KR" dirty="0">
+                <a:solidFill>
+                  <a:srgbClr val="6A3E3E"/>
+                </a:solidFill>
+                <a:latin typeface="Consolas" panose="020B0609020204030204" pitchFamily="49" charset="0"/>
+              </a:rPr>
+              <a:t>rating</a:t>
+            </a:r>
+            <a:r>
+              <a:rPr lang="en-US" altLang="ko-KR" dirty="0">
+                <a:solidFill>
+                  <a:srgbClr val="000000"/>
+                </a:solidFill>
+                <a:latin typeface="Consolas" panose="020B0609020204030204" pitchFamily="49" charset="0"/>
+              </a:rPr>
+              <a:t> + </a:t>
+            </a:r>
+            <a:r>
+              <a:rPr lang="en-US" altLang="ko-KR" dirty="0">
+                <a:solidFill>
+                  <a:srgbClr val="2A00FF"/>
+                </a:solidFill>
+                <a:latin typeface="Consolas" panose="020B0609020204030204" pitchFamily="49" charset="0"/>
+              </a:rPr>
+              <a:t>"</a:t>
+            </a:r>
+            <a:r>
+              <a:rPr lang="ko-KR" altLang="en-US" dirty="0">
+                <a:solidFill>
+                  <a:srgbClr val="2A00FF"/>
+                </a:solidFill>
+                <a:latin typeface="Consolas" panose="020B0609020204030204" pitchFamily="49" charset="0"/>
+              </a:rPr>
+              <a:t>점 </a:t>
+            </a:r>
+            <a:r>
+              <a:rPr lang="en-US" altLang="ko-KR" dirty="0">
+                <a:solidFill>
+                  <a:srgbClr val="2A00FF"/>
+                </a:solidFill>
+                <a:latin typeface="Consolas" panose="020B0609020204030204" pitchFamily="49" charset="0"/>
+              </a:rPr>
+              <a:t>("</a:t>
+            </a:r>
+            <a:r>
+              <a:rPr lang="en-US" altLang="ko-KR" dirty="0">
+                <a:solidFill>
+                  <a:srgbClr val="000000"/>
+                </a:solidFill>
+                <a:latin typeface="Consolas" panose="020B0609020204030204" pitchFamily="49" charset="0"/>
+              </a:rPr>
+              <a:t>);</a:t>
+            </a:r>
+          </a:p>
+          <a:p>
+            <a:r>
               <a:rPr lang="en-US" altLang="ko-KR" b="1" dirty="0">
                 <a:solidFill>
                   <a:srgbClr val="7F0055"/>
                 </a:solidFill>
                 <a:latin typeface="Consolas" panose="020B0609020204030204" pitchFamily="49" charset="0"/>
               </a:rPr>
-              <a:t>new</a:t>
+              <a:t>for</a:t>
+            </a:r>
+            <a:r>
+              <a:rPr lang="en-US" altLang="ko-KR" dirty="0">
+                <a:solidFill>
+                  <a:srgbClr val="000000"/>
+                </a:solidFill>
+                <a:latin typeface="Consolas" panose="020B0609020204030204" pitchFamily="49" charset="0"/>
+              </a:rPr>
+              <a:t> (</a:t>
+            </a:r>
+            <a:r>
+              <a:rPr lang="en-US" altLang="ko-KR" b="1" dirty="0" err="1">
+                <a:solidFill>
+                  <a:srgbClr val="7F0055"/>
+                </a:solidFill>
+                <a:latin typeface="Consolas" panose="020B0609020204030204" pitchFamily="49" charset="0"/>
+              </a:rPr>
+              <a:t>int</a:t>
             </a:r>
             <a:r>
               <a:rPr lang="en-US" altLang="ko-KR" dirty="0">
@@ -23221,40 +24481,186 @@
               <a:t> </a:t>
             </a:r>
             <a:r>
-              <a:rPr lang="en-US" altLang="ko-KR" dirty="0" err="1">
-                <a:solidFill>
-                  <a:srgbClr val="000000"/>
-                </a:solidFill>
-                <a:latin typeface="Consolas" panose="020B0609020204030204" pitchFamily="49" charset="0"/>
-              </a:rPr>
-              <a:t>ArrayList</a:t>
-            </a:r>
-            <a:r>
-              <a:rPr lang="en-US" altLang="ko-KR" dirty="0">
-                <a:solidFill>
-                  <a:srgbClr val="000000"/>
-                </a:solidFill>
-                <a:latin typeface="Consolas" panose="020B0609020204030204" pitchFamily="49" charset="0"/>
-              </a:rPr>
-              <a:t>&lt;&gt;(</a:t>
-            </a:r>
-            <a:r>
-              <a:rPr lang="en-US" altLang="ko-KR" dirty="0" err="1">
+              <a:rPr lang="en-US" altLang="ko-KR" dirty="0">
                 <a:solidFill>
                   <a:srgbClr val="6A3E3E"/>
                 </a:solidFill>
                 <a:latin typeface="Consolas" panose="020B0609020204030204" pitchFamily="49" charset="0"/>
               </a:rPr>
-              <a:t>ratingMap</a:t>
-            </a:r>
-            <a:r>
-              <a:rPr lang="en-US" altLang="ko-KR" dirty="0" err="1">
-                <a:solidFill>
-                  <a:srgbClr val="000000"/>
-                </a:solidFill>
-                <a:latin typeface="Consolas" panose="020B0609020204030204" pitchFamily="49" charset="0"/>
-              </a:rPr>
-              <a:t>.keySet</a:t>
+              <a:t>j</a:t>
+            </a:r>
+            <a:r>
+              <a:rPr lang="en-US" altLang="ko-KR" dirty="0">
+                <a:solidFill>
+                  <a:srgbClr val="000000"/>
+                </a:solidFill>
+                <a:latin typeface="Consolas" panose="020B0609020204030204" pitchFamily="49" charset="0"/>
+              </a:rPr>
+              <a:t> = 0; </a:t>
+            </a:r>
+            <a:r>
+              <a:rPr lang="en-US" altLang="ko-KR" dirty="0">
+                <a:solidFill>
+                  <a:srgbClr val="6A3E3E"/>
+                </a:solidFill>
+                <a:latin typeface="Consolas" panose="020B0609020204030204" pitchFamily="49" charset="0"/>
+              </a:rPr>
+              <a:t>j</a:t>
+            </a:r>
+            <a:r>
+              <a:rPr lang="en-US" altLang="ko-KR" dirty="0">
+                <a:solidFill>
+                  <a:srgbClr val="000000"/>
+                </a:solidFill>
+                <a:latin typeface="Consolas" panose="020B0609020204030204" pitchFamily="49" charset="0"/>
+              </a:rPr>
+              <a:t> &lt; </a:t>
+            </a:r>
+            <a:r>
+              <a:rPr lang="en-US" altLang="ko-KR" dirty="0" err="1">
+                <a:solidFill>
+                  <a:srgbClr val="6A3E3E"/>
+                </a:solidFill>
+                <a:latin typeface="Consolas" panose="020B0609020204030204" pitchFamily="49" charset="0"/>
+              </a:rPr>
+              <a:t>movies</a:t>
+            </a:r>
+            <a:r>
+              <a:rPr lang="en-US" altLang="ko-KR" dirty="0" err="1">
+                <a:solidFill>
+                  <a:srgbClr val="000000"/>
+                </a:solidFill>
+                <a:latin typeface="Consolas" panose="020B0609020204030204" pitchFamily="49" charset="0"/>
+              </a:rPr>
+              <a:t>.size</a:t>
+            </a:r>
+            <a:r>
+              <a:rPr lang="en-US" altLang="ko-KR" dirty="0">
+                <a:solidFill>
+                  <a:srgbClr val="000000"/>
+                </a:solidFill>
+                <a:latin typeface="Consolas" panose="020B0609020204030204" pitchFamily="49" charset="0"/>
+              </a:rPr>
+              <a:t>(); </a:t>
+            </a:r>
+            <a:r>
+              <a:rPr lang="en-US" altLang="ko-KR" dirty="0" err="1">
+                <a:solidFill>
+                  <a:srgbClr val="6A3E3E"/>
+                </a:solidFill>
+                <a:latin typeface="Consolas" panose="020B0609020204030204" pitchFamily="49" charset="0"/>
+              </a:rPr>
+              <a:t>j</a:t>
+            </a:r>
+            <a:r>
+              <a:rPr lang="en-US" altLang="ko-KR" dirty="0" err="1">
+                <a:solidFill>
+                  <a:srgbClr val="000000"/>
+                </a:solidFill>
+                <a:latin typeface="Consolas" panose="020B0609020204030204" pitchFamily="49" charset="0"/>
+              </a:rPr>
+              <a:t>++</a:t>
+            </a:r>
+            <a:r>
+              <a:rPr lang="en-US" altLang="ko-KR" dirty="0">
+                <a:solidFill>
+                  <a:srgbClr val="000000"/>
+                </a:solidFill>
+                <a:latin typeface="Consolas" panose="020B0609020204030204" pitchFamily="49" charset="0"/>
+              </a:rPr>
+              <a:t>) {</a:t>
+            </a:r>
+          </a:p>
+          <a:p>
+            <a:r>
+              <a:rPr lang="en-US" altLang="ko-KR" dirty="0" err="1">
+                <a:solidFill>
+                  <a:srgbClr val="000000"/>
+                </a:solidFill>
+                <a:latin typeface="Consolas" panose="020B0609020204030204" pitchFamily="49" charset="0"/>
+              </a:rPr>
+              <a:t>System.</a:t>
+            </a:r>
+            <a:r>
+              <a:rPr lang="en-US" altLang="ko-KR" b="1" i="1" dirty="0" err="1">
+                <a:solidFill>
+                  <a:srgbClr val="0000C0"/>
+                </a:solidFill>
+                <a:latin typeface="Consolas" panose="020B0609020204030204" pitchFamily="49" charset="0"/>
+              </a:rPr>
+              <a:t>out</a:t>
+            </a:r>
+            <a:r>
+              <a:rPr lang="en-US" altLang="ko-KR" dirty="0" err="1">
+                <a:solidFill>
+                  <a:srgbClr val="000000"/>
+                </a:solidFill>
+                <a:latin typeface="Consolas" panose="020B0609020204030204" pitchFamily="49" charset="0"/>
+              </a:rPr>
+              <a:t>.print</a:t>
+            </a:r>
+            <a:r>
+              <a:rPr lang="en-US" altLang="ko-KR" dirty="0">
+                <a:solidFill>
+                  <a:srgbClr val="000000"/>
+                </a:solidFill>
+                <a:latin typeface="Consolas" panose="020B0609020204030204" pitchFamily="49" charset="0"/>
+              </a:rPr>
+              <a:t>(</a:t>
+            </a:r>
+            <a:r>
+              <a:rPr lang="en-US" altLang="ko-KR" dirty="0" err="1">
+                <a:solidFill>
+                  <a:srgbClr val="6A3E3E"/>
+                </a:solidFill>
+                <a:latin typeface="Consolas" panose="020B0609020204030204" pitchFamily="49" charset="0"/>
+              </a:rPr>
+              <a:t>movies</a:t>
+            </a:r>
+            <a:r>
+              <a:rPr lang="en-US" altLang="ko-KR" dirty="0" err="1">
+                <a:solidFill>
+                  <a:srgbClr val="000000"/>
+                </a:solidFill>
+                <a:latin typeface="Consolas" panose="020B0609020204030204" pitchFamily="49" charset="0"/>
+              </a:rPr>
+              <a:t>.get</a:t>
+            </a:r>
+            <a:r>
+              <a:rPr lang="en-US" altLang="ko-KR" dirty="0">
+                <a:solidFill>
+                  <a:srgbClr val="000000"/>
+                </a:solidFill>
+                <a:latin typeface="Consolas" panose="020B0609020204030204" pitchFamily="49" charset="0"/>
+              </a:rPr>
+              <a:t>(</a:t>
+            </a:r>
+            <a:r>
+              <a:rPr lang="en-US" altLang="ko-KR" dirty="0">
+                <a:solidFill>
+                  <a:srgbClr val="6A3E3E"/>
+                </a:solidFill>
+                <a:latin typeface="Consolas" panose="020B0609020204030204" pitchFamily="49" charset="0"/>
+              </a:rPr>
+              <a:t>j</a:t>
+            </a:r>
+            <a:r>
+              <a:rPr lang="en-US" altLang="ko-KR" dirty="0">
+                <a:solidFill>
+                  <a:srgbClr val="000000"/>
+                </a:solidFill>
+                <a:latin typeface="Consolas" panose="020B0609020204030204" pitchFamily="49" charset="0"/>
+              </a:rPr>
+              <a:t>).</a:t>
+            </a:r>
+            <a:r>
+              <a:rPr lang="en-US" altLang="ko-KR" dirty="0" err="1">
+                <a:solidFill>
+                  <a:srgbClr val="000000"/>
+                </a:solidFill>
+                <a:latin typeface="Consolas" panose="020B0609020204030204" pitchFamily="49" charset="0"/>
+              </a:rPr>
+              <a:t>getMovieName</a:t>
             </a:r>
             <a:r>
               <a:rPr lang="en-US" altLang="ko-KR" dirty="0">
@@ -23268,22 +24674,96 @@
           </a:p>
           <a:p>
             <a:r>
-              <a:rPr lang="en-US" altLang="ko-KR" dirty="0" err="1">
-                <a:solidFill>
-                  <a:srgbClr val="000000"/>
-                </a:solidFill>
-                <a:latin typeface="Consolas" panose="020B0609020204030204" pitchFamily="49" charset="0"/>
-              </a:rPr>
-              <a:t>Collections.</a:t>
-            </a:r>
-            <a:r>
-              <a:rPr lang="en-US" altLang="ko-KR" i="1" dirty="0" err="1">
-                <a:solidFill>
-                  <a:srgbClr val="000000"/>
-                </a:solidFill>
-                <a:latin typeface="Consolas" panose="020B0609020204030204" pitchFamily="49" charset="0"/>
-              </a:rPr>
-              <a:t>sort</a:t>
+              <a:rPr lang="en-US" altLang="ko-KR" b="1" dirty="0">
+                <a:solidFill>
+                  <a:srgbClr val="7F0055"/>
+                </a:solidFill>
+                <a:latin typeface="Consolas" panose="020B0609020204030204" pitchFamily="49" charset="0"/>
+              </a:rPr>
+              <a:t>if</a:t>
+            </a:r>
+            <a:r>
+              <a:rPr lang="en-US" altLang="ko-KR" dirty="0">
+                <a:solidFill>
+                  <a:srgbClr val="000000"/>
+                </a:solidFill>
+                <a:latin typeface="Consolas" panose="020B0609020204030204" pitchFamily="49" charset="0"/>
+              </a:rPr>
+              <a:t> (</a:t>
+            </a:r>
+            <a:r>
+              <a:rPr lang="en-US" altLang="ko-KR" dirty="0">
+                <a:solidFill>
+                  <a:srgbClr val="6A3E3E"/>
+                </a:solidFill>
+                <a:latin typeface="Consolas" panose="020B0609020204030204" pitchFamily="49" charset="0"/>
+              </a:rPr>
+              <a:t>j</a:t>
+            </a:r>
+            <a:r>
+              <a:rPr lang="en-US" altLang="ko-KR" dirty="0">
+                <a:solidFill>
+                  <a:srgbClr val="000000"/>
+                </a:solidFill>
+                <a:latin typeface="Consolas" panose="020B0609020204030204" pitchFamily="49" charset="0"/>
+              </a:rPr>
+              <a:t> &lt; </a:t>
+            </a:r>
+            <a:r>
+              <a:rPr lang="en-US" altLang="ko-KR" dirty="0" err="1">
+                <a:solidFill>
+                  <a:srgbClr val="6A3E3E"/>
+                </a:solidFill>
+                <a:latin typeface="Consolas" panose="020B0609020204030204" pitchFamily="49" charset="0"/>
+              </a:rPr>
+              <a:t>movies</a:t>
+            </a:r>
+            <a:r>
+              <a:rPr lang="en-US" altLang="ko-KR" dirty="0" err="1">
+                <a:solidFill>
+                  <a:srgbClr val="000000"/>
+                </a:solidFill>
+                <a:latin typeface="Consolas" panose="020B0609020204030204" pitchFamily="49" charset="0"/>
+              </a:rPr>
+              <a:t>.size</a:t>
+            </a:r>
+            <a:r>
+              <a:rPr lang="en-US" altLang="ko-KR" dirty="0">
+                <a:solidFill>
+                  <a:srgbClr val="000000"/>
+                </a:solidFill>
+                <a:latin typeface="Consolas" panose="020B0609020204030204" pitchFamily="49" charset="0"/>
+              </a:rPr>
+              <a:t>() - 1) {</a:t>
+            </a:r>
+          </a:p>
+          <a:p>
+            <a:r>
+              <a:rPr lang="en-US" altLang="ko-KR" dirty="0" err="1">
+                <a:solidFill>
+                  <a:srgbClr val="000000"/>
+                </a:solidFill>
+                <a:latin typeface="Consolas" panose="020B0609020204030204" pitchFamily="49" charset="0"/>
+              </a:rPr>
+              <a:t>System.</a:t>
+            </a:r>
+            <a:r>
+              <a:rPr lang="en-US" altLang="ko-KR" b="1" i="1" dirty="0" err="1">
+                <a:solidFill>
+                  <a:srgbClr val="0000C0"/>
+                </a:solidFill>
+                <a:latin typeface="Consolas" panose="020B0609020204030204" pitchFamily="49" charset="0"/>
+              </a:rPr>
+              <a:t>out</a:t>
+            </a:r>
+            <a:r>
+              <a:rPr lang="en-US" altLang="ko-KR" dirty="0" err="1">
+                <a:solidFill>
+                  <a:srgbClr val="000000"/>
+                </a:solidFill>
+                <a:latin typeface="Consolas" panose="020B0609020204030204" pitchFamily="49" charset="0"/>
+              </a:rPr>
+              <a:t>.print</a:t>
             </a:r>
             <a:r>
               <a:rPr lang="en-US" altLang="ko-KR" dirty="0">
@@ -23295,850 +24775,31 @@
               <a:t>(</a:t>
             </a:r>
             <a:r>
-              <a:rPr lang="en-US" altLang="ko-KR" dirty="0" err="1">
-                <a:solidFill>
-                  <a:srgbClr val="6A3E3E"/>
-                </a:solidFill>
-                <a:latin typeface="Consolas" panose="020B0609020204030204" pitchFamily="49" charset="0"/>
-              </a:rPr>
-              <a:t>ratings</a:t>
-            </a:r>
-            <a:r>
-              <a:rPr lang="en-US" altLang="ko-KR" dirty="0" err="1">
-                <a:solidFill>
-                  <a:srgbClr val="000000"/>
-                </a:solidFill>
-                <a:latin typeface="Consolas" panose="020B0609020204030204" pitchFamily="49" charset="0"/>
-              </a:rPr>
-              <a:t>,Collections.</a:t>
-            </a:r>
-            <a:r>
-              <a:rPr lang="en-US" altLang="ko-KR" i="1" dirty="0" err="1">
-                <a:solidFill>
-                  <a:srgbClr val="000000"/>
-                </a:solidFill>
-                <a:latin typeface="Consolas" panose="020B0609020204030204" pitchFamily="49" charset="0"/>
-              </a:rPr>
-              <a:t>reverseOrder</a:t>
-            </a:r>
-            <a:r>
-              <a:rPr lang="en-US" altLang="ko-KR" dirty="0">
-                <a:solidFill>
-                  <a:srgbClr val="000000"/>
-                </a:solidFill>
-                <a:latin typeface="Consolas" panose="020B0609020204030204" pitchFamily="49" charset="0"/>
-              </a:rPr>
-              <a:t>());</a:t>
-            </a:r>
-          </a:p>
-          <a:p>
-            <a:r>
-              <a:rPr lang="en-US" altLang="ko-KR" b="1" dirty="0">
-                <a:solidFill>
-                  <a:srgbClr val="7F0055"/>
-                </a:solidFill>
-                <a:latin typeface="Consolas" panose="020B0609020204030204" pitchFamily="49" charset="0"/>
-              </a:rPr>
-              <a:t>for</a:t>
-            </a:r>
-            <a:r>
-              <a:rPr lang="en-US" altLang="ko-KR" dirty="0">
-                <a:solidFill>
-                  <a:srgbClr val="000000"/>
-                </a:solidFill>
-                <a:latin typeface="Consolas" panose="020B0609020204030204" pitchFamily="49" charset="0"/>
-              </a:rPr>
-              <a:t> (</a:t>
-            </a:r>
-            <a:r>
-              <a:rPr lang="en-US" altLang="ko-KR" b="1" dirty="0" err="1">
-                <a:solidFill>
-                  <a:srgbClr val="7F0055"/>
-                </a:solidFill>
-                <a:latin typeface="Consolas" panose="020B0609020204030204" pitchFamily="49" charset="0"/>
-              </a:rPr>
-              <a:t>int</a:t>
-            </a:r>
-            <a:r>
-              <a:rPr lang="en-US" altLang="ko-KR" dirty="0">
-                <a:solidFill>
-                  <a:srgbClr val="000000"/>
-                </a:solidFill>
-                <a:latin typeface="Consolas" panose="020B0609020204030204" pitchFamily="49" charset="0"/>
-              </a:rPr>
-              <a:t> </a:t>
-            </a:r>
-            <a:r>
-              <a:rPr lang="en-US" altLang="ko-KR" dirty="0" err="1">
-                <a:solidFill>
-                  <a:srgbClr val="6A3E3E"/>
-                </a:solidFill>
-                <a:latin typeface="Consolas" panose="020B0609020204030204" pitchFamily="49" charset="0"/>
-              </a:rPr>
-              <a:t>i</a:t>
-            </a:r>
-            <a:r>
-              <a:rPr lang="en-US" altLang="ko-KR" dirty="0">
-                <a:solidFill>
-                  <a:srgbClr val="000000"/>
-                </a:solidFill>
-                <a:latin typeface="Consolas" panose="020B0609020204030204" pitchFamily="49" charset="0"/>
-              </a:rPr>
-              <a:t> = 0; </a:t>
-            </a:r>
-            <a:r>
-              <a:rPr lang="en-US" altLang="ko-KR" dirty="0" err="1">
-                <a:solidFill>
-                  <a:srgbClr val="6A3E3E"/>
-                </a:solidFill>
-                <a:latin typeface="Consolas" panose="020B0609020204030204" pitchFamily="49" charset="0"/>
-              </a:rPr>
-              <a:t>i</a:t>
-            </a:r>
-            <a:r>
-              <a:rPr lang="en-US" altLang="ko-KR" dirty="0">
-                <a:solidFill>
-                  <a:srgbClr val="000000"/>
-                </a:solidFill>
-                <a:latin typeface="Consolas" panose="020B0609020204030204" pitchFamily="49" charset="0"/>
-              </a:rPr>
-              <a:t> &lt; </a:t>
-            </a:r>
-            <a:r>
-              <a:rPr lang="en-US" altLang="ko-KR" dirty="0" err="1">
-                <a:solidFill>
-                  <a:srgbClr val="6A3E3E"/>
-                </a:solidFill>
-                <a:latin typeface="Consolas" panose="020B0609020204030204" pitchFamily="49" charset="0"/>
-              </a:rPr>
-              <a:t>ratings</a:t>
-            </a:r>
-            <a:r>
-              <a:rPr lang="en-US" altLang="ko-KR" dirty="0" err="1">
-                <a:solidFill>
-                  <a:srgbClr val="000000"/>
-                </a:solidFill>
-                <a:latin typeface="Consolas" panose="020B0609020204030204" pitchFamily="49" charset="0"/>
-              </a:rPr>
-              <a:t>.size</a:t>
-            </a:r>
-            <a:r>
-              <a:rPr lang="en-US" altLang="ko-KR" dirty="0">
-                <a:solidFill>
-                  <a:srgbClr val="000000"/>
-                </a:solidFill>
-                <a:latin typeface="Consolas" panose="020B0609020204030204" pitchFamily="49" charset="0"/>
-              </a:rPr>
-              <a:t>(); </a:t>
-            </a:r>
-            <a:r>
-              <a:rPr lang="en-US" altLang="ko-KR" dirty="0" err="1">
-                <a:solidFill>
-                  <a:srgbClr val="6A3E3E"/>
-                </a:solidFill>
-                <a:latin typeface="Consolas" panose="020B0609020204030204" pitchFamily="49" charset="0"/>
-              </a:rPr>
-              <a:t>i</a:t>
-            </a:r>
-            <a:r>
-              <a:rPr lang="en-US" altLang="ko-KR" dirty="0">
-                <a:solidFill>
-                  <a:srgbClr val="000000"/>
-                </a:solidFill>
-                <a:latin typeface="Consolas" panose="020B0609020204030204" pitchFamily="49" charset="0"/>
-              </a:rPr>
-              <a:t>++) {</a:t>
-            </a:r>
-          </a:p>
-          <a:p>
-            <a:r>
-              <a:rPr lang="en-US" altLang="ko-KR" b="1" dirty="0" err="1">
-                <a:solidFill>
-                  <a:srgbClr val="7F0055"/>
-                </a:solidFill>
-                <a:latin typeface="Consolas" panose="020B0609020204030204" pitchFamily="49" charset="0"/>
-              </a:rPr>
-              <a:t>int</a:t>
-            </a:r>
-            <a:r>
-              <a:rPr lang="en-US" altLang="ko-KR" dirty="0">
-                <a:solidFill>
-                  <a:srgbClr val="000000"/>
-                </a:solidFill>
-                <a:latin typeface="Consolas" panose="020B0609020204030204" pitchFamily="49" charset="0"/>
-              </a:rPr>
-              <a:t> </a:t>
-            </a:r>
-            <a:r>
-              <a:rPr lang="en-US" altLang="ko-KR" dirty="0">
-                <a:solidFill>
-                  <a:srgbClr val="6A3E3E"/>
-                </a:solidFill>
-                <a:latin typeface="Consolas" panose="020B0609020204030204" pitchFamily="49" charset="0"/>
-              </a:rPr>
-              <a:t>rating</a:t>
-            </a:r>
-            <a:r>
-              <a:rPr lang="en-US" altLang="ko-KR" dirty="0">
-                <a:solidFill>
-                  <a:srgbClr val="000000"/>
-                </a:solidFill>
-                <a:latin typeface="Consolas" panose="020B0609020204030204" pitchFamily="49" charset="0"/>
-              </a:rPr>
-              <a:t> = </a:t>
-            </a:r>
-            <a:r>
-              <a:rPr lang="en-US" altLang="ko-KR" dirty="0" err="1">
-                <a:solidFill>
-                  <a:srgbClr val="6A3E3E"/>
-                </a:solidFill>
-                <a:latin typeface="Consolas" panose="020B0609020204030204" pitchFamily="49" charset="0"/>
-              </a:rPr>
-              <a:t>ratings</a:t>
-            </a:r>
-            <a:r>
-              <a:rPr lang="en-US" altLang="ko-KR" dirty="0" err="1">
-                <a:solidFill>
-                  <a:srgbClr val="000000"/>
-                </a:solidFill>
-                <a:latin typeface="Consolas" panose="020B0609020204030204" pitchFamily="49" charset="0"/>
-              </a:rPr>
-              <a:t>.get</a:t>
-            </a:r>
-            <a:r>
-              <a:rPr lang="en-US" altLang="ko-KR" dirty="0">
-                <a:solidFill>
-                  <a:srgbClr val="000000"/>
-                </a:solidFill>
-                <a:latin typeface="Consolas" panose="020B0609020204030204" pitchFamily="49" charset="0"/>
-              </a:rPr>
-              <a:t>(</a:t>
-            </a:r>
-            <a:r>
-              <a:rPr lang="en-US" altLang="ko-KR" dirty="0" err="1">
-                <a:solidFill>
-                  <a:srgbClr val="6A3E3E"/>
-                </a:solidFill>
-                <a:latin typeface="Consolas" panose="020B0609020204030204" pitchFamily="49" charset="0"/>
-              </a:rPr>
-              <a:t>i</a:t>
-            </a:r>
-            <a:r>
-              <a:rPr lang="en-US" altLang="ko-KR" dirty="0">
-                <a:solidFill>
-                  <a:srgbClr val="000000"/>
-                </a:solidFill>
-                <a:latin typeface="Consolas" panose="020B0609020204030204" pitchFamily="49" charset="0"/>
-              </a:rPr>
-              <a:t>);</a:t>
-            </a:r>
-          </a:p>
-          <a:p>
-            <a:r>
-              <a:rPr lang="en-US" altLang="ko-KR" dirty="0">
-                <a:solidFill>
-                  <a:srgbClr val="000000"/>
-                </a:solidFill>
-                <a:latin typeface="Consolas" panose="020B0609020204030204" pitchFamily="49" charset="0"/>
-              </a:rPr>
-              <a:t>List&lt;</a:t>
-            </a:r>
-            <a:r>
-              <a:rPr lang="en-US" altLang="ko-KR" dirty="0" err="1">
-                <a:solidFill>
-                  <a:srgbClr val="000000"/>
-                </a:solidFill>
-                <a:latin typeface="Consolas" panose="020B0609020204030204" pitchFamily="49" charset="0"/>
-              </a:rPr>
-              <a:t>MovieDto</a:t>
-            </a:r>
-            <a:r>
-              <a:rPr lang="en-US" altLang="ko-KR" dirty="0">
-                <a:solidFill>
-                  <a:srgbClr val="000000"/>
-                </a:solidFill>
-                <a:latin typeface="Consolas" panose="020B0609020204030204" pitchFamily="49" charset="0"/>
-              </a:rPr>
-              <a:t>&gt; </a:t>
-            </a:r>
-            <a:r>
-              <a:rPr lang="en-US" altLang="ko-KR" dirty="0">
-                <a:solidFill>
-                  <a:srgbClr val="6A3E3E"/>
-                </a:solidFill>
-                <a:latin typeface="Consolas" panose="020B0609020204030204" pitchFamily="49" charset="0"/>
-              </a:rPr>
-              <a:t>movies</a:t>
-            </a:r>
-            <a:r>
-              <a:rPr lang="en-US" altLang="ko-KR" dirty="0">
-                <a:solidFill>
-                  <a:srgbClr val="000000"/>
-                </a:solidFill>
-                <a:latin typeface="Consolas" panose="020B0609020204030204" pitchFamily="49" charset="0"/>
-              </a:rPr>
-              <a:t> = </a:t>
-            </a:r>
-            <a:r>
-              <a:rPr lang="en-US" altLang="ko-KR" dirty="0" err="1">
-                <a:solidFill>
-                  <a:srgbClr val="6A3E3E"/>
-                </a:solidFill>
-                <a:latin typeface="Consolas" panose="020B0609020204030204" pitchFamily="49" charset="0"/>
-              </a:rPr>
-              <a:t>ratingMap</a:t>
-            </a:r>
-            <a:r>
-              <a:rPr lang="en-US" altLang="ko-KR" dirty="0" err="1">
-                <a:solidFill>
-                  <a:srgbClr val="000000"/>
-                </a:solidFill>
-                <a:latin typeface="Consolas" panose="020B0609020204030204" pitchFamily="49" charset="0"/>
-              </a:rPr>
-              <a:t>.get</a:t>
-            </a:r>
-            <a:r>
-              <a:rPr lang="en-US" altLang="ko-KR" dirty="0">
-                <a:solidFill>
-                  <a:srgbClr val="000000"/>
-                </a:solidFill>
-                <a:latin typeface="Consolas" panose="020B0609020204030204" pitchFamily="49" charset="0"/>
-              </a:rPr>
-              <a:t>(</a:t>
-            </a:r>
-            <a:r>
-              <a:rPr lang="en-US" altLang="ko-KR" dirty="0">
-                <a:solidFill>
-                  <a:srgbClr val="6A3E3E"/>
-                </a:solidFill>
-                <a:latin typeface="Consolas" panose="020B0609020204030204" pitchFamily="49" charset="0"/>
-              </a:rPr>
-              <a:t>rating</a:t>
-            </a:r>
-            <a:r>
-              <a:rPr lang="en-US" altLang="ko-KR" dirty="0">
-                <a:solidFill>
-                  <a:srgbClr val="000000"/>
-                </a:solidFill>
-                <a:latin typeface="Consolas" panose="020B0609020204030204" pitchFamily="49" charset="0"/>
-              </a:rPr>
-              <a:t>);</a:t>
-            </a:r>
-          </a:p>
-          <a:p>
-            <a:r>
-              <a:rPr lang="en-US" altLang="ko-KR" dirty="0" err="1">
-                <a:solidFill>
-                  <a:srgbClr val="000000"/>
-                </a:solidFill>
-                <a:latin typeface="Consolas" panose="020B0609020204030204" pitchFamily="49" charset="0"/>
-              </a:rPr>
-              <a:t>System.</a:t>
-            </a:r>
-            <a:r>
-              <a:rPr lang="en-US" altLang="ko-KR" b="1" i="1" dirty="0" err="1">
-                <a:solidFill>
-                  <a:srgbClr val="0000C0"/>
-                </a:solidFill>
-                <a:latin typeface="Consolas" panose="020B0609020204030204" pitchFamily="49" charset="0"/>
-              </a:rPr>
-              <a:t>out</a:t>
-            </a:r>
-            <a:r>
-              <a:rPr lang="en-US" altLang="ko-KR" dirty="0" err="1">
-                <a:solidFill>
-                  <a:srgbClr val="000000"/>
-                </a:solidFill>
-                <a:latin typeface="Consolas" panose="020B0609020204030204" pitchFamily="49" charset="0"/>
-              </a:rPr>
-              <a:t>.print</a:t>
-            </a:r>
-            <a:r>
-              <a:rPr lang="en-US" altLang="ko-KR" dirty="0">
-                <a:solidFill>
-                  <a:srgbClr val="000000"/>
-                </a:solidFill>
-                <a:latin typeface="Consolas" panose="020B0609020204030204" pitchFamily="49" charset="0"/>
-              </a:rPr>
-              <a:t>((</a:t>
-            </a:r>
-            <a:r>
-              <a:rPr lang="en-US" altLang="ko-KR" dirty="0" err="1">
-                <a:solidFill>
-                  <a:srgbClr val="6A3E3E"/>
-                </a:solidFill>
-                <a:latin typeface="Consolas" panose="020B0609020204030204" pitchFamily="49" charset="0"/>
-              </a:rPr>
-              <a:t>i</a:t>
-            </a:r>
-            <a:r>
-              <a:rPr lang="en-US" altLang="ko-KR" dirty="0">
-                <a:solidFill>
-                  <a:srgbClr val="000000"/>
-                </a:solidFill>
-                <a:latin typeface="Consolas" panose="020B0609020204030204" pitchFamily="49" charset="0"/>
-              </a:rPr>
-              <a:t> + 1) + </a:t>
-            </a:r>
-            <a:r>
               <a:rPr lang="en-US" altLang="ko-KR" dirty="0">
                 <a:solidFill>
                   <a:srgbClr val="2A00FF"/>
                 </a:solidFill>
                 <a:latin typeface="Consolas" panose="020B0609020204030204" pitchFamily="49" charset="0"/>
               </a:rPr>
+              <a:t>", </a:t>
+            </a:r>
+            <a:r>
+              <a:rPr lang="en-US" altLang="ko-KR" dirty="0" smtClean="0">
+                <a:solidFill>
+                  <a:srgbClr val="2A00FF"/>
+                </a:solidFill>
+                <a:latin typeface="Consolas" panose="020B0609020204030204" pitchFamily="49" charset="0"/>
+              </a:rPr>
               <a:t>"</a:t>
             </a:r>
             <a:r>
-              <a:rPr lang="ko-KR" altLang="en-US" dirty="0">
-                <a:solidFill>
-                  <a:srgbClr val="2A00FF"/>
-                </a:solidFill>
-                <a:latin typeface="Consolas" panose="020B0609020204030204" pitchFamily="49" charset="0"/>
-              </a:rPr>
-              <a:t>위</a:t>
-            </a:r>
-            <a:r>
-              <a:rPr lang="en-US" altLang="ko-KR" dirty="0">
-                <a:solidFill>
-                  <a:srgbClr val="2A00FF"/>
-                </a:solidFill>
-                <a:latin typeface="Consolas" panose="020B0609020204030204" pitchFamily="49" charset="0"/>
-              </a:rPr>
-              <a:t>: "</a:t>
-            </a:r>
-            <a:r>
-              <a:rPr lang="ko-KR" altLang="en-US" dirty="0">
-                <a:solidFill>
-                  <a:srgbClr val="000000"/>
-                </a:solidFill>
-                <a:latin typeface="Consolas" panose="020B0609020204030204" pitchFamily="49" charset="0"/>
-              </a:rPr>
-              <a:t> </a:t>
-            </a:r>
-            <a:r>
-              <a:rPr lang="en-US" altLang="ko-KR" dirty="0">
-                <a:solidFill>
-                  <a:srgbClr val="000000"/>
-                </a:solidFill>
-                <a:latin typeface="Consolas" panose="020B0609020204030204" pitchFamily="49" charset="0"/>
-              </a:rPr>
-              <a:t>+ </a:t>
-            </a:r>
-            <a:r>
-              <a:rPr lang="en-US" altLang="ko-KR" dirty="0">
-                <a:solidFill>
-                  <a:srgbClr val="6A3E3E"/>
-                </a:solidFill>
-                <a:latin typeface="Consolas" panose="020B0609020204030204" pitchFamily="49" charset="0"/>
-              </a:rPr>
-              <a:t>rating</a:t>
-            </a:r>
-            <a:r>
-              <a:rPr lang="en-US" altLang="ko-KR" dirty="0">
-                <a:solidFill>
-                  <a:srgbClr val="000000"/>
-                </a:solidFill>
-                <a:latin typeface="Consolas" panose="020B0609020204030204" pitchFamily="49" charset="0"/>
-              </a:rPr>
-              <a:t> + </a:t>
-            </a:r>
-            <a:r>
-              <a:rPr lang="en-US" altLang="ko-KR" dirty="0">
-                <a:solidFill>
-                  <a:srgbClr val="2A00FF"/>
-                </a:solidFill>
-                <a:latin typeface="Consolas" panose="020B0609020204030204" pitchFamily="49" charset="0"/>
-              </a:rPr>
-              <a:t>"</a:t>
-            </a:r>
-            <a:r>
-              <a:rPr lang="ko-KR" altLang="en-US" dirty="0">
-                <a:solidFill>
-                  <a:srgbClr val="2A00FF"/>
-                </a:solidFill>
-                <a:latin typeface="Consolas" panose="020B0609020204030204" pitchFamily="49" charset="0"/>
-              </a:rPr>
-              <a:t>점 </a:t>
-            </a:r>
-            <a:r>
-              <a:rPr lang="en-US" altLang="ko-KR" dirty="0">
-                <a:solidFill>
-                  <a:srgbClr val="2A00FF"/>
-                </a:solidFill>
-                <a:latin typeface="Consolas" panose="020B0609020204030204" pitchFamily="49" charset="0"/>
-              </a:rPr>
-              <a:t>("</a:t>
-            </a:r>
-            <a:r>
-              <a:rPr lang="en-US" altLang="ko-KR" dirty="0">
-                <a:solidFill>
-                  <a:srgbClr val="000000"/>
-                </a:solidFill>
-                <a:latin typeface="Consolas" panose="020B0609020204030204" pitchFamily="49" charset="0"/>
-              </a:rPr>
-              <a:t>);</a:t>
-            </a:r>
-          </a:p>
-          <a:p>
-            <a:r>
-              <a:rPr lang="en-US" altLang="ko-KR" b="1" dirty="0">
-                <a:solidFill>
-                  <a:srgbClr val="7F0055"/>
-                </a:solidFill>
-                <a:latin typeface="Consolas" panose="020B0609020204030204" pitchFamily="49" charset="0"/>
-              </a:rPr>
-              <a:t>for</a:t>
-            </a:r>
-            <a:r>
-              <a:rPr lang="en-US" altLang="ko-KR" dirty="0">
-                <a:solidFill>
-                  <a:srgbClr val="000000"/>
-                </a:solidFill>
-                <a:latin typeface="Consolas" panose="020B0609020204030204" pitchFamily="49" charset="0"/>
-              </a:rPr>
-              <a:t> (</a:t>
-            </a:r>
-            <a:r>
-              <a:rPr lang="en-US" altLang="ko-KR" b="1" dirty="0" err="1">
-                <a:solidFill>
-                  <a:srgbClr val="7F0055"/>
-                </a:solidFill>
-                <a:latin typeface="Consolas" panose="020B0609020204030204" pitchFamily="49" charset="0"/>
-              </a:rPr>
-              <a:t>int</a:t>
-            </a:r>
-            <a:r>
-              <a:rPr lang="en-US" altLang="ko-KR" dirty="0">
-                <a:solidFill>
-                  <a:srgbClr val="000000"/>
-                </a:solidFill>
-                <a:latin typeface="Consolas" panose="020B0609020204030204" pitchFamily="49" charset="0"/>
-              </a:rPr>
-              <a:t> </a:t>
-            </a:r>
-            <a:r>
-              <a:rPr lang="en-US" altLang="ko-KR" dirty="0">
-                <a:solidFill>
-                  <a:srgbClr val="6A3E3E"/>
-                </a:solidFill>
-                <a:latin typeface="Consolas" panose="020B0609020204030204" pitchFamily="49" charset="0"/>
-              </a:rPr>
-              <a:t>j</a:t>
-            </a:r>
-            <a:r>
-              <a:rPr lang="en-US" altLang="ko-KR" dirty="0">
-                <a:solidFill>
-                  <a:srgbClr val="000000"/>
-                </a:solidFill>
-                <a:latin typeface="Consolas" panose="020B0609020204030204" pitchFamily="49" charset="0"/>
-              </a:rPr>
-              <a:t> = 0; </a:t>
-            </a:r>
-            <a:r>
-              <a:rPr lang="en-US" altLang="ko-KR" dirty="0">
-                <a:solidFill>
-                  <a:srgbClr val="6A3E3E"/>
-                </a:solidFill>
-                <a:latin typeface="Consolas" panose="020B0609020204030204" pitchFamily="49" charset="0"/>
-              </a:rPr>
-              <a:t>j</a:t>
-            </a:r>
-            <a:r>
-              <a:rPr lang="en-US" altLang="ko-KR" dirty="0">
-                <a:solidFill>
-                  <a:srgbClr val="000000"/>
-                </a:solidFill>
-                <a:latin typeface="Consolas" panose="020B0609020204030204" pitchFamily="49" charset="0"/>
-              </a:rPr>
-              <a:t> &lt; </a:t>
-            </a:r>
-            <a:r>
-              <a:rPr lang="en-US" altLang="ko-KR" dirty="0" err="1">
-                <a:solidFill>
-                  <a:srgbClr val="6A3E3E"/>
-                </a:solidFill>
-                <a:latin typeface="Consolas" panose="020B0609020204030204" pitchFamily="49" charset="0"/>
-              </a:rPr>
-              <a:t>movies</a:t>
-            </a:r>
-            <a:r>
-              <a:rPr lang="en-US" altLang="ko-KR" dirty="0" err="1">
-                <a:solidFill>
-                  <a:srgbClr val="000000"/>
-                </a:solidFill>
-                <a:latin typeface="Consolas" panose="020B0609020204030204" pitchFamily="49" charset="0"/>
-              </a:rPr>
-              <a:t>.size</a:t>
-            </a:r>
-            <a:r>
-              <a:rPr lang="en-US" altLang="ko-KR" dirty="0">
-                <a:solidFill>
-                  <a:srgbClr val="000000"/>
-                </a:solidFill>
-                <a:latin typeface="Consolas" panose="020B0609020204030204" pitchFamily="49" charset="0"/>
-              </a:rPr>
-              <a:t>(); </a:t>
-            </a:r>
-            <a:r>
-              <a:rPr lang="en-US" altLang="ko-KR" dirty="0" err="1">
-                <a:solidFill>
-                  <a:srgbClr val="6A3E3E"/>
-                </a:solidFill>
-                <a:latin typeface="Consolas" panose="020B0609020204030204" pitchFamily="49" charset="0"/>
-              </a:rPr>
-              <a:t>j</a:t>
-            </a:r>
-            <a:r>
-              <a:rPr lang="en-US" altLang="ko-KR" dirty="0" err="1">
-                <a:solidFill>
-                  <a:srgbClr val="000000"/>
-                </a:solidFill>
-                <a:latin typeface="Consolas" panose="020B0609020204030204" pitchFamily="49" charset="0"/>
-              </a:rPr>
-              <a:t>++</a:t>
-            </a:r>
-            <a:r>
-              <a:rPr lang="en-US" altLang="ko-KR" dirty="0">
-                <a:solidFill>
-                  <a:srgbClr val="000000"/>
-                </a:solidFill>
-                <a:latin typeface="Consolas" panose="020B0609020204030204" pitchFamily="49" charset="0"/>
-              </a:rPr>
-              <a:t>) {</a:t>
-            </a:r>
-          </a:p>
-          <a:p>
-            <a:r>
-              <a:rPr lang="en-US" altLang="ko-KR" dirty="0" err="1">
-                <a:solidFill>
-                  <a:srgbClr val="000000"/>
-                </a:solidFill>
-                <a:latin typeface="Consolas" panose="020B0609020204030204" pitchFamily="49" charset="0"/>
-              </a:rPr>
-              <a:t>System.</a:t>
-            </a:r>
-            <a:r>
-              <a:rPr lang="en-US" altLang="ko-KR" b="1" i="1" dirty="0" err="1">
-                <a:solidFill>
-                  <a:srgbClr val="0000C0"/>
-                </a:solidFill>
-                <a:latin typeface="Consolas" panose="020B0609020204030204" pitchFamily="49" charset="0"/>
-              </a:rPr>
-              <a:t>out</a:t>
-            </a:r>
-            <a:r>
-              <a:rPr lang="en-US" altLang="ko-KR" dirty="0" err="1">
-                <a:solidFill>
-                  <a:srgbClr val="000000"/>
-                </a:solidFill>
-                <a:latin typeface="Consolas" panose="020B0609020204030204" pitchFamily="49" charset="0"/>
-              </a:rPr>
-              <a:t>.print</a:t>
-            </a:r>
-            <a:r>
-              <a:rPr lang="en-US" altLang="ko-KR" dirty="0">
-                <a:solidFill>
-                  <a:srgbClr val="000000"/>
-                </a:solidFill>
-                <a:latin typeface="Consolas" panose="020B0609020204030204" pitchFamily="49" charset="0"/>
-              </a:rPr>
-              <a:t>(</a:t>
-            </a:r>
-            <a:r>
-              <a:rPr lang="en-US" altLang="ko-KR" dirty="0" err="1">
-                <a:solidFill>
-                  <a:srgbClr val="6A3E3E"/>
-                </a:solidFill>
-                <a:latin typeface="Consolas" panose="020B0609020204030204" pitchFamily="49" charset="0"/>
-              </a:rPr>
-              <a:t>movies</a:t>
-            </a:r>
-            <a:r>
-              <a:rPr lang="en-US" altLang="ko-KR" dirty="0" err="1">
-                <a:solidFill>
-                  <a:srgbClr val="000000"/>
-                </a:solidFill>
-                <a:latin typeface="Consolas" panose="020B0609020204030204" pitchFamily="49" charset="0"/>
-              </a:rPr>
-              <a:t>.get</a:t>
-            </a:r>
-            <a:r>
-              <a:rPr lang="en-US" altLang="ko-KR" dirty="0">
-                <a:solidFill>
-                  <a:srgbClr val="000000"/>
-                </a:solidFill>
-                <a:latin typeface="Consolas" panose="020B0609020204030204" pitchFamily="49" charset="0"/>
-              </a:rPr>
-              <a:t>(</a:t>
-            </a:r>
-            <a:r>
-              <a:rPr lang="en-US" altLang="ko-KR" dirty="0">
-                <a:solidFill>
-                  <a:srgbClr val="6A3E3E"/>
-                </a:solidFill>
-                <a:latin typeface="Consolas" panose="020B0609020204030204" pitchFamily="49" charset="0"/>
-              </a:rPr>
-              <a:t>j</a:t>
-            </a:r>
-            <a:r>
-              <a:rPr lang="en-US" altLang="ko-KR" dirty="0">
-                <a:solidFill>
-                  <a:srgbClr val="000000"/>
-                </a:solidFill>
-                <a:latin typeface="Consolas" panose="020B0609020204030204" pitchFamily="49" charset="0"/>
-              </a:rPr>
-              <a:t>).</a:t>
-            </a:r>
-            <a:r>
-              <a:rPr lang="en-US" altLang="ko-KR" dirty="0" err="1">
-                <a:solidFill>
-                  <a:srgbClr val="000000"/>
-                </a:solidFill>
-                <a:latin typeface="Consolas" panose="020B0609020204030204" pitchFamily="49" charset="0"/>
-              </a:rPr>
-              <a:t>getMovieName</a:t>
-            </a:r>
-            <a:r>
-              <a:rPr lang="en-US" altLang="ko-KR" dirty="0">
-                <a:solidFill>
-                  <a:srgbClr val="000000"/>
-                </a:solidFill>
-                <a:latin typeface="Consolas" panose="020B0609020204030204" pitchFamily="49" charset="0"/>
-              </a:rPr>
-              <a:t>());</a:t>
-            </a:r>
-          </a:p>
-          <a:p>
-            <a:r>
-              <a:rPr lang="en-US" altLang="ko-KR" b="1" dirty="0">
-                <a:solidFill>
-                  <a:srgbClr val="7F0055"/>
-                </a:solidFill>
-                <a:latin typeface="Consolas" panose="020B0609020204030204" pitchFamily="49" charset="0"/>
-              </a:rPr>
-              <a:t>if</a:t>
-            </a:r>
-            <a:r>
-              <a:rPr lang="en-US" altLang="ko-KR" dirty="0">
-                <a:solidFill>
-                  <a:srgbClr val="000000"/>
-                </a:solidFill>
-                <a:latin typeface="Consolas" panose="020B0609020204030204" pitchFamily="49" charset="0"/>
-              </a:rPr>
-              <a:t> (</a:t>
-            </a:r>
-            <a:r>
-              <a:rPr lang="en-US" altLang="ko-KR" dirty="0">
-                <a:solidFill>
-                  <a:srgbClr val="6A3E3E"/>
-                </a:solidFill>
-                <a:latin typeface="Consolas" panose="020B0609020204030204" pitchFamily="49" charset="0"/>
-              </a:rPr>
-              <a:t>j</a:t>
-            </a:r>
-            <a:r>
-              <a:rPr lang="en-US" altLang="ko-KR" dirty="0">
-                <a:solidFill>
-                  <a:srgbClr val="000000"/>
-                </a:solidFill>
-                <a:latin typeface="Consolas" panose="020B0609020204030204" pitchFamily="49" charset="0"/>
-              </a:rPr>
-              <a:t> &lt; </a:t>
-            </a:r>
-            <a:r>
-              <a:rPr lang="en-US" altLang="ko-KR" dirty="0" err="1">
-                <a:solidFill>
-                  <a:srgbClr val="6A3E3E"/>
-                </a:solidFill>
-                <a:latin typeface="Consolas" panose="020B0609020204030204" pitchFamily="49" charset="0"/>
-              </a:rPr>
-              <a:t>movies</a:t>
-            </a:r>
-            <a:r>
-              <a:rPr lang="en-US" altLang="ko-KR" dirty="0" err="1">
-                <a:solidFill>
-                  <a:srgbClr val="000000"/>
-                </a:solidFill>
-                <a:latin typeface="Consolas" panose="020B0609020204030204" pitchFamily="49" charset="0"/>
-              </a:rPr>
-              <a:t>.size</a:t>
-            </a:r>
-            <a:r>
-              <a:rPr lang="en-US" altLang="ko-KR" dirty="0">
-                <a:solidFill>
-                  <a:srgbClr val="000000"/>
-                </a:solidFill>
-                <a:latin typeface="Consolas" panose="020B0609020204030204" pitchFamily="49" charset="0"/>
-              </a:rPr>
-              <a:t>() - 1) {</a:t>
-            </a:r>
-          </a:p>
-          <a:p>
-            <a:r>
-              <a:rPr lang="en-US" altLang="ko-KR" dirty="0" err="1">
-                <a:solidFill>
-                  <a:srgbClr val="000000"/>
-                </a:solidFill>
-                <a:latin typeface="Consolas" panose="020B0609020204030204" pitchFamily="49" charset="0"/>
-              </a:rPr>
-              <a:t>System.</a:t>
-            </a:r>
-            <a:r>
-              <a:rPr lang="en-US" altLang="ko-KR" b="1" i="1" dirty="0" err="1">
-                <a:solidFill>
-                  <a:srgbClr val="0000C0"/>
-                </a:solidFill>
-                <a:latin typeface="Consolas" panose="020B0609020204030204" pitchFamily="49" charset="0"/>
-              </a:rPr>
-              <a:t>out</a:t>
-            </a:r>
-            <a:r>
-              <a:rPr lang="en-US" altLang="ko-KR" dirty="0" err="1">
-                <a:solidFill>
-                  <a:srgbClr val="000000"/>
-                </a:solidFill>
-                <a:latin typeface="Consolas" panose="020B0609020204030204" pitchFamily="49" charset="0"/>
-              </a:rPr>
-              <a:t>.print</a:t>
-            </a:r>
-            <a:r>
-              <a:rPr lang="en-US" altLang="ko-KR" dirty="0">
-                <a:solidFill>
-                  <a:srgbClr val="000000"/>
-                </a:solidFill>
-                <a:latin typeface="Consolas" panose="020B0609020204030204" pitchFamily="49" charset="0"/>
-              </a:rPr>
-              <a:t>(</a:t>
-            </a:r>
-            <a:r>
-              <a:rPr lang="en-US" altLang="ko-KR" dirty="0">
-                <a:solidFill>
-                  <a:srgbClr val="2A00FF"/>
-                </a:solidFill>
-                <a:latin typeface="Consolas" panose="020B0609020204030204" pitchFamily="49" charset="0"/>
-              </a:rPr>
-              <a:t>", "</a:t>
-            </a:r>
-            <a:r>
-              <a:rPr lang="en-US" altLang="ko-KR" dirty="0">
-                <a:solidFill>
-                  <a:srgbClr val="000000"/>
-                </a:solidFill>
-                <a:latin typeface="Consolas" panose="020B0609020204030204" pitchFamily="49" charset="0"/>
-              </a:rPr>
-              <a:t>);</a:t>
-            </a:r>
-          </a:p>
-          <a:p>
-            <a:r>
               <a:rPr lang="en-US" altLang="ko-KR" dirty="0" smtClean="0">
                 <a:solidFill>
                   <a:srgbClr val="000000"/>
                 </a:solidFill>
                 <a:latin typeface="Consolas" panose="020B0609020204030204" pitchFamily="49" charset="0"/>
               </a:rPr>
-              <a:t>}}</a:t>
+              <a:t>);}}</a:t>
             </a:r>
             <a:endParaRPr lang="en-US" altLang="ko-KR" dirty="0">
               <a:solidFill>
@@ -24232,6 +24893,13 @@
   <p:clrMapOvr>
     <a:masterClrMapping/>
   </p:clrMapOvr>
+  <p:timing>
+    <p:tnLst>
+      <p:par>
+        <p:cTn id="1" dur="indefinite" restart="never" nodeType="tmRoot"/>
+      </p:par>
+    </p:tnLst>
+  </p:timing>
 </p:sld>
 </file>
 
@@ -24419,8 +25087,8 @@
         </p:nvSpPr>
         <p:spPr>
           <a:xfrm>
-            <a:off x="1173331" y="8099674"/>
-            <a:ext cx="16047869" cy="1714349"/>
+            <a:off x="1173331" y="7577861"/>
+            <a:ext cx="16047869" cy="1697375"/>
           </a:xfrm>
           <a:prstGeom prst="roundRect">
             <a:avLst>
@@ -24467,8 +25135,8 @@
         </p:nvSpPr>
         <p:spPr>
           <a:xfrm>
-            <a:off x="1320183" y="8354902"/>
-            <a:ext cx="15754163" cy="1200329"/>
+            <a:off x="1185857" y="7584646"/>
+            <a:ext cx="15754163" cy="1188445"/>
           </a:xfrm>
           <a:prstGeom prst="rect">
             <a:avLst/>
@@ -24583,7 +25251,7 @@
             </a:r>
           </a:p>
           <a:p>
-            <a:pPr marL="342900" indent="-342900" algn="just">
+            <a:pPr marL="396000" indent="-284400" algn="just">
               <a:buFont typeface="맑은 고딕" panose="020B0503020000020004" pitchFamily="50" charset="-127"/>
               <a:buChar char="-"/>
             </a:pPr>
@@ -24633,19 +25301,7 @@
                 <a:latin typeface="맑은 고딕" panose="020B0503020000020004" pitchFamily="50" charset="-127"/>
                 <a:ea typeface="맑은 고딕" panose="020B0503020000020004" pitchFamily="50" charset="-127"/>
               </a:rPr>
-              <a:t>를 사용하여 장르와 영화들을 </a:t>
-            </a:r>
-            <a:r>
-              <a:rPr lang="ko-KR" altLang="en-US" dirty="0" err="1" smtClean="0">
-                <a:solidFill>
-                  <a:schemeClr val="bg1">
-                    <a:lumMod val="50000"/>
-                  </a:schemeClr>
-                </a:solidFill>
-                <a:latin typeface="맑은 고딕" panose="020B0503020000020004" pitchFamily="50" charset="-127"/>
-                <a:ea typeface="맑은 고딕" panose="020B0503020000020004" pitchFamily="50" charset="-127"/>
-              </a:rPr>
-              <a:t>영화목록을</a:t>
+              <a:t>를 사용하여 장르와 </a:t>
             </a:r>
             <a:r>
               <a:rPr lang="ko-KR" altLang="en-US" dirty="0" smtClean="0">
@@ -24657,7 +25313,19 @@
                 <a:latin typeface="맑은 고딕" panose="020B0503020000020004" pitchFamily="50" charset="-127"/>
                 <a:ea typeface="맑은 고딕" panose="020B0503020000020004" pitchFamily="50" charset="-127"/>
               </a:rPr>
-              <a:t> 순회하면서 추가</a:t>
+              <a:t>영화를 영화 목록을 </a:t>
+            </a:r>
+            <a:r>
+              <a:rPr lang="ko-KR" altLang="en-US" dirty="0" smtClean="0">
+                <a:solidFill>
+                  <a:schemeClr val="bg1">
+                    <a:lumMod val="50000"/>
+                  </a:schemeClr>
+                </a:solidFill>
+                <a:latin typeface="맑은 고딕" panose="020B0503020000020004" pitchFamily="50" charset="-127"/>
+                <a:ea typeface="맑은 고딕" panose="020B0503020000020004" pitchFamily="50" charset="-127"/>
+              </a:rPr>
+              <a:t>순회하면서 추가</a:t>
             </a:r>
             <a:endParaRPr lang="en-US" altLang="ko-KR" dirty="0" smtClean="0">
               <a:solidFill>
@@ -24670,7 +25338,7 @@
             </a:endParaRPr>
           </a:p>
           <a:p>
-            <a:pPr marL="342900" indent="-342900" algn="just">
+            <a:pPr marL="396000" indent="-284400" algn="just">
               <a:buFont typeface="맑은 고딕" panose="020B0503020000020004" pitchFamily="50" charset="-127"/>
               <a:buChar char="-"/>
             </a:pPr>
@@ -24720,19 +25388,7 @@
                 <a:latin typeface="맑은 고딕" panose="020B0503020000020004" pitchFamily="50" charset="-127"/>
                 <a:ea typeface="맑은 고딕" panose="020B0503020000020004" pitchFamily="50" charset="-127"/>
               </a:rPr>
-              <a:t>에 속한 영화 기준으로 </a:t>
-            </a:r>
-            <a:r>
-              <a:rPr lang="ko-KR" altLang="en-US" dirty="0" err="1" smtClean="0">
-                <a:solidFill>
-                  <a:schemeClr val="bg1">
-                    <a:lumMod val="50000"/>
-                  </a:schemeClr>
-                </a:solidFill>
-                <a:latin typeface="맑은 고딕" panose="020B0503020000020004" pitchFamily="50" charset="-127"/>
-                <a:ea typeface="맑은 고딕" panose="020B0503020000020004" pitchFamily="50" charset="-127"/>
-              </a:rPr>
-              <a:t>기준으로</a:t>
+              <a:t>에 속한 영화 </a:t>
             </a:r>
             <a:r>
               <a:rPr lang="ko-KR" altLang="en-US" dirty="0" smtClean="0">
@@ -24744,7 +25400,19 @@
                 <a:latin typeface="맑은 고딕" panose="020B0503020000020004" pitchFamily="50" charset="-127"/>
                 <a:ea typeface="맑은 고딕" panose="020B0503020000020004" pitchFamily="50" charset="-127"/>
               </a:rPr>
-              <a:t> 내림차순 정렬</a:t>
+              <a:t>기준으로 </a:t>
+            </a:r>
+            <a:r>
+              <a:rPr lang="ko-KR" altLang="en-US" dirty="0" smtClean="0">
+                <a:solidFill>
+                  <a:schemeClr val="bg1">
+                    <a:lumMod val="50000"/>
+                  </a:schemeClr>
+                </a:solidFill>
+                <a:latin typeface="맑은 고딕" panose="020B0503020000020004" pitchFamily="50" charset="-127"/>
+                <a:ea typeface="맑은 고딕" panose="020B0503020000020004" pitchFamily="50" charset="-127"/>
+              </a:rPr>
+              <a:t>내림차순 정렬</a:t>
             </a:r>
             <a:endParaRPr lang="en-US" altLang="ko-KR" dirty="0" smtClean="0">
               <a:solidFill>
@@ -24757,7 +25425,7 @@
             </a:endParaRPr>
           </a:p>
           <a:p>
-            <a:pPr marL="342900" indent="-342900" algn="just">
+            <a:pPr marL="396000" indent="-284400" algn="just">
               <a:buFont typeface="맑은 고딕" panose="020B0503020000020004" pitchFamily="50" charset="-127"/>
               <a:buChar char="-"/>
             </a:pPr>
@@ -24818,7 +25486,7 @@
         <p:spPr>
           <a:xfrm>
             <a:off x="1343192" y="1456379"/>
-            <a:ext cx="15731154" cy="6186309"/>
+            <a:ext cx="15731154" cy="5909310"/>
           </a:xfrm>
           <a:prstGeom prst="rect">
             <a:avLst/>
@@ -26433,25 +27101,20 @@
           </a:p>
           <a:p>
             <a:r>
-              <a:rPr lang="en-US" altLang="ko-KR" dirty="0">
-                <a:solidFill>
-                  <a:srgbClr val="000000"/>
-                </a:solidFill>
-                <a:latin typeface="Consolas" panose="020B0609020204030204" pitchFamily="49" charset="0"/>
-              </a:rPr>
-              <a:t>}</a:t>
-            </a:r>
-          </a:p>
-          <a:p>
-            <a:r>
-              <a:rPr lang="en-US" altLang="ko-KR" dirty="0">
-                <a:solidFill>
-                  <a:srgbClr val="000000"/>
-                </a:solidFill>
-                <a:latin typeface="Consolas" panose="020B0609020204030204" pitchFamily="49" charset="0"/>
-              </a:rPr>
-              <a:t>}</a:t>
-            </a:r>
+              <a:rPr lang="en-US" altLang="ko-KR" dirty="0" smtClean="0">
+                <a:solidFill>
+                  <a:srgbClr val="000000"/>
+                </a:solidFill>
+                <a:latin typeface="Consolas" panose="020B0609020204030204" pitchFamily="49" charset="0"/>
+              </a:rPr>
+              <a:t>}}</a:t>
+            </a:r>
+            <a:endParaRPr lang="en-US" altLang="ko-KR" dirty="0">
+              <a:solidFill>
+                <a:srgbClr val="000000"/>
+              </a:solidFill>
+              <a:latin typeface="Consolas" panose="020B0609020204030204" pitchFamily="49" charset="0"/>
+            </a:endParaRPr>
           </a:p>
           <a:p>
             <a:r>
@@ -26532,6 +27195,13 @@
   <p:clrMapOvr>
     <a:masterClrMapping/>
   </p:clrMapOvr>
+  <p:timing>
+    <p:tnLst>
+      <p:par>
+        <p:cTn id="1" dur="indefinite" restart="never" nodeType="tmRoot"/>
+      </p:par>
+    </p:tnLst>
+  </p:timing>
 </p:sld>
 </file>
 
@@ -26730,7 +27400,7 @@
         </p:nvSpPr>
         <p:spPr>
           <a:xfrm>
-            <a:off x="1173331" y="8099674"/>
+            <a:off x="1173331" y="7595099"/>
             <a:ext cx="16047869" cy="1714349"/>
           </a:xfrm>
           <a:prstGeom prst="roundRect">
@@ -26778,7 +27448,7 @@
         </p:nvSpPr>
         <p:spPr>
           <a:xfrm>
-            <a:off x="1320183" y="8493400"/>
+            <a:off x="1194923" y="7587993"/>
             <a:ext cx="15754163" cy="923330"/>
           </a:xfrm>
           <a:prstGeom prst="rect">
@@ -26867,7 +27537,7 @@
             </a:endParaRPr>
           </a:p>
           <a:p>
-            <a:pPr marL="285750" indent="-285750" algn="just">
+            <a:pPr marL="396000" indent="-285750" algn="just">
               <a:buFont typeface="맑은 고딕" panose="020B0503020000020004" pitchFamily="50" charset="-127"/>
               <a:buChar char="-"/>
             </a:pPr>
@@ -27271,40 +27941,6 @@
       </p:sp>
       <p:sp>
         <p:nvSpPr>
-          <p:cNvPr id="19" name="TextBox 18"/>
-          <p:cNvSpPr txBox="1"/>
-          <p:nvPr/>
-        </p:nvSpPr>
-        <p:spPr>
-          <a:xfrm>
-            <a:off x="9067800" y="1595229"/>
-            <a:ext cx="1446230" cy="369332"/>
-          </a:xfrm>
-          <a:prstGeom prst="rect">
-            <a:avLst/>
-          </a:prstGeom>
-          <a:noFill/>
-        </p:spPr>
-        <p:txBody>
-          <a:bodyPr wrap="none" rtlCol="0">
-            <a:spAutoFit/>
-          </a:bodyPr>
-          <a:lstStyle/>
-          <a:p>
-            <a:r>
-              <a:rPr lang="en-US" altLang="ko-KR" dirty="0" smtClean="0"/>
-              <a:t>Console </a:t>
-            </a:r>
-            <a:r>
-              <a:rPr lang="ko-KR" altLang="en-US" dirty="0" smtClean="0"/>
-              <a:t>화면</a:t>
-            </a:r>
-            <a:endParaRPr lang="ko-KR" altLang="en-US" dirty="0"/>
-          </a:p>
-        </p:txBody>
-      </p:sp>
-      <p:sp>
-        <p:nvSpPr>
           <p:cNvPr id="11" name="직사각형 10"/>
           <p:cNvSpPr/>
           <p:nvPr/>
@@ -27427,14 +28063,113 @@
         </p:blipFill>
         <p:spPr>
           <a:xfrm>
-            <a:off x="8534400" y="1925372"/>
-            <a:ext cx="8539946" cy="5612237"/>
+            <a:off x="8763000" y="2019299"/>
+            <a:ext cx="8311346" cy="5257801"/>
           </a:xfrm>
           <a:prstGeom prst="rect">
             <a:avLst/>
           </a:prstGeom>
         </p:spPr>
       </p:pic>
+      <p:grpSp>
+        <p:nvGrpSpPr>
+          <p:cNvPr id="13" name="그룹 12"/>
+          <p:cNvGrpSpPr/>
+          <p:nvPr/>
+        </p:nvGrpSpPr>
+        <p:grpSpPr>
+          <a:xfrm>
+            <a:off x="8826499" y="1546423"/>
+            <a:ext cx="1003301" cy="320477"/>
+            <a:chOff x="8928100" y="3756223"/>
+            <a:chExt cx="1003301" cy="320477"/>
+          </a:xfrm>
+        </p:grpSpPr>
+        <p:sp>
+          <p:nvSpPr>
+            <p:cNvPr id="14" name="TextBox 13"/>
+            <p:cNvSpPr txBox="1"/>
+            <p:nvPr/>
+          </p:nvSpPr>
+          <p:spPr>
+            <a:xfrm>
+              <a:off x="8990223" y="3756223"/>
+              <a:ext cx="941178" cy="307777"/>
+            </a:xfrm>
+            <a:prstGeom prst="rect">
+              <a:avLst/>
+            </a:prstGeom>
+            <a:noFill/>
+          </p:spPr>
+          <p:txBody>
+            <a:bodyPr wrap="square" rtlCol="0">
+              <a:spAutoFit/>
+            </a:bodyPr>
+            <a:lstStyle/>
+            <a:p>
+              <a:r>
+                <a:rPr lang="en-US" altLang="ko-KR" sz="1400" b="1" dirty="0" smtClean="0">
+                  <a:latin typeface="맑은 고딕" panose="020B0503020000020004" pitchFamily="50" charset="-127"/>
+                  <a:ea typeface="맑은 고딕" panose="020B0503020000020004" pitchFamily="50" charset="-127"/>
+                </a:rPr>
+                <a:t>Console</a:t>
+              </a:r>
+              <a:endParaRPr lang="ko-KR" altLang="en-US" sz="1400" b="1" dirty="0">
+                <a:latin typeface="맑은 고딕" panose="020B0503020000020004" pitchFamily="50" charset="-127"/>
+                <a:ea typeface="맑은 고딕" panose="020B0503020000020004" pitchFamily="50" charset="-127"/>
+              </a:endParaRPr>
+            </a:p>
+          </p:txBody>
+        </p:sp>
+        <p:sp>
+          <p:nvSpPr>
+            <p:cNvPr id="16" name="모서리가 둥근 직사각형 15"/>
+            <p:cNvSpPr/>
+            <p:nvPr/>
+          </p:nvSpPr>
+          <p:spPr>
+            <a:xfrm>
+              <a:off x="8928100" y="3771900"/>
+              <a:ext cx="977900" cy="304800"/>
+            </a:xfrm>
+            <a:prstGeom prst="roundRect">
+              <a:avLst>
+                <a:gd name="adj" fmla="val 50000"/>
+              </a:avLst>
+            </a:prstGeom>
+            <a:noFill/>
+            <a:ln>
+              <a:solidFill>
+                <a:srgbClr val="75D387"/>
+              </a:solidFill>
+            </a:ln>
+          </p:spPr>
+          <p:style>
+            <a:lnRef idx="2">
+              <a:schemeClr val="accent1">
+                <a:shade val="50000"/>
+              </a:schemeClr>
+            </a:lnRef>
+            <a:fillRef idx="1">
+              <a:schemeClr val="accent1"/>
+            </a:fillRef>
+            <a:effectRef idx="0">
+              <a:schemeClr val="accent1"/>
+            </a:effectRef>
+            <a:fontRef idx="minor">
+              <a:schemeClr val="lt1"/>
+            </a:fontRef>
+          </p:style>
+          <p:txBody>
+            <a:bodyPr rtlCol="0" anchor="ctr"/>
+            <a:lstStyle/>
+            <a:p>
+              <a:pPr algn="ctr"/>
+              <a:endParaRPr lang="ko-KR" altLang="en-US"/>
+            </a:p>
+          </p:txBody>
+        </p:sp>
+      </p:grpSp>
     </p:spTree>
     <p:extLst>
       <p:ext uri="{BB962C8B-B14F-4D97-AF65-F5344CB8AC3E}">
@@ -27445,6 +28180,13 @@
   <p:clrMapOvr>
     <a:masterClrMapping/>
   </p:clrMapOvr>
+  <p:timing>
+    <p:tnLst>
+      <p:par>
+        <p:cTn id="1" dur="indefinite" restart="never" nodeType="tmRoot"/>
+      </p:par>
+    </p:tnLst>
+  </p:timing>
 </p:sld>
 </file>
 
@@ -27520,8 +28262,8 @@
         </p:nvSpPr>
         <p:spPr>
           <a:xfrm>
-            <a:off x="1212957" y="4450579"/>
-            <a:ext cx="15663237" cy="1015663"/>
+            <a:off x="1212957" y="4296691"/>
+            <a:ext cx="15663237" cy="1323439"/>
           </a:xfrm>
           <a:prstGeom prst="rect">
             <a:avLst/>
@@ -27536,26 +28278,20 @@
           <a:p>
             <a:pPr algn="ctr"/>
             <a:r>
-              <a:rPr lang="ko-KR" altLang="en-US" sz="6000" kern="0" spc="-100" dirty="0" smtClean="0">
+              <a:rPr lang="ko-KR" altLang="en-US" sz="8000" kern="0" spc="-100" dirty="0" smtClean="0">
                 <a:solidFill>
                   <a:srgbClr val="FFFFFF"/>
                 </a:solidFill>
-                <a:latin typeface="Pretendard SemiBold" pitchFamily="34" charset="0"/>
+                <a:latin typeface="맑은 고딕" panose="020B0503020000020004" pitchFamily="50" charset="-127"/>
+                <a:ea typeface="맑은 고딕" panose="020B0503020000020004" pitchFamily="50" charset="-127"/>
                 <a:cs typeface="Pretendard SemiBold" pitchFamily="34" charset="0"/>
               </a:rPr>
               <a:t>감사합니다</a:t>
             </a:r>
-            <a:r>
-              <a:rPr lang="en-US" sz="4800" kern="0" spc="-100" dirty="0" smtClean="0">
-                <a:solidFill>
-                  <a:srgbClr val="FFFFFF"/>
-                </a:solidFill>
-                <a:latin typeface="Pretendard SemiBold" pitchFamily="34" charset="0"/>
-                <a:cs typeface="Pretendard SemiBold" pitchFamily="34" charset="0"/>
-              </a:rPr>
-              <a:t>!</a:t>
-            </a:r>
-            <a:endParaRPr lang="en-US" dirty="0"/>
+            <a:endParaRPr lang="en-US" sz="8000" dirty="0">
+              <a:latin typeface="맑은 고딕" panose="020B0503020000020004" pitchFamily="50" charset="-127"/>
+              <a:ea typeface="맑은 고딕" panose="020B0503020000020004" pitchFamily="50" charset="-127"/>
+            </a:endParaRPr>
           </a:p>
         </p:txBody>
       </p:sp>
@@ -27590,7 +28326,17 @@
                 <a:latin typeface="Pretendard Thin" pitchFamily="34" charset="0"/>
                 <a:cs typeface="Pretendard Thin" pitchFamily="34" charset="0"/>
               </a:rPr>
-              <a:t>movie Review App</a:t>
+              <a:t>Movie </a:t>
+            </a:r>
+            <a:r>
+              <a:rPr lang="en-US" sz="1700" dirty="0" smtClean="0">
+                <a:solidFill>
+                  <a:srgbClr val="FFFFFF"/>
+                </a:solidFill>
+                <a:latin typeface="Pretendard Thin" pitchFamily="34" charset="0"/>
+                <a:cs typeface="Pretendard Thin" pitchFamily="34" charset="0"/>
+              </a:rPr>
+              <a:t>Review App</a:t>
             </a:r>
             <a:endParaRPr lang="en-US" dirty="0"/>
           </a:p>
@@ -27601,6 +28347,13 @@
   <p:clrMapOvr>
     <a:masterClrMapping/>
   </p:clrMapOvr>
+  <p:timing>
+    <p:tnLst>
+      <p:par>
+        <p:cTn id="1" dur="indefinite" restart="never" nodeType="tmRoot"/>
+      </p:par>
+    </p:tnLst>
+  </p:timing>
 </p:sld>
 </file>
 
@@ -27947,6 +28700,9 @@
             <a:prstGeom prst="rect">
               <a:avLst/>
             </a:prstGeom>
+            <a:ln w="57150">
+              <a:noFill/>
+            </a:ln>
           </p:spPr>
         </p:pic>
       </p:grpSp>
@@ -27986,6 +28742,9 @@
             <a:prstGeom prst="rect">
               <a:avLst/>
             </a:prstGeom>
+            <a:ln w="57150">
+              <a:noFill/>
+            </a:ln>
           </p:spPr>
         </p:pic>
       </p:grpSp>
@@ -28443,7 +29202,7 @@
         </p:nvSpPr>
         <p:spPr>
           <a:xfrm>
-            <a:off x="11926461" y="4721089"/>
+            <a:off x="11926461" y="4781133"/>
             <a:ext cx="5059514" cy="2800767"/>
           </a:xfrm>
           <a:prstGeom prst="rect">
@@ -28678,31 +29437,7 @@
                 <a:latin typeface="맑은 고딕" panose="020B0503020000020004" pitchFamily="50" charset="-127"/>
                 <a:ea typeface="맑은 고딕" panose="020B0503020000020004" pitchFamily="50" charset="-127"/>
               </a:rPr>
-              <a:t>랭킹 </a:t>
-            </a:r>
-            <a:r>
-              <a:rPr lang="ko-KR" altLang="en-US" sz="2200" dirty="0" smtClean="0">
-                <a:solidFill>
-                  <a:schemeClr val="bg1">
-                    <a:lumMod val="50000"/>
-                  </a:schemeClr>
-                </a:solidFill>
-                <a:latin typeface="맑은 고딕" panose="020B0503020000020004" pitchFamily="50" charset="-127"/>
-                <a:ea typeface="맑은 고딕" panose="020B0503020000020004" pitchFamily="50" charset="-127"/>
-              </a:rPr>
-              <a:t>등으로 간단하게 영화 리뷰를 확인하는 </a:t>
-            </a:r>
-            <a:r>
-              <a:rPr lang="ko-KR" altLang="en-US" sz="2200" dirty="0" smtClean="0">
-                <a:solidFill>
-                  <a:schemeClr val="bg1">
-                    <a:lumMod val="50000"/>
-                  </a:schemeClr>
-                </a:solidFill>
-                <a:latin typeface="맑은 고딕" panose="020B0503020000020004" pitchFamily="50" charset="-127"/>
-                <a:ea typeface="맑은 고딕" panose="020B0503020000020004" pitchFamily="50" charset="-127"/>
-              </a:rPr>
-              <a:t>애플리케이션 제작 </a:t>
+              <a:t>랭킹 등으로 간단하게 영화 리뷰를 확인하는 애플리케이션 제작 </a:t>
             </a:r>
             <a:endParaRPr lang="en-US" dirty="0">
               <a:solidFill>
@@ -28916,6 +29651,13 @@
   <p:clrMapOvr>
     <a:masterClrMapping/>
   </p:clrMapOvr>
+  <p:timing>
+    <p:tnLst>
+      <p:par>
+        <p:cTn id="1" dur="indefinite" restart="never" nodeType="tmRoot"/>
+      </p:par>
+    </p:tnLst>
+  </p:timing>
 </p:sld>
 </file>
 
@@ -30445,6 +31187,13 @@
   <p:clrMapOvr>
     <a:masterClrMapping/>
   </p:clrMapOvr>
+  <p:timing>
+    <p:tnLst>
+      <p:par>
+        <p:cTn id="1" dur="indefinite" restart="never" nodeType="tmRoot"/>
+      </p:par>
+    </p:tnLst>
+  </p:timing>
 </p:sld>
 </file>
 
@@ -30652,7 +31401,7 @@
         <p:spPr>
           <a:xfrm>
             <a:off x="13030200" y="1520103"/>
-            <a:ext cx="4191000" cy="7966797"/>
+            <a:ext cx="4191000" cy="7204797"/>
           </a:xfrm>
           <a:prstGeom prst="roundRect">
             <a:avLst>
@@ -32293,8 +33042,8 @@
         </p:nvSpPr>
         <p:spPr>
           <a:xfrm>
-            <a:off x="13041086" y="1714500"/>
-            <a:ext cx="4180114" cy="5909310"/>
+            <a:off x="13041086" y="1533477"/>
+            <a:ext cx="4180114" cy="6186309"/>
           </a:xfrm>
           <a:prstGeom prst="rect">
             <a:avLst/>
@@ -32358,7 +33107,7 @@
             </a:endParaRPr>
           </a:p>
           <a:p>
-            <a:pPr marL="342900" indent="-342900" algn="just">
+            <a:pPr marL="396000" lvl="1" indent="-284400" algn="just">
               <a:buFont typeface="맑은 고딕" panose="020B0503020000020004" pitchFamily="50" charset="-127"/>
               <a:buChar char="-"/>
             </a:pPr>
@@ -32396,7 +33145,19 @@
                 <a:latin typeface="맑은 고딕" panose="020B0503020000020004" pitchFamily="50" charset="-127"/>
                 <a:ea typeface="맑은 고딕" panose="020B0503020000020004" pitchFamily="50" charset="-127"/>
               </a:rPr>
-              <a:t>영화 번호</a:t>
+              <a:t>영화 </a:t>
+            </a:r>
+            <a:r>
+              <a:rPr lang="ko-KR" altLang="en-US" dirty="0" smtClean="0">
+                <a:solidFill>
+                  <a:schemeClr val="bg1">
+                    <a:lumMod val="50000"/>
+                  </a:schemeClr>
+                </a:solidFill>
+                <a:latin typeface="맑은 고딕" panose="020B0503020000020004" pitchFamily="50" charset="-127"/>
+                <a:ea typeface="맑은 고딕" panose="020B0503020000020004" pitchFamily="50" charset="-127"/>
+              </a:rPr>
+              <a:t>번호</a:t>
             </a:r>
             <a:endParaRPr lang="en-US" altLang="ko-KR" dirty="0" smtClean="0">
               <a:solidFill>
@@ -32409,7 +33170,7 @@
             </a:endParaRPr>
           </a:p>
           <a:p>
-            <a:pPr marL="342900" indent="-342900" algn="just">
+            <a:pPr marL="396000" lvl="1" indent="-284400" algn="just">
               <a:buFont typeface="맑은 고딕" panose="020B0503020000020004" pitchFamily="50" charset="-127"/>
               <a:buChar char="-"/>
             </a:pPr>
@@ -32460,7 +33221,7 @@
             </a:endParaRPr>
           </a:p>
           <a:p>
-            <a:pPr marL="342900" indent="-342900" algn="just">
+            <a:pPr marL="396000" lvl="1" indent="-284400" algn="just">
               <a:buFont typeface="맑은 고딕" panose="020B0503020000020004" pitchFamily="50" charset="-127"/>
               <a:buChar char="-"/>
             </a:pPr>
@@ -32499,7 +33260,7 @@
             </a:endParaRPr>
           </a:p>
           <a:p>
-            <a:pPr marL="342900" indent="-342900" algn="just">
+            <a:pPr marL="396000" lvl="1" indent="-284400" algn="just">
               <a:buFont typeface="맑은 고딕" panose="020B0503020000020004" pitchFamily="50" charset="-127"/>
               <a:buChar char="-"/>
             </a:pPr>
@@ -32538,7 +33299,7 @@
             </a:endParaRPr>
           </a:p>
           <a:p>
-            <a:pPr marL="342900" indent="-342900" algn="just">
+            <a:pPr marL="396000" lvl="1" indent="-284400" algn="just">
               <a:buFont typeface="맑은 고딕" panose="020B0503020000020004" pitchFamily="50" charset="-127"/>
               <a:buChar char="-"/>
             </a:pPr>
@@ -32630,9 +33391,21 @@
                 <a:latin typeface="맑은 고딕" panose="020B0503020000020004" pitchFamily="50" charset="-127"/>
                 <a:ea typeface="맑은 고딕" panose="020B0503020000020004" pitchFamily="50" charset="-127"/>
               </a:rPr>
-              <a:t> 생성</a:t>
-            </a:r>
-            <a:endParaRPr lang="en-US" altLang="ko-KR" dirty="0" smtClean="0">
+              <a:t> </a:t>
+            </a:r>
+            <a:r>
+              <a:rPr lang="ko-KR" altLang="en-US" dirty="0" smtClean="0">
+                <a:solidFill>
+                  <a:schemeClr val="bg1">
+                    <a:lumMod val="50000"/>
+                  </a:schemeClr>
+                </a:solidFill>
+                <a:latin typeface="맑은 고딕" panose="020B0503020000020004" pitchFamily="50" charset="-127"/>
+                <a:ea typeface="맑은 고딕" panose="020B0503020000020004" pitchFamily="50" charset="-127"/>
+              </a:rPr>
+              <a:t>생성</a:t>
+            </a:r>
+            <a:endParaRPr lang="en-US" altLang="ko-KR" dirty="0">
               <a:solidFill>
                 <a:schemeClr val="bg1">
                   <a:lumMod val="50000"/>
@@ -32643,7 +33416,7 @@
             </a:endParaRPr>
           </a:p>
           <a:p>
-            <a:pPr marL="285750" indent="-285750" algn="just">
+            <a:pPr marL="396000" indent="-285750" algn="just">
               <a:buFont typeface="맑은 고딕" panose="020B0503020000020004" pitchFamily="50" charset="-127"/>
               <a:buChar char="-"/>
             </a:pPr>
@@ -32657,7 +33430,31 @@
                 <a:latin typeface="맑은 고딕" panose="020B0503020000020004" pitchFamily="50" charset="-127"/>
                 <a:ea typeface="맑은 고딕" panose="020B0503020000020004" pitchFamily="50" charset="-127"/>
               </a:rPr>
-              <a:t>객체 생성시 초기화 수행을 위해 생성</a:t>
+              <a:t>객체 </a:t>
+            </a:r>
+            <a:r>
+              <a:rPr lang="ko-KR" altLang="en-US" dirty="0" smtClean="0">
+                <a:solidFill>
+                  <a:schemeClr val="bg1">
+                    <a:lumMod val="50000"/>
+                  </a:schemeClr>
+                </a:solidFill>
+                <a:latin typeface="맑은 고딕" panose="020B0503020000020004" pitchFamily="50" charset="-127"/>
+                <a:ea typeface="맑은 고딕" panose="020B0503020000020004" pitchFamily="50" charset="-127"/>
+              </a:rPr>
+              <a:t>생성시 초기화 수행을 위해 </a:t>
+            </a:r>
+            <a:r>
+              <a:rPr lang="ko-KR" altLang="en-US" dirty="0" smtClean="0">
+                <a:solidFill>
+                  <a:schemeClr val="bg1">
+                    <a:lumMod val="50000"/>
+                  </a:schemeClr>
+                </a:solidFill>
+                <a:latin typeface="맑은 고딕" panose="020B0503020000020004" pitchFamily="50" charset="-127"/>
+                <a:ea typeface="맑은 고딕" panose="020B0503020000020004" pitchFamily="50" charset="-127"/>
+              </a:rPr>
+              <a:t>생성</a:t>
             </a:r>
             <a:endParaRPr lang="en-US" altLang="ko-KR" dirty="0" smtClean="0">
               <a:solidFill>
@@ -32772,7 +33569,7 @@
             </a:endParaRPr>
           </a:p>
           <a:p>
-            <a:pPr marL="285750" indent="-285750" algn="just">
+            <a:pPr marL="396000" indent="-285750" algn="just">
               <a:buFont typeface="맑은 고딕" panose="020B0503020000020004" pitchFamily="50" charset="-127"/>
               <a:buChar char="-"/>
             </a:pPr>
@@ -32877,7 +33674,7 @@
             </a:endParaRPr>
           </a:p>
           <a:p>
-            <a:pPr marL="285750" indent="-285750" algn="just">
+            <a:pPr marL="396000" lvl="1" indent="-285750" algn="just">
               <a:buFont typeface="맑은 고딕" panose="020B0503020000020004" pitchFamily="50" charset="-127"/>
               <a:buChar char="-"/>
             </a:pPr>
@@ -32891,7 +33688,19 @@
                 <a:latin typeface="맑은 고딕" panose="020B0503020000020004" pitchFamily="50" charset="-127"/>
                 <a:ea typeface="맑은 고딕" panose="020B0503020000020004" pitchFamily="50" charset="-127"/>
               </a:rPr>
-              <a:t>새로운 객체 생성 시 변수 값을 바로 넣을 수 있게 하기 위해 생성</a:t>
+              <a:t>새로운 객체 생성 시 변수 값을 바로 넣을 수 있게 하기 위해 </a:t>
+            </a:r>
+            <a:r>
+              <a:rPr lang="ko-KR" altLang="en-US" dirty="0" smtClean="0">
+                <a:solidFill>
+                  <a:schemeClr val="bg1">
+                    <a:lumMod val="50000"/>
+                  </a:schemeClr>
+                </a:solidFill>
+                <a:latin typeface="맑은 고딕" panose="020B0503020000020004" pitchFamily="50" charset="-127"/>
+                <a:ea typeface="맑은 고딕" panose="020B0503020000020004" pitchFamily="50" charset="-127"/>
+              </a:rPr>
+              <a:t>생성</a:t>
             </a:r>
             <a:endParaRPr lang="en-US" altLang="ko-KR" dirty="0">
               <a:solidFill>
@@ -32904,46 +33713,7 @@
             </a:endParaRPr>
           </a:p>
           <a:p>
-            <a:pPr marL="285750" indent="-285750" algn="just">
-              <a:buFont typeface="Wingdings" panose="05000000000000000000" pitchFamily="2" charset="2"/>
-              <a:buChar char="§"/>
-            </a:pPr>
-            <a:r>
-              <a:rPr lang="en-US" altLang="ko-KR" dirty="0" err="1" smtClean="0">
-                <a:solidFill>
-                  <a:schemeClr val="bg1">
-                    <a:lumMod val="50000"/>
-                  </a:schemeClr>
-                </a:solidFill>
-                <a:latin typeface="맑은 고딕" panose="020B0503020000020004" pitchFamily="50" charset="-127"/>
-                <a:ea typeface="맑은 고딕" panose="020B0503020000020004" pitchFamily="50" charset="-127"/>
-              </a:rPr>
-              <a:t>toString</a:t>
-            </a:r>
-            <a:r>
-              <a:rPr lang="en-US" altLang="ko-KR" dirty="0" smtClean="0">
-                <a:solidFill>
-                  <a:schemeClr val="bg1">
-                    <a:lumMod val="50000"/>
-                  </a:schemeClr>
-                </a:solidFill>
-                <a:latin typeface="맑은 고딕" panose="020B0503020000020004" pitchFamily="50" charset="-127"/>
-                <a:ea typeface="맑은 고딕" panose="020B0503020000020004" pitchFamily="50" charset="-127"/>
-              </a:rPr>
-              <a:t> </a:t>
-            </a:r>
-            <a:r>
-              <a:rPr lang="ko-KR" altLang="en-US" dirty="0" smtClean="0">
-                <a:solidFill>
-                  <a:schemeClr val="bg1">
-                    <a:lumMod val="50000"/>
-                  </a:schemeClr>
-                </a:solidFill>
-                <a:latin typeface="맑은 고딕" panose="020B0503020000020004" pitchFamily="50" charset="-127"/>
-                <a:ea typeface="맑은 고딕" panose="020B0503020000020004" pitchFamily="50" charset="-127"/>
-              </a:rPr>
-              <a:t>생성</a:t>
-            </a:r>
+            <a:pPr marL="110250" lvl="1" algn="just"/>
             <a:endParaRPr lang="en-US" altLang="ko-KR" dirty="0">
               <a:solidFill>
                 <a:schemeClr val="bg1">
@@ -32956,10 +33726,34 @@
           </a:p>
           <a:p>
             <a:pPr marL="285750" indent="-285750" algn="just">
-              <a:buFont typeface="맑은 고딕" panose="020B0503020000020004" pitchFamily="50" charset="-127"/>
-              <a:buChar char="-"/>
+              <a:buFont typeface="Wingdings" panose="05000000000000000000" pitchFamily="2" charset="2"/>
+              <a:buChar char="§"/>
             </a:pPr>
             <a:r>
+              <a:rPr lang="en-US" altLang="ko-KR" dirty="0" err="1" smtClean="0">
+                <a:solidFill>
+                  <a:schemeClr val="bg1">
+                    <a:lumMod val="50000"/>
+                  </a:schemeClr>
+                </a:solidFill>
+                <a:latin typeface="맑은 고딕" panose="020B0503020000020004" pitchFamily="50" charset="-127"/>
+                <a:ea typeface="맑은 고딕" panose="020B0503020000020004" pitchFamily="50" charset="-127"/>
+              </a:rPr>
+              <a:t>toString</a:t>
+            </a:r>
+            <a:r>
+              <a:rPr lang="en-US" altLang="ko-KR" dirty="0" smtClean="0">
+                <a:solidFill>
+                  <a:schemeClr val="bg1">
+                    <a:lumMod val="50000"/>
+                  </a:schemeClr>
+                </a:solidFill>
+                <a:latin typeface="맑은 고딕" panose="020B0503020000020004" pitchFamily="50" charset="-127"/>
+                <a:ea typeface="맑은 고딕" panose="020B0503020000020004" pitchFamily="50" charset="-127"/>
+              </a:rPr>
+              <a:t> </a:t>
+            </a:r>
+            <a:r>
               <a:rPr lang="ko-KR" altLang="en-US" dirty="0" smtClean="0">
                 <a:solidFill>
                   <a:schemeClr val="bg1">
@@ -32969,7 +33763,7 @@
                 <a:latin typeface="맑은 고딕" panose="020B0503020000020004" pitchFamily="50" charset="-127"/>
                 <a:ea typeface="맑은 고딕" panose="020B0503020000020004" pitchFamily="50" charset="-127"/>
               </a:rPr>
-              <a:t>객체를 문자열로 반환하여 쉽게 확인 할 수 있게 하기 위해 생성</a:t>
+              <a:t>생성</a:t>
             </a:r>
             <a:endParaRPr lang="en-US" altLang="ko-KR" dirty="0">
               <a:solidFill>
@@ -32981,6 +33775,33 @@
               <a:ea typeface="맑은 고딕" panose="020B0503020000020004" pitchFamily="50" charset="-127"/>
             </a:endParaRPr>
           </a:p>
+          <a:p>
+            <a:pPr marL="396000" indent="-285750" algn="just">
+              <a:buFont typeface="맑은 고딕" panose="020B0503020000020004" pitchFamily="50" charset="-127"/>
+              <a:buChar char="-"/>
+            </a:pPr>
+            <a:r>
+              <a:rPr lang="ko-KR" altLang="en-US" dirty="0" smtClean="0">
+                <a:solidFill>
+                  <a:schemeClr val="bg1">
+                    <a:lumMod val="50000"/>
+                  </a:schemeClr>
+                </a:solidFill>
+                <a:latin typeface="맑은 고딕" panose="020B0503020000020004" pitchFamily="50" charset="-127"/>
+                <a:ea typeface="맑은 고딕" panose="020B0503020000020004" pitchFamily="50" charset="-127"/>
+              </a:rPr>
+              <a:t>객체를 문자열로 반환하여 쉽게 확인 할 수 있게 하기 위해 생성</a:t>
+            </a:r>
+            <a:endParaRPr lang="en-US" altLang="ko-KR" dirty="0">
+              <a:solidFill>
+                <a:schemeClr val="bg1">
+                  <a:lumMod val="50000"/>
+                </a:schemeClr>
+              </a:solidFill>
+              <a:latin typeface="맑은 고딕" panose="020B0503020000020004" pitchFamily="50" charset="-127"/>
+              <a:ea typeface="맑은 고딕" panose="020B0503020000020004" pitchFamily="50" charset="-127"/>
+            </a:endParaRPr>
+          </a:p>
         </p:txBody>
       </p:sp>
     </p:spTree>
@@ -32988,6 +33809,13 @@
   <p:clrMapOvr>
     <a:masterClrMapping/>
   </p:clrMapOvr>
+  <p:timing>
+    <p:tnLst>
+      <p:par>
+        <p:cTn id="1" dur="indefinite" restart="never" nodeType="tmRoot"/>
+      </p:par>
+    </p:tnLst>
+  </p:timing>
 </p:sld>
 </file>
 
@@ -33111,7 +33939,7 @@
               <a:t>(</a:t>
             </a:r>
             <a:r>
-              <a:rPr lang="en-US" altLang="ko-KR" sz="4000" kern="0" spc="-100" dirty="0" err="1" smtClean="0">
+              <a:rPr lang="en-US" altLang="ko-KR" sz="4000" kern="0" spc="-100" dirty="0" smtClean="0">
                 <a:solidFill>
                   <a:srgbClr val="595959"/>
                 </a:solidFill>
@@ -33119,7 +33947,7 @@
                 <a:ea typeface="맑은 고딕" panose="020B0503020000020004" pitchFamily="50" charset="-127"/>
                 <a:cs typeface="Pretendard SemiBold" pitchFamily="34" charset="0"/>
               </a:rPr>
-              <a:t>AppMenu</a:t>
+              <a:t>App Menu</a:t>
             </a:r>
             <a:r>
               <a:rPr lang="en-US" altLang="ko-KR" sz="4000" kern="0" spc="-100" dirty="0" smtClean="0">
@@ -33234,8 +34062,8 @@
         </p:nvSpPr>
         <p:spPr>
           <a:xfrm>
-            <a:off x="1314637" y="7719179"/>
-            <a:ext cx="15754163" cy="3139321"/>
+            <a:off x="1185256" y="7587914"/>
+            <a:ext cx="14321966" cy="1754326"/>
           </a:xfrm>
           <a:prstGeom prst="rect">
             <a:avLst/>
@@ -33253,6 +34081,18 @@
               <a:buChar char="§"/>
             </a:pPr>
             <a:r>
+              <a:rPr lang="en-US" altLang="ko-KR" dirty="0">
+                <a:solidFill>
+                  <a:schemeClr val="bg1">
+                    <a:lumMod val="50000"/>
+                  </a:schemeClr>
+                </a:solidFill>
+                <a:latin typeface="맑은 고딕" panose="020B0503020000020004" pitchFamily="50" charset="-127"/>
+                <a:ea typeface="맑은 고딕" panose="020B0503020000020004" pitchFamily="50" charset="-127"/>
+              </a:rPr>
+              <a:t>V</a:t>
+            </a:r>
+            <a:r>
               <a:rPr lang="en-US" altLang="ko-KR" dirty="0" smtClean="0">
                 <a:solidFill>
                   <a:schemeClr val="bg1">
@@ -33262,7 +34102,7 @@
                 <a:latin typeface="맑은 고딕" panose="020B0503020000020004" pitchFamily="50" charset="-127"/>
                 <a:ea typeface="맑은 고딕" panose="020B0503020000020004" pitchFamily="50" charset="-127"/>
               </a:rPr>
-              <a:t>view </a:t>
+              <a:t>iew </a:t>
             </a:r>
             <a:r>
               <a:rPr lang="ko-KR" altLang="en-US" dirty="0" smtClean="0">
@@ -33323,7 +34163,7 @@
             </a:endParaRPr>
           </a:p>
           <a:p>
-            <a:pPr marL="342900" indent="-342900" algn="just">
+            <a:pPr marL="396000" indent="-284400" algn="just">
               <a:buFont typeface="맑은 고딕" panose="020B0503020000020004" pitchFamily="50" charset="-127"/>
               <a:buChar char="-"/>
             </a:pPr>
@@ -33362,7 +34202,7 @@
             </a:endParaRPr>
           </a:p>
           <a:p>
-            <a:pPr marL="342900" indent="-342900" algn="just">
+            <a:pPr marL="396000" indent="-284400" algn="just">
               <a:buFont typeface="맑은 고딕" panose="020B0503020000020004" pitchFamily="50" charset="-127"/>
               <a:buChar char="-"/>
             </a:pPr>
@@ -33449,7 +34289,7 @@
             </a:endParaRPr>
           </a:p>
           <a:p>
-            <a:pPr marL="342900" indent="-342900" algn="just">
+            <a:pPr marL="396000" indent="-284400" algn="just">
               <a:buFont typeface="맑은 고딕" panose="020B0503020000020004" pitchFamily="50" charset="-127"/>
               <a:buChar char="-"/>
             </a:pPr>
@@ -33499,19 +34339,7 @@
                 <a:latin typeface="맑은 고딕" panose="020B0503020000020004" pitchFamily="50" charset="-127"/>
                 <a:ea typeface="맑은 고딕" panose="020B0503020000020004" pitchFamily="50" charset="-127"/>
               </a:rPr>
-              <a:t>에 저장이 되고</a:t>
-            </a:r>
-            <a:r>
-              <a:rPr lang="en-US" altLang="ko-KR" dirty="0" smtClean="0">
-                <a:solidFill>
-                  <a:schemeClr val="bg1">
-                    <a:lumMod val="50000"/>
-                  </a:schemeClr>
-                </a:solidFill>
-                <a:latin typeface="맑은 고딕" panose="020B0503020000020004" pitchFamily="50" charset="-127"/>
-                <a:ea typeface="맑은 고딕" panose="020B0503020000020004" pitchFamily="50" charset="-127"/>
-              </a:rPr>
-              <a:t> </a:t>
+              <a:t>에 </a:t>
             </a:r>
             <a:r>
               <a:rPr lang="ko-KR" altLang="en-US" dirty="0" smtClean="0">
@@ -33523,7 +34351,7 @@
                 <a:latin typeface="맑은 고딕" panose="020B0503020000020004" pitchFamily="50" charset="-127"/>
                 <a:ea typeface="맑은 고딕" panose="020B0503020000020004" pitchFamily="50" charset="-127"/>
               </a:rPr>
-              <a:t>반환이 되게 설정</a:t>
+              <a:t>할당하여 반환되게 설정</a:t>
             </a:r>
             <a:endParaRPr lang="en-US" altLang="ko-KR" dirty="0" smtClean="0">
               <a:solidFill>
@@ -33536,7 +34364,7 @@
             </a:endParaRPr>
           </a:p>
           <a:p>
-            <a:pPr marL="342900" indent="-342900" algn="just">
+            <a:pPr marL="396000" indent="-284400" algn="just">
               <a:buFont typeface="맑은 고딕" panose="020B0503020000020004" pitchFamily="50" charset="-127"/>
               <a:buChar char="-"/>
             </a:pPr>
@@ -33550,7 +34378,7 @@
                 <a:latin typeface="맑은 고딕" panose="020B0503020000020004" pitchFamily="50" charset="-127"/>
                 <a:ea typeface="맑은 고딕" panose="020B0503020000020004" pitchFamily="50" charset="-127"/>
               </a:rPr>
-              <a:t>Scanner</a:t>
+              <a:t>Scanner </a:t>
             </a:r>
             <a:r>
               <a:rPr lang="ko-KR" altLang="en-US" dirty="0" smtClean="0">
@@ -33670,7 +34498,19 @@
                 <a:latin typeface="맑은 고딕" panose="020B0503020000020004" pitchFamily="50" charset="-127"/>
                 <a:ea typeface="맑은 고딕" panose="020B0503020000020004" pitchFamily="50" charset="-127"/>
               </a:rPr>
-              <a:t>까지 처리되기때문에 </a:t>
+              <a:t>까지 </a:t>
+            </a:r>
+            <a:r>
+              <a:rPr lang="ko-KR" altLang="en-US" dirty="0" smtClean="0">
+                <a:solidFill>
+                  <a:schemeClr val="bg1">
+                    <a:lumMod val="50000"/>
+                  </a:schemeClr>
+                </a:solidFill>
+                <a:latin typeface="맑은 고딕" panose="020B0503020000020004" pitchFamily="50" charset="-127"/>
+                <a:ea typeface="맑은 고딕" panose="020B0503020000020004" pitchFamily="50" charset="-127"/>
+              </a:rPr>
+              <a:t>처리되기 때문에 </a:t>
             </a:r>
             <a:r>
               <a:rPr lang="en-US" altLang="ko-KR" dirty="0" err="1" smtClean="0">
@@ -33706,7 +34546,19 @@
                 <a:latin typeface="맑은 고딕" panose="020B0503020000020004" pitchFamily="50" charset="-127"/>
                 <a:ea typeface="맑은 고딕" panose="020B0503020000020004" pitchFamily="50" charset="-127"/>
               </a:rPr>
-              <a:t>을 추가   </a:t>
+              <a:t>을 </a:t>
+            </a:r>
+            <a:r>
+              <a:rPr lang="ko-KR" altLang="en-US" dirty="0" smtClean="0">
+                <a:solidFill>
+                  <a:schemeClr val="bg1">
+                    <a:lumMod val="50000"/>
+                  </a:schemeClr>
+                </a:solidFill>
+                <a:latin typeface="맑은 고딕" panose="020B0503020000020004" pitchFamily="50" charset="-127"/>
+                <a:ea typeface="맑은 고딕" panose="020B0503020000020004" pitchFamily="50" charset="-127"/>
+              </a:rPr>
+              <a:t>추가하여 오류 해결</a:t>
             </a:r>
             <a:endParaRPr lang="en-US" altLang="ko-KR" dirty="0" smtClean="0">
               <a:solidFill>
@@ -33714,73 +34566,6 @@
                   <a:lumMod val="50000"/>
                 </a:schemeClr>
               </a:solidFill>
-              <a:latin typeface="맑은 고딕" panose="020B0503020000020004" pitchFamily="50" charset="-127"/>
-              <a:ea typeface="맑은 고딕" panose="020B0503020000020004" pitchFamily="50" charset="-127"/>
-            </a:endParaRPr>
-          </a:p>
-          <a:p>
-            <a:pPr marL="800100" lvl="1" indent="-342900" algn="just">
-              <a:buFont typeface="맑은 고딕" panose="020B0503020000020004" pitchFamily="50" charset="-127"/>
-              <a:buChar char="-"/>
-            </a:pPr>
-            <a:endParaRPr lang="en-US" altLang="ko-KR" dirty="0" smtClean="0">
-              <a:solidFill>
-                <a:schemeClr val="bg1">
-                  <a:lumMod val="50000"/>
-                </a:schemeClr>
-              </a:solidFill>
-              <a:latin typeface="맑은 고딕" panose="020B0503020000020004" pitchFamily="50" charset="-127"/>
-              <a:ea typeface="맑은 고딕" panose="020B0503020000020004" pitchFamily="50" charset="-127"/>
-            </a:endParaRPr>
-          </a:p>
-          <a:p>
-            <a:pPr lvl="1" algn="just"/>
-            <a:endParaRPr lang="en-US" altLang="ko-KR" dirty="0" smtClean="0">
-              <a:solidFill>
-                <a:schemeClr val="bg1">
-                  <a:lumMod val="50000"/>
-                </a:schemeClr>
-              </a:solidFill>
-              <a:latin typeface="맑은 고딕" panose="020B0503020000020004" pitchFamily="50" charset="-127"/>
-              <a:ea typeface="맑은 고딕" panose="020B0503020000020004" pitchFamily="50" charset="-127"/>
-            </a:endParaRPr>
-          </a:p>
-          <a:p>
-            <a:pPr marL="742950" lvl="1" indent="-285750" algn="just">
-              <a:buFont typeface="맑은 고딕" panose="020B0503020000020004" pitchFamily="50" charset="-127"/>
-              <a:buChar char="-"/>
-            </a:pPr>
-            <a:endParaRPr lang="en-US" altLang="ko-KR" dirty="0" smtClean="0">
-              <a:solidFill>
-                <a:schemeClr val="bg1">
-                  <a:lumMod val="50000"/>
-                </a:schemeClr>
-              </a:solidFill>
-              <a:latin typeface="맑은 고딕" panose="020B0503020000020004" pitchFamily="50" charset="-127"/>
-              <a:ea typeface="맑은 고딕" panose="020B0503020000020004" pitchFamily="50" charset="-127"/>
-            </a:endParaRPr>
-          </a:p>
-          <a:p>
-            <a:pPr marL="742950" lvl="1" indent="-285750" algn="just">
-              <a:buFont typeface="맑은 고딕" panose="020B0503020000020004" pitchFamily="50" charset="-127"/>
-              <a:buChar char="-"/>
-            </a:pPr>
-            <a:endParaRPr lang="en-US" altLang="ko-KR" dirty="0" smtClean="0">
-              <a:solidFill>
-                <a:schemeClr val="bg1">
-                  <a:lumMod val="50000"/>
-                </a:schemeClr>
-              </a:solidFill>
-              <a:latin typeface="맑은 고딕" panose="020B0503020000020004" pitchFamily="50" charset="-127"/>
-              <a:ea typeface="맑은 고딕" panose="020B0503020000020004" pitchFamily="50" charset="-127"/>
-            </a:endParaRPr>
-          </a:p>
-          <a:p>
-            <a:pPr marL="742950" lvl="1" indent="-285750" algn="just">
-              <a:buFont typeface="맑은 고딕" panose="020B0503020000020004" pitchFamily="50" charset="-127"/>
-              <a:buChar char="-"/>
-            </a:pPr>
-            <a:endParaRPr lang="en-US" dirty="0">
               <a:latin typeface="맑은 고딕" panose="020B0503020000020004" pitchFamily="50" charset="-127"/>
               <a:ea typeface="맑은 고딕" panose="020B0503020000020004" pitchFamily="50" charset="-127"/>
             </a:endParaRPr>
@@ -35106,6 +35891,13 @@
   <p:clrMapOvr>
     <a:masterClrMapping/>
   </p:clrMapOvr>
+  <p:timing>
+    <p:tnLst>
+      <p:par>
+        <p:cTn id="1" dur="indefinite" restart="never" nodeType="tmRoot"/>
+      </p:par>
+    </p:tnLst>
+  </p:timing>
 </p:sld>
 </file>
 
@@ -35229,7 +36021,7 @@
               <a:t>(</a:t>
             </a:r>
             <a:r>
-              <a:rPr lang="en-US" altLang="ko-KR" sz="4000" kern="0" spc="-100" dirty="0" err="1" smtClean="0">
+              <a:rPr lang="en-US" altLang="ko-KR" sz="4000" kern="0" spc="-100" dirty="0" smtClean="0">
                 <a:solidFill>
                   <a:srgbClr val="595959"/>
                 </a:solidFill>
@@ -35237,7 +36029,7 @@
                 <a:ea typeface="맑은 고딕" panose="020B0503020000020004" pitchFamily="50" charset="-127"/>
                 <a:cs typeface="Pretendard SemiBold" pitchFamily="34" charset="0"/>
               </a:rPr>
-              <a:t>AppMenu</a:t>
+              <a:t>App Menu</a:t>
             </a:r>
             <a:r>
               <a:rPr lang="en-US" altLang="ko-KR" sz="4000" kern="0" spc="-100" dirty="0" smtClean="0">
@@ -35352,8 +36144,8 @@
         </p:nvSpPr>
         <p:spPr>
           <a:xfrm>
-            <a:off x="1320183" y="7851155"/>
-            <a:ext cx="15754163" cy="2862322"/>
+            <a:off x="1187463" y="7594426"/>
+            <a:ext cx="15754163" cy="1477328"/>
           </a:xfrm>
           <a:prstGeom prst="rect">
             <a:avLst/>
@@ -35441,7 +36233,7 @@
             </a:endParaRPr>
           </a:p>
           <a:p>
-            <a:pPr marL="342900" indent="-342900" algn="just">
+            <a:pPr marL="396000" indent="-284400" algn="just">
               <a:buFont typeface="맑은 고딕" panose="020B0503020000020004" pitchFamily="50" charset="-127"/>
               <a:buChar char="-"/>
             </a:pPr>
@@ -35503,7 +36295,19 @@
                 <a:latin typeface="맑은 고딕" panose="020B0503020000020004" pitchFamily="50" charset="-127"/>
                 <a:ea typeface="맑은 고딕" panose="020B0503020000020004" pitchFamily="50" charset="-127"/>
               </a:rPr>
-              <a:t>를 받아와서 사용자가 입력한 값에 따라 </a:t>
+              <a:t>를 </a:t>
+            </a:r>
+            <a:r>
+              <a:rPr lang="ko-KR" altLang="en-US" dirty="0" smtClean="0">
+                <a:solidFill>
+                  <a:schemeClr val="bg1">
+                    <a:lumMod val="50000"/>
+                  </a:schemeClr>
+                </a:solidFill>
+                <a:latin typeface="맑은 고딕" panose="020B0503020000020004" pitchFamily="50" charset="-127"/>
+                <a:ea typeface="맑은 고딕" panose="020B0503020000020004" pitchFamily="50" charset="-127"/>
+              </a:rPr>
+              <a:t>받아와서 </a:t>
             </a:r>
             <a:r>
               <a:rPr lang="en-US" altLang="ko-KR" dirty="0" smtClean="0">
@@ -35527,7 +36331,67 @@
                 <a:latin typeface="맑은 고딕" panose="020B0503020000020004" pitchFamily="50" charset="-127"/>
                 <a:ea typeface="맑은 고딕" panose="020B0503020000020004" pitchFamily="50" charset="-127"/>
               </a:rPr>
-              <a:t>로 해당 메뉴를 선택</a:t>
+              <a:t>를 활용해</a:t>
+            </a:r>
+            <a:r>
+              <a:rPr lang="ko-KR" altLang="en-US" dirty="0" smtClean="0">
+                <a:solidFill>
+                  <a:schemeClr val="bg1">
+                    <a:lumMod val="50000"/>
+                  </a:schemeClr>
+                </a:solidFill>
+                <a:latin typeface="맑은 고딕" panose="020B0503020000020004" pitchFamily="50" charset="-127"/>
+                <a:ea typeface="맑은 고딕" panose="020B0503020000020004" pitchFamily="50" charset="-127"/>
+              </a:rPr>
+              <a:t> 사용자가 </a:t>
+            </a:r>
+            <a:r>
+              <a:rPr lang="ko-KR" altLang="en-US" dirty="0" smtClean="0">
+                <a:solidFill>
+                  <a:schemeClr val="bg1">
+                    <a:lumMod val="50000"/>
+                  </a:schemeClr>
+                </a:solidFill>
+                <a:latin typeface="맑은 고딕" panose="020B0503020000020004" pitchFamily="50" charset="-127"/>
+                <a:ea typeface="맑은 고딕" panose="020B0503020000020004" pitchFamily="50" charset="-127"/>
+              </a:rPr>
+              <a:t>입력한 값에 따라 </a:t>
+            </a:r>
+            <a:r>
+              <a:rPr lang="ko-KR" altLang="en-US" dirty="0" smtClean="0">
+                <a:solidFill>
+                  <a:schemeClr val="bg1">
+                    <a:lumMod val="50000"/>
+                  </a:schemeClr>
+                </a:solidFill>
+                <a:latin typeface="맑은 고딕" panose="020B0503020000020004" pitchFamily="50" charset="-127"/>
+                <a:ea typeface="맑은 고딕" panose="020B0503020000020004" pitchFamily="50" charset="-127"/>
+              </a:rPr>
+              <a:t>해당 </a:t>
+            </a:r>
+            <a:r>
+              <a:rPr lang="ko-KR" altLang="en-US" dirty="0" smtClean="0">
+                <a:solidFill>
+                  <a:schemeClr val="bg1">
+                    <a:lumMod val="50000"/>
+                  </a:schemeClr>
+                </a:solidFill>
+                <a:latin typeface="맑은 고딕" panose="020B0503020000020004" pitchFamily="50" charset="-127"/>
+                <a:ea typeface="맑은 고딕" panose="020B0503020000020004" pitchFamily="50" charset="-127"/>
+              </a:rPr>
+              <a:t>메뉴를 </a:t>
+            </a:r>
+            <a:r>
+              <a:rPr lang="ko-KR" altLang="en-US" dirty="0" smtClean="0">
+                <a:solidFill>
+                  <a:schemeClr val="bg1">
+                    <a:lumMod val="50000"/>
+                  </a:schemeClr>
+                </a:solidFill>
+                <a:latin typeface="맑은 고딕" panose="020B0503020000020004" pitchFamily="50" charset="-127"/>
+                <a:ea typeface="맑은 고딕" panose="020B0503020000020004" pitchFamily="50" charset="-127"/>
+              </a:rPr>
+              <a:t>선택</a:t>
             </a:r>
             <a:endParaRPr lang="en-US" altLang="ko-KR" dirty="0" smtClean="0">
               <a:solidFill>
@@ -35540,7 +36404,7 @@
             </a:endParaRPr>
           </a:p>
           <a:p>
-            <a:pPr marL="342900" indent="-342900" algn="just">
+            <a:pPr marL="396000" indent="-284400" algn="just">
               <a:buFont typeface="맑은 고딕" panose="020B0503020000020004" pitchFamily="50" charset="-127"/>
               <a:buChar char="-"/>
             </a:pPr>
@@ -35554,7 +36418,19 @@
                 <a:latin typeface="맑은 고딕" panose="020B0503020000020004" pitchFamily="50" charset="-127"/>
                 <a:ea typeface="맑은 고딕" panose="020B0503020000020004" pitchFamily="50" charset="-127"/>
               </a:rPr>
-              <a:t>메뉴에 없는 번호를 입력하였을 경우 </a:t>
+              <a:t>메뉴에 없는 </a:t>
+            </a:r>
+            <a:r>
+              <a:rPr lang="ko-KR" altLang="en-US" dirty="0" smtClean="0">
+                <a:solidFill>
+                  <a:schemeClr val="bg1">
+                    <a:lumMod val="50000"/>
+                  </a:schemeClr>
+                </a:solidFill>
+                <a:latin typeface="맑은 고딕" panose="020B0503020000020004" pitchFamily="50" charset="-127"/>
+                <a:ea typeface="맑은 고딕" panose="020B0503020000020004" pitchFamily="50" charset="-127"/>
+              </a:rPr>
+              <a:t>번호 입력 시 </a:t>
             </a:r>
             <a:r>
               <a:rPr lang="en-US" altLang="ko-KR" dirty="0" smtClean="0">
@@ -35578,7 +36454,19 @@
                 <a:latin typeface="맑은 고딕" panose="020B0503020000020004" pitchFamily="50" charset="-127"/>
                 <a:ea typeface="맑은 고딕" panose="020B0503020000020004" pitchFamily="50" charset="-127"/>
               </a:rPr>
-              <a:t>에 있는 부분 출력</a:t>
+              <a:t>에서 </a:t>
+            </a:r>
+            <a:r>
+              <a:rPr lang="ko-KR" altLang="en-US" dirty="0" smtClean="0">
+                <a:solidFill>
+                  <a:schemeClr val="bg1">
+                    <a:lumMod val="50000"/>
+                  </a:schemeClr>
+                </a:solidFill>
+                <a:latin typeface="맑은 고딕" panose="020B0503020000020004" pitchFamily="50" charset="-127"/>
+                <a:ea typeface="맑은 고딕" panose="020B0503020000020004" pitchFamily="50" charset="-127"/>
+              </a:rPr>
+              <a:t>다른 메뉴 선택을 출력</a:t>
             </a:r>
             <a:endParaRPr lang="en-US" altLang="ko-KR" dirty="0">
               <a:solidFill>
@@ -35629,7 +36517,7 @@
                 <a:latin typeface="맑은 고딕" panose="020B0503020000020004" pitchFamily="50" charset="-127"/>
                 <a:ea typeface="맑은 고딕" panose="020B0503020000020004" pitchFamily="50" charset="-127"/>
               </a:rPr>
-              <a:t>controller </a:t>
+              <a:t>Controller </a:t>
             </a:r>
             <a:r>
               <a:rPr lang="ko-KR" altLang="en-US" dirty="0" smtClean="0">
@@ -35654,7 +36542,7 @@
             </a:endParaRPr>
           </a:p>
           <a:p>
-            <a:pPr marL="342900" indent="-342900" algn="just">
+            <a:pPr marL="396000" indent="-284400" algn="just">
               <a:buFont typeface="맑은 고딕" panose="020B0503020000020004" pitchFamily="50" charset="-127"/>
               <a:buChar char="-"/>
             </a:pPr>
@@ -35719,16 +36607,28 @@
               <a:t>함수를 호출하여 </a:t>
             </a:r>
             <a:r>
-              <a:rPr lang="en-US" altLang="ko-KR" dirty="0" smtClean="0">
-                <a:solidFill>
-                  <a:schemeClr val="bg1">
-                    <a:lumMod val="50000"/>
-                  </a:schemeClr>
-                </a:solidFill>
-                <a:latin typeface="맑은 고딕" panose="020B0503020000020004" pitchFamily="50" charset="-127"/>
-                <a:ea typeface="맑은 고딕" panose="020B0503020000020004" pitchFamily="50" charset="-127"/>
-              </a:rPr>
-              <a:t>console</a:t>
+              <a:rPr lang="en-US" altLang="ko-KR" dirty="0" err="1">
+                <a:solidFill>
+                  <a:schemeClr val="bg1">
+                    <a:lumMod val="50000"/>
+                  </a:schemeClr>
+                </a:solidFill>
+                <a:latin typeface="맑은 고딕" panose="020B0503020000020004" pitchFamily="50" charset="-127"/>
+                <a:ea typeface="맑은 고딕" panose="020B0503020000020004" pitchFamily="50" charset="-127"/>
+              </a:rPr>
+              <a:t>C</a:t>
+            </a:r>
+            <a:r>
+              <a:rPr lang="en-US" altLang="ko-KR" dirty="0" err="1" smtClean="0">
+                <a:solidFill>
+                  <a:schemeClr val="bg1">
+                    <a:lumMod val="50000"/>
+                  </a:schemeClr>
+                </a:solidFill>
+                <a:latin typeface="맑은 고딕" panose="020B0503020000020004" pitchFamily="50" charset="-127"/>
+                <a:ea typeface="맑은 고딕" panose="020B0503020000020004" pitchFamily="50" charset="-127"/>
+              </a:rPr>
+              <a:t>onsol</a:t>
             </a:r>
             <a:r>
               <a:rPr lang="ko-KR" altLang="en-US" dirty="0" smtClean="0">
@@ -35784,70 +36684,6 @@
                   <a:lumMod val="50000"/>
                 </a:schemeClr>
               </a:solidFill>
-              <a:latin typeface="맑은 고딕" panose="020B0503020000020004" pitchFamily="50" charset="-127"/>
-              <a:ea typeface="맑은 고딕" panose="020B0503020000020004" pitchFamily="50" charset="-127"/>
-            </a:endParaRPr>
-          </a:p>
-          <a:p>
-            <a:pPr algn="just"/>
-            <a:endParaRPr lang="en-US" altLang="ko-KR" dirty="0" smtClean="0">
-              <a:solidFill>
-                <a:schemeClr val="bg1">
-                  <a:lumMod val="50000"/>
-                </a:schemeClr>
-              </a:solidFill>
-              <a:latin typeface="맑은 고딕" panose="020B0503020000020004" pitchFamily="50" charset="-127"/>
-              <a:ea typeface="맑은 고딕" panose="020B0503020000020004" pitchFamily="50" charset="-127"/>
-            </a:endParaRPr>
-          </a:p>
-          <a:p>
-            <a:pPr lvl="1" algn="just"/>
-            <a:endParaRPr lang="en-US" altLang="ko-KR" dirty="0" smtClean="0">
-              <a:solidFill>
-                <a:schemeClr val="bg1">
-                  <a:lumMod val="50000"/>
-                </a:schemeClr>
-              </a:solidFill>
-              <a:latin typeface="맑은 고딕" panose="020B0503020000020004" pitchFamily="50" charset="-127"/>
-              <a:ea typeface="맑은 고딕" panose="020B0503020000020004" pitchFamily="50" charset="-127"/>
-            </a:endParaRPr>
-          </a:p>
-          <a:p>
-            <a:pPr marL="742950" lvl="1" indent="-285750" algn="just">
-              <a:buFont typeface="맑은 고딕" panose="020B0503020000020004" pitchFamily="50" charset="-127"/>
-              <a:buChar char="-"/>
-            </a:pPr>
-            <a:endParaRPr lang="en-US" altLang="ko-KR" dirty="0" smtClean="0">
-              <a:solidFill>
-                <a:schemeClr val="bg1">
-                  <a:lumMod val="50000"/>
-                </a:schemeClr>
-              </a:solidFill>
-              <a:latin typeface="맑은 고딕" panose="020B0503020000020004" pitchFamily="50" charset="-127"/>
-              <a:ea typeface="맑은 고딕" panose="020B0503020000020004" pitchFamily="50" charset="-127"/>
-            </a:endParaRPr>
-          </a:p>
-          <a:p>
-            <a:pPr marL="742950" lvl="1" indent="-285750" algn="just">
-              <a:buFont typeface="맑은 고딕" panose="020B0503020000020004" pitchFamily="50" charset="-127"/>
-              <a:buChar char="-"/>
-            </a:pPr>
-            <a:endParaRPr lang="en-US" altLang="ko-KR" dirty="0" smtClean="0">
-              <a:solidFill>
-                <a:schemeClr val="bg1">
-                  <a:lumMod val="50000"/>
-                </a:schemeClr>
-              </a:solidFill>
-              <a:latin typeface="맑은 고딕" panose="020B0503020000020004" pitchFamily="50" charset="-127"/>
-              <a:ea typeface="맑은 고딕" panose="020B0503020000020004" pitchFamily="50" charset="-127"/>
-            </a:endParaRPr>
-          </a:p>
-          <a:p>
-            <a:pPr marL="742950" lvl="1" indent="-285750" algn="just">
-              <a:buFont typeface="맑은 고딕" panose="020B0503020000020004" pitchFamily="50" charset="-127"/>
-              <a:buChar char="-"/>
-            </a:pPr>
-            <a:endParaRPr lang="en-US" dirty="0">
               <a:latin typeface="맑은 고딕" panose="020B0503020000020004" pitchFamily="50" charset="-127"/>
               <a:ea typeface="맑은 고딕" panose="020B0503020000020004" pitchFamily="50" charset="-127"/>
             </a:endParaRPr>
@@ -36892,40 +37728,105 @@
           </a:prstGeom>
         </p:spPr>
       </p:pic>
-      <p:sp>
-        <p:nvSpPr>
-          <p:cNvPr id="36" name="TextBox 35"/>
-          <p:cNvSpPr txBox="1"/>
+      <p:grpSp>
+        <p:nvGrpSpPr>
+          <p:cNvPr id="12" name="그룹 11"/>
+          <p:cNvGrpSpPr/>
           <p:nvPr/>
-        </p:nvSpPr>
-        <p:spPr>
+        </p:nvGrpSpPr>
+        <p:grpSpPr>
           <a:xfrm>
-            <a:off x="8839200" y="3707368"/>
-            <a:ext cx="1446230" cy="369332"/>
+            <a:off x="8928100" y="3695700"/>
+            <a:ext cx="1003301" cy="320477"/>
+            <a:chOff x="8928100" y="3756223"/>
+            <a:chExt cx="1003301" cy="320477"/>
           </a:xfrm>
-          <a:prstGeom prst="rect">
-            <a:avLst/>
-          </a:prstGeom>
-          <a:noFill/>
-        </p:spPr>
-        <p:txBody>
-          <a:bodyPr wrap="none" rtlCol="0">
-            <a:spAutoFit/>
-          </a:bodyPr>
-          <a:lstStyle/>
-          <a:p>
-            <a:r>
-              <a:rPr lang="en-US" altLang="ko-KR" dirty="0" smtClean="0"/>
-              <a:t>Console </a:t>
-            </a:r>
-            <a:r>
-              <a:rPr lang="ko-KR" altLang="en-US" dirty="0" smtClean="0"/>
-              <a:t>화면</a:t>
-            </a:r>
-            <a:endParaRPr lang="ko-KR" altLang="en-US" dirty="0"/>
-          </a:p>
-        </p:txBody>
-      </p:sp>
+        </p:grpSpPr>
+        <p:sp>
+          <p:nvSpPr>
+            <p:cNvPr id="36" name="TextBox 35"/>
+            <p:cNvSpPr txBox="1"/>
+            <p:nvPr/>
+          </p:nvSpPr>
+          <p:spPr>
+            <a:xfrm>
+              <a:off x="8990223" y="3756223"/>
+              <a:ext cx="941178" cy="307777"/>
+            </a:xfrm>
+            <a:prstGeom prst="rect">
+              <a:avLst/>
+            </a:prstGeom>
+            <a:noFill/>
+          </p:spPr>
+          <p:txBody>
+            <a:bodyPr wrap="square" rtlCol="0">
+              <a:spAutoFit/>
+            </a:bodyPr>
+            <a:lstStyle/>
+            <a:p>
+              <a:r>
+                <a:rPr lang="en-US" altLang="ko-KR" sz="1400" b="1" dirty="0" smtClean="0">
+                  <a:latin typeface="맑은 고딕" panose="020B0503020000020004" pitchFamily="50" charset="-127"/>
+                  <a:ea typeface="맑은 고딕" panose="020B0503020000020004" pitchFamily="50" charset="-127"/>
+                </a:rPr>
+                <a:t>Console</a:t>
+              </a:r>
+              <a:endParaRPr lang="ko-KR" altLang="en-US" sz="1400" b="1" dirty="0">
+                <a:latin typeface="맑은 고딕" panose="020B0503020000020004" pitchFamily="50" charset="-127"/>
+                <a:ea typeface="맑은 고딕" panose="020B0503020000020004" pitchFamily="50" charset="-127"/>
+              </a:endParaRPr>
+            </a:p>
+          </p:txBody>
+        </p:sp>
+        <p:sp>
+          <p:nvSpPr>
+            <p:cNvPr id="10" name="모서리가 둥근 직사각형 9"/>
+            <p:cNvSpPr/>
+            <p:nvPr/>
+          </p:nvSpPr>
+          <p:spPr>
+            <a:xfrm>
+              <a:off x="8928100" y="3771900"/>
+              <a:ext cx="977900" cy="304800"/>
+            </a:xfrm>
+            <a:prstGeom prst="roundRect">
+              <a:avLst>
+                <a:gd name="adj" fmla="val 50000"/>
+              </a:avLst>
+            </a:prstGeom>
+            <a:noFill/>
+            <a:ln>
+              <a:solidFill>
+                <a:srgbClr val="75D387"/>
+              </a:solidFill>
+            </a:ln>
+          </p:spPr>
+          <p:style>
+            <a:lnRef idx="2">
+              <a:schemeClr val="accent1">
+                <a:shade val="50000"/>
+              </a:schemeClr>
+            </a:lnRef>
+            <a:fillRef idx="1">
+              <a:schemeClr val="accent1"/>
+            </a:fillRef>
+            <a:effectRef idx="0">
+              <a:schemeClr val="accent1"/>
+            </a:effectRef>
+            <a:fontRef idx="minor">
+              <a:schemeClr val="lt1"/>
+            </a:fontRef>
+          </p:style>
+          <p:txBody>
+            <a:bodyPr rtlCol="0" anchor="ctr"/>
+            <a:lstStyle/>
+            <a:p>
+              <a:pPr algn="ctr"/>
+              <a:endParaRPr lang="ko-KR" altLang="en-US"/>
+            </a:p>
+          </p:txBody>
+        </p:sp>
+      </p:grpSp>
     </p:spTree>
     <p:extLst>
       <p:ext uri="{BB962C8B-B14F-4D97-AF65-F5344CB8AC3E}">
@@ -36936,6 +37837,13 @@
   <p:clrMapOvr>
     <a:masterClrMapping/>
   </p:clrMapOvr>
+  <p:timing>
+    <p:tnLst>
+      <p:par>
+        <p:cTn id="1" dur="indefinite" restart="never" nodeType="tmRoot"/>
+      </p:par>
+    </p:tnLst>
+  </p:timing>
 </p:sld>
 </file>
 
@@ -37160,8 +38068,8 @@
         </p:nvSpPr>
         <p:spPr>
           <a:xfrm>
-            <a:off x="1320183" y="7690885"/>
-            <a:ext cx="15754163" cy="3139321"/>
+            <a:off x="1181100" y="7580174"/>
+            <a:ext cx="15754163" cy="1754326"/>
           </a:xfrm>
           <a:prstGeom prst="rect">
             <a:avLst/>
@@ -37249,7 +38157,7 @@
             </a:endParaRPr>
           </a:p>
           <a:p>
-            <a:pPr marL="342900" indent="-342900" algn="just">
+            <a:pPr marL="396000" indent="-284400" algn="just">
               <a:buFont typeface="맑은 고딕" panose="020B0503020000020004" pitchFamily="50" charset="-127"/>
               <a:buChar char="-"/>
             </a:pPr>
@@ -37263,7 +38171,7 @@
                 <a:latin typeface="맑은 고딕" panose="020B0503020000020004" pitchFamily="50" charset="-127"/>
                 <a:ea typeface="맑은 고딕" panose="020B0503020000020004" pitchFamily="50" charset="-127"/>
               </a:rPr>
-              <a:t>Scanner</a:t>
+              <a:t>Scanner </a:t>
             </a:r>
             <a:r>
               <a:rPr lang="ko-KR" altLang="en-US" dirty="0" smtClean="0">
@@ -37275,7 +38183,19 @@
                 <a:latin typeface="맑은 고딕" panose="020B0503020000020004" pitchFamily="50" charset="-127"/>
                 <a:ea typeface="맑은 고딕" panose="020B0503020000020004" pitchFamily="50" charset="-127"/>
               </a:rPr>
-              <a:t>클래스를 통해 사용자가 입력한 값을 </a:t>
+              <a:t>클래스를 </a:t>
+            </a:r>
+            <a:r>
+              <a:rPr lang="ko-KR" altLang="en-US" dirty="0" smtClean="0">
+                <a:solidFill>
+                  <a:schemeClr val="bg1">
+                    <a:lumMod val="50000"/>
+                  </a:schemeClr>
+                </a:solidFill>
+                <a:latin typeface="맑은 고딕" panose="020B0503020000020004" pitchFamily="50" charset="-127"/>
+                <a:ea typeface="맑은 고딕" panose="020B0503020000020004" pitchFamily="50" charset="-127"/>
+              </a:rPr>
+              <a:t>통해 사용자가 입력한 값을 </a:t>
             </a:r>
             <a:r>
               <a:rPr lang="en-US" altLang="ko-KR" dirty="0" err="1" smtClean="0">
@@ -37411,7 +38331,7 @@
             </a:endParaRPr>
           </a:p>
           <a:p>
-            <a:pPr marL="342900" indent="-342900" algn="just">
+            <a:pPr marL="396000" indent="-284400" algn="just">
               <a:buFont typeface="맑은 고딕" panose="020B0503020000020004" pitchFamily="50" charset="-127"/>
               <a:buChar char="-"/>
             </a:pPr>
@@ -37461,19 +38381,7 @@
                 <a:latin typeface="맑은 고딕" panose="020B0503020000020004" pitchFamily="50" charset="-127"/>
                 <a:ea typeface="맑은 고딕" panose="020B0503020000020004" pitchFamily="50" charset="-127"/>
               </a:rPr>
-              <a:t>를 생성하여  함수 호출 시 매개변수로 넣은 </a:t>
-            </a:r>
-            <a:r>
-              <a:rPr lang="en-US" altLang="ko-KR" dirty="0" err="1" smtClean="0">
-                <a:solidFill>
-                  <a:schemeClr val="bg1">
-                    <a:lumMod val="50000"/>
-                  </a:schemeClr>
-                </a:solidFill>
-                <a:latin typeface="맑은 고딕" panose="020B0503020000020004" pitchFamily="50" charset="-127"/>
-                <a:ea typeface="맑은 고딕" panose="020B0503020000020004" pitchFamily="50" charset="-127"/>
-              </a:rPr>
-              <a:t>dto</a:t>
+              <a:t>를 </a:t>
             </a:r>
             <a:r>
               <a:rPr lang="ko-KR" altLang="en-US" dirty="0" smtClean="0">
@@ -37485,19 +38393,19 @@
                 <a:latin typeface="맑은 고딕" panose="020B0503020000020004" pitchFamily="50" charset="-127"/>
                 <a:ea typeface="맑은 고딕" panose="020B0503020000020004" pitchFamily="50" charset="-127"/>
               </a:rPr>
-              <a:t>를 </a:t>
-            </a:r>
-            <a:r>
-              <a:rPr lang="en-US" altLang="ko-KR" dirty="0" err="1" smtClean="0">
-                <a:solidFill>
-                  <a:schemeClr val="bg1">
-                    <a:lumMod val="50000"/>
-                  </a:schemeClr>
-                </a:solidFill>
-                <a:latin typeface="맑은 고딕" panose="020B0503020000020004" pitchFamily="50" charset="-127"/>
-                <a:ea typeface="맑은 고딕" panose="020B0503020000020004" pitchFamily="50" charset="-127"/>
-              </a:rPr>
-              <a:t>movieDtos</a:t>
+              <a:t>생성하여</a:t>
+            </a:r>
+            <a:r>
+              <a:rPr lang="en-US" altLang="ko-KR" dirty="0">
+                <a:solidFill>
+                  <a:schemeClr val="bg1">
+                    <a:lumMod val="50000"/>
+                  </a:schemeClr>
+                </a:solidFill>
+                <a:latin typeface="맑은 고딕" panose="020B0503020000020004" pitchFamily="50" charset="-127"/>
+                <a:ea typeface="맑은 고딕" panose="020B0503020000020004" pitchFamily="50" charset="-127"/>
+              </a:rPr>
+              <a:t> </a:t>
             </a:r>
             <a:r>
               <a:rPr lang="ko-KR" altLang="en-US" dirty="0" smtClean="0">
@@ -37509,7 +38417,7 @@
                 <a:latin typeface="맑은 고딕" panose="020B0503020000020004" pitchFamily="50" charset="-127"/>
                 <a:ea typeface="맑은 고딕" panose="020B0503020000020004" pitchFamily="50" charset="-127"/>
               </a:rPr>
-              <a:t>에 추가</a:t>
+              <a:t>입력한 데이터를 추가</a:t>
             </a:r>
             <a:endParaRPr lang="en-US" altLang="ko-KR" dirty="0" smtClean="0">
               <a:solidFill>
@@ -37522,7 +38430,7 @@
             </a:endParaRPr>
           </a:p>
           <a:p>
-            <a:pPr marL="342900" indent="-342900" algn="just">
+            <a:pPr marL="396000" indent="-284400" algn="just">
               <a:buFont typeface="맑은 고딕" panose="020B0503020000020004" pitchFamily="50" charset="-127"/>
               <a:buChar char="-"/>
             </a:pPr>
@@ -37572,7 +38480,43 @@
                 <a:latin typeface="맑은 고딕" panose="020B0503020000020004" pitchFamily="50" charset="-127"/>
                 <a:ea typeface="맑은 고딕" panose="020B0503020000020004" pitchFamily="50" charset="-127"/>
               </a:rPr>
-              <a:t>라는 함수를 사용하여 메모리가 아닌 파일로 저장</a:t>
+              <a:t>라는 함수를 </a:t>
+            </a:r>
+            <a:r>
+              <a:rPr lang="ko-KR" altLang="en-US" dirty="0" smtClean="0">
+                <a:solidFill>
+                  <a:schemeClr val="bg1">
+                    <a:lumMod val="50000"/>
+                  </a:schemeClr>
+                </a:solidFill>
+                <a:latin typeface="맑은 고딕" panose="020B0503020000020004" pitchFamily="50" charset="-127"/>
+                <a:ea typeface="맑은 고딕" panose="020B0503020000020004" pitchFamily="50" charset="-127"/>
+              </a:rPr>
+              <a:t>사용하여 영구적으로 보존하기 위해 메모리가 </a:t>
+            </a:r>
+            <a:r>
+              <a:rPr lang="ko-KR" altLang="en-US" dirty="0" smtClean="0">
+                <a:solidFill>
+                  <a:schemeClr val="bg1">
+                    <a:lumMod val="50000"/>
+                  </a:schemeClr>
+                </a:solidFill>
+                <a:latin typeface="맑은 고딕" panose="020B0503020000020004" pitchFamily="50" charset="-127"/>
+                <a:ea typeface="맑은 고딕" panose="020B0503020000020004" pitchFamily="50" charset="-127"/>
+              </a:rPr>
+              <a:t>아닌 파일로 </a:t>
+            </a:r>
+            <a:r>
+              <a:rPr lang="ko-KR" altLang="en-US" dirty="0" smtClean="0">
+                <a:solidFill>
+                  <a:schemeClr val="bg1">
+                    <a:lumMod val="50000"/>
+                  </a:schemeClr>
+                </a:solidFill>
+                <a:latin typeface="맑은 고딕" panose="020B0503020000020004" pitchFamily="50" charset="-127"/>
+                <a:ea typeface="맑은 고딕" panose="020B0503020000020004" pitchFamily="50" charset="-127"/>
+              </a:rPr>
+              <a:t>저장</a:t>
             </a:r>
             <a:endParaRPr lang="en-US" altLang="ko-KR" dirty="0" smtClean="0">
               <a:solidFill>
@@ -37585,7 +38529,7 @@
             </a:endParaRPr>
           </a:p>
           <a:p>
-            <a:pPr marL="342900" indent="-342900" algn="just">
+            <a:pPr marL="396000" indent="-284400" algn="just">
               <a:buFont typeface="맑은 고딕" panose="020B0503020000020004" pitchFamily="50" charset="-127"/>
               <a:buChar char="-"/>
             </a:pPr>
@@ -37614,18 +38558,6 @@
               <a:t>의 경우 </a:t>
             </a:r>
             <a:r>
-              <a:rPr lang="ko-KR" altLang="en-US" dirty="0" err="1" smtClean="0">
-                <a:solidFill>
-                  <a:schemeClr val="bg1">
-                    <a:lumMod val="50000"/>
-                  </a:schemeClr>
-                </a:solidFill>
-                <a:latin typeface="맑은 고딕" panose="020B0503020000020004" pitchFamily="50" charset="-127"/>
-                <a:ea typeface="맑은 고딕" panose="020B0503020000020004" pitchFamily="50" charset="-127"/>
-              </a:rPr>
-              <a:t>추가될때마다</a:t>
-            </a:r>
-            <a:r>
               <a:rPr lang="ko-KR" altLang="en-US" dirty="0" smtClean="0">
                 <a:solidFill>
                   <a:schemeClr val="bg1">
@@ -37635,55 +38567,55 @@
                 <a:latin typeface="맑은 고딕" panose="020B0503020000020004" pitchFamily="50" charset="-127"/>
                 <a:ea typeface="맑은 고딕" panose="020B0503020000020004" pitchFamily="50" charset="-127"/>
               </a:rPr>
+              <a:t>추가될 때마다 </a:t>
+            </a:r>
+            <a:r>
+              <a:rPr lang="en-US" altLang="ko-KR" dirty="0" smtClean="0">
+                <a:solidFill>
+                  <a:schemeClr val="bg1">
+                    <a:lumMod val="50000"/>
+                  </a:schemeClr>
+                </a:solidFill>
+                <a:latin typeface="맑은 고딕" panose="020B0503020000020004" pitchFamily="50" charset="-127"/>
+                <a:ea typeface="맑은 고딕" panose="020B0503020000020004" pitchFamily="50" charset="-127"/>
+              </a:rPr>
+              <a:t>1</a:t>
+            </a:r>
+            <a:r>
+              <a:rPr lang="ko-KR" altLang="en-US" dirty="0" smtClean="0">
+                <a:solidFill>
+                  <a:schemeClr val="bg1">
+                    <a:lumMod val="50000"/>
+                  </a:schemeClr>
+                </a:solidFill>
+                <a:latin typeface="맑은 고딕" panose="020B0503020000020004" pitchFamily="50" charset="-127"/>
+                <a:ea typeface="맑은 고딕" panose="020B0503020000020004" pitchFamily="50" charset="-127"/>
+              </a:rPr>
+              <a:t>씩 증가를 </a:t>
+            </a:r>
+            <a:r>
+              <a:rPr lang="ko-KR" altLang="en-US" dirty="0" smtClean="0">
+                <a:solidFill>
+                  <a:schemeClr val="bg1">
+                    <a:lumMod val="50000"/>
+                  </a:schemeClr>
+                </a:solidFill>
+                <a:latin typeface="맑은 고딕" panose="020B0503020000020004" pitchFamily="50" charset="-127"/>
+                <a:ea typeface="맑은 고딕" panose="020B0503020000020004" pitchFamily="50" charset="-127"/>
+              </a:rPr>
+              <a:t>위해</a:t>
+            </a:r>
+            <a:r>
+              <a:rPr lang="ko-KR" altLang="en-US" dirty="0" smtClean="0">
+                <a:solidFill>
+                  <a:schemeClr val="bg1">
+                    <a:lumMod val="50000"/>
+                  </a:schemeClr>
+                </a:solidFill>
+                <a:latin typeface="맑은 고딕" panose="020B0503020000020004" pitchFamily="50" charset="-127"/>
+                <a:ea typeface="맑은 고딕" panose="020B0503020000020004" pitchFamily="50" charset="-127"/>
+              </a:rPr>
               <a:t> </a:t>
-            </a:r>
-            <a:r>
-              <a:rPr lang="en-US" altLang="ko-KR" dirty="0" smtClean="0">
-                <a:solidFill>
-                  <a:schemeClr val="bg1">
-                    <a:lumMod val="50000"/>
-                  </a:schemeClr>
-                </a:solidFill>
-                <a:latin typeface="맑은 고딕" panose="020B0503020000020004" pitchFamily="50" charset="-127"/>
-                <a:ea typeface="맑은 고딕" panose="020B0503020000020004" pitchFamily="50" charset="-127"/>
-              </a:rPr>
-              <a:t>1</a:t>
-            </a:r>
-            <a:r>
-              <a:rPr lang="ko-KR" altLang="en-US" dirty="0" smtClean="0">
-                <a:solidFill>
-                  <a:schemeClr val="bg1">
-                    <a:lumMod val="50000"/>
-                  </a:schemeClr>
-                </a:solidFill>
-                <a:latin typeface="맑은 고딕" panose="020B0503020000020004" pitchFamily="50" charset="-127"/>
-                <a:ea typeface="맑은 고딕" panose="020B0503020000020004" pitchFamily="50" charset="-127"/>
-              </a:rPr>
-              <a:t>씩 증가를 </a:t>
-            </a:r>
-            <a:r>
-              <a:rPr lang="ko-KR" altLang="en-US" dirty="0" err="1" smtClean="0">
-                <a:solidFill>
-                  <a:schemeClr val="bg1">
-                    <a:lumMod val="50000"/>
-                  </a:schemeClr>
-                </a:solidFill>
-                <a:latin typeface="맑은 고딕" panose="020B0503020000020004" pitchFamily="50" charset="-127"/>
-                <a:ea typeface="맑은 고딕" panose="020B0503020000020004" pitchFamily="50" charset="-127"/>
-              </a:rPr>
-              <a:t>해야되기</a:t>
-            </a:r>
-            <a:r>
-              <a:rPr lang="ko-KR" altLang="en-US" dirty="0" smtClean="0">
-                <a:solidFill>
-                  <a:schemeClr val="bg1">
-                    <a:lumMod val="50000"/>
-                  </a:schemeClr>
-                </a:solidFill>
-                <a:latin typeface="맑은 고딕" panose="020B0503020000020004" pitchFamily="50" charset="-127"/>
-                <a:ea typeface="맑은 고딕" panose="020B0503020000020004" pitchFamily="50" charset="-127"/>
-              </a:rPr>
-              <a:t> 때문에 </a:t>
             </a:r>
             <a:r>
               <a:rPr lang="en-US" altLang="ko-KR" dirty="0" err="1" smtClean="0">
@@ -37727,70 +38659,6 @@
                   <a:lumMod val="50000"/>
                 </a:schemeClr>
               </a:solidFill>
-              <a:latin typeface="맑은 고딕" panose="020B0503020000020004" pitchFamily="50" charset="-127"/>
-              <a:ea typeface="맑은 고딕" panose="020B0503020000020004" pitchFamily="50" charset="-127"/>
-            </a:endParaRPr>
-          </a:p>
-          <a:p>
-            <a:pPr algn="just"/>
-            <a:endParaRPr lang="en-US" altLang="ko-KR" dirty="0" smtClean="0">
-              <a:solidFill>
-                <a:schemeClr val="bg1">
-                  <a:lumMod val="50000"/>
-                </a:schemeClr>
-              </a:solidFill>
-              <a:latin typeface="맑은 고딕" panose="020B0503020000020004" pitchFamily="50" charset="-127"/>
-              <a:ea typeface="맑은 고딕" panose="020B0503020000020004" pitchFamily="50" charset="-127"/>
-            </a:endParaRPr>
-          </a:p>
-          <a:p>
-            <a:pPr lvl="1" algn="just"/>
-            <a:endParaRPr lang="en-US" altLang="ko-KR" dirty="0" smtClean="0">
-              <a:solidFill>
-                <a:schemeClr val="bg1">
-                  <a:lumMod val="50000"/>
-                </a:schemeClr>
-              </a:solidFill>
-              <a:latin typeface="맑은 고딕" panose="020B0503020000020004" pitchFamily="50" charset="-127"/>
-              <a:ea typeface="맑은 고딕" panose="020B0503020000020004" pitchFamily="50" charset="-127"/>
-            </a:endParaRPr>
-          </a:p>
-          <a:p>
-            <a:pPr marL="742950" lvl="1" indent="-285750" algn="just">
-              <a:buFont typeface="맑은 고딕" panose="020B0503020000020004" pitchFamily="50" charset="-127"/>
-              <a:buChar char="-"/>
-            </a:pPr>
-            <a:endParaRPr lang="en-US" altLang="ko-KR" dirty="0" smtClean="0">
-              <a:solidFill>
-                <a:schemeClr val="bg1">
-                  <a:lumMod val="50000"/>
-                </a:schemeClr>
-              </a:solidFill>
-              <a:latin typeface="맑은 고딕" panose="020B0503020000020004" pitchFamily="50" charset="-127"/>
-              <a:ea typeface="맑은 고딕" panose="020B0503020000020004" pitchFamily="50" charset="-127"/>
-            </a:endParaRPr>
-          </a:p>
-          <a:p>
-            <a:pPr marL="742950" lvl="1" indent="-285750" algn="just">
-              <a:buFont typeface="맑은 고딕" panose="020B0503020000020004" pitchFamily="50" charset="-127"/>
-              <a:buChar char="-"/>
-            </a:pPr>
-            <a:endParaRPr lang="en-US" altLang="ko-KR" dirty="0" smtClean="0">
-              <a:solidFill>
-                <a:schemeClr val="bg1">
-                  <a:lumMod val="50000"/>
-                </a:schemeClr>
-              </a:solidFill>
-              <a:latin typeface="맑은 고딕" panose="020B0503020000020004" pitchFamily="50" charset="-127"/>
-              <a:ea typeface="맑은 고딕" panose="020B0503020000020004" pitchFamily="50" charset="-127"/>
-            </a:endParaRPr>
-          </a:p>
-          <a:p>
-            <a:pPr marL="742950" lvl="1" indent="-285750" algn="just">
-              <a:buFont typeface="맑은 고딕" panose="020B0503020000020004" pitchFamily="50" charset="-127"/>
-              <a:buChar char="-"/>
-            </a:pPr>
-            <a:endParaRPr lang="en-US" dirty="0">
               <a:latin typeface="맑은 고딕" panose="020B0503020000020004" pitchFamily="50" charset="-127"/>
               <a:ea typeface="맑은 고딕" panose="020B0503020000020004" pitchFamily="50" charset="-127"/>
             </a:endParaRPr>
@@ -39350,6 +40218,13 @@
   <p:clrMapOvr>
     <a:masterClrMapping/>
   </p:clrMapOvr>
+  <p:timing>
+    <p:tnLst>
+      <p:par>
+        <p:cTn id="1" dur="indefinite" restart="never" nodeType="tmRoot"/>
+      </p:par>
+    </p:tnLst>
+  </p:timing>
 </p:sld>
 </file>
 
@@ -39574,8 +40449,8 @@
         </p:nvSpPr>
         <p:spPr>
           <a:xfrm>
-            <a:off x="1320183" y="7712655"/>
-            <a:ext cx="15754163" cy="3139321"/>
+            <a:off x="1189557" y="7595914"/>
+            <a:ext cx="15754163" cy="1477328"/>
           </a:xfrm>
           <a:prstGeom prst="rect">
             <a:avLst/>
@@ -39663,7 +40538,7 @@
             </a:endParaRPr>
           </a:p>
           <a:p>
-            <a:pPr marL="342900" indent="-342900" algn="just">
+            <a:pPr marL="396000" indent="-284400" algn="just">
               <a:buFont typeface="맑은 고딕" panose="020B0503020000020004" pitchFamily="50" charset="-127"/>
               <a:buChar char="-"/>
             </a:pPr>
@@ -39861,7 +40736,7 @@
             </a:endParaRPr>
           </a:p>
           <a:p>
-            <a:pPr marL="342900" indent="-342900" algn="just">
+            <a:pPr marL="396000" indent="-284400" algn="just">
               <a:buFont typeface="맑은 고딕" panose="020B0503020000020004" pitchFamily="50" charset="-127"/>
               <a:buChar char="-"/>
             </a:pPr>
@@ -39899,7 +40774,7 @@
                 <a:latin typeface="맑은 고딕" panose="020B0503020000020004" pitchFamily="50" charset="-127"/>
                 <a:ea typeface="맑은 고딕" panose="020B0503020000020004" pitchFamily="50" charset="-127"/>
               </a:rPr>
-              <a:t>movie.createMovie</a:t>
+              <a:t>movieView.createMovie</a:t>
             </a:r>
             <a:r>
               <a:rPr lang="en-US" altLang="ko-KR" dirty="0" smtClean="0">
@@ -39947,7 +40822,43 @@
                 <a:latin typeface="맑은 고딕" panose="020B0503020000020004" pitchFamily="50" charset="-127"/>
                 <a:ea typeface="맑은 고딕" panose="020B0503020000020004" pitchFamily="50" charset="-127"/>
               </a:rPr>
-              <a:t>를 넣어서 함수 호출하면 사용자가 입력한 정보가 저장되게 한다</a:t>
+              <a:t>를 넣어서 함수 </a:t>
+            </a:r>
+            <a:r>
+              <a:rPr lang="ko-KR" altLang="en-US" dirty="0" smtClean="0">
+                <a:solidFill>
+                  <a:schemeClr val="bg1">
+                    <a:lumMod val="50000"/>
+                  </a:schemeClr>
+                </a:solidFill>
+                <a:latin typeface="맑은 고딕" panose="020B0503020000020004" pitchFamily="50" charset="-127"/>
+                <a:ea typeface="맑은 고딕" panose="020B0503020000020004" pitchFamily="50" charset="-127"/>
+              </a:rPr>
+              <a:t>호출하여</a:t>
+            </a:r>
+            <a:r>
+              <a:rPr lang="en-US" altLang="ko-KR" dirty="0" smtClean="0">
+                <a:solidFill>
+                  <a:schemeClr val="bg1">
+                    <a:lumMod val="50000"/>
+                  </a:schemeClr>
+                </a:solidFill>
+                <a:latin typeface="맑은 고딕" panose="020B0503020000020004" pitchFamily="50" charset="-127"/>
+                <a:ea typeface="맑은 고딕" panose="020B0503020000020004" pitchFamily="50" charset="-127"/>
+              </a:rPr>
+              <a:t> </a:t>
+            </a:r>
+            <a:r>
+              <a:rPr lang="ko-KR" altLang="en-US" dirty="0" smtClean="0">
+                <a:solidFill>
+                  <a:schemeClr val="bg1">
+                    <a:lumMod val="50000"/>
+                  </a:schemeClr>
+                </a:solidFill>
+                <a:latin typeface="맑은 고딕" panose="020B0503020000020004" pitchFamily="50" charset="-127"/>
+                <a:ea typeface="맑은 고딕" panose="020B0503020000020004" pitchFamily="50" charset="-127"/>
+              </a:rPr>
+              <a:t>사용자 등록 내용 저장</a:t>
             </a:r>
             <a:endParaRPr lang="en-US" altLang="ko-KR" dirty="0" smtClean="0">
               <a:solidFill>
@@ -40082,7 +40993,19 @@
                 <a:latin typeface="맑은 고딕" panose="020B0503020000020004" pitchFamily="50" charset="-127"/>
                 <a:ea typeface="맑은 고딕" panose="020B0503020000020004" pitchFamily="50" charset="-127"/>
               </a:rPr>
-              <a:t>함수 호출</a:t>
+              <a:t>함수 </a:t>
+            </a:r>
+            <a:r>
+              <a:rPr lang="ko-KR" altLang="en-US" dirty="0" smtClean="0">
+                <a:solidFill>
+                  <a:schemeClr val="bg1">
+                    <a:lumMod val="50000"/>
+                  </a:schemeClr>
+                </a:solidFill>
+                <a:latin typeface="맑은 고딕" panose="020B0503020000020004" pitchFamily="50" charset="-127"/>
+                <a:ea typeface="맑은 고딕" panose="020B0503020000020004" pitchFamily="50" charset="-127"/>
+              </a:rPr>
+              <a:t>호출</a:t>
             </a:r>
             <a:endParaRPr lang="en-US" altLang="ko-KR" dirty="0">
               <a:solidFill>
@@ -40090,82 +41013,6 @@
                   <a:lumMod val="50000"/>
                 </a:schemeClr>
               </a:solidFill>
-              <a:latin typeface="맑은 고딕" panose="020B0503020000020004" pitchFamily="50" charset="-127"/>
-              <a:ea typeface="맑은 고딕" panose="020B0503020000020004" pitchFamily="50" charset="-127"/>
-            </a:endParaRPr>
-          </a:p>
-          <a:p>
-            <a:pPr algn="just"/>
-            <a:endParaRPr lang="en-US" altLang="ko-KR" dirty="0">
-              <a:solidFill>
-                <a:schemeClr val="bg1">
-                  <a:lumMod val="50000"/>
-                </a:schemeClr>
-              </a:solidFill>
-              <a:latin typeface="맑은 고딕" panose="020B0503020000020004" pitchFamily="50" charset="-127"/>
-              <a:ea typeface="맑은 고딕" panose="020B0503020000020004" pitchFamily="50" charset="-127"/>
-            </a:endParaRPr>
-          </a:p>
-          <a:p>
-            <a:pPr algn="just"/>
-            <a:endParaRPr lang="en-US" altLang="ko-KR" dirty="0" smtClean="0">
-              <a:solidFill>
-                <a:schemeClr val="bg1">
-                  <a:lumMod val="50000"/>
-                </a:schemeClr>
-              </a:solidFill>
-              <a:latin typeface="맑은 고딕" panose="020B0503020000020004" pitchFamily="50" charset="-127"/>
-              <a:ea typeface="맑은 고딕" panose="020B0503020000020004" pitchFamily="50" charset="-127"/>
-            </a:endParaRPr>
-          </a:p>
-          <a:p>
-            <a:pPr lvl="1" algn="just"/>
-            <a:endParaRPr lang="en-US" altLang="ko-KR" dirty="0" smtClean="0">
-              <a:solidFill>
-                <a:schemeClr val="bg1">
-                  <a:lumMod val="50000"/>
-                </a:schemeClr>
-              </a:solidFill>
-              <a:latin typeface="맑은 고딕" panose="020B0503020000020004" pitchFamily="50" charset="-127"/>
-              <a:ea typeface="맑은 고딕" panose="020B0503020000020004" pitchFamily="50" charset="-127"/>
-            </a:endParaRPr>
-          </a:p>
-          <a:p>
-            <a:pPr marL="742950" lvl="1" indent="-285750" algn="just">
-              <a:buFont typeface="맑은 고딕" panose="020B0503020000020004" pitchFamily="50" charset="-127"/>
-              <a:buChar char="-"/>
-            </a:pPr>
-            <a:endParaRPr lang="en-US" altLang="ko-KR" dirty="0" smtClean="0">
-              <a:solidFill>
-                <a:schemeClr val="bg1">
-                  <a:lumMod val="50000"/>
-                </a:schemeClr>
-              </a:solidFill>
-              <a:latin typeface="맑은 고딕" panose="020B0503020000020004" pitchFamily="50" charset="-127"/>
-              <a:ea typeface="맑은 고딕" panose="020B0503020000020004" pitchFamily="50" charset="-127"/>
-            </a:endParaRPr>
-          </a:p>
-          <a:p>
-            <a:pPr marL="742950" lvl="1" indent="-285750" algn="just">
-              <a:buFont typeface="맑은 고딕" panose="020B0503020000020004" pitchFamily="50" charset="-127"/>
-              <a:buChar char="-"/>
-            </a:pPr>
-            <a:endParaRPr lang="en-US" altLang="ko-KR" dirty="0" smtClean="0">
-              <a:solidFill>
-                <a:schemeClr val="bg1">
-                  <a:lumMod val="50000"/>
-                </a:schemeClr>
-              </a:solidFill>
-              <a:latin typeface="맑은 고딕" panose="020B0503020000020004" pitchFamily="50" charset="-127"/>
-              <a:ea typeface="맑은 고딕" panose="020B0503020000020004" pitchFamily="50" charset="-127"/>
-            </a:endParaRPr>
-          </a:p>
-          <a:p>
-            <a:pPr marL="742950" lvl="1" indent="-285750" algn="just">
-              <a:buFont typeface="맑은 고딕" panose="020B0503020000020004" pitchFamily="50" charset="-127"/>
-              <a:buChar char="-"/>
-            </a:pPr>
-            <a:endParaRPr lang="en-US" dirty="0">
               <a:latin typeface="맑은 고딕" panose="020B0503020000020004" pitchFamily="50" charset="-127"/>
               <a:ea typeface="맑은 고딕" panose="020B0503020000020004" pitchFamily="50" charset="-127"/>
             </a:endParaRPr>
@@ -41367,6 +42214,13 @@
   <p:clrMapOvr>
     <a:masterClrMapping/>
   </p:clrMapOvr>
+  <p:timing>
+    <p:tnLst>
+      <p:par>
+        <p:cTn id="1" dur="indefinite" restart="never" nodeType="tmRoot"/>
+      </p:par>
+    </p:tnLst>
+  </p:timing>
 </p:sld>
 </file>
 
